--- a/docs/seminar_ppt.pptx
+++ b/docs/seminar_ppt.pptx
@@ -2,64 +2,59 @@
 <file path=ppt/presentation.xml><?xml version="1.0" encoding="utf-8"?>
 <p:presentation xmlns:a="http://schemas.openxmlformats.org/drawingml/2006/main" xmlns:r="http://schemas.openxmlformats.org/officeDocument/2006/relationships" xmlns:p="http://schemas.openxmlformats.org/presentationml/2006/main" strictFirstAndLastChars="0" embedTrueTypeFonts="1" saveSubsetFonts="1" autoCompressPictures="0">
   <p:sldMasterIdLst>
-    <p:sldMasterId id="2147483664" r:id="rId1"/>
+    <p:sldMasterId id="2147483648" r:id="rId1"/>
   </p:sldMasterIdLst>
   <p:notesMasterIdLst>
-    <p:notesMasterId r:id="rId30"/>
+    <p:notesMasterId r:id="rId4"/>
   </p:notesMasterIdLst>
   <p:sldIdLst>
-    <p:sldId id="256" r:id="rId2"/>
-    <p:sldId id="257" r:id="rId3"/>
-    <p:sldId id="258" r:id="rId4"/>
-    <p:sldId id="259" r:id="rId5"/>
-    <p:sldId id="260" r:id="rId6"/>
-    <p:sldId id="261" r:id="rId7"/>
-    <p:sldId id="262" r:id="rId8"/>
-    <p:sldId id="263" r:id="rId9"/>
-    <p:sldId id="264" r:id="rId10"/>
-    <p:sldId id="265" r:id="rId11"/>
-    <p:sldId id="266" r:id="rId12"/>
-    <p:sldId id="267" r:id="rId13"/>
-    <p:sldId id="268" r:id="rId14"/>
-    <p:sldId id="269" r:id="rId15"/>
-    <p:sldId id="283" r:id="rId16"/>
-    <p:sldId id="270" r:id="rId17"/>
-    <p:sldId id="271" r:id="rId18"/>
-    <p:sldId id="272" r:id="rId19"/>
-    <p:sldId id="284" r:id="rId20"/>
-    <p:sldId id="285" r:id="rId21"/>
-    <p:sldId id="286" r:id="rId22"/>
-    <p:sldId id="287" r:id="rId23"/>
-    <p:sldId id="288" r:id="rId24"/>
-    <p:sldId id="278" r:id="rId25"/>
-    <p:sldId id="279" r:id="rId26"/>
-    <p:sldId id="280" r:id="rId27"/>
-    <p:sldId id="281" r:id="rId28"/>
-    <p:sldId id="282" r:id="rId29"/>
+    <p:sldId id="256" r:id="rId3"/>
+    <p:sldId id="257" r:id="rId5"/>
+    <p:sldId id="258" r:id="rId6"/>
+    <p:sldId id="259" r:id="rId7"/>
+    <p:sldId id="260" r:id="rId8"/>
+    <p:sldId id="261" r:id="rId9"/>
+    <p:sldId id="262" r:id="rId10"/>
+    <p:sldId id="263" r:id="rId11"/>
+    <p:sldId id="264" r:id="rId12"/>
+    <p:sldId id="265" r:id="rId13"/>
+    <p:sldId id="266" r:id="rId14"/>
+    <p:sldId id="267" r:id="rId15"/>
+    <p:sldId id="268" r:id="rId16"/>
+    <p:sldId id="269" r:id="rId17"/>
+    <p:sldId id="283" r:id="rId18"/>
+    <p:sldId id="270" r:id="rId19"/>
+    <p:sldId id="271" r:id="rId20"/>
+    <p:sldId id="272" r:id="rId21"/>
+    <p:sldId id="284" r:id="rId22"/>
+    <p:sldId id="285" r:id="rId23"/>
+    <p:sldId id="286" r:id="rId24"/>
+    <p:sldId id="287" r:id="rId25"/>
+    <p:sldId id="288" r:id="rId26"/>
+    <p:sldId id="278" r:id="rId27"/>
+    <p:sldId id="279" r:id="rId28"/>
+    <p:sldId id="280" r:id="rId29"/>
+    <p:sldId id="281" r:id="rId30"/>
+    <p:sldId id="282" r:id="rId31"/>
+    <p:sldId id="297" r:id="rId32"/>
   </p:sldIdLst>
   <p:sldSz cx="9144000" cy="5143500" type="screen16x9"/>
   <p:notesSz cx="6858000" cy="9144000"/>
   <p:embeddedFontLst>
     <p:embeddedFont>
-      <p:font typeface="Calibri" panose="020F0502020204030204" pitchFamily="34" charset="0"/>
-      <p:regular r:id="rId31"/>
-      <p:bold r:id="rId32"/>
-      <p:italic r:id="rId33"/>
-      <p:boldItalic r:id="rId34"/>
+      <p:font typeface="Nunito" panose="00000500000000000000"/>
+      <p:regular r:id="rId36"/>
     </p:embeddedFont>
     <p:embeddedFont>
-      <p:font typeface="Georgia" panose="02040502050405020303" pitchFamily="18" charset="0"/>
-      <p:regular r:id="rId35"/>
-      <p:bold r:id="rId36"/>
-      <p:italic r:id="rId37"/>
-      <p:boldItalic r:id="rId38"/>
+      <p:font typeface="Calibri" panose="020F0502020204030204"/>
+      <p:regular r:id="rId37"/>
     </p:embeddedFont>
     <p:embeddedFont>
-      <p:font typeface="Nunito" panose="020B0604020202020204" charset="0"/>
-      <p:regular r:id="rId39"/>
-      <p:bold r:id="rId40"/>
-      <p:italic r:id="rId41"/>
-      <p:boldItalic r:id="rId42"/>
+      <p:font typeface="Georgia" panose="02040502050405020303"/>
+      <p:regular r:id="rId38"/>
+      <p:bold r:id="rId39"/>
+      <p:italic r:id="rId40"/>
+      <p:boldItalic r:id="rId41"/>
     </p:embeddedFont>
   </p:embeddedFontLst>
   <p:defaultTextStyle>
@@ -87,15 +82,15 @@
       <a:buClr>
         <a:srgbClr val="000000"/>
       </a:buClr>
-      <a:buFont typeface="Arial"/>
+      <a:buFont typeface="Arial" panose="020B0604020202020204"/>
       <a:defRPr sz="1400" b="0" i="0" u="none" strike="noStrike" cap="none">
         <a:solidFill>
           <a:srgbClr val="000000"/>
         </a:solidFill>
-        <a:latin typeface="Arial"/>
-        <a:ea typeface="Arial"/>
-        <a:cs typeface="Arial"/>
-        <a:sym typeface="Arial"/>
+        <a:latin typeface="Arial" panose="020B0604020202020204"/>
+        <a:ea typeface="Arial" panose="020B0604020202020204"/>
+        <a:cs typeface="Arial" panose="020B0604020202020204"/>
+        <a:sym typeface="Arial" panose="020B0604020202020204"/>
       </a:defRPr>
     </a:lvl1pPr>
     <a:lvl2pPr marR="0" lvl="1" algn="l" rtl="0">
@@ -111,15 +106,15 @@
       <a:buClr>
         <a:srgbClr val="000000"/>
       </a:buClr>
-      <a:buFont typeface="Arial"/>
+      <a:buFont typeface="Arial" panose="020B0604020202020204"/>
       <a:defRPr sz="1400" b="0" i="0" u="none" strike="noStrike" cap="none">
         <a:solidFill>
           <a:srgbClr val="000000"/>
         </a:solidFill>
-        <a:latin typeface="Arial"/>
-        <a:ea typeface="Arial"/>
-        <a:cs typeface="Arial"/>
-        <a:sym typeface="Arial"/>
+        <a:latin typeface="Arial" panose="020B0604020202020204"/>
+        <a:ea typeface="Arial" panose="020B0604020202020204"/>
+        <a:cs typeface="Arial" panose="020B0604020202020204"/>
+        <a:sym typeface="Arial" panose="020B0604020202020204"/>
       </a:defRPr>
     </a:lvl2pPr>
     <a:lvl3pPr marR="0" lvl="2" algn="l" rtl="0">
@@ -135,15 +130,15 @@
       <a:buClr>
         <a:srgbClr val="000000"/>
       </a:buClr>
-      <a:buFont typeface="Arial"/>
+      <a:buFont typeface="Arial" panose="020B0604020202020204"/>
       <a:defRPr sz="1400" b="0" i="0" u="none" strike="noStrike" cap="none">
         <a:solidFill>
           <a:srgbClr val="000000"/>
         </a:solidFill>
-        <a:latin typeface="Arial"/>
-        <a:ea typeface="Arial"/>
-        <a:cs typeface="Arial"/>
-        <a:sym typeface="Arial"/>
+        <a:latin typeface="Arial" panose="020B0604020202020204"/>
+        <a:ea typeface="Arial" panose="020B0604020202020204"/>
+        <a:cs typeface="Arial" panose="020B0604020202020204"/>
+        <a:sym typeface="Arial" panose="020B0604020202020204"/>
       </a:defRPr>
     </a:lvl3pPr>
     <a:lvl4pPr marR="0" lvl="3" algn="l" rtl="0">
@@ -159,15 +154,15 @@
       <a:buClr>
         <a:srgbClr val="000000"/>
       </a:buClr>
-      <a:buFont typeface="Arial"/>
+      <a:buFont typeface="Arial" panose="020B0604020202020204"/>
       <a:defRPr sz="1400" b="0" i="0" u="none" strike="noStrike" cap="none">
         <a:solidFill>
           <a:srgbClr val="000000"/>
         </a:solidFill>
-        <a:latin typeface="Arial"/>
-        <a:ea typeface="Arial"/>
-        <a:cs typeface="Arial"/>
-        <a:sym typeface="Arial"/>
+        <a:latin typeface="Arial" panose="020B0604020202020204"/>
+        <a:ea typeface="Arial" panose="020B0604020202020204"/>
+        <a:cs typeface="Arial" panose="020B0604020202020204"/>
+        <a:sym typeface="Arial" panose="020B0604020202020204"/>
       </a:defRPr>
     </a:lvl4pPr>
     <a:lvl5pPr marR="0" lvl="4" algn="l" rtl="0">
@@ -183,15 +178,15 @@
       <a:buClr>
         <a:srgbClr val="000000"/>
       </a:buClr>
-      <a:buFont typeface="Arial"/>
+      <a:buFont typeface="Arial" panose="020B0604020202020204"/>
       <a:defRPr sz="1400" b="0" i="0" u="none" strike="noStrike" cap="none">
         <a:solidFill>
           <a:srgbClr val="000000"/>
         </a:solidFill>
-        <a:latin typeface="Arial"/>
-        <a:ea typeface="Arial"/>
-        <a:cs typeface="Arial"/>
-        <a:sym typeface="Arial"/>
+        <a:latin typeface="Arial" panose="020B0604020202020204"/>
+        <a:ea typeface="Arial" panose="020B0604020202020204"/>
+        <a:cs typeface="Arial" panose="020B0604020202020204"/>
+        <a:sym typeface="Arial" panose="020B0604020202020204"/>
       </a:defRPr>
     </a:lvl5pPr>
     <a:lvl6pPr marR="0" lvl="5" algn="l" rtl="0">
@@ -207,15 +202,15 @@
       <a:buClr>
         <a:srgbClr val="000000"/>
       </a:buClr>
-      <a:buFont typeface="Arial"/>
+      <a:buFont typeface="Arial" panose="020B0604020202020204"/>
       <a:defRPr sz="1400" b="0" i="0" u="none" strike="noStrike" cap="none">
         <a:solidFill>
           <a:srgbClr val="000000"/>
         </a:solidFill>
-        <a:latin typeface="Arial"/>
-        <a:ea typeface="Arial"/>
-        <a:cs typeface="Arial"/>
-        <a:sym typeface="Arial"/>
+        <a:latin typeface="Arial" panose="020B0604020202020204"/>
+        <a:ea typeface="Arial" panose="020B0604020202020204"/>
+        <a:cs typeface="Arial" panose="020B0604020202020204"/>
+        <a:sym typeface="Arial" panose="020B0604020202020204"/>
       </a:defRPr>
     </a:lvl6pPr>
     <a:lvl7pPr marR="0" lvl="6" algn="l" rtl="0">
@@ -231,15 +226,15 @@
       <a:buClr>
         <a:srgbClr val="000000"/>
       </a:buClr>
-      <a:buFont typeface="Arial"/>
+      <a:buFont typeface="Arial" panose="020B0604020202020204"/>
       <a:defRPr sz="1400" b="0" i="0" u="none" strike="noStrike" cap="none">
         <a:solidFill>
           <a:srgbClr val="000000"/>
         </a:solidFill>
-        <a:latin typeface="Arial"/>
-        <a:ea typeface="Arial"/>
-        <a:cs typeface="Arial"/>
-        <a:sym typeface="Arial"/>
+        <a:latin typeface="Arial" panose="020B0604020202020204"/>
+        <a:ea typeface="Arial" panose="020B0604020202020204"/>
+        <a:cs typeface="Arial" panose="020B0604020202020204"/>
+        <a:sym typeface="Arial" panose="020B0604020202020204"/>
       </a:defRPr>
     </a:lvl7pPr>
     <a:lvl8pPr marR="0" lvl="7" algn="l" rtl="0">
@@ -255,15 +250,15 @@
       <a:buClr>
         <a:srgbClr val="000000"/>
       </a:buClr>
-      <a:buFont typeface="Arial"/>
+      <a:buFont typeface="Arial" panose="020B0604020202020204"/>
       <a:defRPr sz="1400" b="0" i="0" u="none" strike="noStrike" cap="none">
         <a:solidFill>
           <a:srgbClr val="000000"/>
         </a:solidFill>
-        <a:latin typeface="Arial"/>
-        <a:ea typeface="Arial"/>
-        <a:cs typeface="Arial"/>
-        <a:sym typeface="Arial"/>
+        <a:latin typeface="Arial" panose="020B0604020202020204"/>
+        <a:ea typeface="Arial" panose="020B0604020202020204"/>
+        <a:cs typeface="Arial" panose="020B0604020202020204"/>
+        <a:sym typeface="Arial" panose="020B0604020202020204"/>
       </a:defRPr>
     </a:lvl8pPr>
     <a:lvl9pPr marR="0" lvl="8" algn="l" rtl="0">
@@ -279,34 +274,18 @@
       <a:buClr>
         <a:srgbClr val="000000"/>
       </a:buClr>
-      <a:buFont typeface="Arial"/>
+      <a:buFont typeface="Arial" panose="020B0604020202020204"/>
       <a:defRPr sz="1400" b="0" i="0" u="none" strike="noStrike" cap="none">
         <a:solidFill>
           <a:srgbClr val="000000"/>
         </a:solidFill>
-        <a:latin typeface="Arial"/>
-        <a:ea typeface="Arial"/>
-        <a:cs typeface="Arial"/>
-        <a:sym typeface="Arial"/>
+        <a:latin typeface="Arial" panose="020B0604020202020204"/>
+        <a:ea typeface="Arial" panose="020B0604020202020204"/>
+        <a:cs typeface="Arial" panose="020B0604020202020204"/>
+        <a:sym typeface="Arial" panose="020B0604020202020204"/>
       </a:defRPr>
     </a:lvl9pPr>
   </p:defaultTextStyle>
-  <p:extLst>
-    <p:ext uri="{EFAFB233-063F-42B5-8137-9DF3F51BA10A}">
-      <p15:sldGuideLst xmlns:p15="http://schemas.microsoft.com/office/powerpoint/2012/main">
-        <p15:guide id="1" orient="horz" pos="1620">
-          <p15:clr>
-            <a:srgbClr val="A4A3A4"/>
-          </p15:clr>
-        </p15:guide>
-        <p15:guide id="2" pos="2880">
-          <p15:clr>
-            <a:srgbClr val="A4A3A4"/>
-          </p15:clr>
-        </p15:guide>
-      </p15:sldGuideLst>
-    </p:ext>
-  </p:extLst>
 </p:presentation>
 </file>
 
@@ -423,16 +402,16 @@
                 <a:srgbClr val="000000"/>
               </a:buClr>
               <a:buSzPts val="1100"/>
-              <a:buFont typeface="Arial"/>
+              <a:buFont typeface="Arial" panose="020B0604020202020204"/>
               <a:buChar char="●"/>
               <a:defRPr sz="1100" b="0" i="0" u="none" strike="noStrike" cap="none">
                 <a:solidFill>
                   <a:srgbClr val="000000"/>
                 </a:solidFill>
-                <a:latin typeface="Arial"/>
-                <a:ea typeface="Arial"/>
-                <a:cs typeface="Arial"/>
-                <a:sym typeface="Arial"/>
+                <a:latin typeface="Arial" panose="020B0604020202020204"/>
+                <a:ea typeface="Arial" panose="020B0604020202020204"/>
+                <a:cs typeface="Arial" panose="020B0604020202020204"/>
+                <a:sym typeface="Arial" panose="020B0604020202020204"/>
               </a:defRPr>
             </a:lvl1pPr>
             <a:lvl2pPr marL="914400" marR="0" lvl="1" indent="-298450" algn="l" rtl="0">
@@ -449,16 +428,16 @@
                 <a:srgbClr val="000000"/>
               </a:buClr>
               <a:buSzPts val="1100"/>
-              <a:buFont typeface="Arial"/>
+              <a:buFont typeface="Arial" panose="020B0604020202020204"/>
               <a:buChar char="○"/>
               <a:defRPr sz="1100" b="0" i="0" u="none" strike="noStrike" cap="none">
                 <a:solidFill>
                   <a:srgbClr val="000000"/>
                 </a:solidFill>
-                <a:latin typeface="Arial"/>
-                <a:ea typeface="Arial"/>
-                <a:cs typeface="Arial"/>
-                <a:sym typeface="Arial"/>
+                <a:latin typeface="Arial" panose="020B0604020202020204"/>
+                <a:ea typeface="Arial" panose="020B0604020202020204"/>
+                <a:cs typeface="Arial" panose="020B0604020202020204"/>
+                <a:sym typeface="Arial" panose="020B0604020202020204"/>
               </a:defRPr>
             </a:lvl2pPr>
             <a:lvl3pPr marL="1371600" marR="0" lvl="2" indent="-298450" algn="l" rtl="0">
@@ -475,16 +454,16 @@
                 <a:srgbClr val="000000"/>
               </a:buClr>
               <a:buSzPts val="1100"/>
-              <a:buFont typeface="Arial"/>
+              <a:buFont typeface="Arial" panose="020B0604020202020204"/>
               <a:buChar char="■"/>
               <a:defRPr sz="1100" b="0" i="0" u="none" strike="noStrike" cap="none">
                 <a:solidFill>
                   <a:srgbClr val="000000"/>
                 </a:solidFill>
-                <a:latin typeface="Arial"/>
-                <a:ea typeface="Arial"/>
-                <a:cs typeface="Arial"/>
-                <a:sym typeface="Arial"/>
+                <a:latin typeface="Arial" panose="020B0604020202020204"/>
+                <a:ea typeface="Arial" panose="020B0604020202020204"/>
+                <a:cs typeface="Arial" panose="020B0604020202020204"/>
+                <a:sym typeface="Arial" panose="020B0604020202020204"/>
               </a:defRPr>
             </a:lvl3pPr>
             <a:lvl4pPr marL="1828800" marR="0" lvl="3" indent="-298450" algn="l" rtl="0">
@@ -501,16 +480,16 @@
                 <a:srgbClr val="000000"/>
               </a:buClr>
               <a:buSzPts val="1100"/>
-              <a:buFont typeface="Arial"/>
+              <a:buFont typeface="Arial" panose="020B0604020202020204"/>
               <a:buChar char="●"/>
               <a:defRPr sz="1100" b="0" i="0" u="none" strike="noStrike" cap="none">
                 <a:solidFill>
                   <a:srgbClr val="000000"/>
                 </a:solidFill>
-                <a:latin typeface="Arial"/>
-                <a:ea typeface="Arial"/>
-                <a:cs typeface="Arial"/>
-                <a:sym typeface="Arial"/>
+                <a:latin typeface="Arial" panose="020B0604020202020204"/>
+                <a:ea typeface="Arial" panose="020B0604020202020204"/>
+                <a:cs typeface="Arial" panose="020B0604020202020204"/>
+                <a:sym typeface="Arial" panose="020B0604020202020204"/>
               </a:defRPr>
             </a:lvl4pPr>
             <a:lvl5pPr marL="2286000" marR="0" lvl="4" indent="-298450" algn="l" rtl="0">
@@ -527,16 +506,16 @@
                 <a:srgbClr val="000000"/>
               </a:buClr>
               <a:buSzPts val="1100"/>
-              <a:buFont typeface="Arial"/>
+              <a:buFont typeface="Arial" panose="020B0604020202020204"/>
               <a:buChar char="○"/>
               <a:defRPr sz="1100" b="0" i="0" u="none" strike="noStrike" cap="none">
                 <a:solidFill>
                   <a:srgbClr val="000000"/>
                 </a:solidFill>
-                <a:latin typeface="Arial"/>
-                <a:ea typeface="Arial"/>
-                <a:cs typeface="Arial"/>
-                <a:sym typeface="Arial"/>
+                <a:latin typeface="Arial" panose="020B0604020202020204"/>
+                <a:ea typeface="Arial" panose="020B0604020202020204"/>
+                <a:cs typeface="Arial" panose="020B0604020202020204"/>
+                <a:sym typeface="Arial" panose="020B0604020202020204"/>
               </a:defRPr>
             </a:lvl5pPr>
             <a:lvl6pPr marL="2743200" marR="0" lvl="5" indent="-298450" algn="l" rtl="0">
@@ -553,16 +532,16 @@
                 <a:srgbClr val="000000"/>
               </a:buClr>
               <a:buSzPts val="1100"/>
-              <a:buFont typeface="Arial"/>
+              <a:buFont typeface="Arial" panose="020B0604020202020204"/>
               <a:buChar char="■"/>
               <a:defRPr sz="1100" b="0" i="0" u="none" strike="noStrike" cap="none">
                 <a:solidFill>
                   <a:srgbClr val="000000"/>
                 </a:solidFill>
-                <a:latin typeface="Arial"/>
-                <a:ea typeface="Arial"/>
-                <a:cs typeface="Arial"/>
-                <a:sym typeface="Arial"/>
+                <a:latin typeface="Arial" panose="020B0604020202020204"/>
+                <a:ea typeface="Arial" panose="020B0604020202020204"/>
+                <a:cs typeface="Arial" panose="020B0604020202020204"/>
+                <a:sym typeface="Arial" panose="020B0604020202020204"/>
               </a:defRPr>
             </a:lvl6pPr>
             <a:lvl7pPr marL="3200400" marR="0" lvl="6" indent="-298450" algn="l" rtl="0">
@@ -579,16 +558,16 @@
                 <a:srgbClr val="000000"/>
               </a:buClr>
               <a:buSzPts val="1100"/>
-              <a:buFont typeface="Arial"/>
+              <a:buFont typeface="Arial" panose="020B0604020202020204"/>
               <a:buChar char="●"/>
               <a:defRPr sz="1100" b="0" i="0" u="none" strike="noStrike" cap="none">
                 <a:solidFill>
                   <a:srgbClr val="000000"/>
                 </a:solidFill>
-                <a:latin typeface="Arial"/>
-                <a:ea typeface="Arial"/>
-                <a:cs typeface="Arial"/>
-                <a:sym typeface="Arial"/>
+                <a:latin typeface="Arial" panose="020B0604020202020204"/>
+                <a:ea typeface="Arial" panose="020B0604020202020204"/>
+                <a:cs typeface="Arial" panose="020B0604020202020204"/>
+                <a:sym typeface="Arial" panose="020B0604020202020204"/>
               </a:defRPr>
             </a:lvl7pPr>
             <a:lvl8pPr marL="3657600" marR="0" lvl="7" indent="-298450" algn="l" rtl="0">
@@ -605,16 +584,16 @@
                 <a:srgbClr val="000000"/>
               </a:buClr>
               <a:buSzPts val="1100"/>
-              <a:buFont typeface="Arial"/>
+              <a:buFont typeface="Arial" panose="020B0604020202020204"/>
               <a:buChar char="○"/>
               <a:defRPr sz="1100" b="0" i="0" u="none" strike="noStrike" cap="none">
                 <a:solidFill>
                   <a:srgbClr val="000000"/>
                 </a:solidFill>
-                <a:latin typeface="Arial"/>
-                <a:ea typeface="Arial"/>
-                <a:cs typeface="Arial"/>
-                <a:sym typeface="Arial"/>
+                <a:latin typeface="Arial" panose="020B0604020202020204"/>
+                <a:ea typeface="Arial" panose="020B0604020202020204"/>
+                <a:cs typeface="Arial" panose="020B0604020202020204"/>
+                <a:sym typeface="Arial" panose="020B0604020202020204"/>
               </a:defRPr>
             </a:lvl8pPr>
             <a:lvl9pPr marL="4114800" marR="0" lvl="8" indent="-298450" algn="l" rtl="0">
@@ -631,22 +610,20 @@
                 <a:srgbClr val="000000"/>
               </a:buClr>
               <a:buSzPts val="1100"/>
-              <a:buFont typeface="Arial"/>
+              <a:buFont typeface="Arial" panose="020B0604020202020204"/>
               <a:buChar char="■"/>
               <a:defRPr sz="1100" b="0" i="0" u="none" strike="noStrike" cap="none">
                 <a:solidFill>
                   <a:srgbClr val="000000"/>
                 </a:solidFill>
-                <a:latin typeface="Arial"/>
-                <a:ea typeface="Arial"/>
-                <a:cs typeface="Arial"/>
-                <a:sym typeface="Arial"/>
+                <a:latin typeface="Arial" panose="020B0604020202020204"/>
+                <a:ea typeface="Arial" panose="020B0604020202020204"/>
+                <a:cs typeface="Arial" panose="020B0604020202020204"/>
+                <a:sym typeface="Arial" panose="020B0604020202020204"/>
               </a:defRPr>
             </a:lvl9pPr>
           </a:lstStyle>
-          <a:p>
-            <a:endParaRPr/>
-          </a:p>
+          <a:p/>
         </p:txBody>
       </p:sp>
     </p:spTree>
@@ -677,15 +654,15 @@
       <a:buClr>
         <a:srgbClr val="000000"/>
       </a:buClr>
-      <a:buFont typeface="Arial"/>
+      <a:buFont typeface="Arial" panose="020B0604020202020204"/>
       <a:defRPr sz="1400" b="0" i="0" u="none" strike="noStrike" cap="none">
         <a:solidFill>
           <a:srgbClr val="000000"/>
         </a:solidFill>
-        <a:latin typeface="Arial"/>
-        <a:ea typeface="Arial"/>
-        <a:cs typeface="Arial"/>
-        <a:sym typeface="Arial"/>
+        <a:latin typeface="Arial" panose="020B0604020202020204"/>
+        <a:ea typeface="Arial" panose="020B0604020202020204"/>
+        <a:cs typeface="Arial" panose="020B0604020202020204"/>
+        <a:sym typeface="Arial" panose="020B0604020202020204"/>
       </a:defRPr>
     </a:lvl1pPr>
     <a:lvl2pPr marR="0" lvl="1" algn="l" rtl="0">
@@ -701,15 +678,15 @@
       <a:buClr>
         <a:srgbClr val="000000"/>
       </a:buClr>
-      <a:buFont typeface="Arial"/>
+      <a:buFont typeface="Arial" panose="020B0604020202020204"/>
       <a:defRPr sz="1400" b="0" i="0" u="none" strike="noStrike" cap="none">
         <a:solidFill>
           <a:srgbClr val="000000"/>
         </a:solidFill>
-        <a:latin typeface="Arial"/>
-        <a:ea typeface="Arial"/>
-        <a:cs typeface="Arial"/>
-        <a:sym typeface="Arial"/>
+        <a:latin typeface="Arial" panose="020B0604020202020204"/>
+        <a:ea typeface="Arial" panose="020B0604020202020204"/>
+        <a:cs typeface="Arial" panose="020B0604020202020204"/>
+        <a:sym typeface="Arial" panose="020B0604020202020204"/>
       </a:defRPr>
     </a:lvl2pPr>
     <a:lvl3pPr marR="0" lvl="2" algn="l" rtl="0">
@@ -725,15 +702,15 @@
       <a:buClr>
         <a:srgbClr val="000000"/>
       </a:buClr>
-      <a:buFont typeface="Arial"/>
+      <a:buFont typeface="Arial" panose="020B0604020202020204"/>
       <a:defRPr sz="1400" b="0" i="0" u="none" strike="noStrike" cap="none">
         <a:solidFill>
           <a:srgbClr val="000000"/>
         </a:solidFill>
-        <a:latin typeface="Arial"/>
-        <a:ea typeface="Arial"/>
-        <a:cs typeface="Arial"/>
-        <a:sym typeface="Arial"/>
+        <a:latin typeface="Arial" panose="020B0604020202020204"/>
+        <a:ea typeface="Arial" panose="020B0604020202020204"/>
+        <a:cs typeface="Arial" panose="020B0604020202020204"/>
+        <a:sym typeface="Arial" panose="020B0604020202020204"/>
       </a:defRPr>
     </a:lvl3pPr>
     <a:lvl4pPr marR="0" lvl="3" algn="l" rtl="0">
@@ -749,15 +726,15 @@
       <a:buClr>
         <a:srgbClr val="000000"/>
       </a:buClr>
-      <a:buFont typeface="Arial"/>
+      <a:buFont typeface="Arial" panose="020B0604020202020204"/>
       <a:defRPr sz="1400" b="0" i="0" u="none" strike="noStrike" cap="none">
         <a:solidFill>
           <a:srgbClr val="000000"/>
         </a:solidFill>
-        <a:latin typeface="Arial"/>
-        <a:ea typeface="Arial"/>
-        <a:cs typeface="Arial"/>
-        <a:sym typeface="Arial"/>
+        <a:latin typeface="Arial" panose="020B0604020202020204"/>
+        <a:ea typeface="Arial" panose="020B0604020202020204"/>
+        <a:cs typeface="Arial" panose="020B0604020202020204"/>
+        <a:sym typeface="Arial" panose="020B0604020202020204"/>
       </a:defRPr>
     </a:lvl4pPr>
     <a:lvl5pPr marR="0" lvl="4" algn="l" rtl="0">
@@ -773,15 +750,15 @@
       <a:buClr>
         <a:srgbClr val="000000"/>
       </a:buClr>
-      <a:buFont typeface="Arial"/>
+      <a:buFont typeface="Arial" panose="020B0604020202020204"/>
       <a:defRPr sz="1400" b="0" i="0" u="none" strike="noStrike" cap="none">
         <a:solidFill>
           <a:srgbClr val="000000"/>
         </a:solidFill>
-        <a:latin typeface="Arial"/>
-        <a:ea typeface="Arial"/>
-        <a:cs typeface="Arial"/>
-        <a:sym typeface="Arial"/>
+        <a:latin typeface="Arial" panose="020B0604020202020204"/>
+        <a:ea typeface="Arial" panose="020B0604020202020204"/>
+        <a:cs typeface="Arial" panose="020B0604020202020204"/>
+        <a:sym typeface="Arial" panose="020B0604020202020204"/>
       </a:defRPr>
     </a:lvl5pPr>
     <a:lvl6pPr marR="0" lvl="5" algn="l" rtl="0">
@@ -797,15 +774,15 @@
       <a:buClr>
         <a:srgbClr val="000000"/>
       </a:buClr>
-      <a:buFont typeface="Arial"/>
+      <a:buFont typeface="Arial" panose="020B0604020202020204"/>
       <a:defRPr sz="1400" b="0" i="0" u="none" strike="noStrike" cap="none">
         <a:solidFill>
           <a:srgbClr val="000000"/>
         </a:solidFill>
-        <a:latin typeface="Arial"/>
-        <a:ea typeface="Arial"/>
-        <a:cs typeface="Arial"/>
-        <a:sym typeface="Arial"/>
+        <a:latin typeface="Arial" panose="020B0604020202020204"/>
+        <a:ea typeface="Arial" panose="020B0604020202020204"/>
+        <a:cs typeface="Arial" panose="020B0604020202020204"/>
+        <a:sym typeface="Arial" panose="020B0604020202020204"/>
       </a:defRPr>
     </a:lvl6pPr>
     <a:lvl7pPr marR="0" lvl="6" algn="l" rtl="0">
@@ -821,15 +798,15 @@
       <a:buClr>
         <a:srgbClr val="000000"/>
       </a:buClr>
-      <a:buFont typeface="Arial"/>
+      <a:buFont typeface="Arial" panose="020B0604020202020204"/>
       <a:defRPr sz="1400" b="0" i="0" u="none" strike="noStrike" cap="none">
         <a:solidFill>
           <a:srgbClr val="000000"/>
         </a:solidFill>
-        <a:latin typeface="Arial"/>
-        <a:ea typeface="Arial"/>
-        <a:cs typeface="Arial"/>
-        <a:sym typeface="Arial"/>
+        <a:latin typeface="Arial" panose="020B0604020202020204"/>
+        <a:ea typeface="Arial" panose="020B0604020202020204"/>
+        <a:cs typeface="Arial" panose="020B0604020202020204"/>
+        <a:sym typeface="Arial" panose="020B0604020202020204"/>
       </a:defRPr>
     </a:lvl7pPr>
     <a:lvl8pPr marR="0" lvl="7" algn="l" rtl="0">
@@ -845,15 +822,15 @@
       <a:buClr>
         <a:srgbClr val="000000"/>
       </a:buClr>
-      <a:buFont typeface="Arial"/>
+      <a:buFont typeface="Arial" panose="020B0604020202020204"/>
       <a:defRPr sz="1400" b="0" i="0" u="none" strike="noStrike" cap="none">
         <a:solidFill>
           <a:srgbClr val="000000"/>
         </a:solidFill>
-        <a:latin typeface="Arial"/>
-        <a:ea typeface="Arial"/>
-        <a:cs typeface="Arial"/>
-        <a:sym typeface="Arial"/>
+        <a:latin typeface="Arial" panose="020B0604020202020204"/>
+        <a:ea typeface="Arial" panose="020B0604020202020204"/>
+        <a:cs typeface="Arial" panose="020B0604020202020204"/>
+        <a:sym typeface="Arial" panose="020B0604020202020204"/>
       </a:defRPr>
     </a:lvl8pPr>
     <a:lvl9pPr marR="0" lvl="8" algn="l" rtl="0">
@@ -869,15 +846,15 @@
       <a:buClr>
         <a:srgbClr val="000000"/>
       </a:buClr>
-      <a:buFont typeface="Arial"/>
+      <a:buFont typeface="Arial" panose="020B0604020202020204"/>
       <a:defRPr sz="1400" b="0" i="0" u="none" strike="noStrike" cap="none">
         <a:solidFill>
           <a:srgbClr val="000000"/>
         </a:solidFill>
-        <a:latin typeface="Arial"/>
-        <a:ea typeface="Arial"/>
-        <a:cs typeface="Arial"/>
-        <a:sym typeface="Arial"/>
+        <a:latin typeface="Arial" panose="020B0604020202020204"/>
+        <a:ea typeface="Arial" panose="020B0604020202020204"/>
+        <a:cs typeface="Arial" panose="020B0604020202020204"/>
+        <a:sym typeface="Arial" panose="020B0604020202020204"/>
       </a:defRPr>
     </a:lvl9pPr>
   </p:notesStyle>
@@ -885,7 +862,7 @@
 </file>
 
 <file path=ppt/notesSlides/notesSlide1.xml><?xml version="1.0" encoding="utf-8"?>
-<p:notes xmlns:a="http://schemas.openxmlformats.org/drawingml/2006/main" xmlns:r="http://schemas.openxmlformats.org/officeDocument/2006/relationships" xmlns:p="http://schemas.openxmlformats.org/presentationml/2006/main" showMasterSp="0" showMasterPhAnim="0">
+<p:notes xmlns:a="http://schemas.openxmlformats.org/drawingml/2006/main" xmlns:r="http://schemas.openxmlformats.org/officeDocument/2006/relationships" xmlns:p="http://schemas.openxmlformats.org/presentationml/2006/main" showMasterPhAnim="0" showMasterSp="0">
   <p:cSld>
     <p:spTree>
       <p:nvGrpSpPr>
@@ -994,7 +971,6 @@
               <a:buSzPts val="1100"/>
               <a:buNone/>
             </a:pPr>
-            <a:endParaRPr/>
           </a:p>
         </p:txBody>
       </p:sp>
@@ -1007,7 +983,7 @@
 </file>
 
 <file path=ppt/notesSlides/notesSlide10.xml><?xml version="1.0" encoding="utf-8"?>
-<p:notes xmlns:a="http://schemas.openxmlformats.org/drawingml/2006/main" xmlns:r="http://schemas.openxmlformats.org/officeDocument/2006/relationships" xmlns:p="http://schemas.openxmlformats.org/presentationml/2006/main" showMasterSp="0" showMasterPhAnim="0">
+<p:notes xmlns:a="http://schemas.openxmlformats.org/drawingml/2006/main" xmlns:r="http://schemas.openxmlformats.org/officeDocument/2006/relationships" xmlns:p="http://schemas.openxmlformats.org/presentationml/2006/main" showMasterPhAnim="0" showMasterSp="0">
   <p:cSld>
     <p:spTree>
       <p:nvGrpSpPr>
@@ -1116,7 +1092,6 @@
               <a:buSzPts val="1100"/>
               <a:buNone/>
             </a:pPr>
-            <a:endParaRPr/>
           </a:p>
         </p:txBody>
       </p:sp>
@@ -1129,7 +1104,7 @@
 </file>
 
 <file path=ppt/notesSlides/notesSlide11.xml><?xml version="1.0" encoding="utf-8"?>
-<p:notes xmlns:a="http://schemas.openxmlformats.org/drawingml/2006/main" xmlns:r="http://schemas.openxmlformats.org/officeDocument/2006/relationships" xmlns:p="http://schemas.openxmlformats.org/presentationml/2006/main" showMasterSp="0" showMasterPhAnim="0">
+<p:notes xmlns:a="http://schemas.openxmlformats.org/drawingml/2006/main" xmlns:r="http://schemas.openxmlformats.org/officeDocument/2006/relationships" xmlns:p="http://schemas.openxmlformats.org/presentationml/2006/main" showMasterPhAnim="0" showMasterSp="0">
   <p:cSld>
     <p:spTree>
       <p:nvGrpSpPr>
@@ -1238,7 +1213,6 @@
               <a:buSzPts val="1100"/>
               <a:buNone/>
             </a:pPr>
-            <a:endParaRPr/>
           </a:p>
         </p:txBody>
       </p:sp>
@@ -1251,7 +1225,7 @@
 </file>
 
 <file path=ppt/notesSlides/notesSlide12.xml><?xml version="1.0" encoding="utf-8"?>
-<p:notes xmlns:a="http://schemas.openxmlformats.org/drawingml/2006/main" xmlns:r="http://schemas.openxmlformats.org/officeDocument/2006/relationships" xmlns:p="http://schemas.openxmlformats.org/presentationml/2006/main" showMasterSp="0" showMasterPhAnim="0">
+<p:notes xmlns:a="http://schemas.openxmlformats.org/drawingml/2006/main" xmlns:r="http://schemas.openxmlformats.org/officeDocument/2006/relationships" xmlns:p="http://schemas.openxmlformats.org/presentationml/2006/main" showMasterPhAnim="0" showMasterSp="0">
   <p:cSld>
     <p:spTree>
       <p:nvGrpSpPr>
@@ -1360,7 +1334,6 @@
               <a:buSzPts val="1100"/>
               <a:buNone/>
             </a:pPr>
-            <a:endParaRPr/>
           </a:p>
         </p:txBody>
       </p:sp>
@@ -1373,7 +1346,7 @@
 </file>
 
 <file path=ppt/notesSlides/notesSlide13.xml><?xml version="1.0" encoding="utf-8"?>
-<p:notes xmlns:a="http://schemas.openxmlformats.org/drawingml/2006/main" xmlns:r="http://schemas.openxmlformats.org/officeDocument/2006/relationships" xmlns:p="http://schemas.openxmlformats.org/presentationml/2006/main" showMasterSp="0" showMasterPhAnim="0">
+<p:notes xmlns:a="http://schemas.openxmlformats.org/drawingml/2006/main" xmlns:r="http://schemas.openxmlformats.org/officeDocument/2006/relationships" xmlns:p="http://schemas.openxmlformats.org/presentationml/2006/main" showMasterPhAnim="0" showMasterSp="0">
   <p:cSld>
     <p:spTree>
       <p:nvGrpSpPr>
@@ -1482,7 +1455,6 @@
               <a:buSzPts val="1100"/>
               <a:buNone/>
             </a:pPr>
-            <a:endParaRPr/>
           </a:p>
         </p:txBody>
       </p:sp>
@@ -1495,7 +1467,7 @@
 </file>
 
 <file path=ppt/notesSlides/notesSlide14.xml><?xml version="1.0" encoding="utf-8"?>
-<p:notes xmlns:a="http://schemas.openxmlformats.org/drawingml/2006/main" xmlns:r="http://schemas.openxmlformats.org/officeDocument/2006/relationships" xmlns:p="http://schemas.openxmlformats.org/presentationml/2006/main" showMasterSp="0" showMasterPhAnim="0">
+<p:notes xmlns:a="http://schemas.openxmlformats.org/drawingml/2006/main" xmlns:r="http://schemas.openxmlformats.org/officeDocument/2006/relationships" xmlns:p="http://schemas.openxmlformats.org/presentationml/2006/main" showMasterPhAnim="0" showMasterSp="0">
   <p:cSld>
     <p:spTree>
       <p:nvGrpSpPr>
@@ -1604,7 +1576,6 @@
               <a:buSzPts val="1100"/>
               <a:buNone/>
             </a:pPr>
-            <a:endParaRPr/>
           </a:p>
         </p:txBody>
       </p:sp>
@@ -1617,7 +1588,7 @@
 </file>
 
 <file path=ppt/notesSlides/notesSlide15.xml><?xml version="1.0" encoding="utf-8"?>
-<p:notes xmlns:a="http://schemas.openxmlformats.org/drawingml/2006/main" xmlns:r="http://schemas.openxmlformats.org/officeDocument/2006/relationships" xmlns:p="http://schemas.openxmlformats.org/presentationml/2006/main" showMasterSp="0" showMasterPhAnim="0">
+<p:notes xmlns:a="http://schemas.openxmlformats.org/drawingml/2006/main" xmlns:r="http://schemas.openxmlformats.org/officeDocument/2006/relationships" xmlns:p="http://schemas.openxmlformats.org/presentationml/2006/main" showMasterPhAnim="0" showMasterSp="0">
   <p:cSld>
     <p:spTree>
       <p:nvGrpSpPr>
@@ -1726,7 +1697,6 @@
               <a:buSzPts val="1100"/>
               <a:buNone/>
             </a:pPr>
-            <a:endParaRPr/>
           </a:p>
         </p:txBody>
       </p:sp>
@@ -1739,7 +1709,7 @@
 </file>
 
 <file path=ppt/notesSlides/notesSlide16.xml><?xml version="1.0" encoding="utf-8"?>
-<p:notes xmlns:a="http://schemas.openxmlformats.org/drawingml/2006/main" xmlns:r="http://schemas.openxmlformats.org/officeDocument/2006/relationships" xmlns:p="http://schemas.openxmlformats.org/presentationml/2006/main" showMasterSp="0" showMasterPhAnim="0">
+<p:notes xmlns:a="http://schemas.openxmlformats.org/drawingml/2006/main" xmlns:r="http://schemas.openxmlformats.org/officeDocument/2006/relationships" xmlns:p="http://schemas.openxmlformats.org/presentationml/2006/main" showMasterPhAnim="0" showMasterSp="0">
   <p:cSld>
     <p:spTree>
       <p:nvGrpSpPr>
@@ -1848,7 +1818,6 @@
               <a:buSzPts val="1100"/>
               <a:buNone/>
             </a:pPr>
-            <a:endParaRPr/>
           </a:p>
         </p:txBody>
       </p:sp>
@@ -1861,7 +1830,7 @@
 </file>
 
 <file path=ppt/notesSlides/notesSlide17.xml><?xml version="1.0" encoding="utf-8"?>
-<p:notes xmlns:a="http://schemas.openxmlformats.org/drawingml/2006/main" xmlns:r="http://schemas.openxmlformats.org/officeDocument/2006/relationships" xmlns:p="http://schemas.openxmlformats.org/presentationml/2006/main" showMasterSp="0" showMasterPhAnim="0">
+<p:notes xmlns:a="http://schemas.openxmlformats.org/drawingml/2006/main" xmlns:r="http://schemas.openxmlformats.org/officeDocument/2006/relationships" xmlns:p="http://schemas.openxmlformats.org/presentationml/2006/main" showMasterPhAnim="0" showMasterSp="0">
   <p:cSld>
     <p:spTree>
       <p:nvGrpSpPr>
@@ -1970,7 +1939,6 @@
               <a:buSzPts val="1100"/>
               <a:buNone/>
             </a:pPr>
-            <a:endParaRPr/>
           </a:p>
         </p:txBody>
       </p:sp>
@@ -1983,7 +1951,7 @@
 </file>
 
 <file path=ppt/notesSlides/notesSlide18.xml><?xml version="1.0" encoding="utf-8"?>
-<p:notes xmlns:a="http://schemas.openxmlformats.org/drawingml/2006/main" xmlns:r="http://schemas.openxmlformats.org/officeDocument/2006/relationships" xmlns:p="http://schemas.openxmlformats.org/presentationml/2006/main" showMasterSp="0" showMasterPhAnim="0">
+<p:notes xmlns:a="http://schemas.openxmlformats.org/drawingml/2006/main" xmlns:r="http://schemas.openxmlformats.org/officeDocument/2006/relationships" xmlns:p="http://schemas.openxmlformats.org/presentationml/2006/main" showMasterPhAnim="0" showMasterSp="0">
   <p:cSld>
     <p:spTree>
       <p:nvGrpSpPr>
@@ -2092,7 +2060,6 @@
               <a:buSzPts val="1100"/>
               <a:buNone/>
             </a:pPr>
-            <a:endParaRPr/>
           </a:p>
         </p:txBody>
       </p:sp>
@@ -2105,7 +2072,7 @@
 </file>
 
 <file path=ppt/notesSlides/notesSlide19.xml><?xml version="1.0" encoding="utf-8"?>
-<p:notes xmlns:a="http://schemas.openxmlformats.org/drawingml/2006/main" xmlns:r="http://schemas.openxmlformats.org/officeDocument/2006/relationships" xmlns:p="http://schemas.openxmlformats.org/presentationml/2006/main" showMasterSp="0" showMasterPhAnim="0">
+<p:notes xmlns:a="http://schemas.openxmlformats.org/drawingml/2006/main" xmlns:r="http://schemas.openxmlformats.org/officeDocument/2006/relationships" xmlns:p="http://schemas.openxmlformats.org/presentationml/2006/main" showMasterPhAnim="0" showMasterSp="0">
   <p:cSld>
     <p:spTree>
       <p:nvGrpSpPr>
@@ -2214,7 +2181,6 @@
               <a:buSzPts val="1100"/>
               <a:buNone/>
             </a:pPr>
-            <a:endParaRPr/>
           </a:p>
         </p:txBody>
       </p:sp>
@@ -2227,7 +2193,7 @@
 </file>
 
 <file path=ppt/notesSlides/notesSlide2.xml><?xml version="1.0" encoding="utf-8"?>
-<p:notes xmlns:a="http://schemas.openxmlformats.org/drawingml/2006/main" xmlns:r="http://schemas.openxmlformats.org/officeDocument/2006/relationships" xmlns:p="http://schemas.openxmlformats.org/presentationml/2006/main" showMasterSp="0" showMasterPhAnim="0">
+<p:notes xmlns:a="http://schemas.openxmlformats.org/drawingml/2006/main" xmlns:r="http://schemas.openxmlformats.org/officeDocument/2006/relationships" xmlns:p="http://schemas.openxmlformats.org/presentationml/2006/main" showMasterPhAnim="0" showMasterSp="0">
   <p:cSld>
     <p:spTree>
       <p:nvGrpSpPr>
@@ -2336,7 +2302,6 @@
               <a:buSzPts val="1100"/>
               <a:buNone/>
             </a:pPr>
-            <a:endParaRPr/>
           </a:p>
         </p:txBody>
       </p:sp>
@@ -2349,7 +2314,7 @@
 </file>
 
 <file path=ppt/notesSlides/notesSlide20.xml><?xml version="1.0" encoding="utf-8"?>
-<p:notes xmlns:a="http://schemas.openxmlformats.org/drawingml/2006/main" xmlns:r="http://schemas.openxmlformats.org/officeDocument/2006/relationships" xmlns:p="http://schemas.openxmlformats.org/presentationml/2006/main" showMasterSp="0" showMasterPhAnim="0">
+<p:notes xmlns:a="http://schemas.openxmlformats.org/drawingml/2006/main" xmlns:r="http://schemas.openxmlformats.org/officeDocument/2006/relationships" xmlns:p="http://schemas.openxmlformats.org/presentationml/2006/main" showMasterPhAnim="0" showMasterSp="0">
   <p:cSld>
     <p:spTree>
       <p:nvGrpSpPr>
@@ -2458,7 +2423,6 @@
               <a:buSzPts val="1100"/>
               <a:buNone/>
             </a:pPr>
-            <a:endParaRPr/>
           </a:p>
         </p:txBody>
       </p:sp>
@@ -2471,7 +2435,7 @@
 </file>
 
 <file path=ppt/notesSlides/notesSlide21.xml><?xml version="1.0" encoding="utf-8"?>
-<p:notes xmlns:a="http://schemas.openxmlformats.org/drawingml/2006/main" xmlns:r="http://schemas.openxmlformats.org/officeDocument/2006/relationships" xmlns:p="http://schemas.openxmlformats.org/presentationml/2006/main" showMasterSp="0" showMasterPhAnim="0">
+<p:notes xmlns:a="http://schemas.openxmlformats.org/drawingml/2006/main" xmlns:r="http://schemas.openxmlformats.org/officeDocument/2006/relationships" xmlns:p="http://schemas.openxmlformats.org/presentationml/2006/main" showMasterPhAnim="0" showMasterSp="0">
   <p:cSld>
     <p:spTree>
       <p:nvGrpSpPr>
@@ -2580,7 +2544,6 @@
               <a:buSzPts val="1100"/>
               <a:buNone/>
             </a:pPr>
-            <a:endParaRPr/>
           </a:p>
         </p:txBody>
       </p:sp>
@@ -2593,7 +2556,7 @@
 </file>
 
 <file path=ppt/notesSlides/notesSlide22.xml><?xml version="1.0" encoding="utf-8"?>
-<p:notes xmlns:a="http://schemas.openxmlformats.org/drawingml/2006/main" xmlns:r="http://schemas.openxmlformats.org/officeDocument/2006/relationships" xmlns:p="http://schemas.openxmlformats.org/presentationml/2006/main" showMasterSp="0" showMasterPhAnim="0">
+<p:notes xmlns:a="http://schemas.openxmlformats.org/drawingml/2006/main" xmlns:r="http://schemas.openxmlformats.org/officeDocument/2006/relationships" xmlns:p="http://schemas.openxmlformats.org/presentationml/2006/main" showMasterPhAnim="0" showMasterSp="0">
   <p:cSld>
     <p:spTree>
       <p:nvGrpSpPr>
@@ -2702,7 +2665,6 @@
               <a:buSzPts val="1100"/>
               <a:buNone/>
             </a:pPr>
-            <a:endParaRPr/>
           </a:p>
         </p:txBody>
       </p:sp>
@@ -2715,7 +2677,7 @@
 </file>
 
 <file path=ppt/notesSlides/notesSlide3.xml><?xml version="1.0" encoding="utf-8"?>
-<p:notes xmlns:a="http://schemas.openxmlformats.org/drawingml/2006/main" xmlns:r="http://schemas.openxmlformats.org/officeDocument/2006/relationships" xmlns:p="http://schemas.openxmlformats.org/presentationml/2006/main" showMasterSp="0" showMasterPhAnim="0">
+<p:notes xmlns:a="http://schemas.openxmlformats.org/drawingml/2006/main" xmlns:r="http://schemas.openxmlformats.org/officeDocument/2006/relationships" xmlns:p="http://schemas.openxmlformats.org/presentationml/2006/main" showMasterPhAnim="0" showMasterSp="0">
   <p:cSld>
     <p:spTree>
       <p:nvGrpSpPr>
@@ -2824,7 +2786,6 @@
               <a:buSzPts val="1100"/>
               <a:buNone/>
             </a:pPr>
-            <a:endParaRPr/>
           </a:p>
         </p:txBody>
       </p:sp>
@@ -2837,7 +2798,7 @@
 </file>
 
 <file path=ppt/notesSlides/notesSlide4.xml><?xml version="1.0" encoding="utf-8"?>
-<p:notes xmlns:a="http://schemas.openxmlformats.org/drawingml/2006/main" xmlns:r="http://schemas.openxmlformats.org/officeDocument/2006/relationships" xmlns:p="http://schemas.openxmlformats.org/presentationml/2006/main" showMasterSp="0" showMasterPhAnim="0">
+<p:notes xmlns:a="http://schemas.openxmlformats.org/drawingml/2006/main" xmlns:r="http://schemas.openxmlformats.org/officeDocument/2006/relationships" xmlns:p="http://schemas.openxmlformats.org/presentationml/2006/main" showMasterPhAnim="0" showMasterSp="0">
   <p:cSld>
     <p:spTree>
       <p:nvGrpSpPr>
@@ -2946,7 +2907,6 @@
               <a:buSzPts val="1100"/>
               <a:buNone/>
             </a:pPr>
-            <a:endParaRPr/>
           </a:p>
         </p:txBody>
       </p:sp>
@@ -2959,7 +2919,7 @@
 </file>
 
 <file path=ppt/notesSlides/notesSlide5.xml><?xml version="1.0" encoding="utf-8"?>
-<p:notes xmlns:a="http://schemas.openxmlformats.org/drawingml/2006/main" xmlns:r="http://schemas.openxmlformats.org/officeDocument/2006/relationships" xmlns:p="http://schemas.openxmlformats.org/presentationml/2006/main" showMasterSp="0" showMasterPhAnim="0">
+<p:notes xmlns:a="http://schemas.openxmlformats.org/drawingml/2006/main" xmlns:r="http://schemas.openxmlformats.org/officeDocument/2006/relationships" xmlns:p="http://schemas.openxmlformats.org/presentationml/2006/main" showMasterPhAnim="0" showMasterSp="0">
   <p:cSld>
     <p:spTree>
       <p:nvGrpSpPr>
@@ -3068,7 +3028,6 @@
               <a:buSzPts val="1100"/>
               <a:buNone/>
             </a:pPr>
-            <a:endParaRPr/>
           </a:p>
         </p:txBody>
       </p:sp>
@@ -3081,7 +3040,7 @@
 </file>
 
 <file path=ppt/notesSlides/notesSlide6.xml><?xml version="1.0" encoding="utf-8"?>
-<p:notes xmlns:a="http://schemas.openxmlformats.org/drawingml/2006/main" xmlns:r="http://schemas.openxmlformats.org/officeDocument/2006/relationships" xmlns:p="http://schemas.openxmlformats.org/presentationml/2006/main" showMasterSp="0" showMasterPhAnim="0">
+<p:notes xmlns:a="http://schemas.openxmlformats.org/drawingml/2006/main" xmlns:r="http://schemas.openxmlformats.org/officeDocument/2006/relationships" xmlns:p="http://schemas.openxmlformats.org/presentationml/2006/main" showMasterPhAnim="0" showMasterSp="0">
   <p:cSld>
     <p:spTree>
       <p:nvGrpSpPr>
@@ -3190,7 +3149,6 @@
               <a:buSzPts val="1100"/>
               <a:buNone/>
             </a:pPr>
-            <a:endParaRPr/>
           </a:p>
         </p:txBody>
       </p:sp>
@@ -3203,7 +3161,7 @@
 </file>
 
 <file path=ppt/notesSlides/notesSlide7.xml><?xml version="1.0" encoding="utf-8"?>
-<p:notes xmlns:a="http://schemas.openxmlformats.org/drawingml/2006/main" xmlns:r="http://schemas.openxmlformats.org/officeDocument/2006/relationships" xmlns:p="http://schemas.openxmlformats.org/presentationml/2006/main" showMasterSp="0" showMasterPhAnim="0">
+<p:notes xmlns:a="http://schemas.openxmlformats.org/drawingml/2006/main" xmlns:r="http://schemas.openxmlformats.org/officeDocument/2006/relationships" xmlns:p="http://schemas.openxmlformats.org/presentationml/2006/main" showMasterPhAnim="0" showMasterSp="0">
   <p:cSld>
     <p:spTree>
       <p:nvGrpSpPr>
@@ -3312,7 +3270,6 @@
               <a:buSzPts val="1100"/>
               <a:buNone/>
             </a:pPr>
-            <a:endParaRPr/>
           </a:p>
         </p:txBody>
       </p:sp>
@@ -3325,7 +3282,7 @@
 </file>
 
 <file path=ppt/notesSlides/notesSlide8.xml><?xml version="1.0" encoding="utf-8"?>
-<p:notes xmlns:a="http://schemas.openxmlformats.org/drawingml/2006/main" xmlns:r="http://schemas.openxmlformats.org/officeDocument/2006/relationships" xmlns:p="http://schemas.openxmlformats.org/presentationml/2006/main" showMasterSp="0" showMasterPhAnim="0">
+<p:notes xmlns:a="http://schemas.openxmlformats.org/drawingml/2006/main" xmlns:r="http://schemas.openxmlformats.org/officeDocument/2006/relationships" xmlns:p="http://schemas.openxmlformats.org/presentationml/2006/main" showMasterPhAnim="0" showMasterSp="0">
   <p:cSld>
     <p:spTree>
       <p:nvGrpSpPr>
@@ -3434,7 +3391,6 @@
               <a:buSzPts val="1100"/>
               <a:buNone/>
             </a:pPr>
-            <a:endParaRPr/>
           </a:p>
         </p:txBody>
       </p:sp>
@@ -3447,7 +3403,7 @@
 </file>
 
 <file path=ppt/notesSlides/notesSlide9.xml><?xml version="1.0" encoding="utf-8"?>
-<p:notes xmlns:a="http://schemas.openxmlformats.org/drawingml/2006/main" xmlns:r="http://schemas.openxmlformats.org/officeDocument/2006/relationships" xmlns:p="http://schemas.openxmlformats.org/presentationml/2006/main" showMasterSp="0" showMasterPhAnim="0">
+<p:notes xmlns:a="http://schemas.openxmlformats.org/drawingml/2006/main" xmlns:r="http://schemas.openxmlformats.org/officeDocument/2006/relationships" xmlns:p="http://schemas.openxmlformats.org/presentationml/2006/main" showMasterPhAnim="0" showMasterSp="0">
   <p:cSld>
     <p:spTree>
       <p:nvGrpSpPr>
@@ -3556,7 +3512,6 @@
               <a:buSzPts val="1100"/>
               <a:buNone/>
             </a:pPr>
-            <a:endParaRPr/>
           </a:p>
         </p:txBody>
       </p:sp>
@@ -3569,7 +3524,7 @@
 </file>
 
 <file path=ppt/slideLayouts/slideLayout1.xml><?xml version="1.0" encoding="utf-8"?>
-<p:sldLayout xmlns:a="http://schemas.openxmlformats.org/drawingml/2006/main" xmlns:r="http://schemas.openxmlformats.org/officeDocument/2006/relationships" xmlns:p="http://schemas.openxmlformats.org/presentationml/2006/main" matchingName="Title slide" type="title">
+<p:sldLayout xmlns:a="http://schemas.openxmlformats.org/drawingml/2006/main" xmlns:r="http://schemas.openxmlformats.org/officeDocument/2006/relationships" xmlns:p="http://schemas.openxmlformats.org/presentationml/2006/main" type="title" matchingName="Title slide">
   <p:cSld name="TITLE">
     <p:bg>
       <p:bgPr>
@@ -3634,17 +3589,17 @@
                 <a:srgbClr val="000000"/>
               </a:buClr>
               <a:buSzPts val="1400"/>
-              <a:buFont typeface="Arial"/>
+              <a:buFont typeface="Arial" panose="020B0604020202020204"/>
               <a:buNone/>
             </a:pPr>
             <a:endParaRPr sz="1400" b="0" i="0" u="none" strike="noStrike" cap="none">
               <a:solidFill>
                 <a:srgbClr val="000000"/>
               </a:solidFill>
-              <a:latin typeface="Arial"/>
-              <a:ea typeface="Arial"/>
-              <a:cs typeface="Arial"/>
-              <a:sym typeface="Arial"/>
+              <a:latin typeface="Arial" panose="020B0604020202020204"/>
+              <a:ea typeface="Arial" panose="020B0604020202020204"/>
+              <a:cs typeface="Arial" panose="020B0604020202020204"/>
+              <a:sym typeface="Arial" panose="020B0604020202020204"/>
             </a:endParaRPr>
           </a:p>
         </p:txBody>
@@ -3690,17 +3645,17 @@
                 <a:srgbClr val="000000"/>
               </a:buClr>
               <a:buSzPts val="1400"/>
-              <a:buFont typeface="Arial"/>
+              <a:buFont typeface="Arial" panose="020B0604020202020204"/>
               <a:buNone/>
             </a:pPr>
             <a:endParaRPr sz="1400" b="0" i="0" u="none" strike="noStrike" cap="none">
               <a:solidFill>
                 <a:srgbClr val="000000"/>
               </a:solidFill>
-              <a:latin typeface="Arial"/>
-              <a:ea typeface="Arial"/>
-              <a:cs typeface="Arial"/>
-              <a:sym typeface="Arial"/>
+              <a:latin typeface="Arial" panose="020B0604020202020204"/>
+              <a:ea typeface="Arial" panose="020B0604020202020204"/>
+              <a:cs typeface="Arial" panose="020B0604020202020204"/>
+              <a:sym typeface="Arial" panose="020B0604020202020204"/>
             </a:endParaRPr>
           </a:p>
         </p:txBody>
@@ -3746,17 +3701,17 @@
                 <a:srgbClr val="000000"/>
               </a:buClr>
               <a:buSzPts val="1400"/>
-              <a:buFont typeface="Arial"/>
+              <a:buFont typeface="Arial" panose="020B0604020202020204"/>
               <a:buNone/>
             </a:pPr>
             <a:endParaRPr sz="1400" b="0" i="0" u="none" strike="noStrike" cap="none">
               <a:solidFill>
                 <a:srgbClr val="000000"/>
               </a:solidFill>
-              <a:latin typeface="Arial"/>
-              <a:ea typeface="Arial"/>
-              <a:cs typeface="Arial"/>
-              <a:sym typeface="Arial"/>
+              <a:latin typeface="Arial" panose="020B0604020202020204"/>
+              <a:ea typeface="Arial" panose="020B0604020202020204"/>
+              <a:cs typeface="Arial" panose="020B0604020202020204"/>
+              <a:sym typeface="Arial" panose="020B0604020202020204"/>
             </a:endParaRPr>
           </a:p>
         </p:txBody>
@@ -3809,17 +3764,17 @@
                 <a:srgbClr val="000000"/>
               </a:buClr>
               <a:buSzPts val="1400"/>
-              <a:buFont typeface="Arial"/>
+              <a:buFont typeface="Arial" panose="020B0604020202020204"/>
               <a:buNone/>
             </a:pPr>
             <a:endParaRPr sz="1400" b="0" i="0" u="none" strike="noStrike" cap="none">
               <a:solidFill>
                 <a:srgbClr val="000000"/>
               </a:solidFill>
-              <a:latin typeface="Arial"/>
-              <a:ea typeface="Arial"/>
-              <a:cs typeface="Arial"/>
-              <a:sym typeface="Arial"/>
+              <a:latin typeface="Arial" panose="020B0604020202020204"/>
+              <a:ea typeface="Arial" panose="020B0604020202020204"/>
+              <a:cs typeface="Arial" panose="020B0604020202020204"/>
+              <a:sym typeface="Arial" panose="020B0604020202020204"/>
             </a:endParaRPr>
           </a:p>
         </p:txBody>
@@ -3881,17 +3836,17 @@
                   <a:srgbClr val="000000"/>
                 </a:buClr>
                 <a:buSzPts val="1400"/>
-                <a:buFont typeface="Arial"/>
+                <a:buFont typeface="Arial" panose="020B0604020202020204"/>
                 <a:buNone/>
               </a:pPr>
               <a:endParaRPr sz="1400" b="0" i="0" u="none" strike="noStrike" cap="none">
                 <a:solidFill>
                   <a:srgbClr val="000000"/>
                 </a:solidFill>
-                <a:latin typeface="Arial"/>
-                <a:ea typeface="Arial"/>
-                <a:cs typeface="Arial"/>
-                <a:sym typeface="Arial"/>
+                <a:latin typeface="Arial" panose="020B0604020202020204"/>
+                <a:ea typeface="Arial" panose="020B0604020202020204"/>
+                <a:cs typeface="Arial" panose="020B0604020202020204"/>
+                <a:sym typeface="Arial" panose="020B0604020202020204"/>
               </a:endParaRPr>
             </a:p>
           </p:txBody>
@@ -3939,17 +3894,17 @@
                   <a:srgbClr val="000000"/>
                 </a:buClr>
                 <a:buSzPts val="1400"/>
-                <a:buFont typeface="Arial"/>
+                <a:buFont typeface="Arial" panose="020B0604020202020204"/>
                 <a:buNone/>
               </a:pPr>
               <a:endParaRPr sz="1400" b="0" i="0" u="none" strike="noStrike" cap="none">
                 <a:solidFill>
                   <a:srgbClr val="000000"/>
                 </a:solidFill>
-                <a:latin typeface="Arial"/>
-                <a:ea typeface="Arial"/>
-                <a:cs typeface="Arial"/>
-                <a:sym typeface="Arial"/>
+                <a:latin typeface="Arial" panose="020B0604020202020204"/>
+                <a:ea typeface="Arial" panose="020B0604020202020204"/>
+                <a:cs typeface="Arial" panose="020B0604020202020204"/>
+                <a:sym typeface="Arial" panose="020B0604020202020204"/>
               </a:endParaRPr>
             </a:p>
           </p:txBody>
@@ -3997,17 +3952,17 @@
                   <a:srgbClr val="000000"/>
                 </a:buClr>
                 <a:buSzPts val="1400"/>
-                <a:buFont typeface="Arial"/>
+                <a:buFont typeface="Arial" panose="020B0604020202020204"/>
                 <a:buNone/>
               </a:pPr>
               <a:endParaRPr sz="1400" b="0" i="0" u="none" strike="noStrike" cap="none">
                 <a:solidFill>
                   <a:srgbClr val="000000"/>
                 </a:solidFill>
-                <a:latin typeface="Arial"/>
-                <a:ea typeface="Arial"/>
-                <a:cs typeface="Arial"/>
-                <a:sym typeface="Arial"/>
+                <a:latin typeface="Arial" panose="020B0604020202020204"/>
+                <a:ea typeface="Arial" panose="020B0604020202020204"/>
+                <a:cs typeface="Arial" panose="020B0604020202020204"/>
+                <a:sym typeface="Arial" panose="020B0604020202020204"/>
               </a:endParaRPr>
             </a:p>
           </p:txBody>
@@ -4070,17 +4025,17 @@
                   <a:srgbClr val="000000"/>
                 </a:buClr>
                 <a:buSzPts val="1400"/>
-                <a:buFont typeface="Arial"/>
+                <a:buFont typeface="Arial" panose="020B0604020202020204"/>
                 <a:buNone/>
               </a:pPr>
               <a:endParaRPr sz="1400" b="0" i="0" u="none" strike="noStrike" cap="none">
                 <a:solidFill>
                   <a:srgbClr val="000000"/>
                 </a:solidFill>
-                <a:latin typeface="Arial"/>
-                <a:ea typeface="Arial"/>
-                <a:cs typeface="Arial"/>
-                <a:sym typeface="Arial"/>
+                <a:latin typeface="Arial" panose="020B0604020202020204"/>
+                <a:ea typeface="Arial" panose="020B0604020202020204"/>
+                <a:cs typeface="Arial" panose="020B0604020202020204"/>
+                <a:sym typeface="Arial" panose="020B0604020202020204"/>
               </a:endParaRPr>
             </a:p>
           </p:txBody>
@@ -4128,17 +4083,17 @@
                   <a:srgbClr val="000000"/>
                 </a:buClr>
                 <a:buSzPts val="1400"/>
-                <a:buFont typeface="Arial"/>
+                <a:buFont typeface="Arial" panose="020B0604020202020204"/>
                 <a:buNone/>
               </a:pPr>
               <a:endParaRPr sz="1400" b="0" i="0" u="none" strike="noStrike" cap="none">
                 <a:solidFill>
                   <a:srgbClr val="000000"/>
                 </a:solidFill>
-                <a:latin typeface="Arial"/>
-                <a:ea typeface="Arial"/>
-                <a:cs typeface="Arial"/>
-                <a:sym typeface="Arial"/>
+                <a:latin typeface="Arial" panose="020B0604020202020204"/>
+                <a:ea typeface="Arial" panose="020B0604020202020204"/>
+                <a:cs typeface="Arial" panose="020B0604020202020204"/>
+                <a:sym typeface="Arial" panose="020B0604020202020204"/>
               </a:endParaRPr>
             </a:p>
           </p:txBody>
@@ -4186,17 +4141,17 @@
                   <a:srgbClr val="000000"/>
                 </a:buClr>
                 <a:buSzPts val="1400"/>
-                <a:buFont typeface="Arial"/>
+                <a:buFont typeface="Arial" panose="020B0604020202020204"/>
                 <a:buNone/>
               </a:pPr>
               <a:endParaRPr sz="1400" b="0" i="0" u="none" strike="noStrike" cap="none">
                 <a:solidFill>
                   <a:srgbClr val="000000"/>
                 </a:solidFill>
-                <a:latin typeface="Arial"/>
-                <a:ea typeface="Arial"/>
-                <a:cs typeface="Arial"/>
-                <a:sym typeface="Arial"/>
+                <a:latin typeface="Arial" panose="020B0604020202020204"/>
+                <a:ea typeface="Arial" panose="020B0604020202020204"/>
+                <a:cs typeface="Arial" panose="020B0604020202020204"/>
+                <a:sym typeface="Arial" panose="020B0604020202020204"/>
               </a:endParaRPr>
             </a:p>
           </p:txBody>
@@ -4259,17 +4214,17 @@
                   <a:srgbClr val="000000"/>
                 </a:buClr>
                 <a:buSzPts val="1400"/>
-                <a:buFont typeface="Arial"/>
+                <a:buFont typeface="Arial" panose="020B0604020202020204"/>
                 <a:buNone/>
               </a:pPr>
               <a:endParaRPr sz="1400" b="0" i="0" u="none" strike="noStrike" cap="none">
                 <a:solidFill>
                   <a:srgbClr val="000000"/>
                 </a:solidFill>
-                <a:latin typeface="Arial"/>
-                <a:ea typeface="Arial"/>
-                <a:cs typeface="Arial"/>
-                <a:sym typeface="Arial"/>
+                <a:latin typeface="Arial" panose="020B0604020202020204"/>
+                <a:ea typeface="Arial" panose="020B0604020202020204"/>
+                <a:cs typeface="Arial" panose="020B0604020202020204"/>
+                <a:sym typeface="Arial" panose="020B0604020202020204"/>
               </a:endParaRPr>
             </a:p>
           </p:txBody>
@@ -4317,17 +4272,17 @@
                   <a:srgbClr val="000000"/>
                 </a:buClr>
                 <a:buSzPts val="1400"/>
-                <a:buFont typeface="Arial"/>
+                <a:buFont typeface="Arial" panose="020B0604020202020204"/>
                 <a:buNone/>
               </a:pPr>
               <a:endParaRPr sz="1400" b="0" i="0" u="none" strike="noStrike" cap="none">
                 <a:solidFill>
                   <a:srgbClr val="000000"/>
                 </a:solidFill>
-                <a:latin typeface="Arial"/>
-                <a:ea typeface="Arial"/>
-                <a:cs typeface="Arial"/>
-                <a:sym typeface="Arial"/>
+                <a:latin typeface="Arial" panose="020B0604020202020204"/>
+                <a:ea typeface="Arial" panose="020B0604020202020204"/>
+                <a:cs typeface="Arial" panose="020B0604020202020204"/>
+                <a:sym typeface="Arial" panose="020B0604020202020204"/>
               </a:endParaRPr>
             </a:p>
           </p:txBody>
@@ -4375,17 +4330,17 @@
                   <a:srgbClr val="000000"/>
                 </a:buClr>
                 <a:buSzPts val="1400"/>
-                <a:buFont typeface="Arial"/>
+                <a:buFont typeface="Arial" panose="020B0604020202020204"/>
                 <a:buNone/>
               </a:pPr>
               <a:endParaRPr sz="1400" b="0" i="0" u="none" strike="noStrike" cap="none">
                 <a:solidFill>
                   <a:srgbClr val="000000"/>
                 </a:solidFill>
-                <a:latin typeface="Arial"/>
-                <a:ea typeface="Arial"/>
-                <a:cs typeface="Arial"/>
-                <a:sym typeface="Arial"/>
+                <a:latin typeface="Arial" panose="020B0604020202020204"/>
+                <a:ea typeface="Arial" panose="020B0604020202020204"/>
+                <a:cs typeface="Arial" panose="020B0604020202020204"/>
+                <a:sym typeface="Arial" panose="020B0604020202020204"/>
               </a:endParaRPr>
             </a:p>
           </p:txBody>
@@ -4448,17 +4403,17 @@
                   <a:srgbClr val="000000"/>
                 </a:buClr>
                 <a:buSzPts val="1400"/>
-                <a:buFont typeface="Arial"/>
+                <a:buFont typeface="Arial" panose="020B0604020202020204"/>
                 <a:buNone/>
               </a:pPr>
               <a:endParaRPr sz="1400" b="0" i="0" u="none" strike="noStrike" cap="none">
                 <a:solidFill>
                   <a:srgbClr val="000000"/>
                 </a:solidFill>
-                <a:latin typeface="Arial"/>
-                <a:ea typeface="Arial"/>
-                <a:cs typeface="Arial"/>
-                <a:sym typeface="Arial"/>
+                <a:latin typeface="Arial" panose="020B0604020202020204"/>
+                <a:ea typeface="Arial" panose="020B0604020202020204"/>
+                <a:cs typeface="Arial" panose="020B0604020202020204"/>
+                <a:sym typeface="Arial" panose="020B0604020202020204"/>
               </a:endParaRPr>
             </a:p>
           </p:txBody>
@@ -4506,17 +4461,17 @@
                   <a:srgbClr val="000000"/>
                 </a:buClr>
                 <a:buSzPts val="1400"/>
-                <a:buFont typeface="Arial"/>
+                <a:buFont typeface="Arial" panose="020B0604020202020204"/>
                 <a:buNone/>
               </a:pPr>
               <a:endParaRPr sz="1400" b="0" i="0" u="none" strike="noStrike" cap="none">
                 <a:solidFill>
                   <a:srgbClr val="000000"/>
                 </a:solidFill>
-                <a:latin typeface="Arial"/>
-                <a:ea typeface="Arial"/>
-                <a:cs typeface="Arial"/>
-                <a:sym typeface="Arial"/>
+                <a:latin typeface="Arial" panose="020B0604020202020204"/>
+                <a:ea typeface="Arial" panose="020B0604020202020204"/>
+                <a:cs typeface="Arial" panose="020B0604020202020204"/>
+                <a:sym typeface="Arial" panose="020B0604020202020204"/>
               </a:endParaRPr>
             </a:p>
           </p:txBody>
@@ -4564,17 +4519,17 @@
                   <a:srgbClr val="000000"/>
                 </a:buClr>
                 <a:buSzPts val="1400"/>
-                <a:buFont typeface="Arial"/>
+                <a:buFont typeface="Arial" panose="020B0604020202020204"/>
                 <a:buNone/>
               </a:pPr>
               <a:endParaRPr sz="1400" b="0" i="0" u="none" strike="noStrike" cap="none">
                 <a:solidFill>
                   <a:srgbClr val="000000"/>
                 </a:solidFill>
-                <a:latin typeface="Arial"/>
-                <a:ea typeface="Arial"/>
-                <a:cs typeface="Arial"/>
-                <a:sym typeface="Arial"/>
+                <a:latin typeface="Arial" panose="020B0604020202020204"/>
+                <a:ea typeface="Arial" panose="020B0604020202020204"/>
+                <a:cs typeface="Arial" panose="020B0604020202020204"/>
+                <a:sym typeface="Arial" panose="020B0604020202020204"/>
               </a:endParaRPr>
             </a:p>
           </p:txBody>
@@ -4637,17 +4592,17 @@
                   <a:srgbClr val="000000"/>
                 </a:buClr>
                 <a:buSzPts val="1400"/>
-                <a:buFont typeface="Arial"/>
+                <a:buFont typeface="Arial" panose="020B0604020202020204"/>
                 <a:buNone/>
               </a:pPr>
               <a:endParaRPr sz="1400" b="0" i="0" u="none" strike="noStrike" cap="none">
                 <a:solidFill>
                   <a:srgbClr val="000000"/>
                 </a:solidFill>
-                <a:latin typeface="Arial"/>
-                <a:ea typeface="Arial"/>
-                <a:cs typeface="Arial"/>
-                <a:sym typeface="Arial"/>
+                <a:latin typeface="Arial" panose="020B0604020202020204"/>
+                <a:ea typeface="Arial" panose="020B0604020202020204"/>
+                <a:cs typeface="Arial" panose="020B0604020202020204"/>
+                <a:sym typeface="Arial" panose="020B0604020202020204"/>
               </a:endParaRPr>
             </a:p>
           </p:txBody>
@@ -4695,17 +4650,17 @@
                   <a:srgbClr val="000000"/>
                 </a:buClr>
                 <a:buSzPts val="1400"/>
-                <a:buFont typeface="Arial"/>
+                <a:buFont typeface="Arial" panose="020B0604020202020204"/>
                 <a:buNone/>
               </a:pPr>
               <a:endParaRPr sz="1400" b="0" i="0" u="none" strike="noStrike" cap="none">
                 <a:solidFill>
                   <a:srgbClr val="000000"/>
                 </a:solidFill>
-                <a:latin typeface="Arial"/>
-                <a:ea typeface="Arial"/>
-                <a:cs typeface="Arial"/>
-                <a:sym typeface="Arial"/>
+                <a:latin typeface="Arial" panose="020B0604020202020204"/>
+                <a:ea typeface="Arial" panose="020B0604020202020204"/>
+                <a:cs typeface="Arial" panose="020B0604020202020204"/>
+                <a:sym typeface="Arial" panose="020B0604020202020204"/>
               </a:endParaRPr>
             </a:p>
           </p:txBody>
@@ -4753,17 +4708,17 @@
                   <a:srgbClr val="000000"/>
                 </a:buClr>
                 <a:buSzPts val="1400"/>
-                <a:buFont typeface="Arial"/>
+                <a:buFont typeface="Arial" panose="020B0604020202020204"/>
                 <a:buNone/>
               </a:pPr>
               <a:endParaRPr sz="1400" b="0" i="0" u="none" strike="noStrike" cap="none">
                 <a:solidFill>
                   <a:srgbClr val="000000"/>
                 </a:solidFill>
-                <a:latin typeface="Arial"/>
-                <a:ea typeface="Arial"/>
-                <a:cs typeface="Arial"/>
-                <a:sym typeface="Arial"/>
+                <a:latin typeface="Arial" panose="020B0604020202020204"/>
+                <a:ea typeface="Arial" panose="020B0604020202020204"/>
+                <a:cs typeface="Arial" panose="020B0604020202020204"/>
+                <a:sym typeface="Arial" panose="020B0604020202020204"/>
               </a:endParaRPr>
             </a:p>
           </p:txBody>
@@ -4922,9 +4877,7 @@
               <a:defRPr sz="3800"/>
             </a:lvl9pPr>
           </a:lstStyle>
-          <a:p>
-            <a:endParaRPr/>
-          </a:p>
+          <a:p/>
         </p:txBody>
       </p:sp>
       <p:sp>
@@ -5143,9 +5096,7 @@
               </a:defRPr>
             </a:lvl9pPr>
           </a:lstStyle>
-          <a:p>
-            <a:endParaRPr/>
-          </a:p>
+          <a:p/>
         </p:txBody>
       </p:sp>
       <p:sp>
@@ -5190,16 +5141,16 @@
                 <a:srgbClr val="000000"/>
               </a:buClr>
               <a:buSzPts val="1000"/>
-              <a:buFont typeface="Arial"/>
+              <a:buFont typeface="Arial" panose="020B0604020202020204"/>
               <a:buNone/>
               <a:defRPr sz="1000" b="0" i="0" u="none" strike="noStrike" cap="none">
                 <a:solidFill>
                   <a:schemeClr val="dk2"/>
                 </a:solidFill>
-                <a:latin typeface="Nunito"/>
-                <a:ea typeface="Nunito"/>
-                <a:cs typeface="Nunito"/>
-                <a:sym typeface="Nunito"/>
+                <a:latin typeface="Nunito" panose="00000500000000000000"/>
+                <a:ea typeface="Nunito" panose="00000500000000000000"/>
+                <a:cs typeface="Nunito" panose="00000500000000000000"/>
+                <a:sym typeface="Nunito" panose="00000500000000000000"/>
               </a:defRPr>
             </a:lvl1pPr>
             <a:lvl2pPr marL="0" marR="0" lvl="1" indent="0" algn="r" rtl="0">
@@ -5216,16 +5167,16 @@
                 <a:srgbClr val="000000"/>
               </a:buClr>
               <a:buSzPts val="1000"/>
-              <a:buFont typeface="Arial"/>
+              <a:buFont typeface="Arial" panose="020B0604020202020204"/>
               <a:buNone/>
               <a:defRPr sz="1000" b="0" i="0" u="none" strike="noStrike" cap="none">
                 <a:solidFill>
                   <a:schemeClr val="dk2"/>
                 </a:solidFill>
-                <a:latin typeface="Nunito"/>
-                <a:ea typeface="Nunito"/>
-                <a:cs typeface="Nunito"/>
-                <a:sym typeface="Nunito"/>
+                <a:latin typeface="Nunito" panose="00000500000000000000"/>
+                <a:ea typeface="Nunito" panose="00000500000000000000"/>
+                <a:cs typeface="Nunito" panose="00000500000000000000"/>
+                <a:sym typeface="Nunito" panose="00000500000000000000"/>
               </a:defRPr>
             </a:lvl2pPr>
             <a:lvl3pPr marL="0" marR="0" lvl="2" indent="0" algn="r" rtl="0">
@@ -5242,16 +5193,16 @@
                 <a:srgbClr val="000000"/>
               </a:buClr>
               <a:buSzPts val="1000"/>
-              <a:buFont typeface="Arial"/>
+              <a:buFont typeface="Arial" panose="020B0604020202020204"/>
               <a:buNone/>
               <a:defRPr sz="1000" b="0" i="0" u="none" strike="noStrike" cap="none">
                 <a:solidFill>
                   <a:schemeClr val="dk2"/>
                 </a:solidFill>
-                <a:latin typeface="Nunito"/>
-                <a:ea typeface="Nunito"/>
-                <a:cs typeface="Nunito"/>
-                <a:sym typeface="Nunito"/>
+                <a:latin typeface="Nunito" panose="00000500000000000000"/>
+                <a:ea typeface="Nunito" panose="00000500000000000000"/>
+                <a:cs typeface="Nunito" panose="00000500000000000000"/>
+                <a:sym typeface="Nunito" panose="00000500000000000000"/>
               </a:defRPr>
             </a:lvl3pPr>
             <a:lvl4pPr marL="0" marR="0" lvl="3" indent="0" algn="r" rtl="0">
@@ -5268,16 +5219,16 @@
                 <a:srgbClr val="000000"/>
               </a:buClr>
               <a:buSzPts val="1000"/>
-              <a:buFont typeface="Arial"/>
+              <a:buFont typeface="Arial" panose="020B0604020202020204"/>
               <a:buNone/>
               <a:defRPr sz="1000" b="0" i="0" u="none" strike="noStrike" cap="none">
                 <a:solidFill>
                   <a:schemeClr val="dk2"/>
                 </a:solidFill>
-                <a:latin typeface="Nunito"/>
-                <a:ea typeface="Nunito"/>
-                <a:cs typeface="Nunito"/>
-                <a:sym typeface="Nunito"/>
+                <a:latin typeface="Nunito" panose="00000500000000000000"/>
+                <a:ea typeface="Nunito" panose="00000500000000000000"/>
+                <a:cs typeface="Nunito" panose="00000500000000000000"/>
+                <a:sym typeface="Nunito" panose="00000500000000000000"/>
               </a:defRPr>
             </a:lvl4pPr>
             <a:lvl5pPr marL="0" marR="0" lvl="4" indent="0" algn="r" rtl="0">
@@ -5294,16 +5245,16 @@
                 <a:srgbClr val="000000"/>
               </a:buClr>
               <a:buSzPts val="1000"/>
-              <a:buFont typeface="Arial"/>
+              <a:buFont typeface="Arial" panose="020B0604020202020204"/>
               <a:buNone/>
               <a:defRPr sz="1000" b="0" i="0" u="none" strike="noStrike" cap="none">
                 <a:solidFill>
                   <a:schemeClr val="dk2"/>
                 </a:solidFill>
-                <a:latin typeface="Nunito"/>
-                <a:ea typeface="Nunito"/>
-                <a:cs typeface="Nunito"/>
-                <a:sym typeface="Nunito"/>
+                <a:latin typeface="Nunito" panose="00000500000000000000"/>
+                <a:ea typeface="Nunito" panose="00000500000000000000"/>
+                <a:cs typeface="Nunito" panose="00000500000000000000"/>
+                <a:sym typeface="Nunito" panose="00000500000000000000"/>
               </a:defRPr>
             </a:lvl5pPr>
             <a:lvl6pPr marL="0" marR="0" lvl="5" indent="0" algn="r" rtl="0">
@@ -5320,16 +5271,16 @@
                 <a:srgbClr val="000000"/>
               </a:buClr>
               <a:buSzPts val="1000"/>
-              <a:buFont typeface="Arial"/>
+              <a:buFont typeface="Arial" panose="020B0604020202020204"/>
               <a:buNone/>
               <a:defRPr sz="1000" b="0" i="0" u="none" strike="noStrike" cap="none">
                 <a:solidFill>
                   <a:schemeClr val="dk2"/>
                 </a:solidFill>
-                <a:latin typeface="Nunito"/>
-                <a:ea typeface="Nunito"/>
-                <a:cs typeface="Nunito"/>
-                <a:sym typeface="Nunito"/>
+                <a:latin typeface="Nunito" panose="00000500000000000000"/>
+                <a:ea typeface="Nunito" panose="00000500000000000000"/>
+                <a:cs typeface="Nunito" panose="00000500000000000000"/>
+                <a:sym typeface="Nunito" panose="00000500000000000000"/>
               </a:defRPr>
             </a:lvl6pPr>
             <a:lvl7pPr marL="0" marR="0" lvl="6" indent="0" algn="r" rtl="0">
@@ -5346,16 +5297,16 @@
                 <a:srgbClr val="000000"/>
               </a:buClr>
               <a:buSzPts val="1000"/>
-              <a:buFont typeface="Arial"/>
+              <a:buFont typeface="Arial" panose="020B0604020202020204"/>
               <a:buNone/>
               <a:defRPr sz="1000" b="0" i="0" u="none" strike="noStrike" cap="none">
                 <a:solidFill>
                   <a:schemeClr val="dk2"/>
                 </a:solidFill>
-                <a:latin typeface="Nunito"/>
-                <a:ea typeface="Nunito"/>
-                <a:cs typeface="Nunito"/>
-                <a:sym typeface="Nunito"/>
+                <a:latin typeface="Nunito" panose="00000500000000000000"/>
+                <a:ea typeface="Nunito" panose="00000500000000000000"/>
+                <a:cs typeface="Nunito" panose="00000500000000000000"/>
+                <a:sym typeface="Nunito" panose="00000500000000000000"/>
               </a:defRPr>
             </a:lvl7pPr>
             <a:lvl8pPr marL="0" marR="0" lvl="7" indent="0" algn="r" rtl="0">
@@ -5372,16 +5323,16 @@
                 <a:srgbClr val="000000"/>
               </a:buClr>
               <a:buSzPts val="1000"/>
-              <a:buFont typeface="Arial"/>
+              <a:buFont typeface="Arial" panose="020B0604020202020204"/>
               <a:buNone/>
               <a:defRPr sz="1000" b="0" i="0" u="none" strike="noStrike" cap="none">
                 <a:solidFill>
                   <a:schemeClr val="dk2"/>
                 </a:solidFill>
-                <a:latin typeface="Nunito"/>
-                <a:ea typeface="Nunito"/>
-                <a:cs typeface="Nunito"/>
-                <a:sym typeface="Nunito"/>
+                <a:latin typeface="Nunito" panose="00000500000000000000"/>
+                <a:ea typeface="Nunito" panose="00000500000000000000"/>
+                <a:cs typeface="Nunito" panose="00000500000000000000"/>
+                <a:sym typeface="Nunito" panose="00000500000000000000"/>
               </a:defRPr>
             </a:lvl8pPr>
             <a:lvl9pPr marL="0" marR="0" lvl="8" indent="0" algn="r" rtl="0">
@@ -5398,16 +5349,16 @@
                 <a:srgbClr val="000000"/>
               </a:buClr>
               <a:buSzPts val="1000"/>
-              <a:buFont typeface="Arial"/>
+              <a:buFont typeface="Arial" panose="020B0604020202020204"/>
               <a:buNone/>
               <a:defRPr sz="1000" b="0" i="0" u="none" strike="noStrike" cap="none">
                 <a:solidFill>
                   <a:schemeClr val="dk2"/>
                 </a:solidFill>
-                <a:latin typeface="Nunito"/>
-                <a:ea typeface="Nunito"/>
-                <a:cs typeface="Nunito"/>
-                <a:sym typeface="Nunito"/>
+                <a:latin typeface="Nunito" panose="00000500000000000000"/>
+                <a:ea typeface="Nunito" panose="00000500000000000000"/>
+                <a:cs typeface="Nunito" panose="00000500000000000000"/>
+                <a:sym typeface="Nunito" panose="00000500000000000000"/>
               </a:defRPr>
             </a:lvl9pPr>
           </a:lstStyle>
@@ -5422,10 +5373,9 @@
               <a:buNone/>
             </a:pPr>
             <a:fld id="{00000000-1234-1234-1234-123412341234}" type="slidenum">
-              <a:rPr lang="en"/>
-              <a:t>‹#›</a:t>
+              <a:rPr lang="en-GB"/>
             </a:fld>
-            <a:endParaRPr/>
+            <a:endParaRPr lang="en-GB"/>
           </a:p>
         </p:txBody>
       </p:sp>
@@ -5503,17 +5453,17 @@
                 <a:srgbClr val="000000"/>
               </a:buClr>
               <a:buSzPts val="1400"/>
-              <a:buFont typeface="Arial"/>
+              <a:buFont typeface="Arial" panose="020B0604020202020204"/>
               <a:buNone/>
             </a:pPr>
             <a:endParaRPr sz="1400" b="0" i="0" u="none" strike="noStrike" cap="none">
               <a:solidFill>
                 <a:srgbClr val="000000"/>
               </a:solidFill>
-              <a:latin typeface="Arial"/>
-              <a:ea typeface="Arial"/>
-              <a:cs typeface="Arial"/>
-              <a:sym typeface="Arial"/>
+              <a:latin typeface="Arial" panose="020B0604020202020204"/>
+              <a:ea typeface="Arial" panose="020B0604020202020204"/>
+              <a:cs typeface="Arial" panose="020B0604020202020204"/>
+              <a:sym typeface="Arial" panose="020B0604020202020204"/>
             </a:endParaRPr>
           </a:p>
         </p:txBody>
@@ -5575,17 +5525,17 @@
                   <a:srgbClr val="000000"/>
                 </a:buClr>
                 <a:buSzPts val="1400"/>
-                <a:buFont typeface="Arial"/>
+                <a:buFont typeface="Arial" panose="020B0604020202020204"/>
                 <a:buNone/>
               </a:pPr>
               <a:endParaRPr sz="1400" b="0" i="0" u="none" strike="noStrike" cap="none">
                 <a:solidFill>
                   <a:srgbClr val="000000"/>
                 </a:solidFill>
-                <a:latin typeface="Arial"/>
-                <a:ea typeface="Arial"/>
-                <a:cs typeface="Arial"/>
-                <a:sym typeface="Arial"/>
+                <a:latin typeface="Arial" panose="020B0604020202020204"/>
+                <a:ea typeface="Arial" panose="020B0604020202020204"/>
+                <a:cs typeface="Arial" panose="020B0604020202020204"/>
+                <a:sym typeface="Arial" panose="020B0604020202020204"/>
               </a:endParaRPr>
             </a:p>
           </p:txBody>
@@ -5633,17 +5583,17 @@
                   <a:srgbClr val="000000"/>
                 </a:buClr>
                 <a:buSzPts val="1400"/>
-                <a:buFont typeface="Arial"/>
+                <a:buFont typeface="Arial" panose="020B0604020202020204"/>
                 <a:buNone/>
               </a:pPr>
               <a:endParaRPr sz="1400" b="0" i="0" u="none" strike="noStrike" cap="none">
                 <a:solidFill>
                   <a:srgbClr val="000000"/>
                 </a:solidFill>
-                <a:latin typeface="Arial"/>
-                <a:ea typeface="Arial"/>
-                <a:cs typeface="Arial"/>
-                <a:sym typeface="Arial"/>
+                <a:latin typeface="Arial" panose="020B0604020202020204"/>
+                <a:ea typeface="Arial" panose="020B0604020202020204"/>
+                <a:cs typeface="Arial" panose="020B0604020202020204"/>
+                <a:sym typeface="Arial" panose="020B0604020202020204"/>
               </a:endParaRPr>
             </a:p>
           </p:txBody>
@@ -5691,17 +5641,17 @@
                   <a:srgbClr val="000000"/>
                 </a:buClr>
                 <a:buSzPts val="1400"/>
-                <a:buFont typeface="Arial"/>
+                <a:buFont typeface="Arial" panose="020B0604020202020204"/>
                 <a:buNone/>
               </a:pPr>
               <a:endParaRPr sz="1400" b="0" i="0" u="none" strike="noStrike" cap="none">
                 <a:solidFill>
                   <a:srgbClr val="000000"/>
                 </a:solidFill>
-                <a:latin typeface="Arial"/>
-                <a:ea typeface="Arial"/>
-                <a:cs typeface="Arial"/>
-                <a:sym typeface="Arial"/>
+                <a:latin typeface="Arial" panose="020B0604020202020204"/>
+                <a:ea typeface="Arial" panose="020B0604020202020204"/>
+                <a:cs typeface="Arial" panose="020B0604020202020204"/>
+                <a:sym typeface="Arial" panose="020B0604020202020204"/>
               </a:endParaRPr>
             </a:p>
           </p:txBody>
@@ -5764,17 +5714,17 @@
                   <a:srgbClr val="000000"/>
                 </a:buClr>
                 <a:buSzPts val="1400"/>
-                <a:buFont typeface="Arial"/>
+                <a:buFont typeface="Arial" panose="020B0604020202020204"/>
                 <a:buNone/>
               </a:pPr>
               <a:endParaRPr sz="1400" b="0" i="0" u="none" strike="noStrike" cap="none">
                 <a:solidFill>
                   <a:srgbClr val="000000"/>
                 </a:solidFill>
-                <a:latin typeface="Arial"/>
-                <a:ea typeface="Arial"/>
-                <a:cs typeface="Arial"/>
-                <a:sym typeface="Arial"/>
+                <a:latin typeface="Arial" panose="020B0604020202020204"/>
+                <a:ea typeface="Arial" panose="020B0604020202020204"/>
+                <a:cs typeface="Arial" panose="020B0604020202020204"/>
+                <a:sym typeface="Arial" panose="020B0604020202020204"/>
               </a:endParaRPr>
             </a:p>
           </p:txBody>
@@ -5822,17 +5772,17 @@
                   <a:srgbClr val="000000"/>
                 </a:buClr>
                 <a:buSzPts val="1400"/>
-                <a:buFont typeface="Arial"/>
+                <a:buFont typeface="Arial" panose="020B0604020202020204"/>
                 <a:buNone/>
               </a:pPr>
               <a:endParaRPr sz="1400" b="0" i="0" u="none" strike="noStrike" cap="none">
                 <a:solidFill>
                   <a:srgbClr val="000000"/>
                 </a:solidFill>
-                <a:latin typeface="Arial"/>
-                <a:ea typeface="Arial"/>
-                <a:cs typeface="Arial"/>
-                <a:sym typeface="Arial"/>
+                <a:latin typeface="Arial" panose="020B0604020202020204"/>
+                <a:ea typeface="Arial" panose="020B0604020202020204"/>
+                <a:cs typeface="Arial" panose="020B0604020202020204"/>
+                <a:sym typeface="Arial" panose="020B0604020202020204"/>
               </a:endParaRPr>
             </a:p>
           </p:txBody>
@@ -5880,17 +5830,17 @@
                   <a:srgbClr val="000000"/>
                 </a:buClr>
                 <a:buSzPts val="1400"/>
-                <a:buFont typeface="Arial"/>
+                <a:buFont typeface="Arial" panose="020B0604020202020204"/>
                 <a:buNone/>
               </a:pPr>
               <a:endParaRPr sz="1400" b="0" i="0" u="none" strike="noStrike" cap="none">
                 <a:solidFill>
                   <a:srgbClr val="000000"/>
                 </a:solidFill>
-                <a:latin typeface="Arial"/>
-                <a:ea typeface="Arial"/>
-                <a:cs typeface="Arial"/>
-                <a:sym typeface="Arial"/>
+                <a:latin typeface="Arial" panose="020B0604020202020204"/>
+                <a:ea typeface="Arial" panose="020B0604020202020204"/>
+                <a:cs typeface="Arial" panose="020B0604020202020204"/>
+                <a:sym typeface="Arial" panose="020B0604020202020204"/>
               </a:endParaRPr>
             </a:p>
           </p:txBody>
@@ -6272,9 +6222,7 @@
               <a:defRPr/>
             </a:lvl9pPr>
           </a:lstStyle>
-          <a:p>
-            <a:endParaRPr/>
-          </a:p>
+          <a:p/>
         </p:txBody>
       </p:sp>
       <p:sp>
@@ -6319,16 +6267,16 @@
                 <a:srgbClr val="000000"/>
               </a:buClr>
               <a:buSzPts val="1000"/>
-              <a:buFont typeface="Arial"/>
+              <a:buFont typeface="Arial" panose="020B0604020202020204"/>
               <a:buNone/>
               <a:defRPr sz="1000" b="0" i="0" u="none" strike="noStrike" cap="none">
                 <a:solidFill>
                   <a:schemeClr val="dk2"/>
                 </a:solidFill>
-                <a:latin typeface="Nunito"/>
-                <a:ea typeface="Nunito"/>
-                <a:cs typeface="Nunito"/>
-                <a:sym typeface="Nunito"/>
+                <a:latin typeface="Nunito" panose="00000500000000000000"/>
+                <a:ea typeface="Nunito" panose="00000500000000000000"/>
+                <a:cs typeface="Nunito" panose="00000500000000000000"/>
+                <a:sym typeface="Nunito" panose="00000500000000000000"/>
               </a:defRPr>
             </a:lvl1pPr>
             <a:lvl2pPr marL="0" marR="0" lvl="1" indent="0" algn="r" rtl="0">
@@ -6345,16 +6293,16 @@
                 <a:srgbClr val="000000"/>
               </a:buClr>
               <a:buSzPts val="1000"/>
-              <a:buFont typeface="Arial"/>
+              <a:buFont typeface="Arial" panose="020B0604020202020204"/>
               <a:buNone/>
               <a:defRPr sz="1000" b="0" i="0" u="none" strike="noStrike" cap="none">
                 <a:solidFill>
                   <a:schemeClr val="dk2"/>
                 </a:solidFill>
-                <a:latin typeface="Nunito"/>
-                <a:ea typeface="Nunito"/>
-                <a:cs typeface="Nunito"/>
-                <a:sym typeface="Nunito"/>
+                <a:latin typeface="Nunito" panose="00000500000000000000"/>
+                <a:ea typeface="Nunito" panose="00000500000000000000"/>
+                <a:cs typeface="Nunito" panose="00000500000000000000"/>
+                <a:sym typeface="Nunito" panose="00000500000000000000"/>
               </a:defRPr>
             </a:lvl2pPr>
             <a:lvl3pPr marL="0" marR="0" lvl="2" indent="0" algn="r" rtl="0">
@@ -6371,16 +6319,16 @@
                 <a:srgbClr val="000000"/>
               </a:buClr>
               <a:buSzPts val="1000"/>
-              <a:buFont typeface="Arial"/>
+              <a:buFont typeface="Arial" panose="020B0604020202020204"/>
               <a:buNone/>
               <a:defRPr sz="1000" b="0" i="0" u="none" strike="noStrike" cap="none">
                 <a:solidFill>
                   <a:schemeClr val="dk2"/>
                 </a:solidFill>
-                <a:latin typeface="Nunito"/>
-                <a:ea typeface="Nunito"/>
-                <a:cs typeface="Nunito"/>
-                <a:sym typeface="Nunito"/>
+                <a:latin typeface="Nunito" panose="00000500000000000000"/>
+                <a:ea typeface="Nunito" panose="00000500000000000000"/>
+                <a:cs typeface="Nunito" panose="00000500000000000000"/>
+                <a:sym typeface="Nunito" panose="00000500000000000000"/>
               </a:defRPr>
             </a:lvl3pPr>
             <a:lvl4pPr marL="0" marR="0" lvl="3" indent="0" algn="r" rtl="0">
@@ -6397,16 +6345,16 @@
                 <a:srgbClr val="000000"/>
               </a:buClr>
               <a:buSzPts val="1000"/>
-              <a:buFont typeface="Arial"/>
+              <a:buFont typeface="Arial" panose="020B0604020202020204"/>
               <a:buNone/>
               <a:defRPr sz="1000" b="0" i="0" u="none" strike="noStrike" cap="none">
                 <a:solidFill>
                   <a:schemeClr val="dk2"/>
                 </a:solidFill>
-                <a:latin typeface="Nunito"/>
-                <a:ea typeface="Nunito"/>
-                <a:cs typeface="Nunito"/>
-                <a:sym typeface="Nunito"/>
+                <a:latin typeface="Nunito" panose="00000500000000000000"/>
+                <a:ea typeface="Nunito" panose="00000500000000000000"/>
+                <a:cs typeface="Nunito" panose="00000500000000000000"/>
+                <a:sym typeface="Nunito" panose="00000500000000000000"/>
               </a:defRPr>
             </a:lvl4pPr>
             <a:lvl5pPr marL="0" marR="0" lvl="4" indent="0" algn="r" rtl="0">
@@ -6423,16 +6371,16 @@
                 <a:srgbClr val="000000"/>
               </a:buClr>
               <a:buSzPts val="1000"/>
-              <a:buFont typeface="Arial"/>
+              <a:buFont typeface="Arial" panose="020B0604020202020204"/>
               <a:buNone/>
               <a:defRPr sz="1000" b="0" i="0" u="none" strike="noStrike" cap="none">
                 <a:solidFill>
                   <a:schemeClr val="dk2"/>
                 </a:solidFill>
-                <a:latin typeface="Nunito"/>
-                <a:ea typeface="Nunito"/>
-                <a:cs typeface="Nunito"/>
-                <a:sym typeface="Nunito"/>
+                <a:latin typeface="Nunito" panose="00000500000000000000"/>
+                <a:ea typeface="Nunito" panose="00000500000000000000"/>
+                <a:cs typeface="Nunito" panose="00000500000000000000"/>
+                <a:sym typeface="Nunito" panose="00000500000000000000"/>
               </a:defRPr>
             </a:lvl5pPr>
             <a:lvl6pPr marL="0" marR="0" lvl="5" indent="0" algn="r" rtl="0">
@@ -6449,16 +6397,16 @@
                 <a:srgbClr val="000000"/>
               </a:buClr>
               <a:buSzPts val="1000"/>
-              <a:buFont typeface="Arial"/>
+              <a:buFont typeface="Arial" panose="020B0604020202020204"/>
               <a:buNone/>
               <a:defRPr sz="1000" b="0" i="0" u="none" strike="noStrike" cap="none">
                 <a:solidFill>
                   <a:schemeClr val="dk2"/>
                 </a:solidFill>
-                <a:latin typeface="Nunito"/>
-                <a:ea typeface="Nunito"/>
-                <a:cs typeface="Nunito"/>
-                <a:sym typeface="Nunito"/>
+                <a:latin typeface="Nunito" panose="00000500000000000000"/>
+                <a:ea typeface="Nunito" panose="00000500000000000000"/>
+                <a:cs typeface="Nunito" panose="00000500000000000000"/>
+                <a:sym typeface="Nunito" panose="00000500000000000000"/>
               </a:defRPr>
             </a:lvl6pPr>
             <a:lvl7pPr marL="0" marR="0" lvl="6" indent="0" algn="r" rtl="0">
@@ -6475,16 +6423,16 @@
                 <a:srgbClr val="000000"/>
               </a:buClr>
               <a:buSzPts val="1000"/>
-              <a:buFont typeface="Arial"/>
+              <a:buFont typeface="Arial" panose="020B0604020202020204"/>
               <a:buNone/>
               <a:defRPr sz="1000" b="0" i="0" u="none" strike="noStrike" cap="none">
                 <a:solidFill>
                   <a:schemeClr val="dk2"/>
                 </a:solidFill>
-                <a:latin typeface="Nunito"/>
-                <a:ea typeface="Nunito"/>
-                <a:cs typeface="Nunito"/>
-                <a:sym typeface="Nunito"/>
+                <a:latin typeface="Nunito" panose="00000500000000000000"/>
+                <a:ea typeface="Nunito" panose="00000500000000000000"/>
+                <a:cs typeface="Nunito" panose="00000500000000000000"/>
+                <a:sym typeface="Nunito" panose="00000500000000000000"/>
               </a:defRPr>
             </a:lvl7pPr>
             <a:lvl8pPr marL="0" marR="0" lvl="7" indent="0" algn="r" rtl="0">
@@ -6501,16 +6449,16 @@
                 <a:srgbClr val="000000"/>
               </a:buClr>
               <a:buSzPts val="1000"/>
-              <a:buFont typeface="Arial"/>
+              <a:buFont typeface="Arial" panose="020B0604020202020204"/>
               <a:buNone/>
               <a:defRPr sz="1000" b="0" i="0" u="none" strike="noStrike" cap="none">
                 <a:solidFill>
                   <a:schemeClr val="dk2"/>
                 </a:solidFill>
-                <a:latin typeface="Nunito"/>
-                <a:ea typeface="Nunito"/>
-                <a:cs typeface="Nunito"/>
-                <a:sym typeface="Nunito"/>
+                <a:latin typeface="Nunito" panose="00000500000000000000"/>
+                <a:ea typeface="Nunito" panose="00000500000000000000"/>
+                <a:cs typeface="Nunito" panose="00000500000000000000"/>
+                <a:sym typeface="Nunito" panose="00000500000000000000"/>
               </a:defRPr>
             </a:lvl8pPr>
             <a:lvl9pPr marL="0" marR="0" lvl="8" indent="0" algn="r" rtl="0">
@@ -6527,16 +6475,16 @@
                 <a:srgbClr val="000000"/>
               </a:buClr>
               <a:buSzPts val="1000"/>
-              <a:buFont typeface="Arial"/>
+              <a:buFont typeface="Arial" panose="020B0604020202020204"/>
               <a:buNone/>
               <a:defRPr sz="1000" b="0" i="0" u="none" strike="noStrike" cap="none">
                 <a:solidFill>
                   <a:schemeClr val="dk2"/>
                 </a:solidFill>
-                <a:latin typeface="Nunito"/>
-                <a:ea typeface="Nunito"/>
-                <a:cs typeface="Nunito"/>
-                <a:sym typeface="Nunito"/>
+                <a:latin typeface="Nunito" panose="00000500000000000000"/>
+                <a:ea typeface="Nunito" panose="00000500000000000000"/>
+                <a:cs typeface="Nunito" panose="00000500000000000000"/>
+                <a:sym typeface="Nunito" panose="00000500000000000000"/>
               </a:defRPr>
             </a:lvl9pPr>
           </a:lstStyle>
@@ -6551,10 +6499,9 @@
               <a:buNone/>
             </a:pPr>
             <a:fld id="{00000000-1234-1234-1234-123412341234}" type="slidenum">
-              <a:rPr lang="en"/>
-              <a:t>‹#›</a:t>
+              <a:rPr lang="en-GB"/>
             </a:fld>
-            <a:endParaRPr/>
+            <a:endParaRPr lang="en-GB"/>
           </a:p>
         </p:txBody>
       </p:sp>
@@ -6567,7 +6514,7 @@
 </file>
 
 <file path=ppt/slideLayouts/slideLayout11.xml><?xml version="1.0" encoding="utf-8"?>
-<p:sldLayout xmlns:a="http://schemas.openxmlformats.org/drawingml/2006/main" xmlns:r="http://schemas.openxmlformats.org/officeDocument/2006/relationships" xmlns:p="http://schemas.openxmlformats.org/presentationml/2006/main" matchingName="Blank" type="blank">
+<p:sldLayout xmlns:a="http://schemas.openxmlformats.org/drawingml/2006/main" xmlns:r="http://schemas.openxmlformats.org/officeDocument/2006/relationships" xmlns:p="http://schemas.openxmlformats.org/presentationml/2006/main" type="blank" matchingName="Blank">
   <p:cSld name="BLANK">
     <p:spTree>
       <p:nvGrpSpPr>
@@ -6625,16 +6572,16 @@
                 <a:srgbClr val="000000"/>
               </a:buClr>
               <a:buSzPts val="1000"/>
-              <a:buFont typeface="Arial"/>
+              <a:buFont typeface="Arial" panose="020B0604020202020204"/>
               <a:buNone/>
               <a:defRPr sz="1000" b="0" i="0" u="none" strike="noStrike" cap="none">
                 <a:solidFill>
                   <a:schemeClr val="dk2"/>
                 </a:solidFill>
-                <a:latin typeface="Nunito"/>
-                <a:ea typeface="Nunito"/>
-                <a:cs typeface="Nunito"/>
-                <a:sym typeface="Nunito"/>
+                <a:latin typeface="Nunito" panose="00000500000000000000"/>
+                <a:ea typeface="Nunito" panose="00000500000000000000"/>
+                <a:cs typeface="Nunito" panose="00000500000000000000"/>
+                <a:sym typeface="Nunito" panose="00000500000000000000"/>
               </a:defRPr>
             </a:lvl1pPr>
             <a:lvl2pPr marL="0" marR="0" lvl="1" indent="0" algn="r" rtl="0">
@@ -6651,16 +6598,16 @@
                 <a:srgbClr val="000000"/>
               </a:buClr>
               <a:buSzPts val="1000"/>
-              <a:buFont typeface="Arial"/>
+              <a:buFont typeface="Arial" panose="020B0604020202020204"/>
               <a:buNone/>
               <a:defRPr sz="1000" b="0" i="0" u="none" strike="noStrike" cap="none">
                 <a:solidFill>
                   <a:schemeClr val="dk2"/>
                 </a:solidFill>
-                <a:latin typeface="Nunito"/>
-                <a:ea typeface="Nunito"/>
-                <a:cs typeface="Nunito"/>
-                <a:sym typeface="Nunito"/>
+                <a:latin typeface="Nunito" panose="00000500000000000000"/>
+                <a:ea typeface="Nunito" panose="00000500000000000000"/>
+                <a:cs typeface="Nunito" panose="00000500000000000000"/>
+                <a:sym typeface="Nunito" panose="00000500000000000000"/>
               </a:defRPr>
             </a:lvl2pPr>
             <a:lvl3pPr marL="0" marR="0" lvl="2" indent="0" algn="r" rtl="0">
@@ -6677,16 +6624,16 @@
                 <a:srgbClr val="000000"/>
               </a:buClr>
               <a:buSzPts val="1000"/>
-              <a:buFont typeface="Arial"/>
+              <a:buFont typeface="Arial" panose="020B0604020202020204"/>
               <a:buNone/>
               <a:defRPr sz="1000" b="0" i="0" u="none" strike="noStrike" cap="none">
                 <a:solidFill>
                   <a:schemeClr val="dk2"/>
                 </a:solidFill>
-                <a:latin typeface="Nunito"/>
-                <a:ea typeface="Nunito"/>
-                <a:cs typeface="Nunito"/>
-                <a:sym typeface="Nunito"/>
+                <a:latin typeface="Nunito" panose="00000500000000000000"/>
+                <a:ea typeface="Nunito" panose="00000500000000000000"/>
+                <a:cs typeface="Nunito" panose="00000500000000000000"/>
+                <a:sym typeface="Nunito" panose="00000500000000000000"/>
               </a:defRPr>
             </a:lvl3pPr>
             <a:lvl4pPr marL="0" marR="0" lvl="3" indent="0" algn="r" rtl="0">
@@ -6703,16 +6650,16 @@
                 <a:srgbClr val="000000"/>
               </a:buClr>
               <a:buSzPts val="1000"/>
-              <a:buFont typeface="Arial"/>
+              <a:buFont typeface="Arial" panose="020B0604020202020204"/>
               <a:buNone/>
               <a:defRPr sz="1000" b="0" i="0" u="none" strike="noStrike" cap="none">
                 <a:solidFill>
                   <a:schemeClr val="dk2"/>
                 </a:solidFill>
-                <a:latin typeface="Nunito"/>
-                <a:ea typeface="Nunito"/>
-                <a:cs typeface="Nunito"/>
-                <a:sym typeface="Nunito"/>
+                <a:latin typeface="Nunito" panose="00000500000000000000"/>
+                <a:ea typeface="Nunito" panose="00000500000000000000"/>
+                <a:cs typeface="Nunito" panose="00000500000000000000"/>
+                <a:sym typeface="Nunito" panose="00000500000000000000"/>
               </a:defRPr>
             </a:lvl4pPr>
             <a:lvl5pPr marL="0" marR="0" lvl="4" indent="0" algn="r" rtl="0">
@@ -6729,16 +6676,16 @@
                 <a:srgbClr val="000000"/>
               </a:buClr>
               <a:buSzPts val="1000"/>
-              <a:buFont typeface="Arial"/>
+              <a:buFont typeface="Arial" panose="020B0604020202020204"/>
               <a:buNone/>
               <a:defRPr sz="1000" b="0" i="0" u="none" strike="noStrike" cap="none">
                 <a:solidFill>
                   <a:schemeClr val="dk2"/>
                 </a:solidFill>
-                <a:latin typeface="Nunito"/>
-                <a:ea typeface="Nunito"/>
-                <a:cs typeface="Nunito"/>
-                <a:sym typeface="Nunito"/>
+                <a:latin typeface="Nunito" panose="00000500000000000000"/>
+                <a:ea typeface="Nunito" panose="00000500000000000000"/>
+                <a:cs typeface="Nunito" panose="00000500000000000000"/>
+                <a:sym typeface="Nunito" panose="00000500000000000000"/>
               </a:defRPr>
             </a:lvl5pPr>
             <a:lvl6pPr marL="0" marR="0" lvl="5" indent="0" algn="r" rtl="0">
@@ -6755,16 +6702,16 @@
                 <a:srgbClr val="000000"/>
               </a:buClr>
               <a:buSzPts val="1000"/>
-              <a:buFont typeface="Arial"/>
+              <a:buFont typeface="Arial" panose="020B0604020202020204"/>
               <a:buNone/>
               <a:defRPr sz="1000" b="0" i="0" u="none" strike="noStrike" cap="none">
                 <a:solidFill>
                   <a:schemeClr val="dk2"/>
                 </a:solidFill>
-                <a:latin typeface="Nunito"/>
-                <a:ea typeface="Nunito"/>
-                <a:cs typeface="Nunito"/>
-                <a:sym typeface="Nunito"/>
+                <a:latin typeface="Nunito" panose="00000500000000000000"/>
+                <a:ea typeface="Nunito" panose="00000500000000000000"/>
+                <a:cs typeface="Nunito" panose="00000500000000000000"/>
+                <a:sym typeface="Nunito" panose="00000500000000000000"/>
               </a:defRPr>
             </a:lvl6pPr>
             <a:lvl7pPr marL="0" marR="0" lvl="6" indent="0" algn="r" rtl="0">
@@ -6781,16 +6728,16 @@
                 <a:srgbClr val="000000"/>
               </a:buClr>
               <a:buSzPts val="1000"/>
-              <a:buFont typeface="Arial"/>
+              <a:buFont typeface="Arial" panose="020B0604020202020204"/>
               <a:buNone/>
               <a:defRPr sz="1000" b="0" i="0" u="none" strike="noStrike" cap="none">
                 <a:solidFill>
                   <a:schemeClr val="dk2"/>
                 </a:solidFill>
-                <a:latin typeface="Nunito"/>
-                <a:ea typeface="Nunito"/>
-                <a:cs typeface="Nunito"/>
-                <a:sym typeface="Nunito"/>
+                <a:latin typeface="Nunito" panose="00000500000000000000"/>
+                <a:ea typeface="Nunito" panose="00000500000000000000"/>
+                <a:cs typeface="Nunito" panose="00000500000000000000"/>
+                <a:sym typeface="Nunito" panose="00000500000000000000"/>
               </a:defRPr>
             </a:lvl7pPr>
             <a:lvl8pPr marL="0" marR="0" lvl="7" indent="0" algn="r" rtl="0">
@@ -6807,16 +6754,16 @@
                 <a:srgbClr val="000000"/>
               </a:buClr>
               <a:buSzPts val="1000"/>
-              <a:buFont typeface="Arial"/>
+              <a:buFont typeface="Arial" panose="020B0604020202020204"/>
               <a:buNone/>
               <a:defRPr sz="1000" b="0" i="0" u="none" strike="noStrike" cap="none">
                 <a:solidFill>
                   <a:schemeClr val="dk2"/>
                 </a:solidFill>
-                <a:latin typeface="Nunito"/>
-                <a:ea typeface="Nunito"/>
-                <a:cs typeface="Nunito"/>
-                <a:sym typeface="Nunito"/>
+                <a:latin typeface="Nunito" panose="00000500000000000000"/>
+                <a:ea typeface="Nunito" panose="00000500000000000000"/>
+                <a:cs typeface="Nunito" panose="00000500000000000000"/>
+                <a:sym typeface="Nunito" panose="00000500000000000000"/>
               </a:defRPr>
             </a:lvl8pPr>
             <a:lvl9pPr marL="0" marR="0" lvl="8" indent="0" algn="r" rtl="0">
@@ -6833,16 +6780,16 @@
                 <a:srgbClr val="000000"/>
               </a:buClr>
               <a:buSzPts val="1000"/>
-              <a:buFont typeface="Arial"/>
+              <a:buFont typeface="Arial" panose="020B0604020202020204"/>
               <a:buNone/>
               <a:defRPr sz="1000" b="0" i="0" u="none" strike="noStrike" cap="none">
                 <a:solidFill>
                   <a:schemeClr val="dk2"/>
                 </a:solidFill>
-                <a:latin typeface="Nunito"/>
-                <a:ea typeface="Nunito"/>
-                <a:cs typeface="Nunito"/>
-                <a:sym typeface="Nunito"/>
+                <a:latin typeface="Nunito" panose="00000500000000000000"/>
+                <a:ea typeface="Nunito" panose="00000500000000000000"/>
+                <a:cs typeface="Nunito" panose="00000500000000000000"/>
+                <a:sym typeface="Nunito" panose="00000500000000000000"/>
               </a:defRPr>
             </a:lvl9pPr>
           </a:lstStyle>
@@ -6857,10 +6804,9 @@
               <a:buNone/>
             </a:pPr>
             <a:fld id="{00000000-1234-1234-1234-123412341234}" type="slidenum">
-              <a:rPr lang="en"/>
-              <a:t>‹#›</a:t>
+              <a:rPr lang="en-GB"/>
             </a:fld>
-            <a:endParaRPr/>
+            <a:endParaRPr lang="en-GB"/>
           </a:p>
         </p:txBody>
       </p:sp>
@@ -6873,7 +6819,7 @@
 </file>
 
 <file path=ppt/slideLayouts/slideLayout2.xml><?xml version="1.0" encoding="utf-8"?>
-<p:sldLayout xmlns:a="http://schemas.openxmlformats.org/drawingml/2006/main" xmlns:r="http://schemas.openxmlformats.org/officeDocument/2006/relationships" xmlns:p="http://schemas.openxmlformats.org/presentationml/2006/main" matchingName="Title and body" type="tx">
+<p:sldLayout xmlns:a="http://schemas.openxmlformats.org/drawingml/2006/main" xmlns:r="http://schemas.openxmlformats.org/officeDocument/2006/relationships" xmlns:p="http://schemas.openxmlformats.org/presentationml/2006/main" type="tx" matchingName="Title and body">
   <p:cSld name="TITLE_AND_BODY">
     <p:bg>
       <p:bgPr>
@@ -6938,17 +6884,17 @@
                 <a:srgbClr val="000000"/>
               </a:buClr>
               <a:buSzPts val="1400"/>
-              <a:buFont typeface="Arial"/>
+              <a:buFont typeface="Arial" panose="020B0604020202020204"/>
               <a:buNone/>
             </a:pPr>
             <a:endParaRPr sz="1400" b="0" i="0" u="none" strike="noStrike" cap="none">
               <a:solidFill>
                 <a:srgbClr val="000000"/>
               </a:solidFill>
-              <a:latin typeface="Arial"/>
-              <a:ea typeface="Arial"/>
-              <a:cs typeface="Arial"/>
-              <a:sym typeface="Arial"/>
+              <a:latin typeface="Arial" panose="020B0604020202020204"/>
+              <a:ea typeface="Arial" panose="020B0604020202020204"/>
+              <a:cs typeface="Arial" panose="020B0604020202020204"/>
+              <a:sym typeface="Arial" panose="020B0604020202020204"/>
             </a:endParaRPr>
           </a:p>
         </p:txBody>
@@ -6994,17 +6940,17 @@
                 <a:srgbClr val="000000"/>
               </a:buClr>
               <a:buSzPts val="1400"/>
-              <a:buFont typeface="Arial"/>
+              <a:buFont typeface="Arial" panose="020B0604020202020204"/>
               <a:buNone/>
             </a:pPr>
             <a:endParaRPr sz="1400" b="0" i="0" u="none" strike="noStrike" cap="none">
               <a:solidFill>
                 <a:srgbClr val="000000"/>
               </a:solidFill>
-              <a:latin typeface="Arial"/>
-              <a:ea typeface="Arial"/>
-              <a:cs typeface="Arial"/>
-              <a:sym typeface="Arial"/>
+              <a:latin typeface="Arial" panose="020B0604020202020204"/>
+              <a:ea typeface="Arial" panose="020B0604020202020204"/>
+              <a:cs typeface="Arial" panose="020B0604020202020204"/>
+              <a:sym typeface="Arial" panose="020B0604020202020204"/>
             </a:endParaRPr>
           </a:p>
         </p:txBody>
@@ -7057,17 +7003,17 @@
                 <a:srgbClr val="000000"/>
               </a:buClr>
               <a:buSzPts val="1400"/>
-              <a:buFont typeface="Arial"/>
+              <a:buFont typeface="Arial" panose="020B0604020202020204"/>
               <a:buNone/>
             </a:pPr>
             <a:endParaRPr sz="1400" b="0" i="0" u="none" strike="noStrike" cap="none">
               <a:solidFill>
                 <a:srgbClr val="000000"/>
               </a:solidFill>
-              <a:latin typeface="Arial"/>
-              <a:ea typeface="Arial"/>
-              <a:cs typeface="Arial"/>
-              <a:sym typeface="Arial"/>
+              <a:latin typeface="Arial" panose="020B0604020202020204"/>
+              <a:ea typeface="Arial" panose="020B0604020202020204"/>
+              <a:cs typeface="Arial" panose="020B0604020202020204"/>
+              <a:sym typeface="Arial" panose="020B0604020202020204"/>
             </a:endParaRPr>
           </a:p>
         </p:txBody>
@@ -7225,9 +7171,7 @@
               <a:defRPr sz="3000"/>
             </a:lvl9pPr>
           </a:lstStyle>
-          <a:p>
-            <a:endParaRPr/>
-          </a:p>
+          <a:p/>
         </p:txBody>
       </p:sp>
       <p:sp>
@@ -7383,9 +7327,7 @@
               <a:defRPr/>
             </a:lvl9pPr>
           </a:lstStyle>
-          <a:p>
-            <a:endParaRPr/>
-          </a:p>
+          <a:p/>
         </p:txBody>
       </p:sp>
       <p:sp>
@@ -7430,16 +7372,16 @@
                 <a:srgbClr val="000000"/>
               </a:buClr>
               <a:buSzPts val="1000"/>
-              <a:buFont typeface="Arial"/>
+              <a:buFont typeface="Arial" panose="020B0604020202020204"/>
               <a:buNone/>
               <a:defRPr sz="1000" b="0" i="0" u="none" strike="noStrike" cap="none">
                 <a:solidFill>
                   <a:schemeClr val="dk2"/>
                 </a:solidFill>
-                <a:latin typeface="Nunito"/>
-                <a:ea typeface="Nunito"/>
-                <a:cs typeface="Nunito"/>
-                <a:sym typeface="Nunito"/>
+                <a:latin typeface="Nunito" panose="00000500000000000000"/>
+                <a:ea typeface="Nunito" panose="00000500000000000000"/>
+                <a:cs typeface="Nunito" panose="00000500000000000000"/>
+                <a:sym typeface="Nunito" panose="00000500000000000000"/>
               </a:defRPr>
             </a:lvl1pPr>
             <a:lvl2pPr marL="0" marR="0" lvl="1" indent="0" algn="r" rtl="0">
@@ -7456,16 +7398,16 @@
                 <a:srgbClr val="000000"/>
               </a:buClr>
               <a:buSzPts val="1000"/>
-              <a:buFont typeface="Arial"/>
+              <a:buFont typeface="Arial" panose="020B0604020202020204"/>
               <a:buNone/>
               <a:defRPr sz="1000" b="0" i="0" u="none" strike="noStrike" cap="none">
                 <a:solidFill>
                   <a:schemeClr val="dk2"/>
                 </a:solidFill>
-                <a:latin typeface="Nunito"/>
-                <a:ea typeface="Nunito"/>
-                <a:cs typeface="Nunito"/>
-                <a:sym typeface="Nunito"/>
+                <a:latin typeface="Nunito" panose="00000500000000000000"/>
+                <a:ea typeface="Nunito" panose="00000500000000000000"/>
+                <a:cs typeface="Nunito" panose="00000500000000000000"/>
+                <a:sym typeface="Nunito" panose="00000500000000000000"/>
               </a:defRPr>
             </a:lvl2pPr>
             <a:lvl3pPr marL="0" marR="0" lvl="2" indent="0" algn="r" rtl="0">
@@ -7482,16 +7424,16 @@
                 <a:srgbClr val="000000"/>
               </a:buClr>
               <a:buSzPts val="1000"/>
-              <a:buFont typeface="Arial"/>
+              <a:buFont typeface="Arial" panose="020B0604020202020204"/>
               <a:buNone/>
               <a:defRPr sz="1000" b="0" i="0" u="none" strike="noStrike" cap="none">
                 <a:solidFill>
                   <a:schemeClr val="dk2"/>
                 </a:solidFill>
-                <a:latin typeface="Nunito"/>
-                <a:ea typeface="Nunito"/>
-                <a:cs typeface="Nunito"/>
-                <a:sym typeface="Nunito"/>
+                <a:latin typeface="Nunito" panose="00000500000000000000"/>
+                <a:ea typeface="Nunito" panose="00000500000000000000"/>
+                <a:cs typeface="Nunito" panose="00000500000000000000"/>
+                <a:sym typeface="Nunito" panose="00000500000000000000"/>
               </a:defRPr>
             </a:lvl3pPr>
             <a:lvl4pPr marL="0" marR="0" lvl="3" indent="0" algn="r" rtl="0">
@@ -7508,16 +7450,16 @@
                 <a:srgbClr val="000000"/>
               </a:buClr>
               <a:buSzPts val="1000"/>
-              <a:buFont typeface="Arial"/>
+              <a:buFont typeface="Arial" panose="020B0604020202020204"/>
               <a:buNone/>
               <a:defRPr sz="1000" b="0" i="0" u="none" strike="noStrike" cap="none">
                 <a:solidFill>
                   <a:schemeClr val="dk2"/>
                 </a:solidFill>
-                <a:latin typeface="Nunito"/>
-                <a:ea typeface="Nunito"/>
-                <a:cs typeface="Nunito"/>
-                <a:sym typeface="Nunito"/>
+                <a:latin typeface="Nunito" panose="00000500000000000000"/>
+                <a:ea typeface="Nunito" panose="00000500000000000000"/>
+                <a:cs typeface="Nunito" panose="00000500000000000000"/>
+                <a:sym typeface="Nunito" panose="00000500000000000000"/>
               </a:defRPr>
             </a:lvl4pPr>
             <a:lvl5pPr marL="0" marR="0" lvl="4" indent="0" algn="r" rtl="0">
@@ -7534,16 +7476,16 @@
                 <a:srgbClr val="000000"/>
               </a:buClr>
               <a:buSzPts val="1000"/>
-              <a:buFont typeface="Arial"/>
+              <a:buFont typeface="Arial" panose="020B0604020202020204"/>
               <a:buNone/>
               <a:defRPr sz="1000" b="0" i="0" u="none" strike="noStrike" cap="none">
                 <a:solidFill>
                   <a:schemeClr val="dk2"/>
                 </a:solidFill>
-                <a:latin typeface="Nunito"/>
-                <a:ea typeface="Nunito"/>
-                <a:cs typeface="Nunito"/>
-                <a:sym typeface="Nunito"/>
+                <a:latin typeface="Nunito" panose="00000500000000000000"/>
+                <a:ea typeface="Nunito" panose="00000500000000000000"/>
+                <a:cs typeface="Nunito" panose="00000500000000000000"/>
+                <a:sym typeface="Nunito" panose="00000500000000000000"/>
               </a:defRPr>
             </a:lvl5pPr>
             <a:lvl6pPr marL="0" marR="0" lvl="5" indent="0" algn="r" rtl="0">
@@ -7560,16 +7502,16 @@
                 <a:srgbClr val="000000"/>
               </a:buClr>
               <a:buSzPts val="1000"/>
-              <a:buFont typeface="Arial"/>
+              <a:buFont typeface="Arial" panose="020B0604020202020204"/>
               <a:buNone/>
               <a:defRPr sz="1000" b="0" i="0" u="none" strike="noStrike" cap="none">
                 <a:solidFill>
                   <a:schemeClr val="dk2"/>
                 </a:solidFill>
-                <a:latin typeface="Nunito"/>
-                <a:ea typeface="Nunito"/>
-                <a:cs typeface="Nunito"/>
-                <a:sym typeface="Nunito"/>
+                <a:latin typeface="Nunito" panose="00000500000000000000"/>
+                <a:ea typeface="Nunito" panose="00000500000000000000"/>
+                <a:cs typeface="Nunito" panose="00000500000000000000"/>
+                <a:sym typeface="Nunito" panose="00000500000000000000"/>
               </a:defRPr>
             </a:lvl6pPr>
             <a:lvl7pPr marL="0" marR="0" lvl="6" indent="0" algn="r" rtl="0">
@@ -7586,16 +7528,16 @@
                 <a:srgbClr val="000000"/>
               </a:buClr>
               <a:buSzPts val="1000"/>
-              <a:buFont typeface="Arial"/>
+              <a:buFont typeface="Arial" panose="020B0604020202020204"/>
               <a:buNone/>
               <a:defRPr sz="1000" b="0" i="0" u="none" strike="noStrike" cap="none">
                 <a:solidFill>
                   <a:schemeClr val="dk2"/>
                 </a:solidFill>
-                <a:latin typeface="Nunito"/>
-                <a:ea typeface="Nunito"/>
-                <a:cs typeface="Nunito"/>
-                <a:sym typeface="Nunito"/>
+                <a:latin typeface="Nunito" panose="00000500000000000000"/>
+                <a:ea typeface="Nunito" panose="00000500000000000000"/>
+                <a:cs typeface="Nunito" panose="00000500000000000000"/>
+                <a:sym typeface="Nunito" panose="00000500000000000000"/>
               </a:defRPr>
             </a:lvl7pPr>
             <a:lvl8pPr marL="0" marR="0" lvl="7" indent="0" algn="r" rtl="0">
@@ -7612,16 +7554,16 @@
                 <a:srgbClr val="000000"/>
               </a:buClr>
               <a:buSzPts val="1000"/>
-              <a:buFont typeface="Arial"/>
+              <a:buFont typeface="Arial" panose="020B0604020202020204"/>
               <a:buNone/>
               <a:defRPr sz="1000" b="0" i="0" u="none" strike="noStrike" cap="none">
                 <a:solidFill>
                   <a:schemeClr val="dk2"/>
                 </a:solidFill>
-                <a:latin typeface="Nunito"/>
-                <a:ea typeface="Nunito"/>
-                <a:cs typeface="Nunito"/>
-                <a:sym typeface="Nunito"/>
+                <a:latin typeface="Nunito" panose="00000500000000000000"/>
+                <a:ea typeface="Nunito" panose="00000500000000000000"/>
+                <a:cs typeface="Nunito" panose="00000500000000000000"/>
+                <a:sym typeface="Nunito" panose="00000500000000000000"/>
               </a:defRPr>
             </a:lvl8pPr>
             <a:lvl9pPr marL="0" marR="0" lvl="8" indent="0" algn="r" rtl="0">
@@ -7638,16 +7580,16 @@
                 <a:srgbClr val="000000"/>
               </a:buClr>
               <a:buSzPts val="1000"/>
-              <a:buFont typeface="Arial"/>
+              <a:buFont typeface="Arial" panose="020B0604020202020204"/>
               <a:buNone/>
               <a:defRPr sz="1000" b="0" i="0" u="none" strike="noStrike" cap="none">
                 <a:solidFill>
                   <a:schemeClr val="dk2"/>
                 </a:solidFill>
-                <a:latin typeface="Nunito"/>
-                <a:ea typeface="Nunito"/>
-                <a:cs typeface="Nunito"/>
-                <a:sym typeface="Nunito"/>
+                <a:latin typeface="Nunito" panose="00000500000000000000"/>
+                <a:ea typeface="Nunito" panose="00000500000000000000"/>
+                <a:cs typeface="Nunito" panose="00000500000000000000"/>
+                <a:sym typeface="Nunito" panose="00000500000000000000"/>
               </a:defRPr>
             </a:lvl9pPr>
           </a:lstStyle>
@@ -7662,10 +7604,9 @@
               <a:buNone/>
             </a:pPr>
             <a:fld id="{00000000-1234-1234-1234-123412341234}" type="slidenum">
-              <a:rPr lang="en"/>
-              <a:t>‹#›</a:t>
+              <a:rPr lang="en-GB"/>
             </a:fld>
-            <a:endParaRPr/>
+            <a:endParaRPr lang="en-GB"/>
           </a:p>
         </p:txBody>
       </p:sp>
@@ -7678,7 +7619,7 @@
 </file>
 
 <file path=ppt/slideLayouts/slideLayout3.xml><?xml version="1.0" encoding="utf-8"?>
-<p:sldLayout xmlns:a="http://schemas.openxmlformats.org/drawingml/2006/main" xmlns:r="http://schemas.openxmlformats.org/officeDocument/2006/relationships" xmlns:p="http://schemas.openxmlformats.org/presentationml/2006/main" matchingName="Section header" type="secHead">
+<p:sldLayout xmlns:a="http://schemas.openxmlformats.org/drawingml/2006/main" xmlns:r="http://schemas.openxmlformats.org/officeDocument/2006/relationships" xmlns:p="http://schemas.openxmlformats.org/presentationml/2006/main" type="secHead" matchingName="Section header">
   <p:cSld name="SECTION_HEADER">
     <p:bg>
       <p:bgPr>
@@ -7743,17 +7684,17 @@
                 <a:srgbClr val="000000"/>
               </a:buClr>
               <a:buSzPts val="1400"/>
-              <a:buFont typeface="Arial"/>
+              <a:buFont typeface="Arial" panose="020B0604020202020204"/>
               <a:buNone/>
             </a:pPr>
             <a:endParaRPr sz="1400" b="0" i="0" u="none" strike="noStrike" cap="none">
               <a:solidFill>
                 <a:srgbClr val="000000"/>
               </a:solidFill>
-              <a:latin typeface="Arial"/>
-              <a:ea typeface="Arial"/>
-              <a:cs typeface="Arial"/>
-              <a:sym typeface="Arial"/>
+              <a:latin typeface="Arial" panose="020B0604020202020204"/>
+              <a:ea typeface="Arial" panose="020B0604020202020204"/>
+              <a:cs typeface="Arial" panose="020B0604020202020204"/>
+              <a:sym typeface="Arial" panose="020B0604020202020204"/>
             </a:endParaRPr>
           </a:p>
         </p:txBody>
@@ -7815,17 +7756,17 @@
                   <a:srgbClr val="000000"/>
                 </a:buClr>
                 <a:buSzPts val="1400"/>
-                <a:buFont typeface="Arial"/>
+                <a:buFont typeface="Arial" panose="020B0604020202020204"/>
                 <a:buNone/>
               </a:pPr>
               <a:endParaRPr sz="1400" b="0" i="0" u="none" strike="noStrike" cap="none">
                 <a:solidFill>
                   <a:srgbClr val="000000"/>
                 </a:solidFill>
-                <a:latin typeface="Arial"/>
-                <a:ea typeface="Arial"/>
-                <a:cs typeface="Arial"/>
-                <a:sym typeface="Arial"/>
+                <a:latin typeface="Arial" panose="020B0604020202020204"/>
+                <a:ea typeface="Arial" panose="020B0604020202020204"/>
+                <a:cs typeface="Arial" panose="020B0604020202020204"/>
+                <a:sym typeface="Arial" panose="020B0604020202020204"/>
               </a:endParaRPr>
             </a:p>
           </p:txBody>
@@ -7873,17 +7814,17 @@
                   <a:srgbClr val="000000"/>
                 </a:buClr>
                 <a:buSzPts val="1400"/>
-                <a:buFont typeface="Arial"/>
+                <a:buFont typeface="Arial" panose="020B0604020202020204"/>
                 <a:buNone/>
               </a:pPr>
               <a:endParaRPr sz="1400" b="0" i="0" u="none" strike="noStrike" cap="none">
                 <a:solidFill>
                   <a:srgbClr val="000000"/>
                 </a:solidFill>
-                <a:latin typeface="Arial"/>
-                <a:ea typeface="Arial"/>
-                <a:cs typeface="Arial"/>
-                <a:sym typeface="Arial"/>
+                <a:latin typeface="Arial" panose="020B0604020202020204"/>
+                <a:ea typeface="Arial" panose="020B0604020202020204"/>
+                <a:cs typeface="Arial" panose="020B0604020202020204"/>
+                <a:sym typeface="Arial" panose="020B0604020202020204"/>
               </a:endParaRPr>
             </a:p>
           </p:txBody>
@@ -7931,17 +7872,17 @@
                   <a:srgbClr val="000000"/>
                 </a:buClr>
                 <a:buSzPts val="1400"/>
-                <a:buFont typeface="Arial"/>
+                <a:buFont typeface="Arial" panose="020B0604020202020204"/>
                 <a:buNone/>
               </a:pPr>
               <a:endParaRPr sz="1400" b="0" i="0" u="none" strike="noStrike" cap="none">
                 <a:solidFill>
                   <a:srgbClr val="000000"/>
                 </a:solidFill>
-                <a:latin typeface="Arial"/>
-                <a:ea typeface="Arial"/>
-                <a:cs typeface="Arial"/>
-                <a:sym typeface="Arial"/>
+                <a:latin typeface="Arial" panose="020B0604020202020204"/>
+                <a:ea typeface="Arial" panose="020B0604020202020204"/>
+                <a:cs typeface="Arial" panose="020B0604020202020204"/>
+                <a:sym typeface="Arial" panose="020B0604020202020204"/>
               </a:endParaRPr>
             </a:p>
           </p:txBody>
@@ -8004,17 +7945,17 @@
                   <a:srgbClr val="000000"/>
                 </a:buClr>
                 <a:buSzPts val="1400"/>
-                <a:buFont typeface="Arial"/>
+                <a:buFont typeface="Arial" panose="020B0604020202020204"/>
                 <a:buNone/>
               </a:pPr>
               <a:endParaRPr sz="1400" b="0" i="0" u="none" strike="noStrike" cap="none">
                 <a:solidFill>
                   <a:srgbClr val="000000"/>
                 </a:solidFill>
-                <a:latin typeface="Arial"/>
-                <a:ea typeface="Arial"/>
-                <a:cs typeface="Arial"/>
-                <a:sym typeface="Arial"/>
+                <a:latin typeface="Arial" panose="020B0604020202020204"/>
+                <a:ea typeface="Arial" panose="020B0604020202020204"/>
+                <a:cs typeface="Arial" panose="020B0604020202020204"/>
+                <a:sym typeface="Arial" panose="020B0604020202020204"/>
               </a:endParaRPr>
             </a:p>
           </p:txBody>
@@ -8062,17 +8003,17 @@
                   <a:srgbClr val="000000"/>
                 </a:buClr>
                 <a:buSzPts val="1400"/>
-                <a:buFont typeface="Arial"/>
+                <a:buFont typeface="Arial" panose="020B0604020202020204"/>
                 <a:buNone/>
               </a:pPr>
               <a:endParaRPr sz="1400" b="0" i="0" u="none" strike="noStrike" cap="none">
                 <a:solidFill>
                   <a:srgbClr val="000000"/>
                 </a:solidFill>
-                <a:latin typeface="Arial"/>
-                <a:ea typeface="Arial"/>
-                <a:cs typeface="Arial"/>
-                <a:sym typeface="Arial"/>
+                <a:latin typeface="Arial" panose="020B0604020202020204"/>
+                <a:ea typeface="Arial" panose="020B0604020202020204"/>
+                <a:cs typeface="Arial" panose="020B0604020202020204"/>
+                <a:sym typeface="Arial" panose="020B0604020202020204"/>
               </a:endParaRPr>
             </a:p>
           </p:txBody>
@@ -8120,17 +8061,17 @@
                   <a:srgbClr val="000000"/>
                 </a:buClr>
                 <a:buSzPts val="1400"/>
-                <a:buFont typeface="Arial"/>
+                <a:buFont typeface="Arial" panose="020B0604020202020204"/>
                 <a:buNone/>
               </a:pPr>
               <a:endParaRPr sz="1400" b="0" i="0" u="none" strike="noStrike" cap="none">
                 <a:solidFill>
                   <a:srgbClr val="000000"/>
                 </a:solidFill>
-                <a:latin typeface="Arial"/>
-                <a:ea typeface="Arial"/>
-                <a:cs typeface="Arial"/>
-                <a:sym typeface="Arial"/>
+                <a:latin typeface="Arial" panose="020B0604020202020204"/>
+                <a:ea typeface="Arial" panose="020B0604020202020204"/>
+                <a:cs typeface="Arial" panose="020B0604020202020204"/>
+                <a:sym typeface="Arial" panose="020B0604020202020204"/>
               </a:endParaRPr>
             </a:p>
           </p:txBody>
@@ -8352,9 +8293,7 @@
               </a:defRPr>
             </a:lvl9pPr>
           </a:lstStyle>
-          <a:p>
-            <a:endParaRPr/>
-          </a:p>
+          <a:p/>
         </p:txBody>
       </p:sp>
       <p:sp>
@@ -8399,16 +8338,16 @@
                 <a:srgbClr val="000000"/>
               </a:buClr>
               <a:buSzPts val="1000"/>
-              <a:buFont typeface="Arial"/>
+              <a:buFont typeface="Arial" panose="020B0604020202020204"/>
               <a:buNone/>
               <a:defRPr sz="1000" b="0" i="0" u="none" strike="noStrike" cap="none">
                 <a:solidFill>
                   <a:schemeClr val="dk2"/>
                 </a:solidFill>
-                <a:latin typeface="Nunito"/>
-                <a:ea typeface="Nunito"/>
-                <a:cs typeface="Nunito"/>
-                <a:sym typeface="Nunito"/>
+                <a:latin typeface="Nunito" panose="00000500000000000000"/>
+                <a:ea typeface="Nunito" panose="00000500000000000000"/>
+                <a:cs typeface="Nunito" panose="00000500000000000000"/>
+                <a:sym typeface="Nunito" panose="00000500000000000000"/>
               </a:defRPr>
             </a:lvl1pPr>
             <a:lvl2pPr marL="0" marR="0" lvl="1" indent="0" algn="r" rtl="0">
@@ -8425,16 +8364,16 @@
                 <a:srgbClr val="000000"/>
               </a:buClr>
               <a:buSzPts val="1000"/>
-              <a:buFont typeface="Arial"/>
+              <a:buFont typeface="Arial" panose="020B0604020202020204"/>
               <a:buNone/>
               <a:defRPr sz="1000" b="0" i="0" u="none" strike="noStrike" cap="none">
                 <a:solidFill>
                   <a:schemeClr val="dk2"/>
                 </a:solidFill>
-                <a:latin typeface="Nunito"/>
-                <a:ea typeface="Nunito"/>
-                <a:cs typeface="Nunito"/>
-                <a:sym typeface="Nunito"/>
+                <a:latin typeface="Nunito" panose="00000500000000000000"/>
+                <a:ea typeface="Nunito" panose="00000500000000000000"/>
+                <a:cs typeface="Nunito" panose="00000500000000000000"/>
+                <a:sym typeface="Nunito" panose="00000500000000000000"/>
               </a:defRPr>
             </a:lvl2pPr>
             <a:lvl3pPr marL="0" marR="0" lvl="2" indent="0" algn="r" rtl="0">
@@ -8451,16 +8390,16 @@
                 <a:srgbClr val="000000"/>
               </a:buClr>
               <a:buSzPts val="1000"/>
-              <a:buFont typeface="Arial"/>
+              <a:buFont typeface="Arial" panose="020B0604020202020204"/>
               <a:buNone/>
               <a:defRPr sz="1000" b="0" i="0" u="none" strike="noStrike" cap="none">
                 <a:solidFill>
                   <a:schemeClr val="dk2"/>
                 </a:solidFill>
-                <a:latin typeface="Nunito"/>
-                <a:ea typeface="Nunito"/>
-                <a:cs typeface="Nunito"/>
-                <a:sym typeface="Nunito"/>
+                <a:latin typeface="Nunito" panose="00000500000000000000"/>
+                <a:ea typeface="Nunito" panose="00000500000000000000"/>
+                <a:cs typeface="Nunito" panose="00000500000000000000"/>
+                <a:sym typeface="Nunito" panose="00000500000000000000"/>
               </a:defRPr>
             </a:lvl3pPr>
             <a:lvl4pPr marL="0" marR="0" lvl="3" indent="0" algn="r" rtl="0">
@@ -8477,16 +8416,16 @@
                 <a:srgbClr val="000000"/>
               </a:buClr>
               <a:buSzPts val="1000"/>
-              <a:buFont typeface="Arial"/>
+              <a:buFont typeface="Arial" panose="020B0604020202020204"/>
               <a:buNone/>
               <a:defRPr sz="1000" b="0" i="0" u="none" strike="noStrike" cap="none">
                 <a:solidFill>
                   <a:schemeClr val="dk2"/>
                 </a:solidFill>
-                <a:latin typeface="Nunito"/>
-                <a:ea typeface="Nunito"/>
-                <a:cs typeface="Nunito"/>
-                <a:sym typeface="Nunito"/>
+                <a:latin typeface="Nunito" panose="00000500000000000000"/>
+                <a:ea typeface="Nunito" panose="00000500000000000000"/>
+                <a:cs typeface="Nunito" panose="00000500000000000000"/>
+                <a:sym typeface="Nunito" panose="00000500000000000000"/>
               </a:defRPr>
             </a:lvl4pPr>
             <a:lvl5pPr marL="0" marR="0" lvl="4" indent="0" algn="r" rtl="0">
@@ -8503,16 +8442,16 @@
                 <a:srgbClr val="000000"/>
               </a:buClr>
               <a:buSzPts val="1000"/>
-              <a:buFont typeface="Arial"/>
+              <a:buFont typeface="Arial" panose="020B0604020202020204"/>
               <a:buNone/>
               <a:defRPr sz="1000" b="0" i="0" u="none" strike="noStrike" cap="none">
                 <a:solidFill>
                   <a:schemeClr val="dk2"/>
                 </a:solidFill>
-                <a:latin typeface="Nunito"/>
-                <a:ea typeface="Nunito"/>
-                <a:cs typeface="Nunito"/>
-                <a:sym typeface="Nunito"/>
+                <a:latin typeface="Nunito" panose="00000500000000000000"/>
+                <a:ea typeface="Nunito" panose="00000500000000000000"/>
+                <a:cs typeface="Nunito" panose="00000500000000000000"/>
+                <a:sym typeface="Nunito" panose="00000500000000000000"/>
               </a:defRPr>
             </a:lvl5pPr>
             <a:lvl6pPr marL="0" marR="0" lvl="5" indent="0" algn="r" rtl="0">
@@ -8529,16 +8468,16 @@
                 <a:srgbClr val="000000"/>
               </a:buClr>
               <a:buSzPts val="1000"/>
-              <a:buFont typeface="Arial"/>
+              <a:buFont typeface="Arial" panose="020B0604020202020204"/>
               <a:buNone/>
               <a:defRPr sz="1000" b="0" i="0" u="none" strike="noStrike" cap="none">
                 <a:solidFill>
                   <a:schemeClr val="dk2"/>
                 </a:solidFill>
-                <a:latin typeface="Nunito"/>
-                <a:ea typeface="Nunito"/>
-                <a:cs typeface="Nunito"/>
-                <a:sym typeface="Nunito"/>
+                <a:latin typeface="Nunito" panose="00000500000000000000"/>
+                <a:ea typeface="Nunito" panose="00000500000000000000"/>
+                <a:cs typeface="Nunito" panose="00000500000000000000"/>
+                <a:sym typeface="Nunito" panose="00000500000000000000"/>
               </a:defRPr>
             </a:lvl6pPr>
             <a:lvl7pPr marL="0" marR="0" lvl="6" indent="0" algn="r" rtl="0">
@@ -8555,16 +8494,16 @@
                 <a:srgbClr val="000000"/>
               </a:buClr>
               <a:buSzPts val="1000"/>
-              <a:buFont typeface="Arial"/>
+              <a:buFont typeface="Arial" panose="020B0604020202020204"/>
               <a:buNone/>
               <a:defRPr sz="1000" b="0" i="0" u="none" strike="noStrike" cap="none">
                 <a:solidFill>
                   <a:schemeClr val="dk2"/>
                 </a:solidFill>
-                <a:latin typeface="Nunito"/>
-                <a:ea typeface="Nunito"/>
-                <a:cs typeface="Nunito"/>
-                <a:sym typeface="Nunito"/>
+                <a:latin typeface="Nunito" panose="00000500000000000000"/>
+                <a:ea typeface="Nunito" panose="00000500000000000000"/>
+                <a:cs typeface="Nunito" panose="00000500000000000000"/>
+                <a:sym typeface="Nunito" panose="00000500000000000000"/>
               </a:defRPr>
             </a:lvl7pPr>
             <a:lvl8pPr marL="0" marR="0" lvl="7" indent="0" algn="r" rtl="0">
@@ -8581,16 +8520,16 @@
                 <a:srgbClr val="000000"/>
               </a:buClr>
               <a:buSzPts val="1000"/>
-              <a:buFont typeface="Arial"/>
+              <a:buFont typeface="Arial" panose="020B0604020202020204"/>
               <a:buNone/>
               <a:defRPr sz="1000" b="0" i="0" u="none" strike="noStrike" cap="none">
                 <a:solidFill>
                   <a:schemeClr val="dk2"/>
                 </a:solidFill>
-                <a:latin typeface="Nunito"/>
-                <a:ea typeface="Nunito"/>
-                <a:cs typeface="Nunito"/>
-                <a:sym typeface="Nunito"/>
+                <a:latin typeface="Nunito" panose="00000500000000000000"/>
+                <a:ea typeface="Nunito" panose="00000500000000000000"/>
+                <a:cs typeface="Nunito" panose="00000500000000000000"/>
+                <a:sym typeface="Nunito" panose="00000500000000000000"/>
               </a:defRPr>
             </a:lvl8pPr>
             <a:lvl9pPr marL="0" marR="0" lvl="8" indent="0" algn="r" rtl="0">
@@ -8607,16 +8546,16 @@
                 <a:srgbClr val="000000"/>
               </a:buClr>
               <a:buSzPts val="1000"/>
-              <a:buFont typeface="Arial"/>
+              <a:buFont typeface="Arial" panose="020B0604020202020204"/>
               <a:buNone/>
               <a:defRPr sz="1000" b="0" i="0" u="none" strike="noStrike" cap="none">
                 <a:solidFill>
                   <a:schemeClr val="dk2"/>
                 </a:solidFill>
-                <a:latin typeface="Nunito"/>
-                <a:ea typeface="Nunito"/>
-                <a:cs typeface="Nunito"/>
-                <a:sym typeface="Nunito"/>
+                <a:latin typeface="Nunito" panose="00000500000000000000"/>
+                <a:ea typeface="Nunito" panose="00000500000000000000"/>
+                <a:cs typeface="Nunito" panose="00000500000000000000"/>
+                <a:sym typeface="Nunito" panose="00000500000000000000"/>
               </a:defRPr>
             </a:lvl9pPr>
           </a:lstStyle>
@@ -8631,10 +8570,9 @@
               <a:buNone/>
             </a:pPr>
             <a:fld id="{00000000-1234-1234-1234-123412341234}" type="slidenum">
-              <a:rPr lang="en"/>
-              <a:t>‹#›</a:t>
+              <a:rPr lang="en-GB"/>
             </a:fld>
-            <a:endParaRPr/>
+            <a:endParaRPr lang="en-GB"/>
           </a:p>
         </p:txBody>
       </p:sp>
@@ -8647,7 +8585,7 @@
 </file>
 
 <file path=ppt/slideLayouts/slideLayout4.xml><?xml version="1.0" encoding="utf-8"?>
-<p:sldLayout xmlns:a="http://schemas.openxmlformats.org/drawingml/2006/main" xmlns:r="http://schemas.openxmlformats.org/officeDocument/2006/relationships" xmlns:p="http://schemas.openxmlformats.org/presentationml/2006/main" matchingName="Title and two columns" type="twoColTx">
+<p:sldLayout xmlns:a="http://schemas.openxmlformats.org/drawingml/2006/main" xmlns:r="http://schemas.openxmlformats.org/officeDocument/2006/relationships" xmlns:p="http://schemas.openxmlformats.org/presentationml/2006/main" type="twoColTx" matchingName="Title and two columns">
   <p:cSld name="TITLE_AND_TWO_COLUMNS">
     <p:bg>
       <p:bgPr>
@@ -8712,17 +8650,17 @@
                 <a:srgbClr val="000000"/>
               </a:buClr>
               <a:buSzPts val="1400"/>
-              <a:buFont typeface="Arial"/>
+              <a:buFont typeface="Arial" panose="020B0604020202020204"/>
               <a:buNone/>
             </a:pPr>
             <a:endParaRPr sz="1400" b="0" i="0" u="none" strike="noStrike" cap="none">
               <a:solidFill>
                 <a:srgbClr val="000000"/>
               </a:solidFill>
-              <a:latin typeface="Arial"/>
-              <a:ea typeface="Arial"/>
-              <a:cs typeface="Arial"/>
-              <a:sym typeface="Arial"/>
+              <a:latin typeface="Arial" panose="020B0604020202020204"/>
+              <a:ea typeface="Arial" panose="020B0604020202020204"/>
+              <a:cs typeface="Arial" panose="020B0604020202020204"/>
+              <a:sym typeface="Arial" panose="020B0604020202020204"/>
             </a:endParaRPr>
           </a:p>
         </p:txBody>
@@ -8768,17 +8706,17 @@
                 <a:srgbClr val="000000"/>
               </a:buClr>
               <a:buSzPts val="1400"/>
-              <a:buFont typeface="Arial"/>
+              <a:buFont typeface="Arial" panose="020B0604020202020204"/>
               <a:buNone/>
             </a:pPr>
             <a:endParaRPr sz="1400" b="0" i="0" u="none" strike="noStrike" cap="none">
               <a:solidFill>
                 <a:srgbClr val="000000"/>
               </a:solidFill>
-              <a:latin typeface="Arial"/>
-              <a:ea typeface="Arial"/>
-              <a:cs typeface="Arial"/>
-              <a:sym typeface="Arial"/>
+              <a:latin typeface="Arial" panose="020B0604020202020204"/>
+              <a:ea typeface="Arial" panose="020B0604020202020204"/>
+              <a:cs typeface="Arial" panose="020B0604020202020204"/>
+              <a:sym typeface="Arial" panose="020B0604020202020204"/>
             </a:endParaRPr>
           </a:p>
         </p:txBody>
@@ -8831,17 +8769,17 @@
                 <a:srgbClr val="000000"/>
               </a:buClr>
               <a:buSzPts val="1400"/>
-              <a:buFont typeface="Arial"/>
+              <a:buFont typeface="Arial" panose="020B0604020202020204"/>
               <a:buNone/>
             </a:pPr>
             <a:endParaRPr sz="1400" b="0" i="0" u="none" strike="noStrike" cap="none">
               <a:solidFill>
                 <a:srgbClr val="000000"/>
               </a:solidFill>
-              <a:latin typeface="Arial"/>
-              <a:ea typeface="Arial"/>
-              <a:cs typeface="Arial"/>
-              <a:sym typeface="Arial"/>
+              <a:latin typeface="Arial" panose="020B0604020202020204"/>
+              <a:ea typeface="Arial" panose="020B0604020202020204"/>
+              <a:cs typeface="Arial" panose="020B0604020202020204"/>
+              <a:sym typeface="Arial" panose="020B0604020202020204"/>
             </a:endParaRPr>
           </a:p>
         </p:txBody>
@@ -8999,9 +8937,7 @@
               <a:defRPr sz="3000"/>
             </a:lvl9pPr>
           </a:lstStyle>
-          <a:p>
-            <a:endParaRPr/>
-          </a:p>
+          <a:p/>
         </p:txBody>
       </p:sp>
       <p:sp>
@@ -9157,9 +9093,7 @@
               <a:defRPr/>
             </a:lvl9pPr>
           </a:lstStyle>
-          <a:p>
-            <a:endParaRPr/>
-          </a:p>
+          <a:p/>
         </p:txBody>
       </p:sp>
       <p:sp>
@@ -9315,9 +9249,7 @@
               <a:defRPr/>
             </a:lvl9pPr>
           </a:lstStyle>
-          <a:p>
-            <a:endParaRPr/>
-          </a:p>
+          <a:p/>
         </p:txBody>
       </p:sp>
       <p:sp>
@@ -9362,16 +9294,16 @@
                 <a:srgbClr val="000000"/>
               </a:buClr>
               <a:buSzPts val="1000"/>
-              <a:buFont typeface="Arial"/>
+              <a:buFont typeface="Arial" panose="020B0604020202020204"/>
               <a:buNone/>
               <a:defRPr sz="1000" b="0" i="0" u="none" strike="noStrike" cap="none">
                 <a:solidFill>
                   <a:schemeClr val="dk2"/>
                 </a:solidFill>
-                <a:latin typeface="Nunito"/>
-                <a:ea typeface="Nunito"/>
-                <a:cs typeface="Nunito"/>
-                <a:sym typeface="Nunito"/>
+                <a:latin typeface="Nunito" panose="00000500000000000000"/>
+                <a:ea typeface="Nunito" panose="00000500000000000000"/>
+                <a:cs typeface="Nunito" panose="00000500000000000000"/>
+                <a:sym typeface="Nunito" panose="00000500000000000000"/>
               </a:defRPr>
             </a:lvl1pPr>
             <a:lvl2pPr marL="0" marR="0" lvl="1" indent="0" algn="r" rtl="0">
@@ -9388,16 +9320,16 @@
                 <a:srgbClr val="000000"/>
               </a:buClr>
               <a:buSzPts val="1000"/>
-              <a:buFont typeface="Arial"/>
+              <a:buFont typeface="Arial" panose="020B0604020202020204"/>
               <a:buNone/>
               <a:defRPr sz="1000" b="0" i="0" u="none" strike="noStrike" cap="none">
                 <a:solidFill>
                   <a:schemeClr val="dk2"/>
                 </a:solidFill>
-                <a:latin typeface="Nunito"/>
-                <a:ea typeface="Nunito"/>
-                <a:cs typeface="Nunito"/>
-                <a:sym typeface="Nunito"/>
+                <a:latin typeface="Nunito" panose="00000500000000000000"/>
+                <a:ea typeface="Nunito" panose="00000500000000000000"/>
+                <a:cs typeface="Nunito" panose="00000500000000000000"/>
+                <a:sym typeface="Nunito" panose="00000500000000000000"/>
               </a:defRPr>
             </a:lvl2pPr>
             <a:lvl3pPr marL="0" marR="0" lvl="2" indent="0" algn="r" rtl="0">
@@ -9414,16 +9346,16 @@
                 <a:srgbClr val="000000"/>
               </a:buClr>
               <a:buSzPts val="1000"/>
-              <a:buFont typeface="Arial"/>
+              <a:buFont typeface="Arial" panose="020B0604020202020204"/>
               <a:buNone/>
               <a:defRPr sz="1000" b="0" i="0" u="none" strike="noStrike" cap="none">
                 <a:solidFill>
                   <a:schemeClr val="dk2"/>
                 </a:solidFill>
-                <a:latin typeface="Nunito"/>
-                <a:ea typeface="Nunito"/>
-                <a:cs typeface="Nunito"/>
-                <a:sym typeface="Nunito"/>
+                <a:latin typeface="Nunito" panose="00000500000000000000"/>
+                <a:ea typeface="Nunito" panose="00000500000000000000"/>
+                <a:cs typeface="Nunito" panose="00000500000000000000"/>
+                <a:sym typeface="Nunito" panose="00000500000000000000"/>
               </a:defRPr>
             </a:lvl3pPr>
             <a:lvl4pPr marL="0" marR="0" lvl="3" indent="0" algn="r" rtl="0">
@@ -9440,16 +9372,16 @@
                 <a:srgbClr val="000000"/>
               </a:buClr>
               <a:buSzPts val="1000"/>
-              <a:buFont typeface="Arial"/>
+              <a:buFont typeface="Arial" panose="020B0604020202020204"/>
               <a:buNone/>
               <a:defRPr sz="1000" b="0" i="0" u="none" strike="noStrike" cap="none">
                 <a:solidFill>
                   <a:schemeClr val="dk2"/>
                 </a:solidFill>
-                <a:latin typeface="Nunito"/>
-                <a:ea typeface="Nunito"/>
-                <a:cs typeface="Nunito"/>
-                <a:sym typeface="Nunito"/>
+                <a:latin typeface="Nunito" panose="00000500000000000000"/>
+                <a:ea typeface="Nunito" panose="00000500000000000000"/>
+                <a:cs typeface="Nunito" panose="00000500000000000000"/>
+                <a:sym typeface="Nunito" panose="00000500000000000000"/>
               </a:defRPr>
             </a:lvl4pPr>
             <a:lvl5pPr marL="0" marR="0" lvl="4" indent="0" algn="r" rtl="0">
@@ -9466,16 +9398,16 @@
                 <a:srgbClr val="000000"/>
               </a:buClr>
               <a:buSzPts val="1000"/>
-              <a:buFont typeface="Arial"/>
+              <a:buFont typeface="Arial" panose="020B0604020202020204"/>
               <a:buNone/>
               <a:defRPr sz="1000" b="0" i="0" u="none" strike="noStrike" cap="none">
                 <a:solidFill>
                   <a:schemeClr val="dk2"/>
                 </a:solidFill>
-                <a:latin typeface="Nunito"/>
-                <a:ea typeface="Nunito"/>
-                <a:cs typeface="Nunito"/>
-                <a:sym typeface="Nunito"/>
+                <a:latin typeface="Nunito" panose="00000500000000000000"/>
+                <a:ea typeface="Nunito" panose="00000500000000000000"/>
+                <a:cs typeface="Nunito" panose="00000500000000000000"/>
+                <a:sym typeface="Nunito" panose="00000500000000000000"/>
               </a:defRPr>
             </a:lvl5pPr>
             <a:lvl6pPr marL="0" marR="0" lvl="5" indent="0" algn="r" rtl="0">
@@ -9492,16 +9424,16 @@
                 <a:srgbClr val="000000"/>
               </a:buClr>
               <a:buSzPts val="1000"/>
-              <a:buFont typeface="Arial"/>
+              <a:buFont typeface="Arial" panose="020B0604020202020204"/>
               <a:buNone/>
               <a:defRPr sz="1000" b="0" i="0" u="none" strike="noStrike" cap="none">
                 <a:solidFill>
                   <a:schemeClr val="dk2"/>
                 </a:solidFill>
-                <a:latin typeface="Nunito"/>
-                <a:ea typeface="Nunito"/>
-                <a:cs typeface="Nunito"/>
-                <a:sym typeface="Nunito"/>
+                <a:latin typeface="Nunito" panose="00000500000000000000"/>
+                <a:ea typeface="Nunito" panose="00000500000000000000"/>
+                <a:cs typeface="Nunito" panose="00000500000000000000"/>
+                <a:sym typeface="Nunito" panose="00000500000000000000"/>
               </a:defRPr>
             </a:lvl6pPr>
             <a:lvl7pPr marL="0" marR="0" lvl="6" indent="0" algn="r" rtl="0">
@@ -9518,16 +9450,16 @@
                 <a:srgbClr val="000000"/>
               </a:buClr>
               <a:buSzPts val="1000"/>
-              <a:buFont typeface="Arial"/>
+              <a:buFont typeface="Arial" panose="020B0604020202020204"/>
               <a:buNone/>
               <a:defRPr sz="1000" b="0" i="0" u="none" strike="noStrike" cap="none">
                 <a:solidFill>
                   <a:schemeClr val="dk2"/>
                 </a:solidFill>
-                <a:latin typeface="Nunito"/>
-                <a:ea typeface="Nunito"/>
-                <a:cs typeface="Nunito"/>
-                <a:sym typeface="Nunito"/>
+                <a:latin typeface="Nunito" panose="00000500000000000000"/>
+                <a:ea typeface="Nunito" panose="00000500000000000000"/>
+                <a:cs typeface="Nunito" panose="00000500000000000000"/>
+                <a:sym typeface="Nunito" panose="00000500000000000000"/>
               </a:defRPr>
             </a:lvl7pPr>
             <a:lvl8pPr marL="0" marR="0" lvl="7" indent="0" algn="r" rtl="0">
@@ -9544,16 +9476,16 @@
                 <a:srgbClr val="000000"/>
               </a:buClr>
               <a:buSzPts val="1000"/>
-              <a:buFont typeface="Arial"/>
+              <a:buFont typeface="Arial" panose="020B0604020202020204"/>
               <a:buNone/>
               <a:defRPr sz="1000" b="0" i="0" u="none" strike="noStrike" cap="none">
                 <a:solidFill>
                   <a:schemeClr val="dk2"/>
                 </a:solidFill>
-                <a:latin typeface="Nunito"/>
-                <a:ea typeface="Nunito"/>
-                <a:cs typeface="Nunito"/>
-                <a:sym typeface="Nunito"/>
+                <a:latin typeface="Nunito" panose="00000500000000000000"/>
+                <a:ea typeface="Nunito" panose="00000500000000000000"/>
+                <a:cs typeface="Nunito" panose="00000500000000000000"/>
+                <a:sym typeface="Nunito" panose="00000500000000000000"/>
               </a:defRPr>
             </a:lvl8pPr>
             <a:lvl9pPr marL="0" marR="0" lvl="8" indent="0" algn="r" rtl="0">
@@ -9570,16 +9502,16 @@
                 <a:srgbClr val="000000"/>
               </a:buClr>
               <a:buSzPts val="1000"/>
-              <a:buFont typeface="Arial"/>
+              <a:buFont typeface="Arial" panose="020B0604020202020204"/>
               <a:buNone/>
               <a:defRPr sz="1000" b="0" i="0" u="none" strike="noStrike" cap="none">
                 <a:solidFill>
                   <a:schemeClr val="dk2"/>
                 </a:solidFill>
-                <a:latin typeface="Nunito"/>
-                <a:ea typeface="Nunito"/>
-                <a:cs typeface="Nunito"/>
-                <a:sym typeface="Nunito"/>
+                <a:latin typeface="Nunito" panose="00000500000000000000"/>
+                <a:ea typeface="Nunito" panose="00000500000000000000"/>
+                <a:cs typeface="Nunito" panose="00000500000000000000"/>
+                <a:sym typeface="Nunito" panose="00000500000000000000"/>
               </a:defRPr>
             </a:lvl9pPr>
           </a:lstStyle>
@@ -9594,10 +9526,9 @@
               <a:buNone/>
             </a:pPr>
             <a:fld id="{00000000-1234-1234-1234-123412341234}" type="slidenum">
-              <a:rPr lang="en"/>
-              <a:t>‹#›</a:t>
+              <a:rPr lang="en-GB"/>
             </a:fld>
-            <a:endParaRPr/>
+            <a:endParaRPr lang="en-GB"/>
           </a:p>
         </p:txBody>
       </p:sp>
@@ -9610,7 +9541,7 @@
 </file>
 
 <file path=ppt/slideLayouts/slideLayout5.xml><?xml version="1.0" encoding="utf-8"?>
-<p:sldLayout xmlns:a="http://schemas.openxmlformats.org/drawingml/2006/main" xmlns:r="http://schemas.openxmlformats.org/officeDocument/2006/relationships" xmlns:p="http://schemas.openxmlformats.org/presentationml/2006/main" matchingName="Title only" type="titleOnly">
+<p:sldLayout xmlns:a="http://schemas.openxmlformats.org/drawingml/2006/main" xmlns:r="http://schemas.openxmlformats.org/officeDocument/2006/relationships" xmlns:p="http://schemas.openxmlformats.org/presentationml/2006/main" type="titleOnly" matchingName="Title only">
   <p:cSld name="TITLE_ONLY">
     <p:bg>
       <p:bgPr>
@@ -9675,17 +9606,17 @@
                 <a:srgbClr val="000000"/>
               </a:buClr>
               <a:buSzPts val="1400"/>
-              <a:buFont typeface="Arial"/>
+              <a:buFont typeface="Arial" panose="020B0604020202020204"/>
               <a:buNone/>
             </a:pPr>
             <a:endParaRPr sz="1400" b="0" i="0" u="none" strike="noStrike" cap="none">
               <a:solidFill>
                 <a:srgbClr val="000000"/>
               </a:solidFill>
-              <a:latin typeface="Arial"/>
-              <a:ea typeface="Arial"/>
-              <a:cs typeface="Arial"/>
-              <a:sym typeface="Arial"/>
+              <a:latin typeface="Arial" panose="020B0604020202020204"/>
+              <a:ea typeface="Arial" panose="020B0604020202020204"/>
+              <a:cs typeface="Arial" panose="020B0604020202020204"/>
+              <a:sym typeface="Arial" panose="020B0604020202020204"/>
             </a:endParaRPr>
           </a:p>
         </p:txBody>
@@ -9731,17 +9662,17 @@
                 <a:srgbClr val="000000"/>
               </a:buClr>
               <a:buSzPts val="1400"/>
-              <a:buFont typeface="Arial"/>
+              <a:buFont typeface="Arial" panose="020B0604020202020204"/>
               <a:buNone/>
             </a:pPr>
             <a:endParaRPr sz="1400" b="0" i="0" u="none" strike="noStrike" cap="none">
               <a:solidFill>
                 <a:srgbClr val="000000"/>
               </a:solidFill>
-              <a:latin typeface="Arial"/>
-              <a:ea typeface="Arial"/>
-              <a:cs typeface="Arial"/>
-              <a:sym typeface="Arial"/>
+              <a:latin typeface="Arial" panose="020B0604020202020204"/>
+              <a:ea typeface="Arial" panose="020B0604020202020204"/>
+              <a:cs typeface="Arial" panose="020B0604020202020204"/>
+              <a:sym typeface="Arial" panose="020B0604020202020204"/>
             </a:endParaRPr>
           </a:p>
         </p:txBody>
@@ -9794,17 +9725,17 @@
                 <a:srgbClr val="000000"/>
               </a:buClr>
               <a:buSzPts val="1400"/>
-              <a:buFont typeface="Arial"/>
+              <a:buFont typeface="Arial" panose="020B0604020202020204"/>
               <a:buNone/>
             </a:pPr>
             <a:endParaRPr sz="1400" b="0" i="0" u="none" strike="noStrike" cap="none">
               <a:solidFill>
                 <a:srgbClr val="000000"/>
               </a:solidFill>
-              <a:latin typeface="Arial"/>
-              <a:ea typeface="Arial"/>
-              <a:cs typeface="Arial"/>
-              <a:sym typeface="Arial"/>
+              <a:latin typeface="Arial" panose="020B0604020202020204"/>
+              <a:ea typeface="Arial" panose="020B0604020202020204"/>
+              <a:cs typeface="Arial" panose="020B0604020202020204"/>
+              <a:sym typeface="Arial" panose="020B0604020202020204"/>
             </a:endParaRPr>
           </a:p>
         </p:txBody>
@@ -9962,9 +9893,7 @@
               <a:defRPr sz="3000"/>
             </a:lvl9pPr>
           </a:lstStyle>
-          <a:p>
-            <a:endParaRPr/>
-          </a:p>
+          <a:p/>
         </p:txBody>
       </p:sp>
       <p:sp>
@@ -10009,16 +9938,16 @@
                 <a:srgbClr val="000000"/>
               </a:buClr>
               <a:buSzPts val="1000"/>
-              <a:buFont typeface="Arial"/>
+              <a:buFont typeface="Arial" panose="020B0604020202020204"/>
               <a:buNone/>
               <a:defRPr sz="1000" b="0" i="0" u="none" strike="noStrike" cap="none">
                 <a:solidFill>
                   <a:schemeClr val="dk2"/>
                 </a:solidFill>
-                <a:latin typeface="Nunito"/>
-                <a:ea typeface="Nunito"/>
-                <a:cs typeface="Nunito"/>
-                <a:sym typeface="Nunito"/>
+                <a:latin typeface="Nunito" panose="00000500000000000000"/>
+                <a:ea typeface="Nunito" panose="00000500000000000000"/>
+                <a:cs typeface="Nunito" panose="00000500000000000000"/>
+                <a:sym typeface="Nunito" panose="00000500000000000000"/>
               </a:defRPr>
             </a:lvl1pPr>
             <a:lvl2pPr marL="0" marR="0" lvl="1" indent="0" algn="r" rtl="0">
@@ -10035,16 +9964,16 @@
                 <a:srgbClr val="000000"/>
               </a:buClr>
               <a:buSzPts val="1000"/>
-              <a:buFont typeface="Arial"/>
+              <a:buFont typeface="Arial" panose="020B0604020202020204"/>
               <a:buNone/>
               <a:defRPr sz="1000" b="0" i="0" u="none" strike="noStrike" cap="none">
                 <a:solidFill>
                   <a:schemeClr val="dk2"/>
                 </a:solidFill>
-                <a:latin typeface="Nunito"/>
-                <a:ea typeface="Nunito"/>
-                <a:cs typeface="Nunito"/>
-                <a:sym typeface="Nunito"/>
+                <a:latin typeface="Nunito" panose="00000500000000000000"/>
+                <a:ea typeface="Nunito" panose="00000500000000000000"/>
+                <a:cs typeface="Nunito" panose="00000500000000000000"/>
+                <a:sym typeface="Nunito" panose="00000500000000000000"/>
               </a:defRPr>
             </a:lvl2pPr>
             <a:lvl3pPr marL="0" marR="0" lvl="2" indent="0" algn="r" rtl="0">
@@ -10061,16 +9990,16 @@
                 <a:srgbClr val="000000"/>
               </a:buClr>
               <a:buSzPts val="1000"/>
-              <a:buFont typeface="Arial"/>
+              <a:buFont typeface="Arial" panose="020B0604020202020204"/>
               <a:buNone/>
               <a:defRPr sz="1000" b="0" i="0" u="none" strike="noStrike" cap="none">
                 <a:solidFill>
                   <a:schemeClr val="dk2"/>
                 </a:solidFill>
-                <a:latin typeface="Nunito"/>
-                <a:ea typeface="Nunito"/>
-                <a:cs typeface="Nunito"/>
-                <a:sym typeface="Nunito"/>
+                <a:latin typeface="Nunito" panose="00000500000000000000"/>
+                <a:ea typeface="Nunito" panose="00000500000000000000"/>
+                <a:cs typeface="Nunito" panose="00000500000000000000"/>
+                <a:sym typeface="Nunito" panose="00000500000000000000"/>
               </a:defRPr>
             </a:lvl3pPr>
             <a:lvl4pPr marL="0" marR="0" lvl="3" indent="0" algn="r" rtl="0">
@@ -10087,16 +10016,16 @@
                 <a:srgbClr val="000000"/>
               </a:buClr>
               <a:buSzPts val="1000"/>
-              <a:buFont typeface="Arial"/>
+              <a:buFont typeface="Arial" panose="020B0604020202020204"/>
               <a:buNone/>
               <a:defRPr sz="1000" b="0" i="0" u="none" strike="noStrike" cap="none">
                 <a:solidFill>
                   <a:schemeClr val="dk2"/>
                 </a:solidFill>
-                <a:latin typeface="Nunito"/>
-                <a:ea typeface="Nunito"/>
-                <a:cs typeface="Nunito"/>
-                <a:sym typeface="Nunito"/>
+                <a:latin typeface="Nunito" panose="00000500000000000000"/>
+                <a:ea typeface="Nunito" panose="00000500000000000000"/>
+                <a:cs typeface="Nunito" panose="00000500000000000000"/>
+                <a:sym typeface="Nunito" panose="00000500000000000000"/>
               </a:defRPr>
             </a:lvl4pPr>
             <a:lvl5pPr marL="0" marR="0" lvl="4" indent="0" algn="r" rtl="0">
@@ -10113,16 +10042,16 @@
                 <a:srgbClr val="000000"/>
               </a:buClr>
               <a:buSzPts val="1000"/>
-              <a:buFont typeface="Arial"/>
+              <a:buFont typeface="Arial" panose="020B0604020202020204"/>
               <a:buNone/>
               <a:defRPr sz="1000" b="0" i="0" u="none" strike="noStrike" cap="none">
                 <a:solidFill>
                   <a:schemeClr val="dk2"/>
                 </a:solidFill>
-                <a:latin typeface="Nunito"/>
-                <a:ea typeface="Nunito"/>
-                <a:cs typeface="Nunito"/>
-                <a:sym typeface="Nunito"/>
+                <a:latin typeface="Nunito" panose="00000500000000000000"/>
+                <a:ea typeface="Nunito" panose="00000500000000000000"/>
+                <a:cs typeface="Nunito" panose="00000500000000000000"/>
+                <a:sym typeface="Nunito" panose="00000500000000000000"/>
               </a:defRPr>
             </a:lvl5pPr>
             <a:lvl6pPr marL="0" marR="0" lvl="5" indent="0" algn="r" rtl="0">
@@ -10139,16 +10068,16 @@
                 <a:srgbClr val="000000"/>
               </a:buClr>
               <a:buSzPts val="1000"/>
-              <a:buFont typeface="Arial"/>
+              <a:buFont typeface="Arial" panose="020B0604020202020204"/>
               <a:buNone/>
               <a:defRPr sz="1000" b="0" i="0" u="none" strike="noStrike" cap="none">
                 <a:solidFill>
                   <a:schemeClr val="dk2"/>
                 </a:solidFill>
-                <a:latin typeface="Nunito"/>
-                <a:ea typeface="Nunito"/>
-                <a:cs typeface="Nunito"/>
-                <a:sym typeface="Nunito"/>
+                <a:latin typeface="Nunito" panose="00000500000000000000"/>
+                <a:ea typeface="Nunito" panose="00000500000000000000"/>
+                <a:cs typeface="Nunito" panose="00000500000000000000"/>
+                <a:sym typeface="Nunito" panose="00000500000000000000"/>
               </a:defRPr>
             </a:lvl6pPr>
             <a:lvl7pPr marL="0" marR="0" lvl="6" indent="0" algn="r" rtl="0">
@@ -10165,16 +10094,16 @@
                 <a:srgbClr val="000000"/>
               </a:buClr>
               <a:buSzPts val="1000"/>
-              <a:buFont typeface="Arial"/>
+              <a:buFont typeface="Arial" panose="020B0604020202020204"/>
               <a:buNone/>
               <a:defRPr sz="1000" b="0" i="0" u="none" strike="noStrike" cap="none">
                 <a:solidFill>
                   <a:schemeClr val="dk2"/>
                 </a:solidFill>
-                <a:latin typeface="Nunito"/>
-                <a:ea typeface="Nunito"/>
-                <a:cs typeface="Nunito"/>
-                <a:sym typeface="Nunito"/>
+                <a:latin typeface="Nunito" panose="00000500000000000000"/>
+                <a:ea typeface="Nunito" panose="00000500000000000000"/>
+                <a:cs typeface="Nunito" panose="00000500000000000000"/>
+                <a:sym typeface="Nunito" panose="00000500000000000000"/>
               </a:defRPr>
             </a:lvl7pPr>
             <a:lvl8pPr marL="0" marR="0" lvl="7" indent="0" algn="r" rtl="0">
@@ -10191,16 +10120,16 @@
                 <a:srgbClr val="000000"/>
               </a:buClr>
               <a:buSzPts val="1000"/>
-              <a:buFont typeface="Arial"/>
+              <a:buFont typeface="Arial" panose="020B0604020202020204"/>
               <a:buNone/>
               <a:defRPr sz="1000" b="0" i="0" u="none" strike="noStrike" cap="none">
                 <a:solidFill>
                   <a:schemeClr val="dk2"/>
                 </a:solidFill>
-                <a:latin typeface="Nunito"/>
-                <a:ea typeface="Nunito"/>
-                <a:cs typeface="Nunito"/>
-                <a:sym typeface="Nunito"/>
+                <a:latin typeface="Nunito" panose="00000500000000000000"/>
+                <a:ea typeface="Nunito" panose="00000500000000000000"/>
+                <a:cs typeface="Nunito" panose="00000500000000000000"/>
+                <a:sym typeface="Nunito" panose="00000500000000000000"/>
               </a:defRPr>
             </a:lvl8pPr>
             <a:lvl9pPr marL="0" marR="0" lvl="8" indent="0" algn="r" rtl="0">
@@ -10217,16 +10146,16 @@
                 <a:srgbClr val="000000"/>
               </a:buClr>
               <a:buSzPts val="1000"/>
-              <a:buFont typeface="Arial"/>
+              <a:buFont typeface="Arial" panose="020B0604020202020204"/>
               <a:buNone/>
               <a:defRPr sz="1000" b="0" i="0" u="none" strike="noStrike" cap="none">
                 <a:solidFill>
                   <a:schemeClr val="dk2"/>
                 </a:solidFill>
-                <a:latin typeface="Nunito"/>
-                <a:ea typeface="Nunito"/>
-                <a:cs typeface="Nunito"/>
-                <a:sym typeface="Nunito"/>
+                <a:latin typeface="Nunito" panose="00000500000000000000"/>
+                <a:ea typeface="Nunito" panose="00000500000000000000"/>
+                <a:cs typeface="Nunito" panose="00000500000000000000"/>
+                <a:sym typeface="Nunito" panose="00000500000000000000"/>
               </a:defRPr>
             </a:lvl9pPr>
           </a:lstStyle>
@@ -10241,10 +10170,9 @@
               <a:buNone/>
             </a:pPr>
             <a:fld id="{00000000-1234-1234-1234-123412341234}" type="slidenum">
-              <a:rPr lang="en"/>
-              <a:t>‹#›</a:t>
+              <a:rPr lang="en-GB"/>
             </a:fld>
-            <a:endParaRPr/>
+            <a:endParaRPr lang="en-GB"/>
           </a:p>
         </p:txBody>
       </p:sp>
@@ -10322,17 +10250,17 @@
                 <a:srgbClr val="000000"/>
               </a:buClr>
               <a:buSzPts val="1400"/>
-              <a:buFont typeface="Arial"/>
+              <a:buFont typeface="Arial" panose="020B0604020202020204"/>
               <a:buNone/>
             </a:pPr>
             <a:endParaRPr sz="1400" b="0" i="0" u="none" strike="noStrike" cap="none">
               <a:solidFill>
                 <a:srgbClr val="000000"/>
               </a:solidFill>
-              <a:latin typeface="Arial"/>
-              <a:ea typeface="Arial"/>
-              <a:cs typeface="Arial"/>
-              <a:sym typeface="Arial"/>
+              <a:latin typeface="Arial" panose="020B0604020202020204"/>
+              <a:ea typeface="Arial" panose="020B0604020202020204"/>
+              <a:cs typeface="Arial" panose="020B0604020202020204"/>
+              <a:sym typeface="Arial" panose="020B0604020202020204"/>
             </a:endParaRPr>
           </a:p>
         </p:txBody>
@@ -10378,17 +10306,17 @@
                 <a:srgbClr val="000000"/>
               </a:buClr>
               <a:buSzPts val="1400"/>
-              <a:buFont typeface="Arial"/>
+              <a:buFont typeface="Arial" panose="020B0604020202020204"/>
               <a:buNone/>
             </a:pPr>
             <a:endParaRPr sz="1400" b="0" i="0" u="none" strike="noStrike" cap="none">
               <a:solidFill>
                 <a:srgbClr val="000000"/>
               </a:solidFill>
-              <a:latin typeface="Arial"/>
-              <a:ea typeface="Arial"/>
-              <a:cs typeface="Arial"/>
-              <a:sym typeface="Arial"/>
+              <a:latin typeface="Arial" panose="020B0604020202020204"/>
+              <a:ea typeface="Arial" panose="020B0604020202020204"/>
+              <a:cs typeface="Arial" panose="020B0604020202020204"/>
+              <a:sym typeface="Arial" panose="020B0604020202020204"/>
             </a:endParaRPr>
           </a:p>
         </p:txBody>
@@ -10441,17 +10369,17 @@
                 <a:srgbClr val="000000"/>
               </a:buClr>
               <a:buSzPts val="1400"/>
-              <a:buFont typeface="Arial"/>
+              <a:buFont typeface="Arial" panose="020B0604020202020204"/>
               <a:buNone/>
             </a:pPr>
             <a:endParaRPr sz="1400" b="0" i="0" u="none" strike="noStrike" cap="none">
               <a:solidFill>
                 <a:srgbClr val="000000"/>
               </a:solidFill>
-              <a:latin typeface="Arial"/>
-              <a:ea typeface="Arial"/>
-              <a:cs typeface="Arial"/>
-              <a:sym typeface="Arial"/>
+              <a:latin typeface="Arial" panose="020B0604020202020204"/>
+              <a:ea typeface="Arial" panose="020B0604020202020204"/>
+              <a:cs typeface="Arial" panose="020B0604020202020204"/>
+              <a:sym typeface="Arial" panose="020B0604020202020204"/>
             </a:endParaRPr>
           </a:p>
         </p:txBody>
@@ -10609,9 +10537,7 @@
               <a:defRPr sz="3000"/>
             </a:lvl9pPr>
           </a:lstStyle>
-          <a:p>
-            <a:endParaRPr/>
-          </a:p>
+          <a:p/>
         </p:txBody>
       </p:sp>
       <p:sp>
@@ -10767,9 +10693,7 @@
               <a:defRPr/>
             </a:lvl9pPr>
           </a:lstStyle>
-          <a:p>
-            <a:endParaRPr/>
-          </a:p>
+          <a:p/>
         </p:txBody>
       </p:sp>
       <p:sp>
@@ -10814,16 +10738,16 @@
                 <a:srgbClr val="000000"/>
               </a:buClr>
               <a:buSzPts val="1000"/>
-              <a:buFont typeface="Arial"/>
+              <a:buFont typeface="Arial" panose="020B0604020202020204"/>
               <a:buNone/>
               <a:defRPr sz="1000" b="0" i="0" u="none" strike="noStrike" cap="none">
                 <a:solidFill>
                   <a:schemeClr val="dk2"/>
                 </a:solidFill>
-                <a:latin typeface="Nunito"/>
-                <a:ea typeface="Nunito"/>
-                <a:cs typeface="Nunito"/>
-                <a:sym typeface="Nunito"/>
+                <a:latin typeface="Nunito" panose="00000500000000000000"/>
+                <a:ea typeface="Nunito" panose="00000500000000000000"/>
+                <a:cs typeface="Nunito" panose="00000500000000000000"/>
+                <a:sym typeface="Nunito" panose="00000500000000000000"/>
               </a:defRPr>
             </a:lvl1pPr>
             <a:lvl2pPr marL="0" marR="0" lvl="1" indent="0" algn="r" rtl="0">
@@ -10840,16 +10764,16 @@
                 <a:srgbClr val="000000"/>
               </a:buClr>
               <a:buSzPts val="1000"/>
-              <a:buFont typeface="Arial"/>
+              <a:buFont typeface="Arial" panose="020B0604020202020204"/>
               <a:buNone/>
               <a:defRPr sz="1000" b="0" i="0" u="none" strike="noStrike" cap="none">
                 <a:solidFill>
                   <a:schemeClr val="dk2"/>
                 </a:solidFill>
-                <a:latin typeface="Nunito"/>
-                <a:ea typeface="Nunito"/>
-                <a:cs typeface="Nunito"/>
-                <a:sym typeface="Nunito"/>
+                <a:latin typeface="Nunito" panose="00000500000000000000"/>
+                <a:ea typeface="Nunito" panose="00000500000000000000"/>
+                <a:cs typeface="Nunito" panose="00000500000000000000"/>
+                <a:sym typeface="Nunito" panose="00000500000000000000"/>
               </a:defRPr>
             </a:lvl2pPr>
             <a:lvl3pPr marL="0" marR="0" lvl="2" indent="0" algn="r" rtl="0">
@@ -10866,16 +10790,16 @@
                 <a:srgbClr val="000000"/>
               </a:buClr>
               <a:buSzPts val="1000"/>
-              <a:buFont typeface="Arial"/>
+              <a:buFont typeface="Arial" panose="020B0604020202020204"/>
               <a:buNone/>
               <a:defRPr sz="1000" b="0" i="0" u="none" strike="noStrike" cap="none">
                 <a:solidFill>
                   <a:schemeClr val="dk2"/>
                 </a:solidFill>
-                <a:latin typeface="Nunito"/>
-                <a:ea typeface="Nunito"/>
-                <a:cs typeface="Nunito"/>
-                <a:sym typeface="Nunito"/>
+                <a:latin typeface="Nunito" panose="00000500000000000000"/>
+                <a:ea typeface="Nunito" panose="00000500000000000000"/>
+                <a:cs typeface="Nunito" panose="00000500000000000000"/>
+                <a:sym typeface="Nunito" panose="00000500000000000000"/>
               </a:defRPr>
             </a:lvl3pPr>
             <a:lvl4pPr marL="0" marR="0" lvl="3" indent="0" algn="r" rtl="0">
@@ -10892,16 +10816,16 @@
                 <a:srgbClr val="000000"/>
               </a:buClr>
               <a:buSzPts val="1000"/>
-              <a:buFont typeface="Arial"/>
+              <a:buFont typeface="Arial" panose="020B0604020202020204"/>
               <a:buNone/>
               <a:defRPr sz="1000" b="0" i="0" u="none" strike="noStrike" cap="none">
                 <a:solidFill>
                   <a:schemeClr val="dk2"/>
                 </a:solidFill>
-                <a:latin typeface="Nunito"/>
-                <a:ea typeface="Nunito"/>
-                <a:cs typeface="Nunito"/>
-                <a:sym typeface="Nunito"/>
+                <a:latin typeface="Nunito" panose="00000500000000000000"/>
+                <a:ea typeface="Nunito" panose="00000500000000000000"/>
+                <a:cs typeface="Nunito" panose="00000500000000000000"/>
+                <a:sym typeface="Nunito" panose="00000500000000000000"/>
               </a:defRPr>
             </a:lvl4pPr>
             <a:lvl5pPr marL="0" marR="0" lvl="4" indent="0" algn="r" rtl="0">
@@ -10918,16 +10842,16 @@
                 <a:srgbClr val="000000"/>
               </a:buClr>
               <a:buSzPts val="1000"/>
-              <a:buFont typeface="Arial"/>
+              <a:buFont typeface="Arial" panose="020B0604020202020204"/>
               <a:buNone/>
               <a:defRPr sz="1000" b="0" i="0" u="none" strike="noStrike" cap="none">
                 <a:solidFill>
                   <a:schemeClr val="dk2"/>
                 </a:solidFill>
-                <a:latin typeface="Nunito"/>
-                <a:ea typeface="Nunito"/>
-                <a:cs typeface="Nunito"/>
-                <a:sym typeface="Nunito"/>
+                <a:latin typeface="Nunito" panose="00000500000000000000"/>
+                <a:ea typeface="Nunito" panose="00000500000000000000"/>
+                <a:cs typeface="Nunito" panose="00000500000000000000"/>
+                <a:sym typeface="Nunito" panose="00000500000000000000"/>
               </a:defRPr>
             </a:lvl5pPr>
             <a:lvl6pPr marL="0" marR="0" lvl="5" indent="0" algn="r" rtl="0">
@@ -10944,16 +10868,16 @@
                 <a:srgbClr val="000000"/>
               </a:buClr>
               <a:buSzPts val="1000"/>
-              <a:buFont typeface="Arial"/>
+              <a:buFont typeface="Arial" panose="020B0604020202020204"/>
               <a:buNone/>
               <a:defRPr sz="1000" b="0" i="0" u="none" strike="noStrike" cap="none">
                 <a:solidFill>
                   <a:schemeClr val="dk2"/>
                 </a:solidFill>
-                <a:latin typeface="Nunito"/>
-                <a:ea typeface="Nunito"/>
-                <a:cs typeface="Nunito"/>
-                <a:sym typeface="Nunito"/>
+                <a:latin typeface="Nunito" panose="00000500000000000000"/>
+                <a:ea typeface="Nunito" panose="00000500000000000000"/>
+                <a:cs typeface="Nunito" panose="00000500000000000000"/>
+                <a:sym typeface="Nunito" panose="00000500000000000000"/>
               </a:defRPr>
             </a:lvl6pPr>
             <a:lvl7pPr marL="0" marR="0" lvl="6" indent="0" algn="r" rtl="0">
@@ -10970,16 +10894,16 @@
                 <a:srgbClr val="000000"/>
               </a:buClr>
               <a:buSzPts val="1000"/>
-              <a:buFont typeface="Arial"/>
+              <a:buFont typeface="Arial" panose="020B0604020202020204"/>
               <a:buNone/>
               <a:defRPr sz="1000" b="0" i="0" u="none" strike="noStrike" cap="none">
                 <a:solidFill>
                   <a:schemeClr val="dk2"/>
                 </a:solidFill>
-                <a:latin typeface="Nunito"/>
-                <a:ea typeface="Nunito"/>
-                <a:cs typeface="Nunito"/>
-                <a:sym typeface="Nunito"/>
+                <a:latin typeface="Nunito" panose="00000500000000000000"/>
+                <a:ea typeface="Nunito" panose="00000500000000000000"/>
+                <a:cs typeface="Nunito" panose="00000500000000000000"/>
+                <a:sym typeface="Nunito" panose="00000500000000000000"/>
               </a:defRPr>
             </a:lvl7pPr>
             <a:lvl8pPr marL="0" marR="0" lvl="7" indent="0" algn="r" rtl="0">
@@ -10996,16 +10920,16 @@
                 <a:srgbClr val="000000"/>
               </a:buClr>
               <a:buSzPts val="1000"/>
-              <a:buFont typeface="Arial"/>
+              <a:buFont typeface="Arial" panose="020B0604020202020204"/>
               <a:buNone/>
               <a:defRPr sz="1000" b="0" i="0" u="none" strike="noStrike" cap="none">
                 <a:solidFill>
                   <a:schemeClr val="dk2"/>
                 </a:solidFill>
-                <a:latin typeface="Nunito"/>
-                <a:ea typeface="Nunito"/>
-                <a:cs typeface="Nunito"/>
-                <a:sym typeface="Nunito"/>
+                <a:latin typeface="Nunito" panose="00000500000000000000"/>
+                <a:ea typeface="Nunito" panose="00000500000000000000"/>
+                <a:cs typeface="Nunito" panose="00000500000000000000"/>
+                <a:sym typeface="Nunito" panose="00000500000000000000"/>
               </a:defRPr>
             </a:lvl8pPr>
             <a:lvl9pPr marL="0" marR="0" lvl="8" indent="0" algn="r" rtl="0">
@@ -11022,16 +10946,16 @@
                 <a:srgbClr val="000000"/>
               </a:buClr>
               <a:buSzPts val="1000"/>
-              <a:buFont typeface="Arial"/>
+              <a:buFont typeface="Arial" panose="020B0604020202020204"/>
               <a:buNone/>
               <a:defRPr sz="1000" b="0" i="0" u="none" strike="noStrike" cap="none">
                 <a:solidFill>
                   <a:schemeClr val="dk2"/>
                 </a:solidFill>
-                <a:latin typeface="Nunito"/>
-                <a:ea typeface="Nunito"/>
-                <a:cs typeface="Nunito"/>
-                <a:sym typeface="Nunito"/>
+                <a:latin typeface="Nunito" panose="00000500000000000000"/>
+                <a:ea typeface="Nunito" panose="00000500000000000000"/>
+                <a:cs typeface="Nunito" panose="00000500000000000000"/>
+                <a:sym typeface="Nunito" panose="00000500000000000000"/>
               </a:defRPr>
             </a:lvl9pPr>
           </a:lstStyle>
@@ -11046,10 +10970,9 @@
               <a:buNone/>
             </a:pPr>
             <a:fld id="{00000000-1234-1234-1234-123412341234}" type="slidenum">
-              <a:rPr lang="en"/>
-              <a:t>‹#›</a:t>
+              <a:rPr lang="en-GB"/>
             </a:fld>
-            <a:endParaRPr/>
+            <a:endParaRPr lang="en-GB"/>
           </a:p>
         </p:txBody>
       </p:sp>
@@ -11127,17 +11050,17 @@
                 <a:srgbClr val="000000"/>
               </a:buClr>
               <a:buSzPts val="1400"/>
-              <a:buFont typeface="Arial"/>
+              <a:buFont typeface="Arial" panose="020B0604020202020204"/>
               <a:buNone/>
             </a:pPr>
             <a:endParaRPr sz="1400" b="0" i="0" u="none" strike="noStrike" cap="none">
               <a:solidFill>
                 <a:srgbClr val="000000"/>
               </a:solidFill>
-              <a:latin typeface="Arial"/>
-              <a:ea typeface="Arial"/>
-              <a:cs typeface="Arial"/>
-              <a:sym typeface="Arial"/>
+              <a:latin typeface="Arial" panose="020B0604020202020204"/>
+              <a:ea typeface="Arial" panose="020B0604020202020204"/>
+              <a:cs typeface="Arial" panose="020B0604020202020204"/>
+              <a:sym typeface="Arial" panose="020B0604020202020204"/>
             </a:endParaRPr>
           </a:p>
         </p:txBody>
@@ -11183,17 +11106,17 @@
                 <a:srgbClr val="000000"/>
               </a:buClr>
               <a:buSzPts val="1400"/>
-              <a:buFont typeface="Arial"/>
+              <a:buFont typeface="Arial" panose="020B0604020202020204"/>
               <a:buNone/>
             </a:pPr>
             <a:endParaRPr sz="1400" b="0" i="0" u="none" strike="noStrike" cap="none">
               <a:solidFill>
                 <a:srgbClr val="000000"/>
               </a:solidFill>
-              <a:latin typeface="Arial"/>
-              <a:ea typeface="Arial"/>
-              <a:cs typeface="Arial"/>
-              <a:sym typeface="Arial"/>
+              <a:latin typeface="Arial" panose="020B0604020202020204"/>
+              <a:ea typeface="Arial" panose="020B0604020202020204"/>
+              <a:cs typeface="Arial" panose="020B0604020202020204"/>
+              <a:sym typeface="Arial" panose="020B0604020202020204"/>
             </a:endParaRPr>
           </a:p>
         </p:txBody>
@@ -11255,17 +11178,17 @@
                   <a:srgbClr val="000000"/>
                 </a:buClr>
                 <a:buSzPts val="1400"/>
-                <a:buFont typeface="Arial"/>
+                <a:buFont typeface="Arial" panose="020B0604020202020204"/>
                 <a:buNone/>
               </a:pPr>
               <a:endParaRPr sz="1400" b="0" i="0" u="none" strike="noStrike" cap="none">
                 <a:solidFill>
                   <a:srgbClr val="000000"/>
                 </a:solidFill>
-                <a:latin typeface="Arial"/>
-                <a:ea typeface="Arial"/>
-                <a:cs typeface="Arial"/>
-                <a:sym typeface="Arial"/>
+                <a:latin typeface="Arial" panose="020B0604020202020204"/>
+                <a:ea typeface="Arial" panose="020B0604020202020204"/>
+                <a:cs typeface="Arial" panose="020B0604020202020204"/>
+                <a:sym typeface="Arial" panose="020B0604020202020204"/>
               </a:endParaRPr>
             </a:p>
           </p:txBody>
@@ -11313,17 +11236,17 @@
                   <a:srgbClr val="000000"/>
                 </a:buClr>
                 <a:buSzPts val="1400"/>
-                <a:buFont typeface="Arial"/>
+                <a:buFont typeface="Arial" panose="020B0604020202020204"/>
                 <a:buNone/>
               </a:pPr>
               <a:endParaRPr sz="1400" b="0" i="0" u="none" strike="noStrike" cap="none">
                 <a:solidFill>
                   <a:srgbClr val="000000"/>
                 </a:solidFill>
-                <a:latin typeface="Arial"/>
-                <a:ea typeface="Arial"/>
-                <a:cs typeface="Arial"/>
-                <a:sym typeface="Arial"/>
+                <a:latin typeface="Arial" panose="020B0604020202020204"/>
+                <a:ea typeface="Arial" panose="020B0604020202020204"/>
+                <a:cs typeface="Arial" panose="020B0604020202020204"/>
+                <a:sym typeface="Arial" panose="020B0604020202020204"/>
               </a:endParaRPr>
             </a:p>
           </p:txBody>
@@ -11371,17 +11294,17 @@
                   <a:srgbClr val="000000"/>
                 </a:buClr>
                 <a:buSzPts val="1400"/>
-                <a:buFont typeface="Arial"/>
+                <a:buFont typeface="Arial" panose="020B0604020202020204"/>
                 <a:buNone/>
               </a:pPr>
               <a:endParaRPr sz="1400" b="0" i="0" u="none" strike="noStrike" cap="none">
                 <a:solidFill>
                   <a:srgbClr val="000000"/>
                 </a:solidFill>
-                <a:latin typeface="Arial"/>
-                <a:ea typeface="Arial"/>
-                <a:cs typeface="Arial"/>
-                <a:sym typeface="Arial"/>
+                <a:latin typeface="Arial" panose="020B0604020202020204"/>
+                <a:ea typeface="Arial" panose="020B0604020202020204"/>
+                <a:cs typeface="Arial" panose="020B0604020202020204"/>
+                <a:sym typeface="Arial" panose="020B0604020202020204"/>
               </a:endParaRPr>
             </a:p>
           </p:txBody>
@@ -11435,17 +11358,17 @@
                 <a:srgbClr val="000000"/>
               </a:buClr>
               <a:buSzPts val="1400"/>
-              <a:buFont typeface="Arial"/>
+              <a:buFont typeface="Arial" panose="020B0604020202020204"/>
               <a:buNone/>
             </a:pPr>
             <a:endParaRPr sz="1400" b="0" i="0" u="none" strike="noStrike" cap="none">
               <a:solidFill>
                 <a:srgbClr val="000000"/>
               </a:solidFill>
-              <a:latin typeface="Arial"/>
-              <a:ea typeface="Arial"/>
-              <a:cs typeface="Arial"/>
-              <a:sym typeface="Arial"/>
+              <a:latin typeface="Arial" panose="020B0604020202020204"/>
+              <a:ea typeface="Arial" panose="020B0604020202020204"/>
+              <a:cs typeface="Arial" panose="020B0604020202020204"/>
+              <a:sym typeface="Arial" panose="020B0604020202020204"/>
             </a:endParaRPr>
           </a:p>
         </p:txBody>
@@ -11507,17 +11430,17 @@
                   <a:srgbClr val="000000"/>
                 </a:buClr>
                 <a:buSzPts val="1400"/>
-                <a:buFont typeface="Arial"/>
+                <a:buFont typeface="Arial" panose="020B0604020202020204"/>
                 <a:buNone/>
               </a:pPr>
               <a:endParaRPr sz="1400" b="0" i="0" u="none" strike="noStrike" cap="none">
                 <a:solidFill>
                   <a:srgbClr val="000000"/>
                 </a:solidFill>
-                <a:latin typeface="Arial"/>
-                <a:ea typeface="Arial"/>
-                <a:cs typeface="Arial"/>
-                <a:sym typeface="Arial"/>
+                <a:latin typeface="Arial" panose="020B0604020202020204"/>
+                <a:ea typeface="Arial" panose="020B0604020202020204"/>
+                <a:cs typeface="Arial" panose="020B0604020202020204"/>
+                <a:sym typeface="Arial" panose="020B0604020202020204"/>
               </a:endParaRPr>
             </a:p>
           </p:txBody>
@@ -11565,17 +11488,17 @@
                   <a:srgbClr val="000000"/>
                 </a:buClr>
                 <a:buSzPts val="1400"/>
-                <a:buFont typeface="Arial"/>
+                <a:buFont typeface="Arial" panose="020B0604020202020204"/>
                 <a:buNone/>
               </a:pPr>
               <a:endParaRPr sz="1400" b="0" i="0" u="none" strike="noStrike" cap="none">
                 <a:solidFill>
                   <a:srgbClr val="000000"/>
                 </a:solidFill>
-                <a:latin typeface="Arial"/>
-                <a:ea typeface="Arial"/>
-                <a:cs typeface="Arial"/>
-                <a:sym typeface="Arial"/>
+                <a:latin typeface="Arial" panose="020B0604020202020204"/>
+                <a:ea typeface="Arial" panose="020B0604020202020204"/>
+                <a:cs typeface="Arial" panose="020B0604020202020204"/>
+                <a:sym typeface="Arial" panose="020B0604020202020204"/>
               </a:endParaRPr>
             </a:p>
           </p:txBody>
@@ -11623,17 +11546,17 @@
                   <a:srgbClr val="000000"/>
                 </a:buClr>
                 <a:buSzPts val="1400"/>
-                <a:buFont typeface="Arial"/>
+                <a:buFont typeface="Arial" panose="020B0604020202020204"/>
                 <a:buNone/>
               </a:pPr>
               <a:endParaRPr sz="1400" b="0" i="0" u="none" strike="noStrike" cap="none">
                 <a:solidFill>
                   <a:srgbClr val="000000"/>
                 </a:solidFill>
-                <a:latin typeface="Arial"/>
-                <a:ea typeface="Arial"/>
-                <a:cs typeface="Arial"/>
-                <a:sym typeface="Arial"/>
+                <a:latin typeface="Arial" panose="020B0604020202020204"/>
+                <a:ea typeface="Arial" panose="020B0604020202020204"/>
+                <a:cs typeface="Arial" panose="020B0604020202020204"/>
+                <a:sym typeface="Arial" panose="020B0604020202020204"/>
               </a:endParaRPr>
             </a:p>
           </p:txBody>
@@ -11696,17 +11619,17 @@
                   <a:srgbClr val="000000"/>
                 </a:buClr>
                 <a:buSzPts val="1400"/>
-                <a:buFont typeface="Arial"/>
+                <a:buFont typeface="Arial" panose="020B0604020202020204"/>
                 <a:buNone/>
               </a:pPr>
               <a:endParaRPr sz="1400" b="0" i="0" u="none" strike="noStrike" cap="none">
                 <a:solidFill>
                   <a:srgbClr val="000000"/>
                 </a:solidFill>
-                <a:latin typeface="Arial"/>
-                <a:ea typeface="Arial"/>
-                <a:cs typeface="Arial"/>
-                <a:sym typeface="Arial"/>
+                <a:latin typeface="Arial" panose="020B0604020202020204"/>
+                <a:ea typeface="Arial" panose="020B0604020202020204"/>
+                <a:cs typeface="Arial" panose="020B0604020202020204"/>
+                <a:sym typeface="Arial" panose="020B0604020202020204"/>
               </a:endParaRPr>
             </a:p>
           </p:txBody>
@@ -11754,17 +11677,17 @@
                   <a:srgbClr val="000000"/>
                 </a:buClr>
                 <a:buSzPts val="1400"/>
-                <a:buFont typeface="Arial"/>
+                <a:buFont typeface="Arial" panose="020B0604020202020204"/>
                 <a:buNone/>
               </a:pPr>
               <a:endParaRPr sz="1400" b="0" i="0" u="none" strike="noStrike" cap="none">
                 <a:solidFill>
                   <a:srgbClr val="000000"/>
                 </a:solidFill>
-                <a:latin typeface="Arial"/>
-                <a:ea typeface="Arial"/>
-                <a:cs typeface="Arial"/>
-                <a:sym typeface="Arial"/>
+                <a:latin typeface="Arial" panose="020B0604020202020204"/>
+                <a:ea typeface="Arial" panose="020B0604020202020204"/>
+                <a:cs typeface="Arial" panose="020B0604020202020204"/>
+                <a:sym typeface="Arial" panose="020B0604020202020204"/>
               </a:endParaRPr>
             </a:p>
           </p:txBody>
@@ -11812,17 +11735,17 @@
                   <a:srgbClr val="000000"/>
                 </a:buClr>
                 <a:buSzPts val="1400"/>
-                <a:buFont typeface="Arial"/>
+                <a:buFont typeface="Arial" panose="020B0604020202020204"/>
                 <a:buNone/>
               </a:pPr>
               <a:endParaRPr sz="1400" b="0" i="0" u="none" strike="noStrike" cap="none">
                 <a:solidFill>
                   <a:srgbClr val="000000"/>
                 </a:solidFill>
-                <a:latin typeface="Arial"/>
-                <a:ea typeface="Arial"/>
-                <a:cs typeface="Arial"/>
-                <a:sym typeface="Arial"/>
+                <a:latin typeface="Arial" panose="020B0604020202020204"/>
+                <a:ea typeface="Arial" panose="020B0604020202020204"/>
+                <a:cs typeface="Arial" panose="020B0604020202020204"/>
+                <a:sym typeface="Arial" panose="020B0604020202020204"/>
               </a:endParaRPr>
             </a:p>
           </p:txBody>
@@ -11981,9 +11904,7 @@
               <a:defRPr sz="3200"/>
             </a:lvl9pPr>
           </a:lstStyle>
-          <a:p>
-            <a:endParaRPr/>
-          </a:p>
+          <a:p/>
         </p:txBody>
       </p:sp>
       <p:sp>
@@ -12028,16 +11949,16 @@
                 <a:srgbClr val="000000"/>
               </a:buClr>
               <a:buSzPts val="1000"/>
-              <a:buFont typeface="Arial"/>
+              <a:buFont typeface="Arial" panose="020B0604020202020204"/>
               <a:buNone/>
               <a:defRPr sz="1000" b="0" i="0" u="none" strike="noStrike" cap="none">
                 <a:solidFill>
                   <a:schemeClr val="dk2"/>
                 </a:solidFill>
-                <a:latin typeface="Nunito"/>
-                <a:ea typeface="Nunito"/>
-                <a:cs typeface="Nunito"/>
-                <a:sym typeface="Nunito"/>
+                <a:latin typeface="Nunito" panose="00000500000000000000"/>
+                <a:ea typeface="Nunito" panose="00000500000000000000"/>
+                <a:cs typeface="Nunito" panose="00000500000000000000"/>
+                <a:sym typeface="Nunito" panose="00000500000000000000"/>
               </a:defRPr>
             </a:lvl1pPr>
             <a:lvl2pPr marL="0" marR="0" lvl="1" indent="0" algn="r" rtl="0">
@@ -12054,16 +11975,16 @@
                 <a:srgbClr val="000000"/>
               </a:buClr>
               <a:buSzPts val="1000"/>
-              <a:buFont typeface="Arial"/>
+              <a:buFont typeface="Arial" panose="020B0604020202020204"/>
               <a:buNone/>
               <a:defRPr sz="1000" b="0" i="0" u="none" strike="noStrike" cap="none">
                 <a:solidFill>
                   <a:schemeClr val="dk2"/>
                 </a:solidFill>
-                <a:latin typeface="Nunito"/>
-                <a:ea typeface="Nunito"/>
-                <a:cs typeface="Nunito"/>
-                <a:sym typeface="Nunito"/>
+                <a:latin typeface="Nunito" panose="00000500000000000000"/>
+                <a:ea typeface="Nunito" panose="00000500000000000000"/>
+                <a:cs typeface="Nunito" panose="00000500000000000000"/>
+                <a:sym typeface="Nunito" panose="00000500000000000000"/>
               </a:defRPr>
             </a:lvl2pPr>
             <a:lvl3pPr marL="0" marR="0" lvl="2" indent="0" algn="r" rtl="0">
@@ -12080,16 +12001,16 @@
                 <a:srgbClr val="000000"/>
               </a:buClr>
               <a:buSzPts val="1000"/>
-              <a:buFont typeface="Arial"/>
+              <a:buFont typeface="Arial" panose="020B0604020202020204"/>
               <a:buNone/>
               <a:defRPr sz="1000" b="0" i="0" u="none" strike="noStrike" cap="none">
                 <a:solidFill>
                   <a:schemeClr val="dk2"/>
                 </a:solidFill>
-                <a:latin typeface="Nunito"/>
-                <a:ea typeface="Nunito"/>
-                <a:cs typeface="Nunito"/>
-                <a:sym typeface="Nunito"/>
+                <a:latin typeface="Nunito" panose="00000500000000000000"/>
+                <a:ea typeface="Nunito" panose="00000500000000000000"/>
+                <a:cs typeface="Nunito" panose="00000500000000000000"/>
+                <a:sym typeface="Nunito" panose="00000500000000000000"/>
               </a:defRPr>
             </a:lvl3pPr>
             <a:lvl4pPr marL="0" marR="0" lvl="3" indent="0" algn="r" rtl="0">
@@ -12106,16 +12027,16 @@
                 <a:srgbClr val="000000"/>
               </a:buClr>
               <a:buSzPts val="1000"/>
-              <a:buFont typeface="Arial"/>
+              <a:buFont typeface="Arial" panose="020B0604020202020204"/>
               <a:buNone/>
               <a:defRPr sz="1000" b="0" i="0" u="none" strike="noStrike" cap="none">
                 <a:solidFill>
                   <a:schemeClr val="dk2"/>
                 </a:solidFill>
-                <a:latin typeface="Nunito"/>
-                <a:ea typeface="Nunito"/>
-                <a:cs typeface="Nunito"/>
-                <a:sym typeface="Nunito"/>
+                <a:latin typeface="Nunito" panose="00000500000000000000"/>
+                <a:ea typeface="Nunito" panose="00000500000000000000"/>
+                <a:cs typeface="Nunito" panose="00000500000000000000"/>
+                <a:sym typeface="Nunito" panose="00000500000000000000"/>
               </a:defRPr>
             </a:lvl4pPr>
             <a:lvl5pPr marL="0" marR="0" lvl="4" indent="0" algn="r" rtl="0">
@@ -12132,16 +12053,16 @@
                 <a:srgbClr val="000000"/>
               </a:buClr>
               <a:buSzPts val="1000"/>
-              <a:buFont typeface="Arial"/>
+              <a:buFont typeface="Arial" panose="020B0604020202020204"/>
               <a:buNone/>
               <a:defRPr sz="1000" b="0" i="0" u="none" strike="noStrike" cap="none">
                 <a:solidFill>
                   <a:schemeClr val="dk2"/>
                 </a:solidFill>
-                <a:latin typeface="Nunito"/>
-                <a:ea typeface="Nunito"/>
-                <a:cs typeface="Nunito"/>
-                <a:sym typeface="Nunito"/>
+                <a:latin typeface="Nunito" panose="00000500000000000000"/>
+                <a:ea typeface="Nunito" panose="00000500000000000000"/>
+                <a:cs typeface="Nunito" panose="00000500000000000000"/>
+                <a:sym typeface="Nunito" panose="00000500000000000000"/>
               </a:defRPr>
             </a:lvl5pPr>
             <a:lvl6pPr marL="0" marR="0" lvl="5" indent="0" algn="r" rtl="0">
@@ -12158,16 +12079,16 @@
                 <a:srgbClr val="000000"/>
               </a:buClr>
               <a:buSzPts val="1000"/>
-              <a:buFont typeface="Arial"/>
+              <a:buFont typeface="Arial" panose="020B0604020202020204"/>
               <a:buNone/>
               <a:defRPr sz="1000" b="0" i="0" u="none" strike="noStrike" cap="none">
                 <a:solidFill>
                   <a:schemeClr val="dk2"/>
                 </a:solidFill>
-                <a:latin typeface="Nunito"/>
-                <a:ea typeface="Nunito"/>
-                <a:cs typeface="Nunito"/>
-                <a:sym typeface="Nunito"/>
+                <a:latin typeface="Nunito" panose="00000500000000000000"/>
+                <a:ea typeface="Nunito" panose="00000500000000000000"/>
+                <a:cs typeface="Nunito" panose="00000500000000000000"/>
+                <a:sym typeface="Nunito" panose="00000500000000000000"/>
               </a:defRPr>
             </a:lvl6pPr>
             <a:lvl7pPr marL="0" marR="0" lvl="6" indent="0" algn="r" rtl="0">
@@ -12184,16 +12105,16 @@
                 <a:srgbClr val="000000"/>
               </a:buClr>
               <a:buSzPts val="1000"/>
-              <a:buFont typeface="Arial"/>
+              <a:buFont typeface="Arial" panose="020B0604020202020204"/>
               <a:buNone/>
               <a:defRPr sz="1000" b="0" i="0" u="none" strike="noStrike" cap="none">
                 <a:solidFill>
                   <a:schemeClr val="dk2"/>
                 </a:solidFill>
-                <a:latin typeface="Nunito"/>
-                <a:ea typeface="Nunito"/>
-                <a:cs typeface="Nunito"/>
-                <a:sym typeface="Nunito"/>
+                <a:latin typeface="Nunito" panose="00000500000000000000"/>
+                <a:ea typeface="Nunito" panose="00000500000000000000"/>
+                <a:cs typeface="Nunito" panose="00000500000000000000"/>
+                <a:sym typeface="Nunito" panose="00000500000000000000"/>
               </a:defRPr>
             </a:lvl7pPr>
             <a:lvl8pPr marL="0" marR="0" lvl="7" indent="0" algn="r" rtl="0">
@@ -12210,16 +12131,16 @@
                 <a:srgbClr val="000000"/>
               </a:buClr>
               <a:buSzPts val="1000"/>
-              <a:buFont typeface="Arial"/>
+              <a:buFont typeface="Arial" panose="020B0604020202020204"/>
               <a:buNone/>
               <a:defRPr sz="1000" b="0" i="0" u="none" strike="noStrike" cap="none">
                 <a:solidFill>
                   <a:schemeClr val="dk2"/>
                 </a:solidFill>
-                <a:latin typeface="Nunito"/>
-                <a:ea typeface="Nunito"/>
-                <a:cs typeface="Nunito"/>
-                <a:sym typeface="Nunito"/>
+                <a:latin typeface="Nunito" panose="00000500000000000000"/>
+                <a:ea typeface="Nunito" panose="00000500000000000000"/>
+                <a:cs typeface="Nunito" panose="00000500000000000000"/>
+                <a:sym typeface="Nunito" panose="00000500000000000000"/>
               </a:defRPr>
             </a:lvl8pPr>
             <a:lvl9pPr marL="0" marR="0" lvl="8" indent="0" algn="r" rtl="0">
@@ -12236,16 +12157,16 @@
                 <a:srgbClr val="000000"/>
               </a:buClr>
               <a:buSzPts val="1000"/>
-              <a:buFont typeface="Arial"/>
+              <a:buFont typeface="Arial" panose="020B0604020202020204"/>
               <a:buNone/>
               <a:defRPr sz="1000" b="0" i="0" u="none" strike="noStrike" cap="none">
                 <a:solidFill>
                   <a:schemeClr val="dk2"/>
                 </a:solidFill>
-                <a:latin typeface="Nunito"/>
-                <a:ea typeface="Nunito"/>
-                <a:cs typeface="Nunito"/>
-                <a:sym typeface="Nunito"/>
+                <a:latin typeface="Nunito" panose="00000500000000000000"/>
+                <a:ea typeface="Nunito" panose="00000500000000000000"/>
+                <a:cs typeface="Nunito" panose="00000500000000000000"/>
+                <a:sym typeface="Nunito" panose="00000500000000000000"/>
               </a:defRPr>
             </a:lvl9pPr>
           </a:lstStyle>
@@ -12260,10 +12181,9 @@
               <a:buNone/>
             </a:pPr>
             <a:fld id="{00000000-1234-1234-1234-123412341234}" type="slidenum">
-              <a:rPr lang="en"/>
-              <a:t>‹#›</a:t>
+              <a:rPr lang="en-GB"/>
             </a:fld>
-            <a:endParaRPr/>
+            <a:endParaRPr lang="en-GB"/>
           </a:p>
         </p:txBody>
       </p:sp>
@@ -12341,17 +12261,17 @@
                 <a:srgbClr val="000000"/>
               </a:buClr>
               <a:buSzPts val="1400"/>
-              <a:buFont typeface="Arial"/>
+              <a:buFont typeface="Arial" panose="020B0604020202020204"/>
               <a:buNone/>
             </a:pPr>
             <a:endParaRPr sz="1400" b="0" i="0" u="none" strike="noStrike" cap="none">
               <a:solidFill>
                 <a:srgbClr val="000000"/>
               </a:solidFill>
-              <a:latin typeface="Arial"/>
-              <a:ea typeface="Arial"/>
-              <a:cs typeface="Arial"/>
-              <a:sym typeface="Arial"/>
+              <a:latin typeface="Arial" panose="020B0604020202020204"/>
+              <a:ea typeface="Arial" panose="020B0604020202020204"/>
+              <a:cs typeface="Arial" panose="020B0604020202020204"/>
+              <a:sym typeface="Arial" panose="020B0604020202020204"/>
             </a:endParaRPr>
           </a:p>
         </p:txBody>
@@ -12397,17 +12317,17 @@
                 <a:srgbClr val="000000"/>
               </a:buClr>
               <a:buSzPts val="1400"/>
-              <a:buFont typeface="Arial"/>
+              <a:buFont typeface="Arial" panose="020B0604020202020204"/>
               <a:buNone/>
             </a:pPr>
             <a:endParaRPr sz="1400" b="0" i="0" u="none" strike="noStrike" cap="none">
               <a:solidFill>
                 <a:srgbClr val="000000"/>
               </a:solidFill>
-              <a:latin typeface="Arial"/>
-              <a:ea typeface="Arial"/>
-              <a:cs typeface="Arial"/>
-              <a:sym typeface="Arial"/>
+              <a:latin typeface="Arial" panose="020B0604020202020204"/>
+              <a:ea typeface="Arial" panose="020B0604020202020204"/>
+              <a:cs typeface="Arial" panose="020B0604020202020204"/>
+              <a:sym typeface="Arial" panose="020B0604020202020204"/>
             </a:endParaRPr>
           </a:p>
         </p:txBody>
@@ -12460,17 +12380,17 @@
                 <a:srgbClr val="000000"/>
               </a:buClr>
               <a:buSzPts val="1400"/>
-              <a:buFont typeface="Arial"/>
+              <a:buFont typeface="Arial" panose="020B0604020202020204"/>
               <a:buNone/>
             </a:pPr>
             <a:endParaRPr sz="1400" b="0" i="0" u="none" strike="noStrike" cap="none">
               <a:solidFill>
                 <a:srgbClr val="000000"/>
               </a:solidFill>
-              <a:latin typeface="Arial"/>
-              <a:ea typeface="Arial"/>
-              <a:cs typeface="Arial"/>
-              <a:sym typeface="Arial"/>
+              <a:latin typeface="Arial" panose="020B0604020202020204"/>
+              <a:ea typeface="Arial" panose="020B0604020202020204"/>
+              <a:cs typeface="Arial" panose="020B0604020202020204"/>
+              <a:sym typeface="Arial" panose="020B0604020202020204"/>
             </a:endParaRPr>
           </a:p>
         </p:txBody>
@@ -12628,9 +12548,7 @@
               <a:defRPr sz="3000"/>
             </a:lvl9pPr>
           </a:lstStyle>
-          <a:p>
-            <a:endParaRPr/>
-          </a:p>
+          <a:p/>
         </p:txBody>
       </p:sp>
       <p:sp>
@@ -12849,9 +12767,7 @@
               </a:defRPr>
             </a:lvl9pPr>
           </a:lstStyle>
-          <a:p>
-            <a:endParaRPr/>
-          </a:p>
+          <a:p/>
         </p:txBody>
       </p:sp>
       <p:sp>
@@ -13007,9 +12923,7 @@
               <a:defRPr/>
             </a:lvl9pPr>
           </a:lstStyle>
-          <a:p>
-            <a:endParaRPr/>
-          </a:p>
+          <a:p/>
         </p:txBody>
       </p:sp>
       <p:sp>
@@ -13054,16 +12968,16 @@
                 <a:srgbClr val="000000"/>
               </a:buClr>
               <a:buSzPts val="1000"/>
-              <a:buFont typeface="Arial"/>
+              <a:buFont typeface="Arial" panose="020B0604020202020204"/>
               <a:buNone/>
               <a:defRPr sz="1000" b="0" i="0" u="none" strike="noStrike" cap="none">
                 <a:solidFill>
                   <a:schemeClr val="dk2"/>
                 </a:solidFill>
-                <a:latin typeface="Nunito"/>
-                <a:ea typeface="Nunito"/>
-                <a:cs typeface="Nunito"/>
-                <a:sym typeface="Nunito"/>
+                <a:latin typeface="Nunito" panose="00000500000000000000"/>
+                <a:ea typeface="Nunito" panose="00000500000000000000"/>
+                <a:cs typeface="Nunito" panose="00000500000000000000"/>
+                <a:sym typeface="Nunito" panose="00000500000000000000"/>
               </a:defRPr>
             </a:lvl1pPr>
             <a:lvl2pPr marL="0" marR="0" lvl="1" indent="0" algn="r" rtl="0">
@@ -13080,16 +12994,16 @@
                 <a:srgbClr val="000000"/>
               </a:buClr>
               <a:buSzPts val="1000"/>
-              <a:buFont typeface="Arial"/>
+              <a:buFont typeface="Arial" panose="020B0604020202020204"/>
               <a:buNone/>
               <a:defRPr sz="1000" b="0" i="0" u="none" strike="noStrike" cap="none">
                 <a:solidFill>
                   <a:schemeClr val="dk2"/>
                 </a:solidFill>
-                <a:latin typeface="Nunito"/>
-                <a:ea typeface="Nunito"/>
-                <a:cs typeface="Nunito"/>
-                <a:sym typeface="Nunito"/>
+                <a:latin typeface="Nunito" panose="00000500000000000000"/>
+                <a:ea typeface="Nunito" panose="00000500000000000000"/>
+                <a:cs typeface="Nunito" panose="00000500000000000000"/>
+                <a:sym typeface="Nunito" panose="00000500000000000000"/>
               </a:defRPr>
             </a:lvl2pPr>
             <a:lvl3pPr marL="0" marR="0" lvl="2" indent="0" algn="r" rtl="0">
@@ -13106,16 +13020,16 @@
                 <a:srgbClr val="000000"/>
               </a:buClr>
               <a:buSzPts val="1000"/>
-              <a:buFont typeface="Arial"/>
+              <a:buFont typeface="Arial" panose="020B0604020202020204"/>
               <a:buNone/>
               <a:defRPr sz="1000" b="0" i="0" u="none" strike="noStrike" cap="none">
                 <a:solidFill>
                   <a:schemeClr val="dk2"/>
                 </a:solidFill>
-                <a:latin typeface="Nunito"/>
-                <a:ea typeface="Nunito"/>
-                <a:cs typeface="Nunito"/>
-                <a:sym typeface="Nunito"/>
+                <a:latin typeface="Nunito" panose="00000500000000000000"/>
+                <a:ea typeface="Nunito" panose="00000500000000000000"/>
+                <a:cs typeface="Nunito" panose="00000500000000000000"/>
+                <a:sym typeface="Nunito" panose="00000500000000000000"/>
               </a:defRPr>
             </a:lvl3pPr>
             <a:lvl4pPr marL="0" marR="0" lvl="3" indent="0" algn="r" rtl="0">
@@ -13132,16 +13046,16 @@
                 <a:srgbClr val="000000"/>
               </a:buClr>
               <a:buSzPts val="1000"/>
-              <a:buFont typeface="Arial"/>
+              <a:buFont typeface="Arial" panose="020B0604020202020204"/>
               <a:buNone/>
               <a:defRPr sz="1000" b="0" i="0" u="none" strike="noStrike" cap="none">
                 <a:solidFill>
                   <a:schemeClr val="dk2"/>
                 </a:solidFill>
-                <a:latin typeface="Nunito"/>
-                <a:ea typeface="Nunito"/>
-                <a:cs typeface="Nunito"/>
-                <a:sym typeface="Nunito"/>
+                <a:latin typeface="Nunito" panose="00000500000000000000"/>
+                <a:ea typeface="Nunito" panose="00000500000000000000"/>
+                <a:cs typeface="Nunito" panose="00000500000000000000"/>
+                <a:sym typeface="Nunito" panose="00000500000000000000"/>
               </a:defRPr>
             </a:lvl4pPr>
             <a:lvl5pPr marL="0" marR="0" lvl="4" indent="0" algn="r" rtl="0">
@@ -13158,16 +13072,16 @@
                 <a:srgbClr val="000000"/>
               </a:buClr>
               <a:buSzPts val="1000"/>
-              <a:buFont typeface="Arial"/>
+              <a:buFont typeface="Arial" panose="020B0604020202020204"/>
               <a:buNone/>
               <a:defRPr sz="1000" b="0" i="0" u="none" strike="noStrike" cap="none">
                 <a:solidFill>
                   <a:schemeClr val="dk2"/>
                 </a:solidFill>
-                <a:latin typeface="Nunito"/>
-                <a:ea typeface="Nunito"/>
-                <a:cs typeface="Nunito"/>
-                <a:sym typeface="Nunito"/>
+                <a:latin typeface="Nunito" panose="00000500000000000000"/>
+                <a:ea typeface="Nunito" panose="00000500000000000000"/>
+                <a:cs typeface="Nunito" panose="00000500000000000000"/>
+                <a:sym typeface="Nunito" panose="00000500000000000000"/>
               </a:defRPr>
             </a:lvl5pPr>
             <a:lvl6pPr marL="0" marR="0" lvl="5" indent="0" algn="r" rtl="0">
@@ -13184,16 +13098,16 @@
                 <a:srgbClr val="000000"/>
               </a:buClr>
               <a:buSzPts val="1000"/>
-              <a:buFont typeface="Arial"/>
+              <a:buFont typeface="Arial" panose="020B0604020202020204"/>
               <a:buNone/>
               <a:defRPr sz="1000" b="0" i="0" u="none" strike="noStrike" cap="none">
                 <a:solidFill>
                   <a:schemeClr val="dk2"/>
                 </a:solidFill>
-                <a:latin typeface="Nunito"/>
-                <a:ea typeface="Nunito"/>
-                <a:cs typeface="Nunito"/>
-                <a:sym typeface="Nunito"/>
+                <a:latin typeface="Nunito" panose="00000500000000000000"/>
+                <a:ea typeface="Nunito" panose="00000500000000000000"/>
+                <a:cs typeface="Nunito" panose="00000500000000000000"/>
+                <a:sym typeface="Nunito" panose="00000500000000000000"/>
               </a:defRPr>
             </a:lvl6pPr>
             <a:lvl7pPr marL="0" marR="0" lvl="6" indent="0" algn="r" rtl="0">
@@ -13210,16 +13124,16 @@
                 <a:srgbClr val="000000"/>
               </a:buClr>
               <a:buSzPts val="1000"/>
-              <a:buFont typeface="Arial"/>
+              <a:buFont typeface="Arial" panose="020B0604020202020204"/>
               <a:buNone/>
               <a:defRPr sz="1000" b="0" i="0" u="none" strike="noStrike" cap="none">
                 <a:solidFill>
                   <a:schemeClr val="dk2"/>
                 </a:solidFill>
-                <a:latin typeface="Nunito"/>
-                <a:ea typeface="Nunito"/>
-                <a:cs typeface="Nunito"/>
-                <a:sym typeface="Nunito"/>
+                <a:latin typeface="Nunito" panose="00000500000000000000"/>
+                <a:ea typeface="Nunito" panose="00000500000000000000"/>
+                <a:cs typeface="Nunito" panose="00000500000000000000"/>
+                <a:sym typeface="Nunito" panose="00000500000000000000"/>
               </a:defRPr>
             </a:lvl7pPr>
             <a:lvl8pPr marL="0" marR="0" lvl="7" indent="0" algn="r" rtl="0">
@@ -13236,16 +13150,16 @@
                 <a:srgbClr val="000000"/>
               </a:buClr>
               <a:buSzPts val="1000"/>
-              <a:buFont typeface="Arial"/>
+              <a:buFont typeface="Arial" panose="020B0604020202020204"/>
               <a:buNone/>
               <a:defRPr sz="1000" b="0" i="0" u="none" strike="noStrike" cap="none">
                 <a:solidFill>
                   <a:schemeClr val="dk2"/>
                 </a:solidFill>
-                <a:latin typeface="Nunito"/>
-                <a:ea typeface="Nunito"/>
-                <a:cs typeface="Nunito"/>
-                <a:sym typeface="Nunito"/>
+                <a:latin typeface="Nunito" panose="00000500000000000000"/>
+                <a:ea typeface="Nunito" panose="00000500000000000000"/>
+                <a:cs typeface="Nunito" panose="00000500000000000000"/>
+                <a:sym typeface="Nunito" panose="00000500000000000000"/>
               </a:defRPr>
             </a:lvl8pPr>
             <a:lvl9pPr marL="0" marR="0" lvl="8" indent="0" algn="r" rtl="0">
@@ -13262,16 +13176,16 @@
                 <a:srgbClr val="000000"/>
               </a:buClr>
               <a:buSzPts val="1000"/>
-              <a:buFont typeface="Arial"/>
+              <a:buFont typeface="Arial" panose="020B0604020202020204"/>
               <a:buNone/>
               <a:defRPr sz="1000" b="0" i="0" u="none" strike="noStrike" cap="none">
                 <a:solidFill>
                   <a:schemeClr val="dk2"/>
                 </a:solidFill>
-                <a:latin typeface="Nunito"/>
-                <a:ea typeface="Nunito"/>
-                <a:cs typeface="Nunito"/>
-                <a:sym typeface="Nunito"/>
+                <a:latin typeface="Nunito" panose="00000500000000000000"/>
+                <a:ea typeface="Nunito" panose="00000500000000000000"/>
+                <a:cs typeface="Nunito" panose="00000500000000000000"/>
+                <a:sym typeface="Nunito" panose="00000500000000000000"/>
               </a:defRPr>
             </a:lvl9pPr>
           </a:lstStyle>
@@ -13286,10 +13200,9 @@
               <a:buNone/>
             </a:pPr>
             <a:fld id="{00000000-1234-1234-1234-123412341234}" type="slidenum">
-              <a:rPr lang="en"/>
-              <a:t>‹#›</a:t>
+              <a:rPr lang="en-GB"/>
             </a:fld>
-            <a:endParaRPr/>
+            <a:endParaRPr lang="en-GB"/>
           </a:p>
         </p:txBody>
       </p:sp>
@@ -13367,17 +13280,17 @@
                 <a:srgbClr val="000000"/>
               </a:buClr>
               <a:buSzPts val="1400"/>
-              <a:buFont typeface="Arial"/>
+              <a:buFont typeface="Arial" panose="020B0604020202020204"/>
               <a:buNone/>
             </a:pPr>
             <a:endParaRPr sz="1400" b="0" i="0" u="none" strike="noStrike" cap="none">
               <a:solidFill>
                 <a:srgbClr val="000000"/>
               </a:solidFill>
-              <a:latin typeface="Arial"/>
-              <a:ea typeface="Arial"/>
-              <a:cs typeface="Arial"/>
-              <a:sym typeface="Arial"/>
+              <a:latin typeface="Arial" panose="020B0604020202020204"/>
+              <a:ea typeface="Arial" panose="020B0604020202020204"/>
+              <a:cs typeface="Arial" panose="020B0604020202020204"/>
+              <a:sym typeface="Arial" panose="020B0604020202020204"/>
             </a:endParaRPr>
           </a:p>
         </p:txBody>
@@ -13423,17 +13336,17 @@
                 <a:srgbClr val="000000"/>
               </a:buClr>
               <a:buSzPts val="1400"/>
-              <a:buFont typeface="Arial"/>
+              <a:buFont typeface="Arial" panose="020B0604020202020204"/>
               <a:buNone/>
             </a:pPr>
             <a:endParaRPr sz="1400" b="0" i="0" u="none" strike="noStrike" cap="none">
               <a:solidFill>
                 <a:srgbClr val="000000"/>
               </a:solidFill>
-              <a:latin typeface="Arial"/>
-              <a:ea typeface="Arial"/>
-              <a:cs typeface="Arial"/>
-              <a:sym typeface="Arial"/>
+              <a:latin typeface="Arial" panose="020B0604020202020204"/>
+              <a:ea typeface="Arial" panose="020B0604020202020204"/>
+              <a:cs typeface="Arial" panose="020B0604020202020204"/>
+              <a:sym typeface="Arial" panose="020B0604020202020204"/>
             </a:endParaRPr>
           </a:p>
         </p:txBody>
@@ -13486,17 +13399,17 @@
                 <a:srgbClr val="000000"/>
               </a:buClr>
               <a:buSzPts val="1400"/>
-              <a:buFont typeface="Arial"/>
+              <a:buFont typeface="Arial" panose="020B0604020202020204"/>
               <a:buNone/>
             </a:pPr>
             <a:endParaRPr sz="1400" b="0" i="0" u="none" strike="noStrike" cap="none">
               <a:solidFill>
                 <a:srgbClr val="000000"/>
               </a:solidFill>
-              <a:latin typeface="Arial"/>
-              <a:ea typeface="Arial"/>
-              <a:cs typeface="Arial"/>
-              <a:sym typeface="Arial"/>
+              <a:latin typeface="Arial" panose="020B0604020202020204"/>
+              <a:ea typeface="Arial" panose="020B0604020202020204"/>
+              <a:cs typeface="Arial" panose="020B0604020202020204"/>
+              <a:sym typeface="Arial" panose="020B0604020202020204"/>
             </a:endParaRPr>
           </a:p>
         </p:txBody>
@@ -13542,9 +13455,7 @@
               <a:defRPr/>
             </a:lvl1pPr>
           </a:lstStyle>
-          <a:p>
-            <a:endParaRPr/>
-          </a:p>
+          <a:p/>
         </p:txBody>
       </p:sp>
       <p:sp>
@@ -13589,16 +13500,16 @@
                 <a:srgbClr val="000000"/>
               </a:buClr>
               <a:buSzPts val="1000"/>
-              <a:buFont typeface="Arial"/>
+              <a:buFont typeface="Arial" panose="020B0604020202020204"/>
               <a:buNone/>
               <a:defRPr sz="1000" b="0" i="0" u="none" strike="noStrike" cap="none">
                 <a:solidFill>
                   <a:schemeClr val="dk2"/>
                 </a:solidFill>
-                <a:latin typeface="Nunito"/>
-                <a:ea typeface="Nunito"/>
-                <a:cs typeface="Nunito"/>
-                <a:sym typeface="Nunito"/>
+                <a:latin typeface="Nunito" panose="00000500000000000000"/>
+                <a:ea typeface="Nunito" panose="00000500000000000000"/>
+                <a:cs typeface="Nunito" panose="00000500000000000000"/>
+                <a:sym typeface="Nunito" panose="00000500000000000000"/>
               </a:defRPr>
             </a:lvl1pPr>
             <a:lvl2pPr marL="0" marR="0" lvl="1" indent="0" algn="r" rtl="0">
@@ -13615,16 +13526,16 @@
                 <a:srgbClr val="000000"/>
               </a:buClr>
               <a:buSzPts val="1000"/>
-              <a:buFont typeface="Arial"/>
+              <a:buFont typeface="Arial" panose="020B0604020202020204"/>
               <a:buNone/>
               <a:defRPr sz="1000" b="0" i="0" u="none" strike="noStrike" cap="none">
                 <a:solidFill>
                   <a:schemeClr val="dk2"/>
                 </a:solidFill>
-                <a:latin typeface="Nunito"/>
-                <a:ea typeface="Nunito"/>
-                <a:cs typeface="Nunito"/>
-                <a:sym typeface="Nunito"/>
+                <a:latin typeface="Nunito" panose="00000500000000000000"/>
+                <a:ea typeface="Nunito" panose="00000500000000000000"/>
+                <a:cs typeface="Nunito" panose="00000500000000000000"/>
+                <a:sym typeface="Nunito" panose="00000500000000000000"/>
               </a:defRPr>
             </a:lvl2pPr>
             <a:lvl3pPr marL="0" marR="0" lvl="2" indent="0" algn="r" rtl="0">
@@ -13641,16 +13552,16 @@
                 <a:srgbClr val="000000"/>
               </a:buClr>
               <a:buSzPts val="1000"/>
-              <a:buFont typeface="Arial"/>
+              <a:buFont typeface="Arial" panose="020B0604020202020204"/>
               <a:buNone/>
               <a:defRPr sz="1000" b="0" i="0" u="none" strike="noStrike" cap="none">
                 <a:solidFill>
                   <a:schemeClr val="dk2"/>
                 </a:solidFill>
-                <a:latin typeface="Nunito"/>
-                <a:ea typeface="Nunito"/>
-                <a:cs typeface="Nunito"/>
-                <a:sym typeface="Nunito"/>
+                <a:latin typeface="Nunito" panose="00000500000000000000"/>
+                <a:ea typeface="Nunito" panose="00000500000000000000"/>
+                <a:cs typeface="Nunito" panose="00000500000000000000"/>
+                <a:sym typeface="Nunito" panose="00000500000000000000"/>
               </a:defRPr>
             </a:lvl3pPr>
             <a:lvl4pPr marL="0" marR="0" lvl="3" indent="0" algn="r" rtl="0">
@@ -13667,16 +13578,16 @@
                 <a:srgbClr val="000000"/>
               </a:buClr>
               <a:buSzPts val="1000"/>
-              <a:buFont typeface="Arial"/>
+              <a:buFont typeface="Arial" panose="020B0604020202020204"/>
               <a:buNone/>
               <a:defRPr sz="1000" b="0" i="0" u="none" strike="noStrike" cap="none">
                 <a:solidFill>
                   <a:schemeClr val="dk2"/>
                 </a:solidFill>
-                <a:latin typeface="Nunito"/>
-                <a:ea typeface="Nunito"/>
-                <a:cs typeface="Nunito"/>
-                <a:sym typeface="Nunito"/>
+                <a:latin typeface="Nunito" panose="00000500000000000000"/>
+                <a:ea typeface="Nunito" panose="00000500000000000000"/>
+                <a:cs typeface="Nunito" panose="00000500000000000000"/>
+                <a:sym typeface="Nunito" panose="00000500000000000000"/>
               </a:defRPr>
             </a:lvl4pPr>
             <a:lvl5pPr marL="0" marR="0" lvl="4" indent="0" algn="r" rtl="0">
@@ -13693,16 +13604,16 @@
                 <a:srgbClr val="000000"/>
               </a:buClr>
               <a:buSzPts val="1000"/>
-              <a:buFont typeface="Arial"/>
+              <a:buFont typeface="Arial" panose="020B0604020202020204"/>
               <a:buNone/>
               <a:defRPr sz="1000" b="0" i="0" u="none" strike="noStrike" cap="none">
                 <a:solidFill>
                   <a:schemeClr val="dk2"/>
                 </a:solidFill>
-                <a:latin typeface="Nunito"/>
-                <a:ea typeface="Nunito"/>
-                <a:cs typeface="Nunito"/>
-                <a:sym typeface="Nunito"/>
+                <a:latin typeface="Nunito" panose="00000500000000000000"/>
+                <a:ea typeface="Nunito" panose="00000500000000000000"/>
+                <a:cs typeface="Nunito" panose="00000500000000000000"/>
+                <a:sym typeface="Nunito" panose="00000500000000000000"/>
               </a:defRPr>
             </a:lvl5pPr>
             <a:lvl6pPr marL="0" marR="0" lvl="5" indent="0" algn="r" rtl="0">
@@ -13719,16 +13630,16 @@
                 <a:srgbClr val="000000"/>
               </a:buClr>
               <a:buSzPts val="1000"/>
-              <a:buFont typeface="Arial"/>
+              <a:buFont typeface="Arial" panose="020B0604020202020204"/>
               <a:buNone/>
               <a:defRPr sz="1000" b="0" i="0" u="none" strike="noStrike" cap="none">
                 <a:solidFill>
                   <a:schemeClr val="dk2"/>
                 </a:solidFill>
-                <a:latin typeface="Nunito"/>
-                <a:ea typeface="Nunito"/>
-                <a:cs typeface="Nunito"/>
-                <a:sym typeface="Nunito"/>
+                <a:latin typeface="Nunito" panose="00000500000000000000"/>
+                <a:ea typeface="Nunito" panose="00000500000000000000"/>
+                <a:cs typeface="Nunito" panose="00000500000000000000"/>
+                <a:sym typeface="Nunito" panose="00000500000000000000"/>
               </a:defRPr>
             </a:lvl6pPr>
             <a:lvl7pPr marL="0" marR="0" lvl="6" indent="0" algn="r" rtl="0">
@@ -13745,16 +13656,16 @@
                 <a:srgbClr val="000000"/>
               </a:buClr>
               <a:buSzPts val="1000"/>
-              <a:buFont typeface="Arial"/>
+              <a:buFont typeface="Arial" panose="020B0604020202020204"/>
               <a:buNone/>
               <a:defRPr sz="1000" b="0" i="0" u="none" strike="noStrike" cap="none">
                 <a:solidFill>
                   <a:schemeClr val="dk2"/>
                 </a:solidFill>
-                <a:latin typeface="Nunito"/>
-                <a:ea typeface="Nunito"/>
-                <a:cs typeface="Nunito"/>
-                <a:sym typeface="Nunito"/>
+                <a:latin typeface="Nunito" panose="00000500000000000000"/>
+                <a:ea typeface="Nunito" panose="00000500000000000000"/>
+                <a:cs typeface="Nunito" panose="00000500000000000000"/>
+                <a:sym typeface="Nunito" panose="00000500000000000000"/>
               </a:defRPr>
             </a:lvl7pPr>
             <a:lvl8pPr marL="0" marR="0" lvl="7" indent="0" algn="r" rtl="0">
@@ -13771,16 +13682,16 @@
                 <a:srgbClr val="000000"/>
               </a:buClr>
               <a:buSzPts val="1000"/>
-              <a:buFont typeface="Arial"/>
+              <a:buFont typeface="Arial" panose="020B0604020202020204"/>
               <a:buNone/>
               <a:defRPr sz="1000" b="0" i="0" u="none" strike="noStrike" cap="none">
                 <a:solidFill>
                   <a:schemeClr val="dk2"/>
                 </a:solidFill>
-                <a:latin typeface="Nunito"/>
-                <a:ea typeface="Nunito"/>
-                <a:cs typeface="Nunito"/>
-                <a:sym typeface="Nunito"/>
+                <a:latin typeface="Nunito" panose="00000500000000000000"/>
+                <a:ea typeface="Nunito" panose="00000500000000000000"/>
+                <a:cs typeface="Nunito" panose="00000500000000000000"/>
+                <a:sym typeface="Nunito" panose="00000500000000000000"/>
               </a:defRPr>
             </a:lvl8pPr>
             <a:lvl9pPr marL="0" marR="0" lvl="8" indent="0" algn="r" rtl="0">
@@ -13797,16 +13708,16 @@
                 <a:srgbClr val="000000"/>
               </a:buClr>
               <a:buSzPts val="1000"/>
-              <a:buFont typeface="Arial"/>
+              <a:buFont typeface="Arial" panose="020B0604020202020204"/>
               <a:buNone/>
               <a:defRPr sz="1000" b="0" i="0" u="none" strike="noStrike" cap="none">
                 <a:solidFill>
                   <a:schemeClr val="dk2"/>
                 </a:solidFill>
-                <a:latin typeface="Nunito"/>
-                <a:ea typeface="Nunito"/>
-                <a:cs typeface="Nunito"/>
-                <a:sym typeface="Nunito"/>
+                <a:latin typeface="Nunito" panose="00000500000000000000"/>
+                <a:ea typeface="Nunito" panose="00000500000000000000"/>
+                <a:cs typeface="Nunito" panose="00000500000000000000"/>
+                <a:sym typeface="Nunito" panose="00000500000000000000"/>
               </a:defRPr>
             </a:lvl9pPr>
           </a:lstStyle>
@@ -13821,10 +13732,9 @@
               <a:buNone/>
             </a:pPr>
             <a:fld id="{00000000-1234-1234-1234-123412341234}" type="slidenum">
-              <a:rPr lang="en"/>
-              <a:t>‹#›</a:t>
+              <a:rPr lang="en-GB"/>
             </a:fld>
-            <a:endParaRPr/>
+            <a:endParaRPr lang="en-GB"/>
           </a:p>
         </p:txBody>
       </p:sp>
@@ -13838,7 +13748,7 @@
 
 <file path=ppt/slideMasters/slideMaster1.xml><?xml version="1.0" encoding="utf-8"?>
 <p:sldMaster xmlns:a="http://schemas.openxmlformats.org/drawingml/2006/main" xmlns:r="http://schemas.openxmlformats.org/officeDocument/2006/relationships" xmlns:p="http://schemas.openxmlformats.org/presentationml/2006/main">
-  <p:cSld name="shift">
+  <p:cSld>
     <p:bg>
       <p:bgPr>
         <a:solidFill>
@@ -13901,16 +13811,16 @@
                 <a:schemeClr val="lt1"/>
               </a:buClr>
               <a:buSzPts val="2800"/>
-              <a:buFont typeface="Nunito"/>
+              <a:buFont typeface="Nunito" panose="00000500000000000000"/>
               <a:buNone/>
               <a:defRPr sz="2800" b="0" i="0" u="none" strike="noStrike" cap="none">
                 <a:solidFill>
                   <a:schemeClr val="lt1"/>
                 </a:solidFill>
-                <a:latin typeface="Nunito"/>
-                <a:ea typeface="Nunito"/>
-                <a:cs typeface="Nunito"/>
-                <a:sym typeface="Nunito"/>
+                <a:latin typeface="Nunito" panose="00000500000000000000"/>
+                <a:ea typeface="Nunito" panose="00000500000000000000"/>
+                <a:cs typeface="Nunito" panose="00000500000000000000"/>
+                <a:sym typeface="Nunito" panose="00000500000000000000"/>
               </a:defRPr>
             </a:lvl1pPr>
             <a:lvl2pPr marR="0" lvl="1" algn="l" rtl="0">
@@ -13927,16 +13837,16 @@
                 <a:schemeClr val="lt1"/>
               </a:buClr>
               <a:buSzPts val="2800"/>
-              <a:buFont typeface="Nunito"/>
+              <a:buFont typeface="Nunito" panose="00000500000000000000"/>
               <a:buNone/>
               <a:defRPr sz="2800" b="0" i="0" u="none" strike="noStrike" cap="none">
                 <a:solidFill>
                   <a:schemeClr val="lt1"/>
                 </a:solidFill>
-                <a:latin typeface="Nunito"/>
-                <a:ea typeface="Nunito"/>
-                <a:cs typeface="Nunito"/>
-                <a:sym typeface="Nunito"/>
+                <a:latin typeface="Nunito" panose="00000500000000000000"/>
+                <a:ea typeface="Nunito" panose="00000500000000000000"/>
+                <a:cs typeface="Nunito" panose="00000500000000000000"/>
+                <a:sym typeface="Nunito" panose="00000500000000000000"/>
               </a:defRPr>
             </a:lvl2pPr>
             <a:lvl3pPr marR="0" lvl="2" algn="l" rtl="0">
@@ -13953,16 +13863,16 @@
                 <a:schemeClr val="lt1"/>
               </a:buClr>
               <a:buSzPts val="2800"/>
-              <a:buFont typeface="Nunito"/>
+              <a:buFont typeface="Nunito" panose="00000500000000000000"/>
               <a:buNone/>
               <a:defRPr sz="2800" b="0" i="0" u="none" strike="noStrike" cap="none">
                 <a:solidFill>
                   <a:schemeClr val="lt1"/>
                 </a:solidFill>
-                <a:latin typeface="Nunito"/>
-                <a:ea typeface="Nunito"/>
-                <a:cs typeface="Nunito"/>
-                <a:sym typeface="Nunito"/>
+                <a:latin typeface="Nunito" panose="00000500000000000000"/>
+                <a:ea typeface="Nunito" panose="00000500000000000000"/>
+                <a:cs typeface="Nunito" panose="00000500000000000000"/>
+                <a:sym typeface="Nunito" panose="00000500000000000000"/>
               </a:defRPr>
             </a:lvl3pPr>
             <a:lvl4pPr marR="0" lvl="3" algn="l" rtl="0">
@@ -13979,16 +13889,16 @@
                 <a:schemeClr val="lt1"/>
               </a:buClr>
               <a:buSzPts val="2800"/>
-              <a:buFont typeface="Nunito"/>
+              <a:buFont typeface="Nunito" panose="00000500000000000000"/>
               <a:buNone/>
               <a:defRPr sz="2800" b="0" i="0" u="none" strike="noStrike" cap="none">
                 <a:solidFill>
                   <a:schemeClr val="lt1"/>
                 </a:solidFill>
-                <a:latin typeface="Nunito"/>
-                <a:ea typeface="Nunito"/>
-                <a:cs typeface="Nunito"/>
-                <a:sym typeface="Nunito"/>
+                <a:latin typeface="Nunito" panose="00000500000000000000"/>
+                <a:ea typeface="Nunito" panose="00000500000000000000"/>
+                <a:cs typeface="Nunito" panose="00000500000000000000"/>
+                <a:sym typeface="Nunito" panose="00000500000000000000"/>
               </a:defRPr>
             </a:lvl4pPr>
             <a:lvl5pPr marR="0" lvl="4" algn="l" rtl="0">
@@ -14005,16 +13915,16 @@
                 <a:schemeClr val="lt1"/>
               </a:buClr>
               <a:buSzPts val="2800"/>
-              <a:buFont typeface="Nunito"/>
+              <a:buFont typeface="Nunito" panose="00000500000000000000"/>
               <a:buNone/>
               <a:defRPr sz="2800" b="0" i="0" u="none" strike="noStrike" cap="none">
                 <a:solidFill>
                   <a:schemeClr val="lt1"/>
                 </a:solidFill>
-                <a:latin typeface="Nunito"/>
-                <a:ea typeface="Nunito"/>
-                <a:cs typeface="Nunito"/>
-                <a:sym typeface="Nunito"/>
+                <a:latin typeface="Nunito" panose="00000500000000000000"/>
+                <a:ea typeface="Nunito" panose="00000500000000000000"/>
+                <a:cs typeface="Nunito" panose="00000500000000000000"/>
+                <a:sym typeface="Nunito" panose="00000500000000000000"/>
               </a:defRPr>
             </a:lvl5pPr>
             <a:lvl6pPr marR="0" lvl="5" algn="l" rtl="0">
@@ -14031,16 +13941,16 @@
                 <a:schemeClr val="lt1"/>
               </a:buClr>
               <a:buSzPts val="2800"/>
-              <a:buFont typeface="Nunito"/>
+              <a:buFont typeface="Nunito" panose="00000500000000000000"/>
               <a:buNone/>
               <a:defRPr sz="2800" b="0" i="0" u="none" strike="noStrike" cap="none">
                 <a:solidFill>
                   <a:schemeClr val="lt1"/>
                 </a:solidFill>
-                <a:latin typeface="Nunito"/>
-                <a:ea typeface="Nunito"/>
-                <a:cs typeface="Nunito"/>
-                <a:sym typeface="Nunito"/>
+                <a:latin typeface="Nunito" panose="00000500000000000000"/>
+                <a:ea typeface="Nunito" panose="00000500000000000000"/>
+                <a:cs typeface="Nunito" panose="00000500000000000000"/>
+                <a:sym typeface="Nunito" panose="00000500000000000000"/>
               </a:defRPr>
             </a:lvl6pPr>
             <a:lvl7pPr marR="0" lvl="6" algn="l" rtl="0">
@@ -14057,16 +13967,16 @@
                 <a:schemeClr val="lt1"/>
               </a:buClr>
               <a:buSzPts val="2800"/>
-              <a:buFont typeface="Nunito"/>
+              <a:buFont typeface="Nunito" panose="00000500000000000000"/>
               <a:buNone/>
               <a:defRPr sz="2800" b="0" i="0" u="none" strike="noStrike" cap="none">
                 <a:solidFill>
                   <a:schemeClr val="lt1"/>
                 </a:solidFill>
-                <a:latin typeface="Nunito"/>
-                <a:ea typeface="Nunito"/>
-                <a:cs typeface="Nunito"/>
-                <a:sym typeface="Nunito"/>
+                <a:latin typeface="Nunito" panose="00000500000000000000"/>
+                <a:ea typeface="Nunito" panose="00000500000000000000"/>
+                <a:cs typeface="Nunito" panose="00000500000000000000"/>
+                <a:sym typeface="Nunito" panose="00000500000000000000"/>
               </a:defRPr>
             </a:lvl7pPr>
             <a:lvl8pPr marR="0" lvl="7" algn="l" rtl="0">
@@ -14083,16 +13993,16 @@
                 <a:schemeClr val="lt1"/>
               </a:buClr>
               <a:buSzPts val="2800"/>
-              <a:buFont typeface="Nunito"/>
+              <a:buFont typeface="Nunito" panose="00000500000000000000"/>
               <a:buNone/>
               <a:defRPr sz="2800" b="0" i="0" u="none" strike="noStrike" cap="none">
                 <a:solidFill>
                   <a:schemeClr val="lt1"/>
                 </a:solidFill>
-                <a:latin typeface="Nunito"/>
-                <a:ea typeface="Nunito"/>
-                <a:cs typeface="Nunito"/>
-                <a:sym typeface="Nunito"/>
+                <a:latin typeface="Nunito" panose="00000500000000000000"/>
+                <a:ea typeface="Nunito" panose="00000500000000000000"/>
+                <a:cs typeface="Nunito" panose="00000500000000000000"/>
+                <a:sym typeface="Nunito" panose="00000500000000000000"/>
               </a:defRPr>
             </a:lvl8pPr>
             <a:lvl9pPr marR="0" lvl="8" algn="l" rtl="0">
@@ -14109,22 +14019,20 @@
                 <a:schemeClr val="lt1"/>
               </a:buClr>
               <a:buSzPts val="2800"/>
-              <a:buFont typeface="Nunito"/>
+              <a:buFont typeface="Nunito" panose="00000500000000000000"/>
               <a:buNone/>
               <a:defRPr sz="2800" b="0" i="0" u="none" strike="noStrike" cap="none">
                 <a:solidFill>
                   <a:schemeClr val="lt1"/>
                 </a:solidFill>
-                <a:latin typeface="Nunito"/>
-                <a:ea typeface="Nunito"/>
-                <a:cs typeface="Nunito"/>
-                <a:sym typeface="Nunito"/>
+                <a:latin typeface="Nunito" panose="00000500000000000000"/>
+                <a:ea typeface="Nunito" panose="00000500000000000000"/>
+                <a:cs typeface="Nunito" panose="00000500000000000000"/>
+                <a:sym typeface="Nunito" panose="00000500000000000000"/>
               </a:defRPr>
             </a:lvl9pPr>
           </a:lstStyle>
-          <a:p>
-            <a:endParaRPr/>
-          </a:p>
+          <a:p/>
         </p:txBody>
       </p:sp>
       <p:sp>
@@ -14167,16 +14075,16 @@
                 <a:schemeClr val="dk2"/>
               </a:buClr>
               <a:buSzPts val="1300"/>
-              <a:buFont typeface="Calibri"/>
+              <a:buFont typeface="Calibri" panose="020F0502020204030204"/>
               <a:buChar char="●"/>
               <a:defRPr sz="1300" b="0" i="0" u="none" strike="noStrike" cap="none">
                 <a:solidFill>
                   <a:schemeClr val="dk2"/>
                 </a:solidFill>
-                <a:latin typeface="Calibri"/>
-                <a:ea typeface="Calibri"/>
-                <a:cs typeface="Calibri"/>
-                <a:sym typeface="Calibri"/>
+                <a:latin typeface="Calibri" panose="020F0502020204030204"/>
+                <a:ea typeface="Calibri" panose="020F0502020204030204"/>
+                <a:cs typeface="Calibri" panose="020F0502020204030204"/>
+                <a:sym typeface="Calibri" panose="020F0502020204030204"/>
               </a:defRPr>
             </a:lvl1pPr>
             <a:lvl2pPr marL="914400" marR="0" lvl="1" indent="-298450" algn="l" rtl="0">
@@ -14193,16 +14101,16 @@
                 <a:schemeClr val="dk2"/>
               </a:buClr>
               <a:buSzPts val="1100"/>
-              <a:buFont typeface="Calibri"/>
+              <a:buFont typeface="Calibri" panose="020F0502020204030204"/>
               <a:buChar char="○"/>
               <a:defRPr sz="1100" b="0" i="0" u="none" strike="noStrike" cap="none">
                 <a:solidFill>
                   <a:schemeClr val="dk2"/>
                 </a:solidFill>
-                <a:latin typeface="Calibri"/>
-                <a:ea typeface="Calibri"/>
-                <a:cs typeface="Calibri"/>
-                <a:sym typeface="Calibri"/>
+                <a:latin typeface="Calibri" panose="020F0502020204030204"/>
+                <a:ea typeface="Calibri" panose="020F0502020204030204"/>
+                <a:cs typeface="Calibri" panose="020F0502020204030204"/>
+                <a:sym typeface="Calibri" panose="020F0502020204030204"/>
               </a:defRPr>
             </a:lvl2pPr>
             <a:lvl3pPr marL="1371600" marR="0" lvl="2" indent="-298450" algn="l" rtl="0">
@@ -14219,16 +14127,16 @@
                 <a:schemeClr val="dk2"/>
               </a:buClr>
               <a:buSzPts val="1100"/>
-              <a:buFont typeface="Calibri"/>
+              <a:buFont typeface="Calibri" panose="020F0502020204030204"/>
               <a:buChar char="■"/>
               <a:defRPr sz="1100" b="0" i="0" u="none" strike="noStrike" cap="none">
                 <a:solidFill>
                   <a:schemeClr val="dk2"/>
                 </a:solidFill>
-                <a:latin typeface="Calibri"/>
-                <a:ea typeface="Calibri"/>
-                <a:cs typeface="Calibri"/>
-                <a:sym typeface="Calibri"/>
+                <a:latin typeface="Calibri" panose="020F0502020204030204"/>
+                <a:ea typeface="Calibri" panose="020F0502020204030204"/>
+                <a:cs typeface="Calibri" panose="020F0502020204030204"/>
+                <a:sym typeface="Calibri" panose="020F0502020204030204"/>
               </a:defRPr>
             </a:lvl3pPr>
             <a:lvl4pPr marL="1828800" marR="0" lvl="3" indent="-298450" algn="l" rtl="0">
@@ -14245,16 +14153,16 @@
                 <a:schemeClr val="dk2"/>
               </a:buClr>
               <a:buSzPts val="1100"/>
-              <a:buFont typeface="Calibri"/>
+              <a:buFont typeface="Calibri" panose="020F0502020204030204"/>
               <a:buChar char="●"/>
               <a:defRPr sz="1100" b="0" i="0" u="none" strike="noStrike" cap="none">
                 <a:solidFill>
                   <a:schemeClr val="dk2"/>
                 </a:solidFill>
-                <a:latin typeface="Calibri"/>
-                <a:ea typeface="Calibri"/>
-                <a:cs typeface="Calibri"/>
-                <a:sym typeface="Calibri"/>
+                <a:latin typeface="Calibri" panose="020F0502020204030204"/>
+                <a:ea typeface="Calibri" panose="020F0502020204030204"/>
+                <a:cs typeface="Calibri" panose="020F0502020204030204"/>
+                <a:sym typeface="Calibri" panose="020F0502020204030204"/>
               </a:defRPr>
             </a:lvl4pPr>
             <a:lvl5pPr marL="2286000" marR="0" lvl="4" indent="-298450" algn="l" rtl="0">
@@ -14271,16 +14179,16 @@
                 <a:schemeClr val="dk2"/>
               </a:buClr>
               <a:buSzPts val="1100"/>
-              <a:buFont typeface="Calibri"/>
+              <a:buFont typeface="Calibri" panose="020F0502020204030204"/>
               <a:buChar char="○"/>
               <a:defRPr sz="1100" b="0" i="0" u="none" strike="noStrike" cap="none">
                 <a:solidFill>
                   <a:schemeClr val="dk2"/>
                 </a:solidFill>
-                <a:latin typeface="Calibri"/>
-                <a:ea typeface="Calibri"/>
-                <a:cs typeface="Calibri"/>
-                <a:sym typeface="Calibri"/>
+                <a:latin typeface="Calibri" panose="020F0502020204030204"/>
+                <a:ea typeface="Calibri" panose="020F0502020204030204"/>
+                <a:cs typeface="Calibri" panose="020F0502020204030204"/>
+                <a:sym typeface="Calibri" panose="020F0502020204030204"/>
               </a:defRPr>
             </a:lvl5pPr>
             <a:lvl6pPr marL="2743200" marR="0" lvl="5" indent="-298450" algn="l" rtl="0">
@@ -14297,16 +14205,16 @@
                 <a:schemeClr val="dk2"/>
               </a:buClr>
               <a:buSzPts val="1100"/>
-              <a:buFont typeface="Calibri"/>
+              <a:buFont typeface="Calibri" panose="020F0502020204030204"/>
               <a:buChar char="■"/>
               <a:defRPr sz="1100" b="0" i="0" u="none" strike="noStrike" cap="none">
                 <a:solidFill>
                   <a:schemeClr val="dk2"/>
                 </a:solidFill>
-                <a:latin typeface="Calibri"/>
-                <a:ea typeface="Calibri"/>
-                <a:cs typeface="Calibri"/>
-                <a:sym typeface="Calibri"/>
+                <a:latin typeface="Calibri" panose="020F0502020204030204"/>
+                <a:ea typeface="Calibri" panose="020F0502020204030204"/>
+                <a:cs typeface="Calibri" panose="020F0502020204030204"/>
+                <a:sym typeface="Calibri" panose="020F0502020204030204"/>
               </a:defRPr>
             </a:lvl6pPr>
             <a:lvl7pPr marL="3200400" marR="0" lvl="6" indent="-298450" algn="l" rtl="0">
@@ -14323,16 +14231,16 @@
                 <a:schemeClr val="dk2"/>
               </a:buClr>
               <a:buSzPts val="1100"/>
-              <a:buFont typeface="Calibri"/>
+              <a:buFont typeface="Calibri" panose="020F0502020204030204"/>
               <a:buChar char="●"/>
               <a:defRPr sz="1100" b="0" i="0" u="none" strike="noStrike" cap="none">
                 <a:solidFill>
                   <a:schemeClr val="dk2"/>
                 </a:solidFill>
-                <a:latin typeface="Calibri"/>
-                <a:ea typeface="Calibri"/>
-                <a:cs typeface="Calibri"/>
-                <a:sym typeface="Calibri"/>
+                <a:latin typeface="Calibri" panose="020F0502020204030204"/>
+                <a:ea typeface="Calibri" panose="020F0502020204030204"/>
+                <a:cs typeface="Calibri" panose="020F0502020204030204"/>
+                <a:sym typeface="Calibri" panose="020F0502020204030204"/>
               </a:defRPr>
             </a:lvl7pPr>
             <a:lvl8pPr marL="3657600" marR="0" lvl="7" indent="-298450" algn="l" rtl="0">
@@ -14349,16 +14257,16 @@
                 <a:schemeClr val="dk2"/>
               </a:buClr>
               <a:buSzPts val="1100"/>
-              <a:buFont typeface="Calibri"/>
+              <a:buFont typeface="Calibri" panose="020F0502020204030204"/>
               <a:buChar char="○"/>
               <a:defRPr sz="1100" b="0" i="0" u="none" strike="noStrike" cap="none">
                 <a:solidFill>
                   <a:schemeClr val="dk2"/>
                 </a:solidFill>
-                <a:latin typeface="Calibri"/>
-                <a:ea typeface="Calibri"/>
-                <a:cs typeface="Calibri"/>
-                <a:sym typeface="Calibri"/>
+                <a:latin typeface="Calibri" panose="020F0502020204030204"/>
+                <a:ea typeface="Calibri" panose="020F0502020204030204"/>
+                <a:cs typeface="Calibri" panose="020F0502020204030204"/>
+                <a:sym typeface="Calibri" panose="020F0502020204030204"/>
               </a:defRPr>
             </a:lvl8pPr>
             <a:lvl9pPr marL="4114800" marR="0" lvl="8" indent="-298450" algn="l" rtl="0">
@@ -14375,22 +14283,20 @@
                 <a:schemeClr val="dk2"/>
               </a:buClr>
               <a:buSzPts val="1100"/>
-              <a:buFont typeface="Calibri"/>
+              <a:buFont typeface="Calibri" panose="020F0502020204030204"/>
               <a:buChar char="■"/>
               <a:defRPr sz="1100" b="0" i="0" u="none" strike="noStrike" cap="none">
                 <a:solidFill>
                   <a:schemeClr val="dk2"/>
                 </a:solidFill>
-                <a:latin typeface="Calibri"/>
-                <a:ea typeface="Calibri"/>
-                <a:cs typeface="Calibri"/>
-                <a:sym typeface="Calibri"/>
+                <a:latin typeface="Calibri" panose="020F0502020204030204"/>
+                <a:ea typeface="Calibri" panose="020F0502020204030204"/>
+                <a:cs typeface="Calibri" panose="020F0502020204030204"/>
+                <a:sym typeface="Calibri" panose="020F0502020204030204"/>
               </a:defRPr>
             </a:lvl9pPr>
           </a:lstStyle>
-          <a:p>
-            <a:endParaRPr/>
-          </a:p>
+          <a:p/>
         </p:txBody>
       </p:sp>
       <p:sp>
@@ -14435,16 +14341,16 @@
                 <a:srgbClr val="000000"/>
               </a:buClr>
               <a:buSzPts val="1000"/>
-              <a:buFont typeface="Arial"/>
+              <a:buFont typeface="Arial" panose="020B0604020202020204"/>
               <a:buNone/>
               <a:defRPr sz="1000" b="0" i="0" u="none" strike="noStrike" cap="none">
                 <a:solidFill>
                   <a:schemeClr val="dk2"/>
                 </a:solidFill>
-                <a:latin typeface="Nunito"/>
-                <a:ea typeface="Nunito"/>
-                <a:cs typeface="Nunito"/>
-                <a:sym typeface="Nunito"/>
+                <a:latin typeface="Nunito" panose="00000500000000000000"/>
+                <a:ea typeface="Nunito" panose="00000500000000000000"/>
+                <a:cs typeface="Nunito" panose="00000500000000000000"/>
+                <a:sym typeface="Nunito" panose="00000500000000000000"/>
               </a:defRPr>
             </a:lvl1pPr>
             <a:lvl2pPr marL="0" marR="0" lvl="1" indent="0" algn="r" rtl="0">
@@ -14461,16 +14367,16 @@
                 <a:srgbClr val="000000"/>
               </a:buClr>
               <a:buSzPts val="1000"/>
-              <a:buFont typeface="Arial"/>
+              <a:buFont typeface="Arial" panose="020B0604020202020204"/>
               <a:buNone/>
               <a:defRPr sz="1000" b="0" i="0" u="none" strike="noStrike" cap="none">
                 <a:solidFill>
                   <a:schemeClr val="dk2"/>
                 </a:solidFill>
-                <a:latin typeface="Nunito"/>
-                <a:ea typeface="Nunito"/>
-                <a:cs typeface="Nunito"/>
-                <a:sym typeface="Nunito"/>
+                <a:latin typeface="Nunito" panose="00000500000000000000"/>
+                <a:ea typeface="Nunito" panose="00000500000000000000"/>
+                <a:cs typeface="Nunito" panose="00000500000000000000"/>
+                <a:sym typeface="Nunito" panose="00000500000000000000"/>
               </a:defRPr>
             </a:lvl2pPr>
             <a:lvl3pPr marL="0" marR="0" lvl="2" indent="0" algn="r" rtl="0">
@@ -14487,16 +14393,16 @@
                 <a:srgbClr val="000000"/>
               </a:buClr>
               <a:buSzPts val="1000"/>
-              <a:buFont typeface="Arial"/>
+              <a:buFont typeface="Arial" panose="020B0604020202020204"/>
               <a:buNone/>
               <a:defRPr sz="1000" b="0" i="0" u="none" strike="noStrike" cap="none">
                 <a:solidFill>
                   <a:schemeClr val="dk2"/>
                 </a:solidFill>
-                <a:latin typeface="Nunito"/>
-                <a:ea typeface="Nunito"/>
-                <a:cs typeface="Nunito"/>
-                <a:sym typeface="Nunito"/>
+                <a:latin typeface="Nunito" panose="00000500000000000000"/>
+                <a:ea typeface="Nunito" panose="00000500000000000000"/>
+                <a:cs typeface="Nunito" panose="00000500000000000000"/>
+                <a:sym typeface="Nunito" panose="00000500000000000000"/>
               </a:defRPr>
             </a:lvl3pPr>
             <a:lvl4pPr marL="0" marR="0" lvl="3" indent="0" algn="r" rtl="0">
@@ -14513,16 +14419,16 @@
                 <a:srgbClr val="000000"/>
               </a:buClr>
               <a:buSzPts val="1000"/>
-              <a:buFont typeface="Arial"/>
+              <a:buFont typeface="Arial" panose="020B0604020202020204"/>
               <a:buNone/>
               <a:defRPr sz="1000" b="0" i="0" u="none" strike="noStrike" cap="none">
                 <a:solidFill>
                   <a:schemeClr val="dk2"/>
                 </a:solidFill>
-                <a:latin typeface="Nunito"/>
-                <a:ea typeface="Nunito"/>
-                <a:cs typeface="Nunito"/>
-                <a:sym typeface="Nunito"/>
+                <a:latin typeface="Nunito" panose="00000500000000000000"/>
+                <a:ea typeface="Nunito" panose="00000500000000000000"/>
+                <a:cs typeface="Nunito" panose="00000500000000000000"/>
+                <a:sym typeface="Nunito" panose="00000500000000000000"/>
               </a:defRPr>
             </a:lvl4pPr>
             <a:lvl5pPr marL="0" marR="0" lvl="4" indent="0" algn="r" rtl="0">
@@ -14539,16 +14445,16 @@
                 <a:srgbClr val="000000"/>
               </a:buClr>
               <a:buSzPts val="1000"/>
-              <a:buFont typeface="Arial"/>
+              <a:buFont typeface="Arial" panose="020B0604020202020204"/>
               <a:buNone/>
               <a:defRPr sz="1000" b="0" i="0" u="none" strike="noStrike" cap="none">
                 <a:solidFill>
                   <a:schemeClr val="dk2"/>
                 </a:solidFill>
-                <a:latin typeface="Nunito"/>
-                <a:ea typeface="Nunito"/>
-                <a:cs typeface="Nunito"/>
-                <a:sym typeface="Nunito"/>
+                <a:latin typeface="Nunito" panose="00000500000000000000"/>
+                <a:ea typeface="Nunito" panose="00000500000000000000"/>
+                <a:cs typeface="Nunito" panose="00000500000000000000"/>
+                <a:sym typeface="Nunito" panose="00000500000000000000"/>
               </a:defRPr>
             </a:lvl5pPr>
             <a:lvl6pPr marL="0" marR="0" lvl="5" indent="0" algn="r" rtl="0">
@@ -14565,16 +14471,16 @@
                 <a:srgbClr val="000000"/>
               </a:buClr>
               <a:buSzPts val="1000"/>
-              <a:buFont typeface="Arial"/>
+              <a:buFont typeface="Arial" panose="020B0604020202020204"/>
               <a:buNone/>
               <a:defRPr sz="1000" b="0" i="0" u="none" strike="noStrike" cap="none">
                 <a:solidFill>
                   <a:schemeClr val="dk2"/>
                 </a:solidFill>
-                <a:latin typeface="Nunito"/>
-                <a:ea typeface="Nunito"/>
-                <a:cs typeface="Nunito"/>
-                <a:sym typeface="Nunito"/>
+                <a:latin typeface="Nunito" panose="00000500000000000000"/>
+                <a:ea typeface="Nunito" panose="00000500000000000000"/>
+                <a:cs typeface="Nunito" panose="00000500000000000000"/>
+                <a:sym typeface="Nunito" panose="00000500000000000000"/>
               </a:defRPr>
             </a:lvl6pPr>
             <a:lvl7pPr marL="0" marR="0" lvl="6" indent="0" algn="r" rtl="0">
@@ -14591,16 +14497,16 @@
                 <a:srgbClr val="000000"/>
               </a:buClr>
               <a:buSzPts val="1000"/>
-              <a:buFont typeface="Arial"/>
+              <a:buFont typeface="Arial" panose="020B0604020202020204"/>
               <a:buNone/>
               <a:defRPr sz="1000" b="0" i="0" u="none" strike="noStrike" cap="none">
                 <a:solidFill>
                   <a:schemeClr val="dk2"/>
                 </a:solidFill>
-                <a:latin typeface="Nunito"/>
-                <a:ea typeface="Nunito"/>
-                <a:cs typeface="Nunito"/>
-                <a:sym typeface="Nunito"/>
+                <a:latin typeface="Nunito" panose="00000500000000000000"/>
+                <a:ea typeface="Nunito" panose="00000500000000000000"/>
+                <a:cs typeface="Nunito" panose="00000500000000000000"/>
+                <a:sym typeface="Nunito" panose="00000500000000000000"/>
               </a:defRPr>
             </a:lvl7pPr>
             <a:lvl8pPr marL="0" marR="0" lvl="7" indent="0" algn="r" rtl="0">
@@ -14617,16 +14523,16 @@
                 <a:srgbClr val="000000"/>
               </a:buClr>
               <a:buSzPts val="1000"/>
-              <a:buFont typeface="Arial"/>
+              <a:buFont typeface="Arial" panose="020B0604020202020204"/>
               <a:buNone/>
               <a:defRPr sz="1000" b="0" i="0" u="none" strike="noStrike" cap="none">
                 <a:solidFill>
                   <a:schemeClr val="dk2"/>
                 </a:solidFill>
-                <a:latin typeface="Nunito"/>
-                <a:ea typeface="Nunito"/>
-                <a:cs typeface="Nunito"/>
-                <a:sym typeface="Nunito"/>
+                <a:latin typeface="Nunito" panose="00000500000000000000"/>
+                <a:ea typeface="Nunito" panose="00000500000000000000"/>
+                <a:cs typeface="Nunito" panose="00000500000000000000"/>
+                <a:sym typeface="Nunito" panose="00000500000000000000"/>
               </a:defRPr>
             </a:lvl8pPr>
             <a:lvl9pPr marL="0" marR="0" lvl="8" indent="0" algn="r" rtl="0">
@@ -14643,16 +14549,16 @@
                 <a:srgbClr val="000000"/>
               </a:buClr>
               <a:buSzPts val="1000"/>
-              <a:buFont typeface="Arial"/>
+              <a:buFont typeface="Arial" panose="020B0604020202020204"/>
               <a:buNone/>
               <a:defRPr sz="1000" b="0" i="0" u="none" strike="noStrike" cap="none">
                 <a:solidFill>
                   <a:schemeClr val="dk2"/>
                 </a:solidFill>
-                <a:latin typeface="Nunito"/>
-                <a:ea typeface="Nunito"/>
-                <a:cs typeface="Nunito"/>
-                <a:sym typeface="Nunito"/>
+                <a:latin typeface="Nunito" panose="00000500000000000000"/>
+                <a:ea typeface="Nunito" panose="00000500000000000000"/>
+                <a:cs typeface="Nunito" panose="00000500000000000000"/>
+                <a:sym typeface="Nunito" panose="00000500000000000000"/>
               </a:defRPr>
             </a:lvl9pPr>
           </a:lstStyle>
@@ -14667,10 +14573,9 @@
               <a:buNone/>
             </a:pPr>
             <a:fld id="{00000000-1234-1234-1234-123412341234}" type="slidenum">
-              <a:rPr lang="en"/>
-              <a:t>‹#›</a:t>
+              <a:rPr lang="en-GB"/>
             </a:fld>
-            <a:endParaRPr/>
+            <a:endParaRPr lang="en-GB"/>
           </a:p>
         </p:txBody>
       </p:sp>
@@ -14678,17 +14583,17 @@
   </p:cSld>
   <p:clrMap bg1="lt1" tx1="dk1" bg2="dk2" tx2="lt2" accent1="accent1" accent2="accent2" accent3="accent3" accent4="accent4" accent5="accent5" accent6="accent6" hlink="hlink" folHlink="folHlink"/>
   <p:sldLayoutIdLst>
-    <p:sldLayoutId id="2147483648" r:id="rId1"/>
-    <p:sldLayoutId id="2147483649" r:id="rId2"/>
-    <p:sldLayoutId id="2147483650" r:id="rId3"/>
-    <p:sldLayoutId id="2147483651" r:id="rId4"/>
-    <p:sldLayoutId id="2147483652" r:id="rId5"/>
-    <p:sldLayoutId id="2147483653" r:id="rId6"/>
-    <p:sldLayoutId id="2147483654" r:id="rId7"/>
-    <p:sldLayoutId id="2147483655" r:id="rId8"/>
-    <p:sldLayoutId id="2147483656" r:id="rId9"/>
-    <p:sldLayoutId id="2147483657" r:id="rId10"/>
-    <p:sldLayoutId id="2147483658" r:id="rId11"/>
+    <p:sldLayoutId id="2147483649" r:id="rId1"/>
+    <p:sldLayoutId id="2147483650" r:id="rId2"/>
+    <p:sldLayoutId id="2147483651" r:id="rId3"/>
+    <p:sldLayoutId id="2147483652" r:id="rId4"/>
+    <p:sldLayoutId id="2147483653" r:id="rId5"/>
+    <p:sldLayoutId id="2147483654" r:id="rId6"/>
+    <p:sldLayoutId id="2147483655" r:id="rId7"/>
+    <p:sldLayoutId id="2147483656" r:id="rId8"/>
+    <p:sldLayoutId id="2147483657" r:id="rId9"/>
+    <p:sldLayoutId id="2147483658" r:id="rId10"/>
+    <p:sldLayoutId id="2147483659" r:id="rId11"/>
   </p:sldLayoutIdLst>
   <p:hf sldNum="0" hdr="0" ftr="0" dt="0"/>
   <p:txStyles>
@@ -14717,15 +14622,15 @@
         <a:buClr>
           <a:srgbClr val="000000"/>
         </a:buClr>
-        <a:buFont typeface="Arial"/>
+        <a:buFont typeface="Arial" panose="020B0604020202020204"/>
         <a:defRPr sz="1400" b="0" i="0" u="none" strike="noStrike" cap="none">
           <a:solidFill>
             <a:srgbClr val="000000"/>
           </a:solidFill>
-          <a:latin typeface="Arial"/>
-          <a:ea typeface="Arial"/>
-          <a:cs typeface="Arial"/>
-          <a:sym typeface="Arial"/>
+          <a:latin typeface="Arial" panose="020B0604020202020204"/>
+          <a:ea typeface="Arial" panose="020B0604020202020204"/>
+          <a:cs typeface="Arial" panose="020B0604020202020204"/>
+          <a:sym typeface="Arial" panose="020B0604020202020204"/>
         </a:defRPr>
       </a:lvl1pPr>
       <a:lvl2pPr marR="0" lvl="1" algn="l" rtl="0">
@@ -14741,15 +14646,15 @@
         <a:buClr>
           <a:srgbClr val="000000"/>
         </a:buClr>
-        <a:buFont typeface="Arial"/>
+        <a:buFont typeface="Arial" panose="020B0604020202020204"/>
         <a:defRPr sz="1400" b="0" i="0" u="none" strike="noStrike" cap="none">
           <a:solidFill>
             <a:srgbClr val="000000"/>
           </a:solidFill>
-          <a:latin typeface="Arial"/>
-          <a:ea typeface="Arial"/>
-          <a:cs typeface="Arial"/>
-          <a:sym typeface="Arial"/>
+          <a:latin typeface="Arial" panose="020B0604020202020204"/>
+          <a:ea typeface="Arial" panose="020B0604020202020204"/>
+          <a:cs typeface="Arial" panose="020B0604020202020204"/>
+          <a:sym typeface="Arial" panose="020B0604020202020204"/>
         </a:defRPr>
       </a:lvl2pPr>
       <a:lvl3pPr marR="0" lvl="2" algn="l" rtl="0">
@@ -14765,15 +14670,15 @@
         <a:buClr>
           <a:srgbClr val="000000"/>
         </a:buClr>
-        <a:buFont typeface="Arial"/>
+        <a:buFont typeface="Arial" panose="020B0604020202020204"/>
         <a:defRPr sz="1400" b="0" i="0" u="none" strike="noStrike" cap="none">
           <a:solidFill>
             <a:srgbClr val="000000"/>
           </a:solidFill>
-          <a:latin typeface="Arial"/>
-          <a:ea typeface="Arial"/>
-          <a:cs typeface="Arial"/>
-          <a:sym typeface="Arial"/>
+          <a:latin typeface="Arial" panose="020B0604020202020204"/>
+          <a:ea typeface="Arial" panose="020B0604020202020204"/>
+          <a:cs typeface="Arial" panose="020B0604020202020204"/>
+          <a:sym typeface="Arial" panose="020B0604020202020204"/>
         </a:defRPr>
       </a:lvl3pPr>
       <a:lvl4pPr marR="0" lvl="3" algn="l" rtl="0">
@@ -14789,15 +14694,15 @@
         <a:buClr>
           <a:srgbClr val="000000"/>
         </a:buClr>
-        <a:buFont typeface="Arial"/>
+        <a:buFont typeface="Arial" panose="020B0604020202020204"/>
         <a:defRPr sz="1400" b="0" i="0" u="none" strike="noStrike" cap="none">
           <a:solidFill>
             <a:srgbClr val="000000"/>
           </a:solidFill>
-          <a:latin typeface="Arial"/>
-          <a:ea typeface="Arial"/>
-          <a:cs typeface="Arial"/>
-          <a:sym typeface="Arial"/>
+          <a:latin typeface="Arial" panose="020B0604020202020204"/>
+          <a:ea typeface="Arial" panose="020B0604020202020204"/>
+          <a:cs typeface="Arial" panose="020B0604020202020204"/>
+          <a:sym typeface="Arial" panose="020B0604020202020204"/>
         </a:defRPr>
       </a:lvl4pPr>
       <a:lvl5pPr marR="0" lvl="4" algn="l" rtl="0">
@@ -14813,15 +14718,15 @@
         <a:buClr>
           <a:srgbClr val="000000"/>
         </a:buClr>
-        <a:buFont typeface="Arial"/>
+        <a:buFont typeface="Arial" panose="020B0604020202020204"/>
         <a:defRPr sz="1400" b="0" i="0" u="none" strike="noStrike" cap="none">
           <a:solidFill>
             <a:srgbClr val="000000"/>
           </a:solidFill>
-          <a:latin typeface="Arial"/>
-          <a:ea typeface="Arial"/>
-          <a:cs typeface="Arial"/>
-          <a:sym typeface="Arial"/>
+          <a:latin typeface="Arial" panose="020B0604020202020204"/>
+          <a:ea typeface="Arial" panose="020B0604020202020204"/>
+          <a:cs typeface="Arial" panose="020B0604020202020204"/>
+          <a:sym typeface="Arial" panose="020B0604020202020204"/>
         </a:defRPr>
       </a:lvl5pPr>
       <a:lvl6pPr marR="0" lvl="5" algn="l" rtl="0">
@@ -14837,15 +14742,15 @@
         <a:buClr>
           <a:srgbClr val="000000"/>
         </a:buClr>
-        <a:buFont typeface="Arial"/>
+        <a:buFont typeface="Arial" panose="020B0604020202020204"/>
         <a:defRPr sz="1400" b="0" i="0" u="none" strike="noStrike" cap="none">
           <a:solidFill>
             <a:srgbClr val="000000"/>
           </a:solidFill>
-          <a:latin typeface="Arial"/>
-          <a:ea typeface="Arial"/>
-          <a:cs typeface="Arial"/>
-          <a:sym typeface="Arial"/>
+          <a:latin typeface="Arial" panose="020B0604020202020204"/>
+          <a:ea typeface="Arial" panose="020B0604020202020204"/>
+          <a:cs typeface="Arial" panose="020B0604020202020204"/>
+          <a:sym typeface="Arial" panose="020B0604020202020204"/>
         </a:defRPr>
       </a:lvl6pPr>
       <a:lvl7pPr marR="0" lvl="6" algn="l" rtl="0">
@@ -14861,15 +14766,15 @@
         <a:buClr>
           <a:srgbClr val="000000"/>
         </a:buClr>
-        <a:buFont typeface="Arial"/>
+        <a:buFont typeface="Arial" panose="020B0604020202020204"/>
         <a:defRPr sz="1400" b="0" i="0" u="none" strike="noStrike" cap="none">
           <a:solidFill>
             <a:srgbClr val="000000"/>
           </a:solidFill>
-          <a:latin typeface="Arial"/>
-          <a:ea typeface="Arial"/>
-          <a:cs typeface="Arial"/>
-          <a:sym typeface="Arial"/>
+          <a:latin typeface="Arial" panose="020B0604020202020204"/>
+          <a:ea typeface="Arial" panose="020B0604020202020204"/>
+          <a:cs typeface="Arial" panose="020B0604020202020204"/>
+          <a:sym typeface="Arial" panose="020B0604020202020204"/>
         </a:defRPr>
       </a:lvl7pPr>
       <a:lvl8pPr marR="0" lvl="7" algn="l" rtl="0">
@@ -14885,15 +14790,15 @@
         <a:buClr>
           <a:srgbClr val="000000"/>
         </a:buClr>
-        <a:buFont typeface="Arial"/>
+        <a:buFont typeface="Arial" panose="020B0604020202020204"/>
         <a:defRPr sz="1400" b="0" i="0" u="none" strike="noStrike" cap="none">
           <a:solidFill>
             <a:srgbClr val="000000"/>
           </a:solidFill>
-          <a:latin typeface="Arial"/>
-          <a:ea typeface="Arial"/>
-          <a:cs typeface="Arial"/>
-          <a:sym typeface="Arial"/>
+          <a:latin typeface="Arial" panose="020B0604020202020204"/>
+          <a:ea typeface="Arial" panose="020B0604020202020204"/>
+          <a:cs typeface="Arial" panose="020B0604020202020204"/>
+          <a:sym typeface="Arial" panose="020B0604020202020204"/>
         </a:defRPr>
       </a:lvl8pPr>
       <a:lvl9pPr marR="0" lvl="8" algn="l" rtl="0">
@@ -14909,15 +14814,15 @@
         <a:buClr>
           <a:srgbClr val="000000"/>
         </a:buClr>
-        <a:buFont typeface="Arial"/>
+        <a:buFont typeface="Arial" panose="020B0604020202020204"/>
         <a:defRPr sz="1400" b="0" i="0" u="none" strike="noStrike" cap="none">
           <a:solidFill>
             <a:srgbClr val="000000"/>
           </a:solidFill>
-          <a:latin typeface="Arial"/>
-          <a:ea typeface="Arial"/>
-          <a:cs typeface="Arial"/>
-          <a:sym typeface="Arial"/>
+          <a:latin typeface="Arial" panose="020B0604020202020204"/>
+          <a:ea typeface="Arial" panose="020B0604020202020204"/>
+          <a:cs typeface="Arial" panose="020B0604020202020204"/>
+          <a:sym typeface="Arial" panose="020B0604020202020204"/>
         </a:defRPr>
       </a:lvl9pPr>
     </p:titleStyle>
@@ -14946,15 +14851,15 @@
         <a:buClr>
           <a:srgbClr val="000000"/>
         </a:buClr>
-        <a:buFont typeface="Arial"/>
+        <a:buFont typeface="Arial" panose="020B0604020202020204"/>
         <a:defRPr sz="1400" b="0" i="0" u="none" strike="noStrike" cap="none">
           <a:solidFill>
             <a:srgbClr val="000000"/>
           </a:solidFill>
-          <a:latin typeface="Arial"/>
-          <a:ea typeface="Arial"/>
-          <a:cs typeface="Arial"/>
-          <a:sym typeface="Arial"/>
+          <a:latin typeface="Arial" panose="020B0604020202020204"/>
+          <a:ea typeface="Arial" panose="020B0604020202020204"/>
+          <a:cs typeface="Arial" panose="020B0604020202020204"/>
+          <a:sym typeface="Arial" panose="020B0604020202020204"/>
         </a:defRPr>
       </a:lvl1pPr>
       <a:lvl2pPr marR="0" lvl="1" algn="l" rtl="0">
@@ -14970,15 +14875,15 @@
         <a:buClr>
           <a:srgbClr val="000000"/>
         </a:buClr>
-        <a:buFont typeface="Arial"/>
+        <a:buFont typeface="Arial" panose="020B0604020202020204"/>
         <a:defRPr sz="1400" b="0" i="0" u="none" strike="noStrike" cap="none">
           <a:solidFill>
             <a:srgbClr val="000000"/>
           </a:solidFill>
-          <a:latin typeface="Arial"/>
-          <a:ea typeface="Arial"/>
-          <a:cs typeface="Arial"/>
-          <a:sym typeface="Arial"/>
+          <a:latin typeface="Arial" panose="020B0604020202020204"/>
+          <a:ea typeface="Arial" panose="020B0604020202020204"/>
+          <a:cs typeface="Arial" panose="020B0604020202020204"/>
+          <a:sym typeface="Arial" panose="020B0604020202020204"/>
         </a:defRPr>
       </a:lvl2pPr>
       <a:lvl3pPr marR="0" lvl="2" algn="l" rtl="0">
@@ -14994,15 +14899,15 @@
         <a:buClr>
           <a:srgbClr val="000000"/>
         </a:buClr>
-        <a:buFont typeface="Arial"/>
+        <a:buFont typeface="Arial" panose="020B0604020202020204"/>
         <a:defRPr sz="1400" b="0" i="0" u="none" strike="noStrike" cap="none">
           <a:solidFill>
             <a:srgbClr val="000000"/>
           </a:solidFill>
-          <a:latin typeface="Arial"/>
-          <a:ea typeface="Arial"/>
-          <a:cs typeface="Arial"/>
-          <a:sym typeface="Arial"/>
+          <a:latin typeface="Arial" panose="020B0604020202020204"/>
+          <a:ea typeface="Arial" panose="020B0604020202020204"/>
+          <a:cs typeface="Arial" panose="020B0604020202020204"/>
+          <a:sym typeface="Arial" panose="020B0604020202020204"/>
         </a:defRPr>
       </a:lvl3pPr>
       <a:lvl4pPr marR="0" lvl="3" algn="l" rtl="0">
@@ -15018,15 +14923,15 @@
         <a:buClr>
           <a:srgbClr val="000000"/>
         </a:buClr>
-        <a:buFont typeface="Arial"/>
+        <a:buFont typeface="Arial" panose="020B0604020202020204"/>
         <a:defRPr sz="1400" b="0" i="0" u="none" strike="noStrike" cap="none">
           <a:solidFill>
             <a:srgbClr val="000000"/>
           </a:solidFill>
-          <a:latin typeface="Arial"/>
-          <a:ea typeface="Arial"/>
-          <a:cs typeface="Arial"/>
-          <a:sym typeface="Arial"/>
+          <a:latin typeface="Arial" panose="020B0604020202020204"/>
+          <a:ea typeface="Arial" panose="020B0604020202020204"/>
+          <a:cs typeface="Arial" panose="020B0604020202020204"/>
+          <a:sym typeface="Arial" panose="020B0604020202020204"/>
         </a:defRPr>
       </a:lvl4pPr>
       <a:lvl5pPr marR="0" lvl="4" algn="l" rtl="0">
@@ -15042,15 +14947,15 @@
         <a:buClr>
           <a:srgbClr val="000000"/>
         </a:buClr>
-        <a:buFont typeface="Arial"/>
+        <a:buFont typeface="Arial" panose="020B0604020202020204"/>
         <a:defRPr sz="1400" b="0" i="0" u="none" strike="noStrike" cap="none">
           <a:solidFill>
             <a:srgbClr val="000000"/>
           </a:solidFill>
-          <a:latin typeface="Arial"/>
-          <a:ea typeface="Arial"/>
-          <a:cs typeface="Arial"/>
-          <a:sym typeface="Arial"/>
+          <a:latin typeface="Arial" panose="020B0604020202020204"/>
+          <a:ea typeface="Arial" panose="020B0604020202020204"/>
+          <a:cs typeface="Arial" panose="020B0604020202020204"/>
+          <a:sym typeface="Arial" panose="020B0604020202020204"/>
         </a:defRPr>
       </a:lvl5pPr>
       <a:lvl6pPr marR="0" lvl="5" algn="l" rtl="0">
@@ -15066,15 +14971,15 @@
         <a:buClr>
           <a:srgbClr val="000000"/>
         </a:buClr>
-        <a:buFont typeface="Arial"/>
+        <a:buFont typeface="Arial" panose="020B0604020202020204"/>
         <a:defRPr sz="1400" b="0" i="0" u="none" strike="noStrike" cap="none">
           <a:solidFill>
             <a:srgbClr val="000000"/>
           </a:solidFill>
-          <a:latin typeface="Arial"/>
-          <a:ea typeface="Arial"/>
-          <a:cs typeface="Arial"/>
-          <a:sym typeface="Arial"/>
+          <a:latin typeface="Arial" panose="020B0604020202020204"/>
+          <a:ea typeface="Arial" panose="020B0604020202020204"/>
+          <a:cs typeface="Arial" panose="020B0604020202020204"/>
+          <a:sym typeface="Arial" panose="020B0604020202020204"/>
         </a:defRPr>
       </a:lvl6pPr>
       <a:lvl7pPr marR="0" lvl="6" algn="l" rtl="0">
@@ -15090,15 +14995,15 @@
         <a:buClr>
           <a:srgbClr val="000000"/>
         </a:buClr>
-        <a:buFont typeface="Arial"/>
+        <a:buFont typeface="Arial" panose="020B0604020202020204"/>
         <a:defRPr sz="1400" b="0" i="0" u="none" strike="noStrike" cap="none">
           <a:solidFill>
             <a:srgbClr val="000000"/>
           </a:solidFill>
-          <a:latin typeface="Arial"/>
-          <a:ea typeface="Arial"/>
-          <a:cs typeface="Arial"/>
-          <a:sym typeface="Arial"/>
+          <a:latin typeface="Arial" panose="020B0604020202020204"/>
+          <a:ea typeface="Arial" panose="020B0604020202020204"/>
+          <a:cs typeface="Arial" panose="020B0604020202020204"/>
+          <a:sym typeface="Arial" panose="020B0604020202020204"/>
         </a:defRPr>
       </a:lvl7pPr>
       <a:lvl8pPr marR="0" lvl="7" algn="l" rtl="0">
@@ -15114,15 +15019,15 @@
         <a:buClr>
           <a:srgbClr val="000000"/>
         </a:buClr>
-        <a:buFont typeface="Arial"/>
+        <a:buFont typeface="Arial" panose="020B0604020202020204"/>
         <a:defRPr sz="1400" b="0" i="0" u="none" strike="noStrike" cap="none">
           <a:solidFill>
             <a:srgbClr val="000000"/>
           </a:solidFill>
-          <a:latin typeface="Arial"/>
-          <a:ea typeface="Arial"/>
-          <a:cs typeface="Arial"/>
-          <a:sym typeface="Arial"/>
+          <a:latin typeface="Arial" panose="020B0604020202020204"/>
+          <a:ea typeface="Arial" panose="020B0604020202020204"/>
+          <a:cs typeface="Arial" panose="020B0604020202020204"/>
+          <a:sym typeface="Arial" panose="020B0604020202020204"/>
         </a:defRPr>
       </a:lvl8pPr>
       <a:lvl9pPr marR="0" lvl="8" algn="l" rtl="0">
@@ -15138,15 +15043,15 @@
         <a:buClr>
           <a:srgbClr val="000000"/>
         </a:buClr>
-        <a:buFont typeface="Arial"/>
+        <a:buFont typeface="Arial" panose="020B0604020202020204"/>
         <a:defRPr sz="1400" b="0" i="0" u="none" strike="noStrike" cap="none">
           <a:solidFill>
             <a:srgbClr val="000000"/>
           </a:solidFill>
-          <a:latin typeface="Arial"/>
-          <a:ea typeface="Arial"/>
-          <a:cs typeface="Arial"/>
-          <a:sym typeface="Arial"/>
+          <a:latin typeface="Arial" panose="020B0604020202020204"/>
+          <a:ea typeface="Arial" panose="020B0604020202020204"/>
+          <a:cs typeface="Arial" panose="020B0604020202020204"/>
+          <a:sym typeface="Arial" panose="020B0604020202020204"/>
         </a:defRPr>
       </a:lvl9pPr>
     </p:bodyStyle>
@@ -15175,15 +15080,15 @@
         <a:buClr>
           <a:srgbClr val="000000"/>
         </a:buClr>
-        <a:buFont typeface="Arial"/>
+        <a:buFont typeface="Arial" panose="020B0604020202020204"/>
         <a:defRPr sz="1400" b="0" i="0" u="none" strike="noStrike" cap="none">
           <a:solidFill>
             <a:srgbClr val="000000"/>
           </a:solidFill>
-          <a:latin typeface="Arial"/>
-          <a:ea typeface="Arial"/>
-          <a:cs typeface="Arial"/>
-          <a:sym typeface="Arial"/>
+          <a:latin typeface="Arial" panose="020B0604020202020204"/>
+          <a:ea typeface="Arial" panose="020B0604020202020204"/>
+          <a:cs typeface="Arial" panose="020B0604020202020204"/>
+          <a:sym typeface="Arial" panose="020B0604020202020204"/>
         </a:defRPr>
       </a:lvl1pPr>
       <a:lvl2pPr marR="0" lvl="1" algn="l" rtl="0">
@@ -15199,15 +15104,15 @@
         <a:buClr>
           <a:srgbClr val="000000"/>
         </a:buClr>
-        <a:buFont typeface="Arial"/>
+        <a:buFont typeface="Arial" panose="020B0604020202020204"/>
         <a:defRPr sz="1400" b="0" i="0" u="none" strike="noStrike" cap="none">
           <a:solidFill>
             <a:srgbClr val="000000"/>
           </a:solidFill>
-          <a:latin typeface="Arial"/>
-          <a:ea typeface="Arial"/>
-          <a:cs typeface="Arial"/>
-          <a:sym typeface="Arial"/>
+          <a:latin typeface="Arial" panose="020B0604020202020204"/>
+          <a:ea typeface="Arial" panose="020B0604020202020204"/>
+          <a:cs typeface="Arial" panose="020B0604020202020204"/>
+          <a:sym typeface="Arial" panose="020B0604020202020204"/>
         </a:defRPr>
       </a:lvl2pPr>
       <a:lvl3pPr marR="0" lvl="2" algn="l" rtl="0">
@@ -15223,15 +15128,15 @@
         <a:buClr>
           <a:srgbClr val="000000"/>
         </a:buClr>
-        <a:buFont typeface="Arial"/>
+        <a:buFont typeface="Arial" panose="020B0604020202020204"/>
         <a:defRPr sz="1400" b="0" i="0" u="none" strike="noStrike" cap="none">
           <a:solidFill>
             <a:srgbClr val="000000"/>
           </a:solidFill>
-          <a:latin typeface="Arial"/>
-          <a:ea typeface="Arial"/>
-          <a:cs typeface="Arial"/>
-          <a:sym typeface="Arial"/>
+          <a:latin typeface="Arial" panose="020B0604020202020204"/>
+          <a:ea typeface="Arial" panose="020B0604020202020204"/>
+          <a:cs typeface="Arial" panose="020B0604020202020204"/>
+          <a:sym typeface="Arial" panose="020B0604020202020204"/>
         </a:defRPr>
       </a:lvl3pPr>
       <a:lvl4pPr marR="0" lvl="3" algn="l" rtl="0">
@@ -15247,15 +15152,15 @@
         <a:buClr>
           <a:srgbClr val="000000"/>
         </a:buClr>
-        <a:buFont typeface="Arial"/>
+        <a:buFont typeface="Arial" panose="020B0604020202020204"/>
         <a:defRPr sz="1400" b="0" i="0" u="none" strike="noStrike" cap="none">
           <a:solidFill>
             <a:srgbClr val="000000"/>
           </a:solidFill>
-          <a:latin typeface="Arial"/>
-          <a:ea typeface="Arial"/>
-          <a:cs typeface="Arial"/>
-          <a:sym typeface="Arial"/>
+          <a:latin typeface="Arial" panose="020B0604020202020204"/>
+          <a:ea typeface="Arial" panose="020B0604020202020204"/>
+          <a:cs typeface="Arial" panose="020B0604020202020204"/>
+          <a:sym typeface="Arial" panose="020B0604020202020204"/>
         </a:defRPr>
       </a:lvl4pPr>
       <a:lvl5pPr marR="0" lvl="4" algn="l" rtl="0">
@@ -15271,15 +15176,15 @@
         <a:buClr>
           <a:srgbClr val="000000"/>
         </a:buClr>
-        <a:buFont typeface="Arial"/>
+        <a:buFont typeface="Arial" panose="020B0604020202020204"/>
         <a:defRPr sz="1400" b="0" i="0" u="none" strike="noStrike" cap="none">
           <a:solidFill>
             <a:srgbClr val="000000"/>
           </a:solidFill>
-          <a:latin typeface="Arial"/>
-          <a:ea typeface="Arial"/>
-          <a:cs typeface="Arial"/>
-          <a:sym typeface="Arial"/>
+          <a:latin typeface="Arial" panose="020B0604020202020204"/>
+          <a:ea typeface="Arial" panose="020B0604020202020204"/>
+          <a:cs typeface="Arial" panose="020B0604020202020204"/>
+          <a:sym typeface="Arial" panose="020B0604020202020204"/>
         </a:defRPr>
       </a:lvl5pPr>
       <a:lvl6pPr marR="0" lvl="5" algn="l" rtl="0">
@@ -15295,15 +15200,15 @@
         <a:buClr>
           <a:srgbClr val="000000"/>
         </a:buClr>
-        <a:buFont typeface="Arial"/>
+        <a:buFont typeface="Arial" panose="020B0604020202020204"/>
         <a:defRPr sz="1400" b="0" i="0" u="none" strike="noStrike" cap="none">
           <a:solidFill>
             <a:srgbClr val="000000"/>
           </a:solidFill>
-          <a:latin typeface="Arial"/>
-          <a:ea typeface="Arial"/>
-          <a:cs typeface="Arial"/>
-          <a:sym typeface="Arial"/>
+          <a:latin typeface="Arial" panose="020B0604020202020204"/>
+          <a:ea typeface="Arial" panose="020B0604020202020204"/>
+          <a:cs typeface="Arial" panose="020B0604020202020204"/>
+          <a:sym typeface="Arial" panose="020B0604020202020204"/>
         </a:defRPr>
       </a:lvl6pPr>
       <a:lvl7pPr marR="0" lvl="6" algn="l" rtl="0">
@@ -15319,15 +15224,15 @@
         <a:buClr>
           <a:srgbClr val="000000"/>
         </a:buClr>
-        <a:buFont typeface="Arial"/>
+        <a:buFont typeface="Arial" panose="020B0604020202020204"/>
         <a:defRPr sz="1400" b="0" i="0" u="none" strike="noStrike" cap="none">
           <a:solidFill>
             <a:srgbClr val="000000"/>
           </a:solidFill>
-          <a:latin typeface="Arial"/>
-          <a:ea typeface="Arial"/>
-          <a:cs typeface="Arial"/>
-          <a:sym typeface="Arial"/>
+          <a:latin typeface="Arial" panose="020B0604020202020204"/>
+          <a:ea typeface="Arial" panose="020B0604020202020204"/>
+          <a:cs typeface="Arial" panose="020B0604020202020204"/>
+          <a:sym typeface="Arial" panose="020B0604020202020204"/>
         </a:defRPr>
       </a:lvl7pPr>
       <a:lvl8pPr marR="0" lvl="7" algn="l" rtl="0">
@@ -15343,15 +15248,15 @@
         <a:buClr>
           <a:srgbClr val="000000"/>
         </a:buClr>
-        <a:buFont typeface="Arial"/>
+        <a:buFont typeface="Arial" panose="020B0604020202020204"/>
         <a:defRPr sz="1400" b="0" i="0" u="none" strike="noStrike" cap="none">
           <a:solidFill>
             <a:srgbClr val="000000"/>
           </a:solidFill>
-          <a:latin typeface="Arial"/>
-          <a:ea typeface="Arial"/>
-          <a:cs typeface="Arial"/>
-          <a:sym typeface="Arial"/>
+          <a:latin typeface="Arial" panose="020B0604020202020204"/>
+          <a:ea typeface="Arial" panose="020B0604020202020204"/>
+          <a:cs typeface="Arial" panose="020B0604020202020204"/>
+          <a:sym typeface="Arial" panose="020B0604020202020204"/>
         </a:defRPr>
       </a:lvl8pPr>
       <a:lvl9pPr marR="0" lvl="8" algn="l" rtl="0">
@@ -15367,15 +15272,15 @@
         <a:buClr>
           <a:srgbClr val="000000"/>
         </a:buClr>
-        <a:buFont typeface="Arial"/>
+        <a:buFont typeface="Arial" panose="020B0604020202020204"/>
         <a:defRPr sz="1400" b="0" i="0" u="none" strike="noStrike" cap="none">
           <a:solidFill>
             <a:srgbClr val="000000"/>
           </a:solidFill>
-          <a:latin typeface="Arial"/>
-          <a:ea typeface="Arial"/>
-          <a:cs typeface="Arial"/>
-          <a:sym typeface="Arial"/>
+          <a:latin typeface="Arial" panose="020B0604020202020204"/>
+          <a:ea typeface="Arial" panose="020B0604020202020204"/>
+          <a:cs typeface="Arial" panose="020B0604020202020204"/>
+          <a:sym typeface="Arial" panose="020B0604020202020204"/>
         </a:defRPr>
       </a:lvl9pPr>
     </p:otherStyle>
@@ -15443,7 +15348,7 @@
               <a:buNone/>
             </a:pPr>
             <a:r>
-              <a:rPr lang="en" dirty="0"/>
+              <a:rPr lang="en-GB" dirty="0"/>
               <a:t>Graph </a:t>
             </a:r>
             <a:r>
@@ -15451,7 +15356,7 @@
               <a:t>Data Digest </a:t>
             </a:r>
             <a:r>
-              <a:rPr lang="en" dirty="0"/>
+              <a:rPr lang="en-GB" dirty="0"/>
               <a:t>Document Format (</a:t>
             </a:r>
             <a:r>
@@ -15508,7 +15413,7 @@
               <a:rPr lang="en-IN" dirty="0"/>
               <a:t>By</a:t>
             </a:r>
-            <a:endParaRPr lang="en" dirty="0"/>
+            <a:endParaRPr lang="en-GB" dirty="0"/>
           </a:p>
           <a:p>
             <a:pPr marL="0" lvl="0" indent="0" algn="ctr" rtl="0">
@@ -15525,13 +15430,14 @@
               <a:buNone/>
             </a:pPr>
             <a:r>
-              <a:rPr lang="en" dirty="0"/>
+              <a:rPr lang="en-GB" dirty="0"/>
               <a:t>Vipin Bas</a:t>
             </a:r>
             <a:r>
               <a:rPr lang="en-IN" dirty="0"/>
               <a:t>wan		2017A7PS0429P</a:t>
             </a:r>
+            <a:endParaRPr lang="en-IN" dirty="0"/>
           </a:p>
           <a:p>
             <a:pPr marL="0" lvl="0" indent="0" algn="ctr" rtl="0">
@@ -15555,6 +15461,7 @@
               <a:rPr lang="en-IN" dirty="0"/>
               <a:t> Raj			2017A7PS0191P</a:t>
             </a:r>
+            <a:endParaRPr lang="en-IN" dirty="0"/>
           </a:p>
           <a:p>
             <a:pPr marL="0" lvl="0" indent="0" algn="ctr" rtl="0">
@@ -15578,6 +15485,7 @@
               <a:rPr lang="en-IN" dirty="0"/>
               <a:t> Gupta		2017A7PS0114P</a:t>
             </a:r>
+            <a:endParaRPr lang="en-IN" dirty="0"/>
           </a:p>
           <a:p>
             <a:pPr marL="0" lvl="0" indent="0" algn="ctr" rtl="0">
@@ -15609,6 +15517,7 @@
               <a:rPr lang="en-IN" dirty="0"/>
               <a:t>		2017A7PS0028P</a:t>
             </a:r>
+            <a:endParaRPr lang="en-IN" dirty="0"/>
           </a:p>
           <a:p>
             <a:pPr marL="0" lvl="0" indent="0" algn="ctr" rtl="0">
@@ -15712,7 +15621,7 @@
               <a:buNone/>
             </a:pPr>
             <a:r>
-              <a:rPr lang="en" sz="3000"/>
+              <a:rPr lang="en-GB" sz="3000"/>
               <a:t>Various stages of the Project</a:t>
             </a:r>
             <a:endParaRPr sz="3000"/>
@@ -15762,7 +15671,7 @@
               <a:buNone/>
             </a:pPr>
             <a:r>
-              <a:rPr lang="en" sz="1800"/>
+              <a:rPr lang="en-GB" sz="1800"/>
               <a:t>2)Generation of globally unique IDs.(using hashes or salted hash)</a:t>
             </a:r>
             <a:endParaRPr sz="1800"/>
@@ -15782,7 +15691,7 @@
               <a:buNone/>
             </a:pPr>
             <a:r>
-              <a:rPr lang="en" sz="1800"/>
+              <a:rPr lang="en-GB" sz="1800"/>
               <a:t>	-SHASUM can be used to generate a unique ID for any string.</a:t>
             </a:r>
             <a:endParaRPr sz="1800"/>
@@ -15802,7 +15711,7 @@
               <a:buNone/>
             </a:pPr>
             <a:r>
-              <a:rPr lang="en" sz="1800"/>
+              <a:rPr lang="en-GB" sz="1800"/>
               <a:t>Generation of GDF files from given structured data(e.g. SQL table)</a:t>
             </a:r>
             <a:endParaRPr sz="1800"/>
@@ -15822,7 +15731,7 @@
               <a:buNone/>
             </a:pPr>
             <a:r>
-              <a:rPr lang="en" sz="1800"/>
+              <a:rPr lang="en-GB" sz="1800"/>
               <a:t>-Creation of a metadata structure which maintains constraints  like foreign key or primary key etc.</a:t>
             </a:r>
             <a:endParaRPr sz="1800"/>
@@ -15842,7 +15751,7 @@
               <a:buNone/>
             </a:pPr>
             <a:r>
-              <a:rPr lang="en" sz="1800"/>
+              <a:rPr lang="en-GB" sz="1800"/>
               <a:t>-Creating a Parser which converts any data format to GDF.</a:t>
             </a:r>
             <a:endParaRPr sz="1800"/>
@@ -15917,7 +15826,7 @@
               <a:buNone/>
             </a:pPr>
             <a:r>
-              <a:rPr lang="en" sz="3000"/>
+              <a:rPr lang="en-GB" sz="3000"/>
               <a:t>Various stages of the Project</a:t>
             </a:r>
             <a:endParaRPr sz="3000"/>
@@ -15967,7 +15876,7 @@
               <a:buNone/>
             </a:pPr>
             <a:r>
-              <a:rPr lang="en" sz="1800"/>
+              <a:rPr lang="en-GB" sz="1800"/>
               <a:t>3)Developing a query language (based on SPARQL) for information retrieval. Implemented using Bash for quick runtime.</a:t>
             </a:r>
             <a:endParaRPr sz="1800"/>
@@ -15987,7 +15896,7 @@
               <a:buNone/>
             </a:pPr>
             <a:r>
-              <a:rPr lang="en" sz="1800"/>
+              <a:rPr lang="en-GB" sz="1800"/>
               <a:t>	-Some queries we plan to implement are:-</a:t>
             </a:r>
             <a:endParaRPr sz="1800"/>
@@ -16007,7 +15916,7 @@
               <a:buNone/>
             </a:pPr>
             <a:r>
-              <a:rPr lang="en" sz="1800"/>
+              <a:rPr lang="en-GB" sz="1800"/>
               <a:t>		-about: Lists all resources present in a GDF file.</a:t>
             </a:r>
             <a:endParaRPr sz="1800"/>
@@ -16027,7 +15936,7 @@
               <a:buNone/>
             </a:pPr>
             <a:r>
-              <a:rPr lang="en" sz="1800"/>
+              <a:rPr lang="en-GB" sz="1800"/>
               <a:t>-seperate: Segregates all the subjects into separate files along with their associated triplets.</a:t>
             </a:r>
             <a:endParaRPr sz="1800"/>
@@ -16102,7 +16011,7 @@
               <a:buNone/>
             </a:pPr>
             <a:r>
-              <a:rPr lang="en" sz="3000"/>
+              <a:rPr lang="en-GB" sz="3000"/>
               <a:t>Various stages of the Project</a:t>
             </a:r>
             <a:endParaRPr sz="3000"/>
@@ -16152,7 +16061,7 @@
               <a:buNone/>
             </a:pPr>
             <a:r>
-              <a:rPr lang="en" sz="1800"/>
+              <a:rPr lang="en-GB" sz="1800"/>
               <a:t>4)Developing a renderer which generates a SVG file(visual format) representing the underlying graph structure of any GDF file.</a:t>
             </a:r>
             <a:endParaRPr sz="1800"/>
@@ -16172,7 +16081,7 @@
               <a:buNone/>
             </a:pPr>
             <a:r>
-              <a:rPr lang="en" sz="1800"/>
+              <a:rPr lang="en-GB" sz="1800"/>
               <a:t>-D3 stands for Data-Driven Documents. D3.js is a JavaScript library for data manipulation.</a:t>
             </a:r>
             <a:endParaRPr sz="1800"/>
@@ -16192,7 +16101,7 @@
               <a:buNone/>
             </a:pPr>
             <a:r>
-              <a:rPr lang="en" sz="1800"/>
+              <a:rPr lang="en-GB" sz="1800"/>
               <a:t>-We will use D3.js to generate SVGs for our GDF files.</a:t>
             </a:r>
             <a:endParaRPr sz="1800"/>
@@ -16231,11 +16140,11 @@
           <p:nvPr/>
         </p:nvPicPr>
         <p:blipFill rotWithShape="1">
-          <a:blip r:embed="rId3">
-            <a:alphaModFix/>
-          </a:blip>
+          <a:blip r:embed="rId1"/>
           <a:srcRect/>
-          <a:stretch/>
+          <a:stretch>
+            <a:fillRect/>
+          </a:stretch>
         </p:blipFill>
         <p:spPr>
           <a:xfrm>
@@ -16319,7 +16228,7 @@
               <a:buNone/>
             </a:pPr>
             <a:r>
-              <a:rPr lang="en" dirty="0"/>
+              <a:rPr lang="en-GB" dirty="0"/>
               <a:t>7-COLUMN FORMAT</a:t>
             </a:r>
             <a:endParaRPr dirty="0"/>
@@ -16333,11 +16242,11 @@
           <p:nvPr/>
         </p:nvPicPr>
         <p:blipFill rotWithShape="1">
-          <a:blip r:embed="rId3">
-            <a:alphaModFix/>
-          </a:blip>
+          <a:blip r:embed="rId1"/>
           <a:srcRect/>
-          <a:stretch/>
+          <a:stretch>
+            <a:fillRect/>
+          </a:stretch>
         </p:blipFill>
         <p:spPr>
           <a:xfrm>
@@ -16380,13 +16289,7 @@
       </p:grpSpPr>
       <p:sp>
         <p:nvSpPr>
-          <p:cNvPr id="2" name="Title 1">
-            <a:extLst>
-              <a:ext uri="{FF2B5EF4-FFF2-40B4-BE49-F238E27FC236}">
-                <a16:creationId xmlns:a16="http://schemas.microsoft.com/office/drawing/2014/main" id="{55777192-CAF4-4910-AE82-84C39EAA6AE6}"/>
-              </a:ext>
-            </a:extLst>
-          </p:cNvPr>
+          <p:cNvPr id="2" name="Title 1"/>
           <p:cNvSpPr>
             <a:spLocks noGrp="1"/>
           </p:cNvSpPr>
@@ -16408,18 +16311,13 @@
               <a:rPr lang="en-IN" dirty="0"/>
               <a:t>Qualifiers and UID</a:t>
             </a:r>
+            <a:endParaRPr lang="en-IN" dirty="0"/>
           </a:p>
         </p:txBody>
       </p:sp>
       <p:sp>
         <p:nvSpPr>
-          <p:cNvPr id="3" name="Text Placeholder 2">
-            <a:extLst>
-              <a:ext uri="{FF2B5EF4-FFF2-40B4-BE49-F238E27FC236}">
-                <a16:creationId xmlns:a16="http://schemas.microsoft.com/office/drawing/2014/main" id="{4F59FCEA-59D1-47A5-A735-9CCC36B1009C}"/>
-              </a:ext>
-            </a:extLst>
-          </p:cNvPr>
+          <p:cNvPr id="3" name="Text Placeholder 2"/>
           <p:cNvSpPr>
             <a:spLocks noGrp="1"/>
           </p:cNvSpPr>
@@ -16445,6 +16343,7 @@
               <a:rPr lang="en-IN" sz="2000" dirty="0"/>
               <a:t>UID is used to uniquely identify each tuple in the GDF file</a:t>
             </a:r>
+            <a:endParaRPr lang="en-IN" sz="2000" dirty="0"/>
           </a:p>
           <a:p>
             <a:pPr>
@@ -16459,6 +16358,7 @@
               <a:rPr lang="en-IN" sz="2000" b="1" dirty="0"/>
               <a:t>md5sum</a:t>
             </a:r>
+            <a:endParaRPr lang="en-IN" sz="2000" b="1" dirty="0"/>
           </a:p>
           <a:p>
             <a:pPr>
@@ -16473,6 +16373,7 @@
               <a:rPr lang="en-IN" sz="2000" b="1" i="1" dirty="0"/>
               <a:t>md5sum of (Subject Predicate Object)</a:t>
             </a:r>
+            <a:endParaRPr lang="en-IN" sz="2000" b="1" i="1" dirty="0"/>
           </a:p>
           <a:p>
             <a:pPr marL="146050" indent="0">
@@ -16489,6 +16390,7 @@
               <a:rPr lang="en-IN" sz="2000" dirty="0"/>
               <a:t>Qualifiers are used to give more information about Subject/Predicate/Object</a:t>
             </a:r>
+            <a:endParaRPr lang="en-IN" sz="2000" dirty="0"/>
           </a:p>
           <a:p>
             <a:pPr>
@@ -16525,15 +16427,11 @@
               <a:rPr lang="en-IN" sz="2000" dirty="0"/>
               <a:t>Qualifiers can also be a URL.</a:t>
             </a:r>
+            <a:endParaRPr lang="en-IN" sz="2000" dirty="0"/>
           </a:p>
         </p:txBody>
       </p:sp>
     </p:spTree>
-    <p:extLst>
-      <p:ext uri="{BB962C8B-B14F-4D97-AF65-F5344CB8AC3E}">
-        <p14:creationId xmlns:p14="http://schemas.microsoft.com/office/powerpoint/2010/main" val="4276915023"/>
-      </p:ext>
-    </p:extLst>
   </p:cSld>
   <p:clrMapOvr>
     <a:masterClrMapping/>
@@ -16601,7 +16499,7 @@
               <a:buNone/>
             </a:pPr>
             <a:r>
-              <a:rPr lang="en" dirty="0"/>
+              <a:rPr lang="en-GB" dirty="0"/>
               <a:t>META DATA FORMAT</a:t>
             </a:r>
             <a:endParaRPr dirty="0"/>
@@ -16615,11 +16513,11 @@
           <p:nvPr/>
         </p:nvPicPr>
         <p:blipFill rotWithShape="1">
-          <a:blip r:embed="rId3">
-            <a:alphaModFix/>
-          </a:blip>
+          <a:blip r:embed="rId1"/>
           <a:srcRect/>
-          <a:stretch/>
+          <a:stretch>
+            <a:fillRect/>
+          </a:stretch>
         </p:blipFill>
         <p:spPr>
           <a:xfrm>
@@ -16667,11 +16565,11 @@
           <p:nvPr/>
         </p:nvPicPr>
         <p:blipFill rotWithShape="1">
-          <a:blip r:embed="rId3">
-            <a:alphaModFix/>
-          </a:blip>
+          <a:blip r:embed="rId1"/>
           <a:srcRect/>
-          <a:stretch/>
+          <a:stretch>
+            <a:fillRect/>
+          </a:stretch>
         </p:blipFill>
         <p:spPr>
           <a:xfrm>
@@ -16689,13 +16587,7 @@
       </p:pic>
       <p:sp>
         <p:nvSpPr>
-          <p:cNvPr id="3" name="Google Shape;258;p33">
-            <a:extLst>
-              <a:ext uri="{FF2B5EF4-FFF2-40B4-BE49-F238E27FC236}">
-                <a16:creationId xmlns:a16="http://schemas.microsoft.com/office/drawing/2014/main" id="{D428C4CF-EFBA-4911-BA46-6A45ED8D13FE}"/>
-              </a:ext>
-            </a:extLst>
-          </p:cNvPr>
+          <p:cNvPr id="3" name="Google Shape;258;p33"/>
           <p:cNvSpPr txBox="1">
             <a:spLocks noGrp="1"/>
           </p:cNvSpPr>
@@ -16736,7 +16628,7 @@
               <a:buNone/>
             </a:pPr>
             <a:r>
-              <a:rPr lang="en" dirty="0"/>
+              <a:rPr lang="en-GB" dirty="0"/>
               <a:t>META DATA: </a:t>
             </a:r>
             <a:r>
@@ -16815,7 +16707,7 @@
               <a:buNone/>
             </a:pPr>
             <a:r>
-              <a:rPr lang="en" dirty="0"/>
+              <a:rPr lang="en-GB" dirty="0"/>
               <a:t>D3.JS rendere</a:t>
             </a:r>
             <a:r>
@@ -16833,11 +16725,11 @@
           <p:nvPr/>
         </p:nvPicPr>
         <p:blipFill rotWithShape="1">
-          <a:blip r:embed="rId3">
-            <a:alphaModFix/>
-          </a:blip>
+          <a:blip r:embed="rId1"/>
           <a:srcRect/>
-          <a:stretch/>
+          <a:stretch>
+            <a:fillRect/>
+          </a:stretch>
         </p:blipFill>
         <p:spPr>
           <a:xfrm>
@@ -16855,13 +16747,7 @@
       </p:pic>
       <p:sp>
         <p:nvSpPr>
-          <p:cNvPr id="2" name="TextBox 1">
-            <a:extLst>
-              <a:ext uri="{FF2B5EF4-FFF2-40B4-BE49-F238E27FC236}">
-                <a16:creationId xmlns:a16="http://schemas.microsoft.com/office/drawing/2014/main" id="{CD3DD990-40B8-4039-A402-0B8BB874B330}"/>
-              </a:ext>
-            </a:extLst>
-          </p:cNvPr>
+          <p:cNvPr id="2" name="TextBox 1"/>
           <p:cNvSpPr txBox="1"/>
           <p:nvPr/>
         </p:nvSpPr>
@@ -16912,13 +16798,7 @@
       </p:sp>
       <p:sp>
         <p:nvSpPr>
-          <p:cNvPr id="3" name="TextBox 2">
-            <a:extLst>
-              <a:ext uri="{FF2B5EF4-FFF2-40B4-BE49-F238E27FC236}">
-                <a16:creationId xmlns:a16="http://schemas.microsoft.com/office/drawing/2014/main" id="{FE043D77-5359-488F-82A9-B5CC980F8CC8}"/>
-              </a:ext>
-            </a:extLst>
-          </p:cNvPr>
+          <p:cNvPr id="3" name="TextBox 2"/>
           <p:cNvSpPr txBox="1"/>
           <p:nvPr/>
         </p:nvSpPr>
@@ -16974,13 +16854,7 @@
       </p:grpSpPr>
       <p:sp>
         <p:nvSpPr>
-          <p:cNvPr id="2" name="Title 1">
-            <a:extLst>
-              <a:ext uri="{FF2B5EF4-FFF2-40B4-BE49-F238E27FC236}">
-                <a16:creationId xmlns:a16="http://schemas.microsoft.com/office/drawing/2014/main" id="{38893C27-C0EA-471B-BF91-EB68D3A349A1}"/>
-              </a:ext>
-            </a:extLst>
-          </p:cNvPr>
+          <p:cNvPr id="2" name="Title 1"/>
           <p:cNvSpPr>
             <a:spLocks noGrp="1"/>
           </p:cNvSpPr>
@@ -17002,18 +16876,13 @@
               <a:rPr lang="en-IN" sz="3200" dirty="0"/>
               <a:t>About SPARQL</a:t>
             </a:r>
+            <a:endParaRPr lang="en-IN" sz="3200" dirty="0"/>
           </a:p>
         </p:txBody>
       </p:sp>
       <p:sp>
         <p:nvSpPr>
-          <p:cNvPr id="3" name="Text Placeholder 2">
-            <a:extLst>
-              <a:ext uri="{FF2B5EF4-FFF2-40B4-BE49-F238E27FC236}">
-                <a16:creationId xmlns:a16="http://schemas.microsoft.com/office/drawing/2014/main" id="{20486DB5-88EA-453A-AF94-C0A94E482706}"/>
-              </a:ext>
-            </a:extLst>
-          </p:cNvPr>
+          <p:cNvPr id="3" name="Text Placeholder 2"/>
           <p:cNvSpPr>
             <a:spLocks noGrp="1"/>
           </p:cNvSpPr>
@@ -17042,10 +16911,10 @@
                 <a:solidFill>
                   <a:srgbClr val="A21F1F"/>
                 </a:solidFill>
-                <a:latin typeface="Georgia"/>
-                <a:ea typeface="Georgia"/>
-                <a:cs typeface="Georgia"/>
-                <a:sym typeface="Georgia"/>
+                <a:latin typeface="Georgia" panose="02040502050405020303"/>
+                <a:ea typeface="Georgia" panose="02040502050405020303"/>
+                <a:cs typeface="Georgia" panose="02040502050405020303"/>
+                <a:sym typeface="Georgia" panose="02040502050405020303"/>
               </a:rPr>
               <a:t>S</a:t>
             </a:r>
@@ -17054,18 +16923,18 @@
                 <a:solidFill>
                   <a:srgbClr val="A21F1F"/>
                 </a:solidFill>
-                <a:latin typeface="Georgia"/>
-                <a:ea typeface="Georgia"/>
-                <a:cs typeface="Georgia"/>
-                <a:sym typeface="Georgia"/>
+                <a:latin typeface="Georgia" panose="02040502050405020303"/>
+                <a:ea typeface="Georgia" panose="02040502050405020303"/>
+                <a:cs typeface="Georgia" panose="02040502050405020303"/>
+                <a:sym typeface="Georgia" panose="02040502050405020303"/>
               </a:rPr>
               <a:t>PARQL is the standard language to query graph data represented as  RDF triples.</a:t>
             </a:r>
             <a:endParaRPr lang="en-IN" sz="1600" dirty="0">
-              <a:latin typeface="Georgia"/>
-              <a:ea typeface="Georgia"/>
-              <a:cs typeface="Georgia"/>
-              <a:sym typeface="Georgia"/>
+              <a:latin typeface="Georgia" panose="02040502050405020303"/>
+              <a:ea typeface="Georgia" panose="02040502050405020303"/>
+              <a:cs typeface="Georgia" panose="02040502050405020303"/>
+              <a:sym typeface="Georgia" panose="02040502050405020303"/>
             </a:endParaRPr>
           </a:p>
           <a:p>
@@ -17076,10 +16945,10 @@
               <a:buNone/>
             </a:pPr>
             <a:endParaRPr lang="en-IN" dirty="0">
-              <a:latin typeface="Times New Roman"/>
-              <a:ea typeface="Times New Roman"/>
-              <a:cs typeface="Times New Roman"/>
-              <a:sym typeface="Times New Roman"/>
+              <a:latin typeface="Times New Roman" panose="02020603050405020304"/>
+              <a:ea typeface="Times New Roman" panose="02020603050405020304"/>
+              <a:cs typeface="Times New Roman" panose="02020603050405020304"/>
+              <a:sym typeface="Times New Roman" panose="02020603050405020304"/>
             </a:endParaRPr>
           </a:p>
           <a:p>
@@ -17096,94 +16965,100 @@
             </a:pPr>
             <a:r>
               <a:rPr lang="en-IN" sz="1600" b="1" dirty="0">
-                <a:latin typeface="Georgia"/>
-                <a:ea typeface="Georgia"/>
-                <a:cs typeface="Georgia"/>
-                <a:sym typeface="Georgia"/>
+                <a:latin typeface="Georgia" panose="02040502050405020303"/>
+                <a:ea typeface="Georgia" panose="02040502050405020303"/>
+                <a:cs typeface="Georgia" panose="02040502050405020303"/>
+                <a:sym typeface="Georgia" panose="02040502050405020303"/>
               </a:rPr>
               <a:t>S</a:t>
             </a:r>
             <a:r>
               <a:rPr lang="en-IN" sz="1600" dirty="0">
-                <a:latin typeface="Georgia"/>
-                <a:ea typeface="Georgia"/>
-                <a:cs typeface="Georgia"/>
-                <a:sym typeface="Georgia"/>
+                <a:latin typeface="Georgia" panose="02040502050405020303"/>
+                <a:ea typeface="Georgia" panose="02040502050405020303"/>
+                <a:cs typeface="Georgia" panose="02040502050405020303"/>
+                <a:sym typeface="Georgia" panose="02040502050405020303"/>
               </a:rPr>
               <a:t>PARQL </a:t>
             </a:r>
             <a:r>
               <a:rPr lang="en-IN" sz="1600" b="1" dirty="0">
-                <a:latin typeface="Georgia"/>
-                <a:ea typeface="Georgia"/>
-                <a:cs typeface="Georgia"/>
-                <a:sym typeface="Georgia"/>
+                <a:latin typeface="Georgia" panose="02040502050405020303"/>
+                <a:ea typeface="Georgia" panose="02040502050405020303"/>
+                <a:cs typeface="Georgia" panose="02040502050405020303"/>
+                <a:sym typeface="Georgia" panose="02040502050405020303"/>
               </a:rPr>
               <a:t>P</a:t>
             </a:r>
             <a:r>
               <a:rPr lang="en-IN" sz="1600" dirty="0">
-                <a:latin typeface="Georgia"/>
-                <a:ea typeface="Georgia"/>
-                <a:cs typeface="Georgia"/>
-                <a:sym typeface="Georgia"/>
+                <a:latin typeface="Georgia" panose="02040502050405020303"/>
+                <a:ea typeface="Georgia" panose="02040502050405020303"/>
+                <a:cs typeface="Georgia" panose="02040502050405020303"/>
+                <a:sym typeface="Georgia" panose="02040502050405020303"/>
               </a:rPr>
               <a:t>rotocol and </a:t>
             </a:r>
             <a:r>
               <a:rPr lang="en-IN" sz="1600" b="1" dirty="0">
-                <a:latin typeface="Georgia"/>
-                <a:ea typeface="Georgia"/>
-                <a:cs typeface="Georgia"/>
-                <a:sym typeface="Georgia"/>
+                <a:latin typeface="Georgia" panose="02040502050405020303"/>
+                <a:ea typeface="Georgia" panose="02040502050405020303"/>
+                <a:cs typeface="Georgia" panose="02040502050405020303"/>
+                <a:sym typeface="Georgia" panose="02040502050405020303"/>
               </a:rPr>
               <a:t>R</a:t>
             </a:r>
             <a:r>
               <a:rPr lang="en-IN" sz="1600" dirty="0">
-                <a:latin typeface="Georgia"/>
-                <a:ea typeface="Georgia"/>
-                <a:cs typeface="Georgia"/>
-                <a:sym typeface="Georgia"/>
+                <a:latin typeface="Georgia" panose="02040502050405020303"/>
+                <a:ea typeface="Georgia" panose="02040502050405020303"/>
+                <a:cs typeface="Georgia" panose="02040502050405020303"/>
+                <a:sym typeface="Georgia" panose="02040502050405020303"/>
               </a:rPr>
               <a:t>DF </a:t>
             </a:r>
             <a:r>
               <a:rPr lang="en-IN" sz="1600" b="1" dirty="0">
-                <a:latin typeface="Georgia"/>
-                <a:ea typeface="Georgia"/>
-                <a:cs typeface="Georgia"/>
-                <a:sym typeface="Georgia"/>
+                <a:latin typeface="Georgia" panose="02040502050405020303"/>
+                <a:ea typeface="Georgia" panose="02040502050405020303"/>
+                <a:cs typeface="Georgia" panose="02040502050405020303"/>
+                <a:sym typeface="Georgia" panose="02040502050405020303"/>
               </a:rPr>
               <a:t>Q</a:t>
             </a:r>
             <a:r>
               <a:rPr lang="en-IN" sz="1600" dirty="0">
-                <a:latin typeface="Georgia"/>
-                <a:ea typeface="Georgia"/>
-                <a:cs typeface="Georgia"/>
-                <a:sym typeface="Georgia"/>
+                <a:latin typeface="Georgia" panose="02040502050405020303"/>
+                <a:ea typeface="Georgia" panose="02040502050405020303"/>
+                <a:cs typeface="Georgia" panose="02040502050405020303"/>
+                <a:sym typeface="Georgia" panose="02040502050405020303"/>
               </a:rPr>
               <a:t>uery </a:t>
             </a:r>
             <a:r>
               <a:rPr lang="en-IN" sz="1600" b="1" dirty="0">
-                <a:latin typeface="Georgia"/>
-                <a:ea typeface="Georgia"/>
-                <a:cs typeface="Georgia"/>
-                <a:sym typeface="Georgia"/>
+                <a:latin typeface="Georgia" panose="02040502050405020303"/>
+                <a:ea typeface="Georgia" panose="02040502050405020303"/>
+                <a:cs typeface="Georgia" panose="02040502050405020303"/>
+                <a:sym typeface="Georgia" panose="02040502050405020303"/>
               </a:rPr>
               <a:t>L</a:t>
             </a:r>
             <a:r>
               <a:rPr lang="en-IN" sz="1600" dirty="0">
-                <a:latin typeface="Georgia"/>
-                <a:ea typeface="Georgia"/>
-                <a:cs typeface="Georgia"/>
-                <a:sym typeface="Georgia"/>
+                <a:latin typeface="Georgia" panose="02040502050405020303"/>
+                <a:ea typeface="Georgia" panose="02040502050405020303"/>
+                <a:cs typeface="Georgia" panose="02040502050405020303"/>
+                <a:sym typeface="Georgia" panose="02040502050405020303"/>
               </a:rPr>
               <a:t>anguage</a:t>
             </a:r>
+            <a:endParaRPr lang="en-IN" sz="1600" dirty="0">
+              <a:latin typeface="Georgia" panose="02040502050405020303"/>
+              <a:ea typeface="Georgia" panose="02040502050405020303"/>
+              <a:cs typeface="Georgia" panose="02040502050405020303"/>
+              <a:sym typeface="Georgia" panose="02040502050405020303"/>
+            </a:endParaRPr>
           </a:p>
           <a:p>
             <a:pPr marL="336550" lvl="0" indent="-285750">
@@ -17199,13 +17074,19 @@
             </a:pPr>
             <a:r>
               <a:rPr lang="en-IN" sz="1600" dirty="0">
-                <a:latin typeface="Georgia"/>
-                <a:ea typeface="Georgia"/>
-                <a:cs typeface="Georgia"/>
-                <a:sym typeface="Georgia"/>
+                <a:latin typeface="Georgia" panose="02040502050405020303"/>
+                <a:ea typeface="Georgia" panose="02040502050405020303"/>
+                <a:cs typeface="Georgia" panose="02040502050405020303"/>
+                <a:sym typeface="Georgia" panose="02040502050405020303"/>
               </a:rPr>
               <a:t>One of the three core standards of the Semantic Web, along with RDF and OWL.</a:t>
             </a:r>
+            <a:endParaRPr lang="en-IN" sz="1600" dirty="0">
+              <a:latin typeface="Georgia" panose="02040502050405020303"/>
+              <a:ea typeface="Georgia" panose="02040502050405020303"/>
+              <a:cs typeface="Georgia" panose="02040502050405020303"/>
+              <a:sym typeface="Georgia" panose="02040502050405020303"/>
+            </a:endParaRPr>
           </a:p>
           <a:p>
             <a:pPr marL="336550" lvl="0" indent="-285750">
@@ -17221,13 +17102,19 @@
             </a:pPr>
             <a:r>
               <a:rPr lang="en-IN" sz="1600" dirty="0">
-                <a:latin typeface="Georgia"/>
-                <a:ea typeface="Georgia"/>
-                <a:cs typeface="Georgia"/>
-                <a:sym typeface="Georgia"/>
+                <a:latin typeface="Georgia" panose="02040502050405020303"/>
+                <a:ea typeface="Georgia" panose="02040502050405020303"/>
+                <a:cs typeface="Georgia" panose="02040502050405020303"/>
+                <a:sym typeface="Georgia" panose="02040502050405020303"/>
               </a:rPr>
               <a:t>Became a W3C standard January 2008.</a:t>
             </a:r>
+            <a:endParaRPr lang="en-IN" sz="1600" dirty="0">
+              <a:latin typeface="Georgia" panose="02040502050405020303"/>
+              <a:ea typeface="Georgia" panose="02040502050405020303"/>
+              <a:cs typeface="Georgia" panose="02040502050405020303"/>
+              <a:sym typeface="Georgia" panose="02040502050405020303"/>
+            </a:endParaRPr>
           </a:p>
           <a:p>
             <a:pPr marL="336550" lvl="0" indent="-285750">
@@ -17243,10 +17130,10 @@
             </a:pPr>
             <a:r>
               <a:rPr lang="en-IN" sz="1600" dirty="0">
-                <a:latin typeface="Georgia"/>
-                <a:ea typeface="Georgia"/>
-                <a:cs typeface="Georgia"/>
-                <a:sym typeface="Georgia"/>
+                <a:latin typeface="Georgia" panose="02040502050405020303"/>
+                <a:ea typeface="Georgia" panose="02040502050405020303"/>
+                <a:cs typeface="Georgia" panose="02040502050405020303"/>
+                <a:sym typeface="Georgia" panose="02040502050405020303"/>
               </a:rPr>
               <a:t>SPARQL 1.1 now in Working Draft status.</a:t>
             </a:r>
@@ -17255,11 +17142,6 @@
         </p:txBody>
       </p:sp>
     </p:spTree>
-    <p:extLst>
-      <p:ext uri="{BB962C8B-B14F-4D97-AF65-F5344CB8AC3E}">
-        <p14:creationId xmlns:p14="http://schemas.microsoft.com/office/powerpoint/2010/main" val="2915026832"/>
-      </p:ext>
-    </p:extLst>
   </p:cSld>
   <p:clrMapOvr>
     <a:masterClrMapping/>
@@ -17326,7 +17208,6 @@
               <a:buSzPts val="3000"/>
               <a:buNone/>
             </a:pPr>
-            <a:endParaRPr/>
           </a:p>
         </p:txBody>
       </p:sp>
@@ -17372,7 +17253,6 @@
               <a:buSzPts val="1300"/>
               <a:buNone/>
             </a:pPr>
-            <a:endParaRPr/>
           </a:p>
         </p:txBody>
       </p:sp>
@@ -17383,11 +17263,11 @@
           <p:nvPr/>
         </p:nvPicPr>
         <p:blipFill rotWithShape="1">
-          <a:blip r:embed="rId3">
-            <a:alphaModFix/>
-          </a:blip>
+          <a:blip r:embed="rId1"/>
           <a:srcRect/>
-          <a:stretch/>
+          <a:stretch>
+            <a:fillRect/>
+          </a:stretch>
         </p:blipFill>
         <p:spPr>
           <a:xfrm>
@@ -17430,13 +17310,7 @@
       </p:grpSpPr>
       <p:sp>
         <p:nvSpPr>
-          <p:cNvPr id="2" name="Title 1">
-            <a:extLst>
-              <a:ext uri="{FF2B5EF4-FFF2-40B4-BE49-F238E27FC236}">
-                <a16:creationId xmlns:a16="http://schemas.microsoft.com/office/drawing/2014/main" id="{1502382F-CD6B-40E0-A8B2-2D4FE4BBAA4F}"/>
-              </a:ext>
-            </a:extLst>
-          </p:cNvPr>
+          <p:cNvPr id="2" name="Title 1"/>
           <p:cNvSpPr>
             <a:spLocks noGrp="1"/>
           </p:cNvSpPr>
@@ -17458,18 +17332,13 @@
               <a:rPr lang="en-IN" dirty="0"/>
               <a:t>Types of SPARQL queries</a:t>
             </a:r>
+            <a:endParaRPr lang="en-IN" dirty="0"/>
           </a:p>
         </p:txBody>
       </p:sp>
       <p:sp>
         <p:nvSpPr>
-          <p:cNvPr id="3" name="Text Placeholder 2">
-            <a:extLst>
-              <a:ext uri="{FF2B5EF4-FFF2-40B4-BE49-F238E27FC236}">
-                <a16:creationId xmlns:a16="http://schemas.microsoft.com/office/drawing/2014/main" id="{353D89E4-A2DF-40BB-A759-EF614609AAE5}"/>
-              </a:ext>
-            </a:extLst>
-          </p:cNvPr>
+          <p:cNvPr id="3" name="Text Placeholder 2"/>
           <p:cNvSpPr>
             <a:spLocks noGrp="1"/>
           </p:cNvSpPr>
@@ -17497,18 +17366,18 @@
             </a:pPr>
             <a:r>
               <a:rPr lang="en-IN" sz="1600" b="1" u="sng" dirty="0">
-                <a:latin typeface="Georgia"/>
-                <a:ea typeface="Georgia"/>
-                <a:cs typeface="Georgia"/>
-                <a:sym typeface="Georgia"/>
+                <a:latin typeface="Georgia" panose="02040502050405020303"/>
+                <a:ea typeface="Georgia" panose="02040502050405020303"/>
+                <a:cs typeface="Georgia" panose="02040502050405020303"/>
+                <a:sym typeface="Georgia" panose="02040502050405020303"/>
               </a:rPr>
               <a:t>SELECT</a:t>
             </a:r>
             <a:endParaRPr lang="en-IN" sz="1600" u="sng" dirty="0">
-              <a:latin typeface="Georgia"/>
-              <a:ea typeface="Georgia"/>
-              <a:cs typeface="Georgia"/>
-              <a:sym typeface="Georgia"/>
+              <a:latin typeface="Georgia" panose="02040502050405020303"/>
+              <a:ea typeface="Georgia" panose="02040502050405020303"/>
+              <a:cs typeface="Georgia" panose="02040502050405020303"/>
+              <a:sym typeface="Georgia" panose="02040502050405020303"/>
             </a:endParaRPr>
           </a:p>
           <a:p>
@@ -17520,13 +17389,19 @@
             </a:pPr>
             <a:r>
               <a:rPr lang="en-IN" sz="1600" dirty="0">
-                <a:latin typeface="Georgia"/>
-                <a:ea typeface="Georgia"/>
-                <a:cs typeface="Georgia"/>
-                <a:sym typeface="Georgia"/>
+                <a:latin typeface="Georgia" panose="02040502050405020303"/>
+                <a:ea typeface="Georgia" panose="02040502050405020303"/>
+                <a:cs typeface="Georgia" panose="02040502050405020303"/>
+                <a:sym typeface="Georgia" panose="02040502050405020303"/>
               </a:rPr>
               <a:t>Return a table of all X, Y, etc. satisfying the following conditions ...</a:t>
             </a:r>
+            <a:endParaRPr lang="en-IN" sz="1600" dirty="0">
+              <a:latin typeface="Georgia" panose="02040502050405020303"/>
+              <a:ea typeface="Georgia" panose="02040502050405020303"/>
+              <a:cs typeface="Georgia" panose="02040502050405020303"/>
+              <a:sym typeface="Georgia" panose="02040502050405020303"/>
+            </a:endParaRPr>
           </a:p>
           <a:p>
             <a:pPr marL="336550" lvl="0" indent="-285750">
@@ -17542,18 +17417,18 @@
             </a:pPr>
             <a:r>
               <a:rPr lang="en-IN" sz="1600" b="1" u="sng" dirty="0">
-                <a:latin typeface="Georgia"/>
-                <a:ea typeface="Georgia"/>
-                <a:cs typeface="Georgia"/>
-                <a:sym typeface="Georgia"/>
+                <a:latin typeface="Georgia" panose="02040502050405020303"/>
+                <a:ea typeface="Georgia" panose="02040502050405020303"/>
+                <a:cs typeface="Georgia" panose="02040502050405020303"/>
+                <a:sym typeface="Georgia" panose="02040502050405020303"/>
               </a:rPr>
               <a:t>CONSTRUCT</a:t>
             </a:r>
             <a:endParaRPr lang="en-IN" sz="1600" u="sng" dirty="0">
-              <a:latin typeface="Georgia"/>
-              <a:ea typeface="Georgia"/>
-              <a:cs typeface="Georgia"/>
-              <a:sym typeface="Georgia"/>
+              <a:latin typeface="Georgia" panose="02040502050405020303"/>
+              <a:ea typeface="Georgia" panose="02040502050405020303"/>
+              <a:cs typeface="Georgia" panose="02040502050405020303"/>
+              <a:sym typeface="Georgia" panose="02040502050405020303"/>
             </a:endParaRPr>
           </a:p>
           <a:p>
@@ -17565,13 +17440,19 @@
             </a:pPr>
             <a:r>
               <a:rPr lang="en-IN" sz="1600" dirty="0">
-                <a:latin typeface="Georgia"/>
-                <a:ea typeface="Georgia"/>
-                <a:cs typeface="Georgia"/>
-                <a:sym typeface="Georgia"/>
+                <a:latin typeface="Georgia" panose="02040502050405020303"/>
+                <a:ea typeface="Georgia" panose="02040502050405020303"/>
+                <a:cs typeface="Georgia" panose="02040502050405020303"/>
+                <a:sym typeface="Georgia" panose="02040502050405020303"/>
               </a:rPr>
               <a:t>Find all X, Y, etc. satisfying the following conditions ... and substitute  them into the following template in order to generate (possibly new)  RDF statements, creating a new graph.</a:t>
             </a:r>
+            <a:endParaRPr lang="en-IN" sz="1600" dirty="0">
+              <a:latin typeface="Georgia" panose="02040502050405020303"/>
+              <a:ea typeface="Georgia" panose="02040502050405020303"/>
+              <a:cs typeface="Georgia" panose="02040502050405020303"/>
+              <a:sym typeface="Georgia" panose="02040502050405020303"/>
+            </a:endParaRPr>
           </a:p>
           <a:p>
             <a:pPr marL="336550" lvl="0" indent="-285750">
@@ -17587,18 +17468,18 @@
             </a:pPr>
             <a:r>
               <a:rPr lang="en-IN" sz="1600" b="1" u="sng" dirty="0">
-                <a:latin typeface="Georgia"/>
-                <a:ea typeface="Georgia"/>
-                <a:cs typeface="Georgia"/>
-                <a:sym typeface="Georgia"/>
+                <a:latin typeface="Georgia" panose="02040502050405020303"/>
+                <a:ea typeface="Georgia" panose="02040502050405020303"/>
+                <a:cs typeface="Georgia" panose="02040502050405020303"/>
+                <a:sym typeface="Georgia" panose="02040502050405020303"/>
               </a:rPr>
               <a:t>DESCRIBE</a:t>
             </a:r>
             <a:endParaRPr lang="en-IN" sz="1600" u="sng" dirty="0">
-              <a:latin typeface="Georgia"/>
-              <a:ea typeface="Georgia"/>
-              <a:cs typeface="Georgia"/>
-              <a:sym typeface="Georgia"/>
+              <a:latin typeface="Georgia" panose="02040502050405020303"/>
+              <a:ea typeface="Georgia" panose="02040502050405020303"/>
+              <a:cs typeface="Georgia" panose="02040502050405020303"/>
+              <a:sym typeface="Georgia" panose="02040502050405020303"/>
             </a:endParaRPr>
           </a:p>
           <a:p>
@@ -17610,13 +17491,19 @@
             </a:pPr>
             <a:r>
               <a:rPr lang="en-IN" sz="1600" dirty="0">
-                <a:latin typeface="Georgia"/>
-                <a:ea typeface="Georgia"/>
-                <a:cs typeface="Georgia"/>
-                <a:sym typeface="Georgia"/>
+                <a:latin typeface="Georgia" panose="02040502050405020303"/>
+                <a:ea typeface="Georgia" panose="02040502050405020303"/>
+                <a:cs typeface="Georgia" panose="02040502050405020303"/>
+                <a:sym typeface="Georgia" panose="02040502050405020303"/>
               </a:rPr>
               <a:t>Find all statements in the dataset that provide information about the following resource(s) ... (identified by name or description)</a:t>
             </a:r>
+            <a:endParaRPr lang="en-IN" sz="1600" dirty="0">
+              <a:latin typeface="Georgia" panose="02040502050405020303"/>
+              <a:ea typeface="Georgia" panose="02040502050405020303"/>
+              <a:cs typeface="Georgia" panose="02040502050405020303"/>
+              <a:sym typeface="Georgia" panose="02040502050405020303"/>
+            </a:endParaRPr>
           </a:p>
           <a:p>
             <a:pPr marL="336550" lvl="0" indent="-285750">
@@ -17632,18 +17519,18 @@
             </a:pPr>
             <a:r>
               <a:rPr lang="en-IN" sz="1600" b="1" u="sng" dirty="0">
-                <a:latin typeface="Georgia"/>
-                <a:ea typeface="Georgia"/>
-                <a:cs typeface="Georgia"/>
-                <a:sym typeface="Georgia"/>
+                <a:latin typeface="Georgia" panose="02040502050405020303"/>
+                <a:ea typeface="Georgia" panose="02040502050405020303"/>
+                <a:cs typeface="Georgia" panose="02040502050405020303"/>
+                <a:sym typeface="Georgia" panose="02040502050405020303"/>
               </a:rPr>
               <a:t>ASK</a:t>
             </a:r>
             <a:endParaRPr lang="en-IN" sz="1600" u="sng" dirty="0">
-              <a:latin typeface="Georgia"/>
-              <a:ea typeface="Georgia"/>
-              <a:cs typeface="Georgia"/>
-              <a:sym typeface="Georgia"/>
+              <a:latin typeface="Georgia" panose="02040502050405020303"/>
+              <a:ea typeface="Georgia" panose="02040502050405020303"/>
+              <a:cs typeface="Georgia" panose="02040502050405020303"/>
+              <a:sym typeface="Georgia" panose="02040502050405020303"/>
             </a:endParaRPr>
           </a:p>
           <a:p>
@@ -17655,10 +17542,10 @@
             </a:pPr>
             <a:r>
               <a:rPr lang="en-IN" sz="1600" dirty="0">
-                <a:latin typeface="Georgia"/>
-                <a:ea typeface="Georgia"/>
-                <a:cs typeface="Georgia"/>
-                <a:sym typeface="Georgia"/>
+                <a:latin typeface="Georgia" panose="02040502050405020303"/>
+                <a:ea typeface="Georgia" panose="02040502050405020303"/>
+                <a:cs typeface="Georgia" panose="02040502050405020303"/>
+                <a:sym typeface="Georgia" panose="02040502050405020303"/>
               </a:rPr>
               <a:t>Are there any X, Y, etc. satisfying the following conditions ...</a:t>
             </a:r>
@@ -17667,11 +17554,6 @@
         </p:txBody>
       </p:sp>
     </p:spTree>
-    <p:extLst>
-      <p:ext uri="{BB962C8B-B14F-4D97-AF65-F5344CB8AC3E}">
-        <p14:creationId xmlns:p14="http://schemas.microsoft.com/office/powerpoint/2010/main" val="3562240813"/>
-      </p:ext>
-    </p:extLst>
   </p:cSld>
   <p:clrMapOvr>
     <a:masterClrMapping/>
@@ -17698,13 +17580,7 @@
       </p:grpSpPr>
       <p:sp>
         <p:nvSpPr>
-          <p:cNvPr id="2" name="Title 1">
-            <a:extLst>
-              <a:ext uri="{FF2B5EF4-FFF2-40B4-BE49-F238E27FC236}">
-                <a16:creationId xmlns:a16="http://schemas.microsoft.com/office/drawing/2014/main" id="{AE81A4CE-7A22-43F6-B231-0C2FF95082C0}"/>
-              </a:ext>
-            </a:extLst>
-          </p:cNvPr>
+          <p:cNvPr id="2" name="Title 1"/>
           <p:cNvSpPr>
             <a:spLocks noGrp="1"/>
           </p:cNvSpPr>
@@ -17721,18 +17597,13 @@
               <a:rPr lang="en-IN" dirty="0"/>
               <a:t>Structure of a SPARQL query</a:t>
             </a:r>
+            <a:endParaRPr lang="en-IN" dirty="0"/>
           </a:p>
         </p:txBody>
       </p:sp>
       <p:sp>
         <p:nvSpPr>
-          <p:cNvPr id="4" name="Google Shape;290;p38">
-            <a:extLst>
-              <a:ext uri="{FF2B5EF4-FFF2-40B4-BE49-F238E27FC236}">
-                <a16:creationId xmlns:a16="http://schemas.microsoft.com/office/drawing/2014/main" id="{4FF47AC2-1B59-406C-B4CB-F13ACC495B69}"/>
-              </a:ext>
-            </a:extLst>
-          </p:cNvPr>
+          <p:cNvPr id="4" name="Google Shape;290;p38"/>
           <p:cNvSpPr/>
           <p:nvPr/>
         </p:nvSpPr>
@@ -17745,9 +17616,7 @@
             <a:avLst/>
           </a:prstGeom>
           <a:blipFill rotWithShape="1">
-            <a:blip r:embed="rId2">
-              <a:alphaModFix/>
-            </a:blip>
+            <a:blip r:embed="rId1"/>
             <a:stretch>
               <a:fillRect/>
             </a:stretch>
@@ -17777,13 +17646,7 @@
       </p:sp>
       <p:sp>
         <p:nvSpPr>
-          <p:cNvPr id="5" name="Google Shape;291;p38">
-            <a:extLst>
-              <a:ext uri="{FF2B5EF4-FFF2-40B4-BE49-F238E27FC236}">
-                <a16:creationId xmlns:a16="http://schemas.microsoft.com/office/drawing/2014/main" id="{4BA00B51-D985-46EE-81D7-1C4C30CE9468}"/>
-              </a:ext>
-            </a:extLst>
-          </p:cNvPr>
+          <p:cNvPr id="5" name="Google Shape;291;p38"/>
           <p:cNvSpPr/>
           <p:nvPr/>
         </p:nvSpPr>
@@ -17796,9 +17659,7 @@
             <a:avLst/>
           </a:prstGeom>
           <a:blipFill rotWithShape="1">
-            <a:blip r:embed="rId3">
-              <a:alphaModFix/>
-            </a:blip>
+            <a:blip r:embed="rId2"/>
             <a:stretch>
               <a:fillRect/>
             </a:stretch>
@@ -17828,13 +17689,7 @@
       </p:sp>
       <p:sp>
         <p:nvSpPr>
-          <p:cNvPr id="6" name="Google Shape;292;p38">
-            <a:extLst>
-              <a:ext uri="{FF2B5EF4-FFF2-40B4-BE49-F238E27FC236}">
-                <a16:creationId xmlns:a16="http://schemas.microsoft.com/office/drawing/2014/main" id="{2A00A6C1-ADC7-46C6-A28B-C9A2FA215E62}"/>
-              </a:ext>
-            </a:extLst>
-          </p:cNvPr>
+          <p:cNvPr id="6" name="Google Shape;292;p38"/>
           <p:cNvSpPr/>
           <p:nvPr/>
         </p:nvSpPr>
@@ -17902,13 +17757,7 @@
       </p:sp>
       <p:sp>
         <p:nvSpPr>
-          <p:cNvPr id="7" name="Google Shape;293;p38">
-            <a:extLst>
-              <a:ext uri="{FF2B5EF4-FFF2-40B4-BE49-F238E27FC236}">
-                <a16:creationId xmlns:a16="http://schemas.microsoft.com/office/drawing/2014/main" id="{880B4018-0B80-4FFA-8F82-D7DC97F36150}"/>
-              </a:ext>
-            </a:extLst>
-          </p:cNvPr>
+          <p:cNvPr id="7" name="Google Shape;293;p38"/>
           <p:cNvSpPr txBox="1"/>
           <p:nvPr/>
         </p:nvSpPr>
@@ -17944,76 +17793,70 @@
               <a:buNone/>
             </a:pPr>
             <a:r>
-              <a:rPr lang="en" sz="1800">
-                <a:latin typeface="Georgia"/>
-                <a:ea typeface="Georgia"/>
-                <a:cs typeface="Georgia"/>
-                <a:sym typeface="Georgia"/>
+              <a:rPr lang="en-GB" sz="1800">
+                <a:latin typeface="Georgia" panose="02040502050405020303"/>
+                <a:ea typeface="Georgia" panose="02040502050405020303"/>
+                <a:cs typeface="Georgia" panose="02040502050405020303"/>
+                <a:sym typeface="Georgia" panose="02040502050405020303"/>
               </a:rPr>
               <a:t>PREFIX rov: </a:t>
             </a:r>
             <a:r>
-              <a:rPr lang="en" sz="1800" u="sng">
+              <a:rPr lang="en-GB" sz="1800" u="sng">
                 <a:solidFill>
                   <a:schemeClr val="hlink"/>
                 </a:solidFill>
-                <a:latin typeface="Georgia"/>
-                <a:ea typeface="Georgia"/>
-                <a:cs typeface="Georgia"/>
-                <a:sym typeface="Georgia"/>
-                <a:hlinkClick r:id="rId4"/>
+                <a:latin typeface="Georgia" panose="02040502050405020303"/>
+                <a:ea typeface="Georgia" panose="02040502050405020303"/>
+                <a:cs typeface="Georgia" panose="02040502050405020303"/>
+                <a:sym typeface="Georgia" panose="02040502050405020303"/>
+                <a:hlinkClick r:id="rId3"/>
               </a:rPr>
               <a:t>&lt;http://ww</a:t>
             </a:r>
             <a:r>
-              <a:rPr lang="en" sz="1800">
-                <a:latin typeface="Georgia"/>
-                <a:ea typeface="Georgia"/>
-                <a:cs typeface="Georgia"/>
-                <a:sym typeface="Georgia"/>
+              <a:rPr lang="en-GB" sz="1800">
+                <a:latin typeface="Georgia" panose="02040502050405020303"/>
+                <a:ea typeface="Georgia" panose="02040502050405020303"/>
+                <a:cs typeface="Georgia" panose="02040502050405020303"/>
+                <a:sym typeface="Georgia" panose="02040502050405020303"/>
               </a:rPr>
               <a:t>w</a:t>
             </a:r>
             <a:r>
-              <a:rPr lang="en" sz="1800" u="sng">
+              <a:rPr lang="en-GB" sz="1800" u="sng">
                 <a:solidFill>
                   <a:schemeClr val="hlink"/>
                 </a:solidFill>
-                <a:latin typeface="Georgia"/>
-                <a:ea typeface="Georgia"/>
-                <a:cs typeface="Georgia"/>
-                <a:sym typeface="Georgia"/>
-                <a:hlinkClick r:id="rId4"/>
+                <a:latin typeface="Georgia" panose="02040502050405020303"/>
+                <a:ea typeface="Georgia" panose="02040502050405020303"/>
+                <a:cs typeface="Georgia" panose="02040502050405020303"/>
+                <a:sym typeface="Georgia" panose="02040502050405020303"/>
+                <a:hlinkClick r:id="rId3"/>
               </a:rPr>
               <a:t>.w3.org/TR/vocab-regorg/</a:t>
             </a:r>
             <a:r>
-              <a:rPr lang="en" sz="1800">
-                <a:latin typeface="Georgia"/>
-                <a:ea typeface="Georgia"/>
-                <a:cs typeface="Georgia"/>
-                <a:sym typeface="Georgia"/>
+              <a:rPr lang="en-GB" sz="1800">
+                <a:latin typeface="Georgia" panose="02040502050405020303"/>
+                <a:ea typeface="Georgia" panose="02040502050405020303"/>
+                <a:cs typeface="Georgia" panose="02040502050405020303"/>
+                <a:sym typeface="Georgia" panose="02040502050405020303"/>
               </a:rPr>
               <a:t>&gt;</a:t>
             </a:r>
             <a:endParaRPr sz="1800">
-              <a:latin typeface="Georgia"/>
-              <a:ea typeface="Georgia"/>
-              <a:cs typeface="Georgia"/>
-              <a:sym typeface="Georgia"/>
+              <a:latin typeface="Georgia" panose="02040502050405020303"/>
+              <a:ea typeface="Georgia" panose="02040502050405020303"/>
+              <a:cs typeface="Georgia" panose="02040502050405020303"/>
+              <a:sym typeface="Georgia" panose="02040502050405020303"/>
             </a:endParaRPr>
           </a:p>
         </p:txBody>
       </p:sp>
       <p:sp>
         <p:nvSpPr>
-          <p:cNvPr id="8" name="Google Shape;294;p38">
-            <a:extLst>
-              <a:ext uri="{FF2B5EF4-FFF2-40B4-BE49-F238E27FC236}">
-                <a16:creationId xmlns:a16="http://schemas.microsoft.com/office/drawing/2014/main" id="{EC20C1DD-17B8-405E-9B38-E1059DCF94D6}"/>
-              </a:ext>
-            </a:extLst>
-          </p:cNvPr>
+          <p:cNvPr id="8" name="Google Shape;294;p38"/>
           <p:cNvSpPr txBox="1"/>
           <p:nvPr/>
         </p:nvSpPr>
@@ -18049,32 +17892,26 @@
               <a:buNone/>
             </a:pPr>
             <a:r>
-              <a:rPr lang="en" sz="1800">
-                <a:latin typeface="Georgia"/>
-                <a:ea typeface="Georgia"/>
-                <a:cs typeface="Georgia"/>
-                <a:sym typeface="Georgia"/>
+              <a:rPr lang="en-GB" sz="1800">
+                <a:latin typeface="Georgia" panose="02040502050405020303"/>
+                <a:ea typeface="Georgia" panose="02040502050405020303"/>
+                <a:cs typeface="Georgia" panose="02040502050405020303"/>
+                <a:sym typeface="Georgia" panose="02040502050405020303"/>
               </a:rPr>
               <a:t>SELECT ?name</a:t>
             </a:r>
             <a:endParaRPr sz="1800">
-              <a:latin typeface="Georgia"/>
-              <a:ea typeface="Georgia"/>
-              <a:cs typeface="Georgia"/>
-              <a:sym typeface="Georgia"/>
+              <a:latin typeface="Georgia" panose="02040502050405020303"/>
+              <a:ea typeface="Georgia" panose="02040502050405020303"/>
+              <a:cs typeface="Georgia" panose="02040502050405020303"/>
+              <a:sym typeface="Georgia" panose="02040502050405020303"/>
             </a:endParaRPr>
           </a:p>
         </p:txBody>
       </p:sp>
       <p:sp>
         <p:nvSpPr>
-          <p:cNvPr id="9" name="Google Shape;295;p38">
-            <a:extLst>
-              <a:ext uri="{FF2B5EF4-FFF2-40B4-BE49-F238E27FC236}">
-                <a16:creationId xmlns:a16="http://schemas.microsoft.com/office/drawing/2014/main" id="{A24B6F49-699F-4B29-B790-5DEF75A1A5B7}"/>
-              </a:ext>
-            </a:extLst>
-          </p:cNvPr>
+          <p:cNvPr id="9" name="Google Shape;295;p38"/>
           <p:cNvSpPr txBox="1"/>
           <p:nvPr/>
         </p:nvSpPr>
@@ -18110,19 +17947,19 @@
               <a:buNone/>
             </a:pPr>
             <a:r>
-              <a:rPr lang="en" sz="1800">
-                <a:latin typeface="Georgia"/>
-                <a:ea typeface="Georgia"/>
-                <a:cs typeface="Georgia"/>
-                <a:sym typeface="Georgia"/>
+              <a:rPr lang="en-GB" sz="1800">
+                <a:latin typeface="Georgia" panose="02040502050405020303"/>
+                <a:ea typeface="Georgia" panose="02040502050405020303"/>
+                <a:cs typeface="Georgia" panose="02040502050405020303"/>
+                <a:sym typeface="Georgia" panose="02040502050405020303"/>
               </a:rPr>
               <a:t>WHERE</a:t>
             </a:r>
             <a:endParaRPr sz="1800">
-              <a:latin typeface="Georgia"/>
-              <a:ea typeface="Georgia"/>
-              <a:cs typeface="Georgia"/>
-              <a:sym typeface="Georgia"/>
+              <a:latin typeface="Georgia" panose="02040502050405020303"/>
+              <a:ea typeface="Georgia" panose="02040502050405020303"/>
+              <a:cs typeface="Georgia" panose="02040502050405020303"/>
+              <a:sym typeface="Georgia" panose="02040502050405020303"/>
             </a:endParaRPr>
           </a:p>
           <a:p>
@@ -18139,32 +17976,26 @@
               <a:buNone/>
             </a:pPr>
             <a:r>
-              <a:rPr lang="en" sz="1800">
-                <a:latin typeface="Georgia"/>
-                <a:ea typeface="Georgia"/>
-                <a:cs typeface="Georgia"/>
-                <a:sym typeface="Georgia"/>
+              <a:rPr lang="en-GB" sz="1800">
+                <a:latin typeface="Georgia" panose="02040502050405020303"/>
+                <a:ea typeface="Georgia" panose="02040502050405020303"/>
+                <a:cs typeface="Georgia" panose="02040502050405020303"/>
+                <a:sym typeface="Georgia" panose="02040502050405020303"/>
               </a:rPr>
               <a:t>{ ?x rov:legalName ?name }</a:t>
             </a:r>
             <a:endParaRPr sz="1800">
-              <a:latin typeface="Georgia"/>
-              <a:ea typeface="Georgia"/>
-              <a:cs typeface="Georgia"/>
-              <a:sym typeface="Georgia"/>
+              <a:latin typeface="Georgia" panose="02040502050405020303"/>
+              <a:ea typeface="Georgia" panose="02040502050405020303"/>
+              <a:cs typeface="Georgia" panose="02040502050405020303"/>
+              <a:sym typeface="Georgia" panose="02040502050405020303"/>
             </a:endParaRPr>
           </a:p>
         </p:txBody>
       </p:sp>
       <p:sp>
         <p:nvSpPr>
-          <p:cNvPr id="10" name="Google Shape;297;p38">
-            <a:extLst>
-              <a:ext uri="{FF2B5EF4-FFF2-40B4-BE49-F238E27FC236}">
-                <a16:creationId xmlns:a16="http://schemas.microsoft.com/office/drawing/2014/main" id="{0FA12D6F-00D6-44CB-84EE-45685974AF8A}"/>
-              </a:ext>
-            </a:extLst>
-          </p:cNvPr>
+          <p:cNvPr id="10" name="Google Shape;297;p38"/>
           <p:cNvSpPr txBox="1"/>
           <p:nvPr/>
         </p:nvSpPr>
@@ -18200,32 +18031,26 @@
               <a:buNone/>
             </a:pPr>
             <a:r>
-              <a:rPr lang="en" sz="1800" dirty="0">
-                <a:latin typeface="Arial"/>
-                <a:ea typeface="Arial"/>
-                <a:cs typeface="Arial"/>
-                <a:sym typeface="Arial"/>
+              <a:rPr lang="en-GB" sz="1800" dirty="0">
+                <a:latin typeface="Arial" panose="020B0604020202020204"/>
+                <a:ea typeface="Arial" panose="020B0604020202020204"/>
+                <a:cs typeface="Arial" panose="020B0604020202020204"/>
+                <a:sym typeface="Arial" panose="020B0604020202020204"/>
               </a:rPr>
               <a:t>Type of</a:t>
             </a:r>
             <a:endParaRPr sz="1800" dirty="0">
-              <a:latin typeface="Arial"/>
-              <a:ea typeface="Arial"/>
-              <a:cs typeface="Arial"/>
-              <a:sym typeface="Arial"/>
+              <a:latin typeface="Arial" panose="020B0604020202020204"/>
+              <a:ea typeface="Arial" panose="020B0604020202020204"/>
+              <a:cs typeface="Arial" panose="020B0604020202020204"/>
+              <a:sym typeface="Arial" panose="020B0604020202020204"/>
             </a:endParaRPr>
           </a:p>
         </p:txBody>
       </p:sp>
       <p:sp>
         <p:nvSpPr>
-          <p:cNvPr id="11" name="Google Shape;298;p38">
-            <a:extLst>
-              <a:ext uri="{FF2B5EF4-FFF2-40B4-BE49-F238E27FC236}">
-                <a16:creationId xmlns:a16="http://schemas.microsoft.com/office/drawing/2014/main" id="{1A16267D-BB50-4A80-82AC-AFAB6DF49685}"/>
-              </a:ext>
-            </a:extLst>
-          </p:cNvPr>
+          <p:cNvPr id="11" name="Google Shape;298;p38"/>
           <p:cNvSpPr txBox="1"/>
           <p:nvPr/>
         </p:nvSpPr>
@@ -18261,32 +18086,26 @@
               <a:buNone/>
             </a:pPr>
             <a:r>
-              <a:rPr lang="en" sz="1800">
-                <a:latin typeface="Arial"/>
-                <a:ea typeface="Arial"/>
-                <a:cs typeface="Arial"/>
-                <a:sym typeface="Arial"/>
+              <a:rPr lang="en-GB" sz="1800">
+                <a:latin typeface="Arial" panose="020B0604020202020204"/>
+                <a:ea typeface="Arial" panose="020B0604020202020204"/>
+                <a:cs typeface="Arial" panose="020B0604020202020204"/>
+                <a:sym typeface="Arial" panose="020B0604020202020204"/>
               </a:rPr>
               <a:t>query</a:t>
             </a:r>
             <a:endParaRPr sz="1800">
-              <a:latin typeface="Arial"/>
-              <a:ea typeface="Arial"/>
-              <a:cs typeface="Arial"/>
-              <a:sym typeface="Arial"/>
+              <a:latin typeface="Arial" panose="020B0604020202020204"/>
+              <a:ea typeface="Arial" panose="020B0604020202020204"/>
+              <a:cs typeface="Arial" panose="020B0604020202020204"/>
+              <a:sym typeface="Arial" panose="020B0604020202020204"/>
             </a:endParaRPr>
           </a:p>
         </p:txBody>
       </p:sp>
       <p:sp>
         <p:nvSpPr>
-          <p:cNvPr id="12" name="Google Shape;299;p38">
-            <a:extLst>
-              <a:ext uri="{FF2B5EF4-FFF2-40B4-BE49-F238E27FC236}">
-                <a16:creationId xmlns:a16="http://schemas.microsoft.com/office/drawing/2014/main" id="{C45658E3-3A80-47FA-83E0-19006ADC607E}"/>
-              </a:ext>
-            </a:extLst>
-          </p:cNvPr>
+          <p:cNvPr id="12" name="Google Shape;299;p38"/>
           <p:cNvSpPr txBox="1"/>
           <p:nvPr/>
         </p:nvSpPr>
@@ -18322,32 +18141,26 @@
               <a:buNone/>
             </a:pPr>
             <a:r>
-              <a:rPr lang="en" sz="1800">
-                <a:latin typeface="Arial"/>
-                <a:ea typeface="Arial"/>
-                <a:cs typeface="Arial"/>
-                <a:sym typeface="Arial"/>
+              <a:rPr lang="en-GB" sz="1800">
+                <a:latin typeface="Arial" panose="020B0604020202020204"/>
+                <a:ea typeface="Arial" panose="020B0604020202020204"/>
+                <a:cs typeface="Arial" panose="020B0604020202020204"/>
+                <a:sym typeface="Arial" panose="020B0604020202020204"/>
               </a:rPr>
               <a:t>Variables, i.e. what to search for</a:t>
             </a:r>
             <a:endParaRPr sz="1800">
-              <a:latin typeface="Arial"/>
-              <a:ea typeface="Arial"/>
-              <a:cs typeface="Arial"/>
-              <a:sym typeface="Arial"/>
+              <a:latin typeface="Arial" panose="020B0604020202020204"/>
+              <a:ea typeface="Arial" panose="020B0604020202020204"/>
+              <a:cs typeface="Arial" panose="020B0604020202020204"/>
+              <a:sym typeface="Arial" panose="020B0604020202020204"/>
             </a:endParaRPr>
           </a:p>
         </p:txBody>
       </p:sp>
       <p:sp>
         <p:nvSpPr>
-          <p:cNvPr id="13" name="Google Shape;300;p38">
-            <a:extLst>
-              <a:ext uri="{FF2B5EF4-FFF2-40B4-BE49-F238E27FC236}">
-                <a16:creationId xmlns:a16="http://schemas.microsoft.com/office/drawing/2014/main" id="{699C6848-FAFC-4DBA-9449-A0D53F3E476B}"/>
-              </a:ext>
-            </a:extLst>
-          </p:cNvPr>
+          <p:cNvPr id="13" name="Google Shape;300;p38"/>
           <p:cNvSpPr/>
           <p:nvPr/>
         </p:nvSpPr>
@@ -18411,13 +18224,7 @@
       </p:sp>
       <p:sp>
         <p:nvSpPr>
-          <p:cNvPr id="14" name="Google Shape;301;p38">
-            <a:extLst>
-              <a:ext uri="{FF2B5EF4-FFF2-40B4-BE49-F238E27FC236}">
-                <a16:creationId xmlns:a16="http://schemas.microsoft.com/office/drawing/2014/main" id="{A78D6A52-E105-4A44-A1EA-F216B2D5B55F}"/>
-              </a:ext>
-            </a:extLst>
-          </p:cNvPr>
+          <p:cNvPr id="14" name="Google Shape;301;p38"/>
           <p:cNvSpPr txBox="1"/>
           <p:nvPr/>
         </p:nvSpPr>
@@ -18453,32 +18260,26 @@
               <a:buNone/>
             </a:pPr>
             <a:r>
-              <a:rPr lang="en" sz="1800">
-                <a:latin typeface="Arial"/>
-                <a:ea typeface="Arial"/>
-                <a:cs typeface="Arial"/>
-                <a:sym typeface="Arial"/>
+              <a:rPr lang="en-GB" sz="1800">
+                <a:latin typeface="Arial" panose="020B0604020202020204"/>
+                <a:ea typeface="Arial" panose="020B0604020202020204"/>
+                <a:cs typeface="Arial" panose="020B0604020202020204"/>
+                <a:sym typeface="Arial" panose="020B0604020202020204"/>
               </a:rPr>
               <a:t>RDF triple</a:t>
             </a:r>
             <a:endParaRPr sz="1800">
-              <a:latin typeface="Arial"/>
-              <a:ea typeface="Arial"/>
-              <a:cs typeface="Arial"/>
-              <a:sym typeface="Arial"/>
+              <a:latin typeface="Arial" panose="020B0604020202020204"/>
+              <a:ea typeface="Arial" panose="020B0604020202020204"/>
+              <a:cs typeface="Arial" panose="020B0604020202020204"/>
+              <a:sym typeface="Arial" panose="020B0604020202020204"/>
             </a:endParaRPr>
           </a:p>
         </p:txBody>
       </p:sp>
       <p:sp>
         <p:nvSpPr>
-          <p:cNvPr id="15" name="Google Shape;302;p38">
-            <a:extLst>
-              <a:ext uri="{FF2B5EF4-FFF2-40B4-BE49-F238E27FC236}">
-                <a16:creationId xmlns:a16="http://schemas.microsoft.com/office/drawing/2014/main" id="{98A17640-BE40-4CC4-A868-D8A4B2B65178}"/>
-              </a:ext>
-            </a:extLst>
-          </p:cNvPr>
+          <p:cNvPr id="15" name="Google Shape;302;p38"/>
           <p:cNvSpPr txBox="1"/>
           <p:nvPr/>
         </p:nvSpPr>
@@ -18514,32 +18315,26 @@
               <a:buNone/>
             </a:pPr>
             <a:r>
-              <a:rPr lang="en" sz="1800" dirty="0">
-                <a:latin typeface="Arial"/>
-                <a:ea typeface="Arial"/>
-                <a:cs typeface="Arial"/>
-                <a:sym typeface="Arial"/>
+              <a:rPr lang="en-GB" sz="1800" dirty="0">
+                <a:latin typeface="Arial" panose="020B0604020202020204"/>
+                <a:ea typeface="Arial" panose="020B0604020202020204"/>
+                <a:cs typeface="Arial" panose="020B0604020202020204"/>
+                <a:sym typeface="Arial" panose="020B0604020202020204"/>
               </a:rPr>
               <a:t>patterns, i.e. the</a:t>
             </a:r>
             <a:endParaRPr sz="1800" dirty="0">
-              <a:latin typeface="Arial"/>
-              <a:ea typeface="Arial"/>
-              <a:cs typeface="Arial"/>
-              <a:sym typeface="Arial"/>
+              <a:latin typeface="Arial" panose="020B0604020202020204"/>
+              <a:ea typeface="Arial" panose="020B0604020202020204"/>
+              <a:cs typeface="Arial" panose="020B0604020202020204"/>
+              <a:sym typeface="Arial" panose="020B0604020202020204"/>
             </a:endParaRPr>
           </a:p>
         </p:txBody>
       </p:sp>
       <p:sp>
         <p:nvSpPr>
-          <p:cNvPr id="16" name="Google Shape;303;p38">
-            <a:extLst>
-              <a:ext uri="{FF2B5EF4-FFF2-40B4-BE49-F238E27FC236}">
-                <a16:creationId xmlns:a16="http://schemas.microsoft.com/office/drawing/2014/main" id="{4719F1BD-240B-492B-817E-1F4A080019FF}"/>
-              </a:ext>
-            </a:extLst>
-          </p:cNvPr>
+          <p:cNvPr id="16" name="Google Shape;303;p38"/>
           <p:cNvSpPr txBox="1"/>
           <p:nvPr/>
         </p:nvSpPr>
@@ -18575,19 +18370,19 @@
               <a:buNone/>
             </a:pPr>
             <a:r>
-              <a:rPr lang="en" sz="1800">
-                <a:latin typeface="Arial"/>
-                <a:ea typeface="Arial"/>
-                <a:cs typeface="Arial"/>
-                <a:sym typeface="Arial"/>
+              <a:rPr lang="en-GB" sz="1800">
+                <a:latin typeface="Arial" panose="020B0604020202020204"/>
+                <a:ea typeface="Arial" panose="020B0604020202020204"/>
+                <a:cs typeface="Arial" panose="020B0604020202020204"/>
+                <a:sym typeface="Arial" panose="020B0604020202020204"/>
               </a:rPr>
               <a:t>conditions that have</a:t>
             </a:r>
             <a:endParaRPr sz="1800">
-              <a:latin typeface="Arial"/>
-              <a:ea typeface="Arial"/>
-              <a:cs typeface="Arial"/>
-              <a:sym typeface="Arial"/>
+              <a:latin typeface="Arial" panose="020B0604020202020204"/>
+              <a:ea typeface="Arial" panose="020B0604020202020204"/>
+              <a:cs typeface="Arial" panose="020B0604020202020204"/>
+              <a:sym typeface="Arial" panose="020B0604020202020204"/>
             </a:endParaRPr>
           </a:p>
           <a:p>
@@ -18604,32 +18399,26 @@
               <a:buNone/>
             </a:pPr>
             <a:r>
-              <a:rPr lang="en" sz="1800">
-                <a:latin typeface="Arial"/>
-                <a:ea typeface="Arial"/>
-                <a:cs typeface="Arial"/>
-                <a:sym typeface="Arial"/>
+              <a:rPr lang="en-GB" sz="1800">
+                <a:latin typeface="Arial" panose="020B0604020202020204"/>
+                <a:ea typeface="Arial" panose="020B0604020202020204"/>
+                <a:cs typeface="Arial" panose="020B0604020202020204"/>
+                <a:sym typeface="Arial" panose="020B0604020202020204"/>
               </a:rPr>
               <a:t>to be met</a:t>
             </a:r>
             <a:endParaRPr sz="1800">
-              <a:latin typeface="Arial"/>
-              <a:ea typeface="Arial"/>
-              <a:cs typeface="Arial"/>
-              <a:sym typeface="Arial"/>
+              <a:latin typeface="Arial" panose="020B0604020202020204"/>
+              <a:ea typeface="Arial" panose="020B0604020202020204"/>
+              <a:cs typeface="Arial" panose="020B0604020202020204"/>
+              <a:sym typeface="Arial" panose="020B0604020202020204"/>
             </a:endParaRPr>
           </a:p>
         </p:txBody>
       </p:sp>
       <p:sp>
         <p:nvSpPr>
-          <p:cNvPr id="17" name="Google Shape;304;p38">
-            <a:extLst>
-              <a:ext uri="{FF2B5EF4-FFF2-40B4-BE49-F238E27FC236}">
-                <a16:creationId xmlns:a16="http://schemas.microsoft.com/office/drawing/2014/main" id="{F07E25E4-FFA2-4122-9473-609E4D332F5A}"/>
-              </a:ext>
-            </a:extLst>
-          </p:cNvPr>
+          <p:cNvPr id="17" name="Google Shape;304;p38"/>
           <p:cNvSpPr txBox="1"/>
           <p:nvPr/>
         </p:nvSpPr>
@@ -18665,32 +18454,26 @@
               <a:buNone/>
             </a:pPr>
             <a:r>
-              <a:rPr lang="en" sz="1800">
-                <a:latin typeface="Arial"/>
-                <a:ea typeface="Arial"/>
-                <a:cs typeface="Arial"/>
-                <a:sym typeface="Arial"/>
+              <a:rPr lang="en-GB" sz="1800">
+                <a:latin typeface="Arial" panose="020B0604020202020204"/>
+                <a:ea typeface="Arial" panose="020B0604020202020204"/>
+                <a:cs typeface="Arial" panose="020B0604020202020204"/>
+                <a:sym typeface="Arial" panose="020B0604020202020204"/>
               </a:rPr>
               <a:t>Definition of</a:t>
             </a:r>
             <a:endParaRPr sz="1800">
-              <a:latin typeface="Arial"/>
-              <a:ea typeface="Arial"/>
-              <a:cs typeface="Arial"/>
-              <a:sym typeface="Arial"/>
+              <a:latin typeface="Arial" panose="020B0604020202020204"/>
+              <a:ea typeface="Arial" panose="020B0604020202020204"/>
+              <a:cs typeface="Arial" panose="020B0604020202020204"/>
+              <a:sym typeface="Arial" panose="020B0604020202020204"/>
             </a:endParaRPr>
           </a:p>
         </p:txBody>
       </p:sp>
       <p:sp>
         <p:nvSpPr>
-          <p:cNvPr id="18" name="Google Shape;305;p38">
-            <a:extLst>
-              <a:ext uri="{FF2B5EF4-FFF2-40B4-BE49-F238E27FC236}">
-                <a16:creationId xmlns:a16="http://schemas.microsoft.com/office/drawing/2014/main" id="{D3DD5443-3C76-4E7A-B252-C5D5CA160AD8}"/>
-              </a:ext>
-            </a:extLst>
-          </p:cNvPr>
+          <p:cNvPr id="18" name="Google Shape;305;p38"/>
           <p:cNvSpPr txBox="1"/>
           <p:nvPr/>
         </p:nvSpPr>
@@ -18726,29 +18509,24 @@
               <a:buNone/>
             </a:pPr>
             <a:r>
-              <a:rPr lang="en" sz="1800">
-                <a:latin typeface="Arial"/>
-                <a:ea typeface="Arial"/>
-                <a:cs typeface="Arial"/>
-                <a:sym typeface="Arial"/>
+              <a:rPr lang="en-GB" sz="1800">
+                <a:latin typeface="Arial" panose="020B0604020202020204"/>
+                <a:ea typeface="Arial" panose="020B0604020202020204"/>
+                <a:cs typeface="Arial" panose="020B0604020202020204"/>
+                <a:sym typeface="Arial" panose="020B0604020202020204"/>
               </a:rPr>
               <a:t>prefixes</a:t>
             </a:r>
             <a:endParaRPr sz="1800">
-              <a:latin typeface="Arial"/>
-              <a:ea typeface="Arial"/>
-              <a:cs typeface="Arial"/>
-              <a:sym typeface="Arial"/>
+              <a:latin typeface="Arial" panose="020B0604020202020204"/>
+              <a:ea typeface="Arial" panose="020B0604020202020204"/>
+              <a:cs typeface="Arial" panose="020B0604020202020204"/>
+              <a:sym typeface="Arial" panose="020B0604020202020204"/>
             </a:endParaRPr>
           </a:p>
         </p:txBody>
       </p:sp>
     </p:spTree>
-    <p:extLst>
-      <p:ext uri="{BB962C8B-B14F-4D97-AF65-F5344CB8AC3E}">
-        <p14:creationId xmlns:p14="http://schemas.microsoft.com/office/powerpoint/2010/main" val="156087188"/>
-      </p:ext>
-    </p:extLst>
   </p:cSld>
   <p:clrMapOvr>
     <a:masterClrMapping/>
@@ -18775,13 +18553,7 @@
       </p:grpSpPr>
       <p:sp>
         <p:nvSpPr>
-          <p:cNvPr id="2" name="Title 1">
-            <a:extLst>
-              <a:ext uri="{FF2B5EF4-FFF2-40B4-BE49-F238E27FC236}">
-                <a16:creationId xmlns:a16="http://schemas.microsoft.com/office/drawing/2014/main" id="{22287D8F-0177-444A-A3E8-8CDF33F4500C}"/>
-              </a:ext>
-            </a:extLst>
-          </p:cNvPr>
+          <p:cNvPr id="2" name="Title 1"/>
           <p:cNvSpPr>
             <a:spLocks noGrp="1"/>
           </p:cNvSpPr>
@@ -18803,18 +18575,13 @@
               <a:rPr lang="en-IN" dirty="0"/>
               <a:t>SPARQL Update</a:t>
             </a:r>
+            <a:endParaRPr lang="en-IN" dirty="0"/>
           </a:p>
         </p:txBody>
       </p:sp>
       <p:sp>
         <p:nvSpPr>
-          <p:cNvPr id="3" name="Text Placeholder 2">
-            <a:extLst>
-              <a:ext uri="{FF2B5EF4-FFF2-40B4-BE49-F238E27FC236}">
-                <a16:creationId xmlns:a16="http://schemas.microsoft.com/office/drawing/2014/main" id="{EF8ADE9D-AEDC-40C1-A93C-87FD02970A12}"/>
-              </a:ext>
-            </a:extLst>
-          </p:cNvPr>
+          <p:cNvPr id="3" name="Text Placeholder 2"/>
           <p:cNvSpPr>
             <a:spLocks noGrp="1"/>
           </p:cNvSpPr>
@@ -18840,13 +18607,19 @@
             </a:pPr>
             <a:r>
               <a:rPr lang="en-IN" sz="1600" dirty="0">
-                <a:latin typeface="Georgia"/>
-                <a:ea typeface="Georgia"/>
-                <a:cs typeface="Georgia"/>
-                <a:sym typeface="Georgia"/>
+                <a:latin typeface="Georgia" panose="02040502050405020303"/>
+                <a:ea typeface="Georgia" panose="02040502050405020303"/>
+                <a:cs typeface="Georgia" panose="02040502050405020303"/>
+                <a:sym typeface="Georgia" panose="02040502050405020303"/>
               </a:rPr>
               <a:t>Can be used for...</a:t>
             </a:r>
+            <a:endParaRPr lang="en-IN" sz="1600" dirty="0">
+              <a:latin typeface="Georgia" panose="02040502050405020303"/>
+              <a:ea typeface="Georgia" panose="02040502050405020303"/>
+              <a:cs typeface="Georgia" panose="02040502050405020303"/>
+              <a:sym typeface="Georgia" panose="02040502050405020303"/>
+            </a:endParaRPr>
           </a:p>
           <a:p>
             <a:pPr marL="323850" lvl="0" indent="-285750">
@@ -18862,13 +18635,19 @@
             </a:pPr>
             <a:r>
               <a:rPr lang="en-IN" sz="1600" dirty="0">
-                <a:latin typeface="Georgia"/>
-                <a:ea typeface="Georgia"/>
-                <a:cs typeface="Georgia"/>
-                <a:sym typeface="Georgia"/>
+                <a:latin typeface="Georgia" panose="02040502050405020303"/>
+                <a:ea typeface="Georgia" panose="02040502050405020303"/>
+                <a:cs typeface="Georgia" panose="02040502050405020303"/>
+                <a:sym typeface="Georgia" panose="02040502050405020303"/>
               </a:rPr>
               <a:t>Adding data (INSERT)</a:t>
             </a:r>
+            <a:endParaRPr lang="en-IN" sz="1600" dirty="0">
+              <a:latin typeface="Georgia" panose="02040502050405020303"/>
+              <a:ea typeface="Georgia" panose="02040502050405020303"/>
+              <a:cs typeface="Georgia" panose="02040502050405020303"/>
+              <a:sym typeface="Georgia" panose="02040502050405020303"/>
+            </a:endParaRPr>
           </a:p>
           <a:p>
             <a:pPr marL="323850" lvl="0" indent="-285750">
@@ -18884,13 +18663,19 @@
             </a:pPr>
             <a:r>
               <a:rPr lang="en-IN" sz="1600" dirty="0">
-                <a:latin typeface="Georgia"/>
-                <a:ea typeface="Georgia"/>
-                <a:cs typeface="Georgia"/>
-                <a:sym typeface="Georgia"/>
+                <a:latin typeface="Georgia" panose="02040502050405020303"/>
+                <a:ea typeface="Georgia" panose="02040502050405020303"/>
+                <a:cs typeface="Georgia" panose="02040502050405020303"/>
+                <a:sym typeface="Georgia" panose="02040502050405020303"/>
               </a:rPr>
               <a:t>Deleting data (DELETE)</a:t>
             </a:r>
+            <a:endParaRPr lang="en-IN" sz="1600" dirty="0">
+              <a:latin typeface="Georgia" panose="02040502050405020303"/>
+              <a:ea typeface="Georgia" panose="02040502050405020303"/>
+              <a:cs typeface="Georgia" panose="02040502050405020303"/>
+              <a:sym typeface="Georgia" panose="02040502050405020303"/>
+            </a:endParaRPr>
           </a:p>
           <a:p>
             <a:pPr marL="323850" lvl="0" indent="-285750">
@@ -18906,13 +18691,19 @@
             </a:pPr>
             <a:r>
               <a:rPr lang="en-IN" sz="1600" dirty="0">
-                <a:latin typeface="Georgia"/>
-                <a:ea typeface="Georgia"/>
-                <a:cs typeface="Georgia"/>
-                <a:sym typeface="Georgia"/>
+                <a:latin typeface="Georgia" panose="02040502050405020303"/>
+                <a:ea typeface="Georgia" panose="02040502050405020303"/>
+                <a:cs typeface="Georgia" panose="02040502050405020303"/>
+                <a:sym typeface="Georgia" panose="02040502050405020303"/>
               </a:rPr>
               <a:t>Loading RDF Graph (LOAD / LOAD .. INTO)</a:t>
             </a:r>
+            <a:endParaRPr lang="en-IN" sz="1600" dirty="0">
+              <a:latin typeface="Georgia" panose="02040502050405020303"/>
+              <a:ea typeface="Georgia" panose="02040502050405020303"/>
+              <a:cs typeface="Georgia" panose="02040502050405020303"/>
+              <a:sym typeface="Georgia" panose="02040502050405020303"/>
+            </a:endParaRPr>
           </a:p>
           <a:p>
             <a:pPr marL="323850" lvl="0" indent="-285750">
@@ -18928,13 +18719,19 @@
             </a:pPr>
             <a:r>
               <a:rPr lang="en-IN" sz="1600" dirty="0">
-                <a:latin typeface="Georgia"/>
-                <a:ea typeface="Georgia"/>
-                <a:cs typeface="Georgia"/>
-                <a:sym typeface="Georgia"/>
+                <a:latin typeface="Georgia" panose="02040502050405020303"/>
+                <a:ea typeface="Georgia" panose="02040502050405020303"/>
+                <a:cs typeface="Georgia" panose="02040502050405020303"/>
+                <a:sym typeface="Georgia" panose="02040502050405020303"/>
               </a:rPr>
               <a:t>Clearing an RDF Graph (CLEAR GRAPH)</a:t>
             </a:r>
+            <a:endParaRPr lang="en-IN" sz="1600" dirty="0">
+              <a:latin typeface="Georgia" panose="02040502050405020303"/>
+              <a:ea typeface="Georgia" panose="02040502050405020303"/>
+              <a:cs typeface="Georgia" panose="02040502050405020303"/>
+              <a:sym typeface="Georgia" panose="02040502050405020303"/>
+            </a:endParaRPr>
           </a:p>
           <a:p>
             <a:pPr marL="323850" lvl="0" indent="-285750">
@@ -18950,13 +18747,19 @@
             </a:pPr>
             <a:r>
               <a:rPr lang="en-IN" sz="1600" dirty="0">
-                <a:latin typeface="Georgia"/>
-                <a:ea typeface="Georgia"/>
-                <a:cs typeface="Georgia"/>
-                <a:sym typeface="Georgia"/>
+                <a:latin typeface="Georgia" panose="02040502050405020303"/>
+                <a:ea typeface="Georgia" panose="02040502050405020303"/>
+                <a:cs typeface="Georgia" panose="02040502050405020303"/>
+                <a:sym typeface="Georgia" panose="02040502050405020303"/>
               </a:rPr>
               <a:t>Creating RDF Graphs (CREATE GRAPH)</a:t>
             </a:r>
+            <a:endParaRPr lang="en-IN" sz="1600" dirty="0">
+              <a:latin typeface="Georgia" panose="02040502050405020303"/>
+              <a:ea typeface="Georgia" panose="02040502050405020303"/>
+              <a:cs typeface="Georgia" panose="02040502050405020303"/>
+              <a:sym typeface="Georgia" panose="02040502050405020303"/>
+            </a:endParaRPr>
           </a:p>
           <a:p>
             <a:pPr marL="323850" lvl="0" indent="-285750">
@@ -18972,13 +18775,19 @@
             </a:pPr>
             <a:r>
               <a:rPr lang="en-IN" sz="1600" dirty="0">
-                <a:latin typeface="Georgia"/>
-                <a:ea typeface="Georgia"/>
-                <a:cs typeface="Georgia"/>
-                <a:sym typeface="Georgia"/>
+                <a:latin typeface="Georgia" panose="02040502050405020303"/>
+                <a:ea typeface="Georgia" panose="02040502050405020303"/>
+                <a:cs typeface="Georgia" panose="02040502050405020303"/>
+                <a:sym typeface="Georgia" panose="02040502050405020303"/>
               </a:rPr>
               <a:t>Removing RDF Graphs (DROP GRAPH)</a:t>
             </a:r>
+            <a:endParaRPr lang="en-IN" sz="1600" dirty="0">
+              <a:latin typeface="Georgia" panose="02040502050405020303"/>
+              <a:ea typeface="Georgia" panose="02040502050405020303"/>
+              <a:cs typeface="Georgia" panose="02040502050405020303"/>
+              <a:sym typeface="Georgia" panose="02040502050405020303"/>
+            </a:endParaRPr>
           </a:p>
           <a:p>
             <a:pPr marL="323850" lvl="0" indent="-285750">
@@ -18994,13 +18803,19 @@
             </a:pPr>
             <a:r>
               <a:rPr lang="en-IN" sz="1600" dirty="0">
-                <a:latin typeface="Georgia"/>
-                <a:ea typeface="Georgia"/>
-                <a:cs typeface="Georgia"/>
-                <a:sym typeface="Georgia"/>
+                <a:latin typeface="Georgia" panose="02040502050405020303"/>
+                <a:ea typeface="Georgia" panose="02040502050405020303"/>
+                <a:cs typeface="Georgia" panose="02040502050405020303"/>
+                <a:sym typeface="Georgia" panose="02040502050405020303"/>
               </a:rPr>
               <a:t>Copying RDF Graphs (COPY GRAPH ... TO GRAPH)</a:t>
             </a:r>
+            <a:endParaRPr lang="en-IN" sz="1600" dirty="0">
+              <a:latin typeface="Georgia" panose="02040502050405020303"/>
+              <a:ea typeface="Georgia" panose="02040502050405020303"/>
+              <a:cs typeface="Georgia" panose="02040502050405020303"/>
+              <a:sym typeface="Georgia" panose="02040502050405020303"/>
+            </a:endParaRPr>
           </a:p>
           <a:p>
             <a:pPr marL="323850" lvl="0" indent="-285750">
@@ -19016,13 +18831,19 @@
             </a:pPr>
             <a:r>
               <a:rPr lang="en-IN" sz="1600" dirty="0">
-                <a:latin typeface="Georgia"/>
-                <a:ea typeface="Georgia"/>
-                <a:cs typeface="Georgia"/>
-                <a:sym typeface="Georgia"/>
+                <a:latin typeface="Georgia" panose="02040502050405020303"/>
+                <a:ea typeface="Georgia" panose="02040502050405020303"/>
+                <a:cs typeface="Georgia" panose="02040502050405020303"/>
+                <a:sym typeface="Georgia" panose="02040502050405020303"/>
               </a:rPr>
               <a:t>Moving RDF Graphs (MOVE GRAPH ... TO GRAPH)</a:t>
             </a:r>
+            <a:endParaRPr lang="en-IN" sz="1600" dirty="0">
+              <a:latin typeface="Georgia" panose="02040502050405020303"/>
+              <a:ea typeface="Georgia" panose="02040502050405020303"/>
+              <a:cs typeface="Georgia" panose="02040502050405020303"/>
+              <a:sym typeface="Georgia" panose="02040502050405020303"/>
+            </a:endParaRPr>
           </a:p>
           <a:p>
             <a:pPr marL="323850" lvl="0" indent="-285750">
@@ -19038,10 +18859,10 @@
             </a:pPr>
             <a:r>
               <a:rPr lang="en-IN" sz="1600" dirty="0">
-                <a:latin typeface="Georgia"/>
-                <a:ea typeface="Georgia"/>
-                <a:cs typeface="Georgia"/>
-                <a:sym typeface="Georgia"/>
+                <a:latin typeface="Georgia" panose="02040502050405020303"/>
+                <a:ea typeface="Georgia" panose="02040502050405020303"/>
+                <a:cs typeface="Georgia" panose="02040502050405020303"/>
+                <a:sym typeface="Georgia" panose="02040502050405020303"/>
               </a:rPr>
               <a:t>Adding RDF Graphs (ADD GRAPH TO GRAPH)</a:t>
             </a:r>
@@ -19050,11 +18871,6 @@
         </p:txBody>
       </p:sp>
     </p:spTree>
-    <p:extLst>
-      <p:ext uri="{BB962C8B-B14F-4D97-AF65-F5344CB8AC3E}">
-        <p14:creationId xmlns:p14="http://schemas.microsoft.com/office/powerpoint/2010/main" val="3016599731"/>
-      </p:ext>
-    </p:extLst>
   </p:cSld>
   <p:clrMapOvr>
     <a:masterClrMapping/>
@@ -19081,13 +18897,7 @@
       </p:grpSpPr>
       <p:sp>
         <p:nvSpPr>
-          <p:cNvPr id="2" name="Title 1">
-            <a:extLst>
-              <a:ext uri="{FF2B5EF4-FFF2-40B4-BE49-F238E27FC236}">
-                <a16:creationId xmlns:a16="http://schemas.microsoft.com/office/drawing/2014/main" id="{396DF911-E9B8-4FB6-9569-6FDDCF04751B}"/>
-              </a:ext>
-            </a:extLst>
-          </p:cNvPr>
+          <p:cNvPr id="2" name="Title 1"/>
           <p:cNvSpPr>
             <a:spLocks noGrp="1"/>
           </p:cNvSpPr>
@@ -19109,18 +18919,13 @@
               <a:rPr lang="en-IN" sz="2400" dirty="0"/>
               <a:t>SELECT: Return the name of an organization with particular URI </a:t>
             </a:r>
+            <a:endParaRPr lang="en-IN" sz="2400" dirty="0"/>
           </a:p>
         </p:txBody>
       </p:sp>
       <p:sp>
         <p:nvSpPr>
-          <p:cNvPr id="4" name="Google Shape;319;p40">
-            <a:extLst>
-              <a:ext uri="{FF2B5EF4-FFF2-40B4-BE49-F238E27FC236}">
-                <a16:creationId xmlns:a16="http://schemas.microsoft.com/office/drawing/2014/main" id="{137BE9C3-5535-4778-B124-EBA6A3B32DD1}"/>
-              </a:ext>
-            </a:extLst>
-          </p:cNvPr>
+          <p:cNvPr id="4" name="Google Shape;319;p40"/>
           <p:cNvSpPr/>
           <p:nvPr/>
         </p:nvSpPr>
@@ -19133,9 +18938,7 @@
             <a:avLst/>
           </a:prstGeom>
           <a:blipFill rotWithShape="1">
-            <a:blip r:embed="rId2">
-              <a:alphaModFix/>
-            </a:blip>
+            <a:blip r:embed="rId1"/>
             <a:stretch>
               <a:fillRect/>
             </a:stretch>
@@ -19165,13 +18968,7 @@
       </p:sp>
       <p:sp>
         <p:nvSpPr>
-          <p:cNvPr id="5" name="Google Shape;320;p40">
-            <a:extLst>
-              <a:ext uri="{FF2B5EF4-FFF2-40B4-BE49-F238E27FC236}">
-                <a16:creationId xmlns:a16="http://schemas.microsoft.com/office/drawing/2014/main" id="{B47BE04D-F4DB-4059-A9B8-0C4A404FA3E7}"/>
-              </a:ext>
-            </a:extLst>
-          </p:cNvPr>
+          <p:cNvPr id="5" name="Google Shape;320;p40"/>
           <p:cNvSpPr/>
           <p:nvPr/>
         </p:nvSpPr>
@@ -19184,9 +18981,7 @@
             <a:avLst/>
           </a:prstGeom>
           <a:blipFill rotWithShape="1">
-            <a:blip r:embed="rId3">
-              <a:alphaModFix/>
-            </a:blip>
+            <a:blip r:embed="rId2"/>
             <a:stretch>
               <a:fillRect/>
             </a:stretch>
@@ -19216,13 +19011,7 @@
       </p:sp>
       <p:sp>
         <p:nvSpPr>
-          <p:cNvPr id="6" name="Google Shape;321;p40">
-            <a:extLst>
-              <a:ext uri="{FF2B5EF4-FFF2-40B4-BE49-F238E27FC236}">
-                <a16:creationId xmlns:a16="http://schemas.microsoft.com/office/drawing/2014/main" id="{37469803-5BD5-404C-9846-D35DC8BFE2E1}"/>
-              </a:ext>
-            </a:extLst>
-          </p:cNvPr>
+          <p:cNvPr id="6" name="Google Shape;321;p40"/>
           <p:cNvSpPr txBox="1"/>
           <p:nvPr/>
         </p:nvSpPr>
@@ -19264,19 +19053,19 @@
               <a:buNone/>
             </a:pPr>
             <a:r>
-              <a:rPr lang="en" sz="1000">
-                <a:latin typeface="Georgia"/>
-                <a:ea typeface="Georgia"/>
-                <a:cs typeface="Georgia"/>
-                <a:sym typeface="Georgia"/>
+              <a:rPr lang="en-GB" sz="1000">
+                <a:latin typeface="Georgia" panose="02040502050405020303"/>
+                <a:ea typeface="Georgia" panose="02040502050405020303"/>
+                <a:cs typeface="Georgia" panose="02040502050405020303"/>
+                <a:sym typeface="Georgia" panose="02040502050405020303"/>
               </a:rPr>
               <a:t>comp:A rov:haslegalName “Niké” .  comp:A org:hasRegisteredSite site:1234 .</a:t>
             </a:r>
             <a:endParaRPr sz="1000">
-              <a:latin typeface="Times New Roman"/>
-              <a:ea typeface="Times New Roman"/>
-              <a:cs typeface="Times New Roman"/>
-              <a:sym typeface="Times New Roman"/>
+              <a:latin typeface="Times New Roman" panose="02020603050405020304"/>
+              <a:ea typeface="Times New Roman" panose="02020603050405020304"/>
+              <a:cs typeface="Times New Roman" panose="02020603050405020304"/>
+              <a:sym typeface="Times New Roman" panose="02020603050405020304"/>
             </a:endParaRPr>
           </a:p>
           <a:p>
@@ -19293,19 +19082,19 @@
               <a:buNone/>
             </a:pPr>
             <a:r>
-              <a:rPr lang="en" sz="1000">
-                <a:latin typeface="Georgia"/>
-                <a:ea typeface="Georgia"/>
-                <a:cs typeface="Georgia"/>
-                <a:sym typeface="Georgia"/>
+              <a:rPr lang="en-GB" sz="1000">
+                <a:latin typeface="Georgia" panose="02040502050405020303"/>
+                <a:ea typeface="Georgia" panose="02040502050405020303"/>
+                <a:cs typeface="Georgia" panose="02040502050405020303"/>
+                <a:sym typeface="Georgia" panose="02040502050405020303"/>
               </a:rPr>
               <a:t>Comp:B rov:haslegalName “BARCO” .</a:t>
             </a:r>
             <a:endParaRPr sz="1000">
-              <a:latin typeface="Georgia"/>
-              <a:ea typeface="Georgia"/>
-              <a:cs typeface="Georgia"/>
-              <a:sym typeface="Georgia"/>
+              <a:latin typeface="Georgia" panose="02040502050405020303"/>
+              <a:ea typeface="Georgia" panose="02040502050405020303"/>
+              <a:cs typeface="Georgia" panose="02040502050405020303"/>
+              <a:sym typeface="Georgia" panose="02040502050405020303"/>
             </a:endParaRPr>
           </a:p>
           <a:p>
@@ -19322,10 +19111,10 @@
               <a:buNone/>
             </a:pPr>
             <a:endParaRPr sz="1000">
-              <a:latin typeface="Times New Roman"/>
-              <a:ea typeface="Times New Roman"/>
-              <a:cs typeface="Times New Roman"/>
-              <a:sym typeface="Times New Roman"/>
+              <a:latin typeface="Times New Roman" panose="02020603050405020304"/>
+              <a:ea typeface="Times New Roman" panose="02020603050405020304"/>
+              <a:cs typeface="Times New Roman" panose="02020603050405020304"/>
+              <a:sym typeface="Times New Roman" panose="02020603050405020304"/>
             </a:endParaRPr>
           </a:p>
           <a:p>
@@ -19342,32 +19131,26 @@
               <a:buNone/>
             </a:pPr>
             <a:r>
-              <a:rPr lang="en" sz="1000">
-                <a:latin typeface="Georgia"/>
-                <a:ea typeface="Georgia"/>
-                <a:cs typeface="Georgia"/>
-                <a:sym typeface="Georgia"/>
+              <a:rPr lang="en-GB" sz="1000">
+                <a:latin typeface="Georgia" panose="02040502050405020303"/>
+                <a:ea typeface="Georgia" panose="02040502050405020303"/>
+                <a:cs typeface="Georgia" panose="02040502050405020303"/>
+                <a:sym typeface="Georgia" panose="02040502050405020303"/>
               </a:rPr>
               <a:t>site:1234 locn:fullAddress “Dahliastraat 24, 2160 Wommelgem .</a:t>
             </a:r>
             <a:endParaRPr sz="1000">
-              <a:latin typeface="Georgia"/>
-              <a:ea typeface="Georgia"/>
-              <a:cs typeface="Georgia"/>
-              <a:sym typeface="Georgia"/>
+              <a:latin typeface="Georgia" panose="02040502050405020303"/>
+              <a:ea typeface="Georgia" panose="02040502050405020303"/>
+              <a:cs typeface="Georgia" panose="02040502050405020303"/>
+              <a:sym typeface="Georgia" panose="02040502050405020303"/>
             </a:endParaRPr>
           </a:p>
         </p:txBody>
       </p:sp>
       <p:sp>
         <p:nvSpPr>
-          <p:cNvPr id="7" name="Google Shape;322;p40">
-            <a:extLst>
-              <a:ext uri="{FF2B5EF4-FFF2-40B4-BE49-F238E27FC236}">
-                <a16:creationId xmlns:a16="http://schemas.microsoft.com/office/drawing/2014/main" id="{EA409712-F3AE-43DB-B4DB-CB82E2532A10}"/>
-              </a:ext>
-            </a:extLst>
-          </p:cNvPr>
+          <p:cNvPr id="7" name="Google Shape;322;p40"/>
           <p:cNvSpPr/>
           <p:nvPr/>
         </p:nvSpPr>
@@ -19380,9 +19163,7 @@
             <a:avLst/>
           </a:prstGeom>
           <a:blipFill rotWithShape="1">
-            <a:blip r:embed="rId4">
-              <a:alphaModFix/>
-            </a:blip>
+            <a:blip r:embed="rId3"/>
             <a:stretch>
               <a:fillRect/>
             </a:stretch>
@@ -19412,13 +19193,7 @@
       </p:sp>
       <p:sp>
         <p:nvSpPr>
-          <p:cNvPr id="8" name="Google Shape;323;p40">
-            <a:extLst>
-              <a:ext uri="{FF2B5EF4-FFF2-40B4-BE49-F238E27FC236}">
-                <a16:creationId xmlns:a16="http://schemas.microsoft.com/office/drawing/2014/main" id="{2F0F451E-D5E4-493A-A1CB-E547B03EF3F9}"/>
-              </a:ext>
-            </a:extLst>
-          </p:cNvPr>
+          <p:cNvPr id="8" name="Google Shape;323;p40"/>
           <p:cNvSpPr/>
           <p:nvPr/>
         </p:nvSpPr>
@@ -19431,9 +19206,7 @@
             <a:avLst/>
           </a:prstGeom>
           <a:blipFill rotWithShape="1">
-            <a:blip r:embed="rId5">
-              <a:alphaModFix/>
-            </a:blip>
+            <a:blip r:embed="rId4"/>
             <a:stretch>
               <a:fillRect/>
             </a:stretch>
@@ -19463,13 +19236,7 @@
       </p:sp>
       <p:sp>
         <p:nvSpPr>
-          <p:cNvPr id="9" name="Google Shape;324;p40">
-            <a:extLst>
-              <a:ext uri="{FF2B5EF4-FFF2-40B4-BE49-F238E27FC236}">
-                <a16:creationId xmlns:a16="http://schemas.microsoft.com/office/drawing/2014/main" id="{F19B4BE0-0050-4ABB-A736-9F02D8F52CB6}"/>
-              </a:ext>
-            </a:extLst>
-          </p:cNvPr>
+          <p:cNvPr id="9" name="Google Shape;324;p40"/>
           <p:cNvSpPr txBox="1"/>
           <p:nvPr/>
         </p:nvSpPr>
@@ -19511,36 +19278,36 @@
               <a:buNone/>
             </a:pPr>
             <a:r>
-              <a:rPr lang="en" sz="900" dirty="0">
-                <a:latin typeface="Georgia"/>
-                <a:ea typeface="Georgia"/>
-                <a:cs typeface="Georgia"/>
-                <a:sym typeface="Georgia"/>
+              <a:rPr lang="en-GB" sz="900" dirty="0">
+                <a:latin typeface="Georgia" panose="02040502050405020303"/>
+                <a:ea typeface="Georgia" panose="02040502050405020303"/>
+                <a:cs typeface="Georgia" panose="02040502050405020303"/>
+                <a:sym typeface="Georgia" panose="02040502050405020303"/>
               </a:rPr>
               <a:t>PREFIX comp: &lt; </a:t>
             </a:r>
             <a:r>
-              <a:rPr lang="en" sz="900" u="sng" dirty="0">
+              <a:rPr lang="en-GB" sz="900" u="sng" dirty="0">
                 <a:solidFill>
                   <a:schemeClr val="hlink"/>
                 </a:solidFill>
-                <a:latin typeface="Georgia"/>
-                <a:ea typeface="Georgia"/>
-                <a:cs typeface="Georgia"/>
-                <a:sym typeface="Georgia"/>
-                <a:hlinkClick r:id="rId6"/>
+                <a:latin typeface="Georgia" panose="02040502050405020303"/>
+                <a:ea typeface="Georgia" panose="02040502050405020303"/>
+                <a:cs typeface="Georgia" panose="02040502050405020303"/>
+                <a:sym typeface="Georgia" panose="02040502050405020303"/>
+                <a:hlinkClick r:id="rId5"/>
               </a:rPr>
               <a:t>http://example/org/org/&gt;</a:t>
             </a:r>
             <a:endParaRPr sz="900" dirty="0">
-              <a:latin typeface="Georgia"/>
-              <a:ea typeface="Georgia"/>
-              <a:cs typeface="Georgia"/>
-              <a:sym typeface="Georgia"/>
+              <a:latin typeface="Georgia" panose="02040502050405020303"/>
+              <a:ea typeface="Georgia" panose="02040502050405020303"/>
+              <a:cs typeface="Georgia" panose="02040502050405020303"/>
+              <a:sym typeface="Georgia" panose="02040502050405020303"/>
             </a:endParaRPr>
           </a:p>
           <a:p>
-            <a:pPr marL="91440" marR="4040503" lvl="0" indent="0" algn="l" rtl="0">
+            <a:pPr marL="91440" marR="4040505" lvl="0" indent="0" algn="l" rtl="0">
               <a:lnSpc>
                 <a:spcPct val="100000"/>
               </a:lnSpc>
@@ -19553,54 +19320,54 @@
               <a:buNone/>
             </a:pPr>
             <a:r>
-              <a:rPr lang="en" sz="900" dirty="0">
-                <a:latin typeface="Georgia"/>
-                <a:ea typeface="Georgia"/>
-                <a:cs typeface="Georgia"/>
-                <a:sym typeface="Georgia"/>
+              <a:rPr lang="en-GB" sz="900" dirty="0">
+                <a:latin typeface="Georgia" panose="02040502050405020303"/>
+                <a:ea typeface="Georgia" panose="02040502050405020303"/>
+                <a:cs typeface="Georgia" panose="02040502050405020303"/>
+                <a:sym typeface="Georgia" panose="02040502050405020303"/>
               </a:rPr>
               <a:t>PREFIX org: &lt; </a:t>
             </a:r>
             <a:r>
-              <a:rPr lang="en" sz="900" u="sng" dirty="0">
+              <a:rPr lang="en-GB" sz="900" u="sng" dirty="0">
                 <a:solidFill>
                   <a:schemeClr val="hlink"/>
                 </a:solidFill>
-                <a:latin typeface="Georgia"/>
-                <a:ea typeface="Georgia"/>
-                <a:cs typeface="Georgia"/>
-                <a:sym typeface="Georgia"/>
-                <a:hlinkClick r:id="rId7"/>
+                <a:latin typeface="Georgia" panose="02040502050405020303"/>
+                <a:ea typeface="Georgia" panose="02040502050405020303"/>
+                <a:cs typeface="Georgia" panose="02040502050405020303"/>
+                <a:sym typeface="Georgia" panose="02040502050405020303"/>
+                <a:hlinkClick r:id="rId6"/>
               </a:rPr>
               <a:t>http://www.w3.org/TR/vocab-regorg/ </a:t>
             </a:r>
             <a:r>
-              <a:rPr lang="en" sz="900" dirty="0">
-                <a:latin typeface="Georgia"/>
-                <a:ea typeface="Georgia"/>
-                <a:cs typeface="Georgia"/>
-                <a:sym typeface="Georgia"/>
+              <a:rPr lang="en-GB" sz="900" dirty="0">
+                <a:latin typeface="Georgia" panose="02040502050405020303"/>
+                <a:ea typeface="Georgia" panose="02040502050405020303"/>
+                <a:cs typeface="Georgia" panose="02040502050405020303"/>
+                <a:sym typeface="Georgia" panose="02040502050405020303"/>
               </a:rPr>
               <a:t>&gt;  PREFIX site: &lt;</a:t>
             </a:r>
             <a:r>
-              <a:rPr lang="en" sz="900" u="sng" dirty="0">
+              <a:rPr lang="en-GB" sz="900" u="sng" dirty="0">
                 <a:solidFill>
                   <a:schemeClr val="hlink"/>
                 </a:solidFill>
-                <a:latin typeface="Georgia"/>
-                <a:ea typeface="Georgia"/>
-                <a:cs typeface="Georgia"/>
-                <a:sym typeface="Georgia"/>
-                <a:hlinkClick r:id="rId8"/>
+                <a:latin typeface="Georgia" panose="02040502050405020303"/>
+                <a:ea typeface="Georgia" panose="02040502050405020303"/>
+                <a:cs typeface="Georgia" panose="02040502050405020303"/>
+                <a:sym typeface="Georgia" panose="02040502050405020303"/>
+                <a:hlinkClick r:id="rId7"/>
               </a:rPr>
               <a:t>http://example.org/site/&gt;</a:t>
             </a:r>
             <a:endParaRPr sz="900" dirty="0">
-              <a:latin typeface="Georgia"/>
-              <a:ea typeface="Georgia"/>
-              <a:cs typeface="Georgia"/>
-              <a:sym typeface="Georgia"/>
+              <a:latin typeface="Georgia" panose="02040502050405020303"/>
+              <a:ea typeface="Georgia" panose="02040502050405020303"/>
+              <a:cs typeface="Georgia" panose="02040502050405020303"/>
+              <a:sym typeface="Georgia" panose="02040502050405020303"/>
             </a:endParaRPr>
           </a:p>
           <a:p>
@@ -19617,41 +19384,41 @@
               <a:buNone/>
             </a:pPr>
             <a:r>
-              <a:rPr lang="en" sz="900" dirty="0">
-                <a:latin typeface="Georgia"/>
-                <a:ea typeface="Georgia"/>
-                <a:cs typeface="Georgia"/>
-                <a:sym typeface="Georgia"/>
+              <a:rPr lang="en-GB" sz="900" dirty="0">
+                <a:latin typeface="Georgia" panose="02040502050405020303"/>
+                <a:ea typeface="Georgia" panose="02040502050405020303"/>
+                <a:cs typeface="Georgia" panose="02040502050405020303"/>
+                <a:sym typeface="Georgia" panose="02040502050405020303"/>
               </a:rPr>
               <a:t>PREFIX rov: &lt;</a:t>
             </a:r>
             <a:r>
-              <a:rPr lang="en" sz="900" u="sng" dirty="0">
+              <a:rPr lang="en-GB" sz="900" u="sng" dirty="0">
                 <a:solidFill>
                   <a:schemeClr val="hlink"/>
                 </a:solidFill>
-                <a:latin typeface="Georgia"/>
-                <a:ea typeface="Georgia"/>
-                <a:cs typeface="Georgia"/>
-                <a:sym typeface="Georgia"/>
-                <a:hlinkClick r:id="rId7"/>
+                <a:latin typeface="Georgia" panose="02040502050405020303"/>
+                <a:ea typeface="Georgia" panose="02040502050405020303"/>
+                <a:cs typeface="Georgia" panose="02040502050405020303"/>
+                <a:sym typeface="Georgia" panose="02040502050405020303"/>
+                <a:hlinkClick r:id="rId6"/>
               </a:rPr>
               <a:t>http://www.w3.org/TR/vocab-regorg/</a:t>
             </a:r>
             <a:r>
-              <a:rPr lang="en" sz="900" dirty="0">
-                <a:latin typeface="Georgia"/>
-                <a:ea typeface="Georgia"/>
-                <a:cs typeface="Georgia"/>
-                <a:sym typeface="Georgia"/>
+              <a:rPr lang="en-GB" sz="900" dirty="0">
+                <a:latin typeface="Georgia" panose="02040502050405020303"/>
+                <a:ea typeface="Georgia" panose="02040502050405020303"/>
+                <a:cs typeface="Georgia" panose="02040502050405020303"/>
+                <a:sym typeface="Georgia" panose="02040502050405020303"/>
               </a:rPr>
               <a:t>&gt;</a:t>
             </a:r>
             <a:endParaRPr sz="900" dirty="0">
-              <a:latin typeface="Georgia"/>
-              <a:ea typeface="Georgia"/>
-              <a:cs typeface="Georgia"/>
-              <a:sym typeface="Georgia"/>
+              <a:latin typeface="Georgia" panose="02040502050405020303"/>
+              <a:ea typeface="Georgia" panose="02040502050405020303"/>
+              <a:cs typeface="Georgia" panose="02040502050405020303"/>
+              <a:sym typeface="Georgia" panose="02040502050405020303"/>
             </a:endParaRPr>
           </a:p>
           <a:p>
@@ -19668,19 +19435,19 @@
               <a:buNone/>
             </a:pPr>
             <a:r>
-              <a:rPr lang="en" sz="900" dirty="0">
-                <a:latin typeface="Georgia"/>
-                <a:ea typeface="Georgia"/>
-                <a:cs typeface="Georgia"/>
-                <a:sym typeface="Georgia"/>
+              <a:rPr lang="en-GB" sz="900" dirty="0">
+                <a:latin typeface="Georgia" panose="02040502050405020303"/>
+                <a:ea typeface="Georgia" panose="02040502050405020303"/>
+                <a:cs typeface="Georgia" panose="02040502050405020303"/>
+                <a:sym typeface="Georgia" panose="02040502050405020303"/>
               </a:rPr>
               <a:t>SELECT ?name  WHERE</a:t>
             </a:r>
             <a:endParaRPr sz="900" dirty="0">
-              <a:latin typeface="Georgia"/>
-              <a:ea typeface="Georgia"/>
-              <a:cs typeface="Georgia"/>
-              <a:sym typeface="Georgia"/>
+              <a:latin typeface="Georgia" panose="02040502050405020303"/>
+              <a:ea typeface="Georgia" panose="02040502050405020303"/>
+              <a:cs typeface="Georgia" panose="02040502050405020303"/>
+              <a:sym typeface="Georgia" panose="02040502050405020303"/>
             </a:endParaRPr>
           </a:p>
           <a:p>
@@ -19697,19 +19464,19 @@
               <a:buNone/>
             </a:pPr>
             <a:r>
-              <a:rPr lang="en" sz="900" dirty="0">
-                <a:latin typeface="Georgia"/>
-                <a:ea typeface="Georgia"/>
-                <a:cs typeface="Georgia"/>
-                <a:sym typeface="Georgia"/>
+              <a:rPr lang="en-GB" sz="900" dirty="0">
+                <a:latin typeface="Georgia" panose="02040502050405020303"/>
+                <a:ea typeface="Georgia" panose="02040502050405020303"/>
+                <a:cs typeface="Georgia" panose="02040502050405020303"/>
+                <a:sym typeface="Georgia" panose="02040502050405020303"/>
               </a:rPr>
               <a:t>{ ?x org:hasRegisteredSite site:1234 .</a:t>
             </a:r>
             <a:endParaRPr sz="900" dirty="0">
-              <a:latin typeface="Georgia"/>
-              <a:ea typeface="Georgia"/>
-              <a:cs typeface="Georgia"/>
-              <a:sym typeface="Georgia"/>
+              <a:latin typeface="Georgia" panose="02040502050405020303"/>
+              <a:ea typeface="Georgia" panose="02040502050405020303"/>
+              <a:cs typeface="Georgia" panose="02040502050405020303"/>
+              <a:sym typeface="Georgia" panose="02040502050405020303"/>
             </a:endParaRPr>
           </a:p>
           <a:p>
@@ -19726,32 +19493,26 @@
               <a:buNone/>
             </a:pPr>
             <a:r>
-              <a:rPr lang="en" sz="900" dirty="0">
-                <a:latin typeface="Georgia"/>
-                <a:ea typeface="Georgia"/>
-                <a:cs typeface="Georgia"/>
-                <a:sym typeface="Georgia"/>
+              <a:rPr lang="en-GB" sz="900" dirty="0">
+                <a:latin typeface="Georgia" panose="02040502050405020303"/>
+                <a:ea typeface="Georgia" panose="02040502050405020303"/>
+                <a:cs typeface="Georgia" panose="02040502050405020303"/>
+                <a:sym typeface="Georgia" panose="02040502050405020303"/>
               </a:rPr>
               <a:t>?x rov:haslegalName ?name .}</a:t>
             </a:r>
             <a:endParaRPr sz="900" dirty="0">
-              <a:latin typeface="Georgia"/>
-              <a:ea typeface="Georgia"/>
-              <a:cs typeface="Georgia"/>
-              <a:sym typeface="Georgia"/>
+              <a:latin typeface="Georgia" panose="02040502050405020303"/>
+              <a:ea typeface="Georgia" panose="02040502050405020303"/>
+              <a:cs typeface="Georgia" panose="02040502050405020303"/>
+              <a:sym typeface="Georgia" panose="02040502050405020303"/>
             </a:endParaRPr>
           </a:p>
         </p:txBody>
       </p:sp>
       <p:graphicFrame>
         <p:nvGraphicFramePr>
-          <p:cNvPr id="10" name="Google Shape;325;p40">
-            <a:extLst>
-              <a:ext uri="{FF2B5EF4-FFF2-40B4-BE49-F238E27FC236}">
-                <a16:creationId xmlns:a16="http://schemas.microsoft.com/office/drawing/2014/main" id="{514DF403-0356-4CC7-8B20-39862A9A78D1}"/>
-              </a:ext>
-            </a:extLst>
-          </p:cNvPr>
+          <p:cNvPr id="10" name="Google Shape;325;p40"/>
           <p:cNvGraphicFramePr/>
           <p:nvPr/>
         </p:nvGraphicFramePr>
@@ -19767,13 +19528,7 @@
                 <a:tableStyleId>{099F67EC-F634-4B82-BBE6-A8B6BCE6BF2A}</a:tableStyleId>
               </a:tblPr>
               <a:tblGrid>
-                <a:gridCol w="7921000">
-                  <a:extLst>
-                    <a:ext uri="{9D8B030D-6E8A-4147-A177-3AD203B41FA5}">
-                      <a16:colId xmlns:a16="http://schemas.microsoft.com/office/drawing/2014/main" val="20000"/>
-                    </a:ext>
-                  </a:extLst>
-                </a:gridCol>
+                <a:gridCol w="7921000"/>
               </a:tblGrid>
               <a:tr h="228725">
                 <a:tc>
@@ -19794,22 +19549,22 @@
                         <a:buNone/>
                       </a:pPr>
                       <a:r>
-                        <a:rPr lang="en" sz="900" b="1" u="none" strike="noStrike" cap="none">
+                        <a:rPr lang="en-GB" sz="900" b="1" u="none" strike="noStrike" cap="none">
                           <a:solidFill>
                             <a:srgbClr val="A21F1F"/>
                           </a:solidFill>
-                          <a:latin typeface="Georgia"/>
-                          <a:ea typeface="Georgia"/>
-                          <a:cs typeface="Georgia"/>
-                          <a:sym typeface="Georgia"/>
+                          <a:latin typeface="Georgia" panose="02040502050405020303"/>
+                          <a:ea typeface="Georgia" panose="02040502050405020303"/>
+                          <a:cs typeface="Georgia" panose="02040502050405020303"/>
+                          <a:sym typeface="Georgia" panose="02040502050405020303"/>
                         </a:rPr>
                         <a:t>name</a:t>
                       </a:r>
                       <a:endParaRPr sz="900" u="none" strike="noStrike" cap="none">
-                        <a:latin typeface="Georgia"/>
-                        <a:ea typeface="Georgia"/>
-                        <a:cs typeface="Georgia"/>
-                        <a:sym typeface="Georgia"/>
+                        <a:latin typeface="Georgia" panose="02040502050405020303"/>
+                        <a:ea typeface="Georgia" panose="02040502050405020303"/>
+                        <a:cs typeface="Georgia" panose="02040502050405020303"/>
+                        <a:sym typeface="Georgia" panose="02040502050405020303"/>
                       </a:endParaRPr>
                     </a:p>
                   </a:txBody>
@@ -19852,11 +19607,6 @@
                     </a:lnB>
                   </a:tcPr>
                 </a:tc>
-                <a:extLst>
-                  <a:ext uri="{0D108BD9-81ED-4DB2-BD59-A6C34878D82A}">
-                    <a16:rowId xmlns:a16="http://schemas.microsoft.com/office/drawing/2014/main" val="10000"/>
-                  </a:ext>
-                </a:extLst>
               </a:tr>
               <a:tr h="228750">
                 <a:tc>
@@ -19877,19 +19627,19 @@
                         <a:buNone/>
                       </a:pPr>
                       <a:r>
-                        <a:rPr lang="en" sz="900" u="none" strike="noStrike" cap="none" dirty="0">
-                          <a:latin typeface="Georgia"/>
-                          <a:ea typeface="Georgia"/>
-                          <a:cs typeface="Georgia"/>
-                          <a:sym typeface="Georgia"/>
+                        <a:rPr lang="en-GB" sz="900" u="none" strike="noStrike" cap="none" dirty="0">
+                          <a:latin typeface="Georgia" panose="02040502050405020303"/>
+                          <a:ea typeface="Georgia" panose="02040502050405020303"/>
+                          <a:cs typeface="Georgia" panose="02040502050405020303"/>
+                          <a:sym typeface="Georgia" panose="02040502050405020303"/>
                         </a:rPr>
                         <a:t>“Niké”</a:t>
                       </a:r>
                       <a:endParaRPr sz="900" u="none" strike="noStrike" cap="none" dirty="0">
-                        <a:latin typeface="Georgia"/>
-                        <a:ea typeface="Georgia"/>
-                        <a:cs typeface="Georgia"/>
-                        <a:sym typeface="Georgia"/>
+                        <a:latin typeface="Georgia" panose="02040502050405020303"/>
+                        <a:ea typeface="Georgia" panose="02040502050405020303"/>
+                        <a:cs typeface="Georgia" panose="02040502050405020303"/>
+                        <a:sym typeface="Georgia" panose="02040502050405020303"/>
                       </a:endParaRPr>
                     </a:p>
                   </a:txBody>
@@ -19932,11 +19682,6 @@
                     </a:lnB>
                   </a:tcPr>
                 </a:tc>
-                <a:extLst>
-                  <a:ext uri="{0D108BD9-81ED-4DB2-BD59-A6C34878D82A}">
-                    <a16:rowId xmlns:a16="http://schemas.microsoft.com/office/drawing/2014/main" val="10001"/>
-                  </a:ext>
-                </a:extLst>
               </a:tr>
             </a:tbl>
           </a:graphicData>
@@ -19944,13 +19689,7 @@
       </p:graphicFrame>
       <p:sp>
         <p:nvSpPr>
-          <p:cNvPr id="11" name="Google Shape;326;p40">
-            <a:extLst>
-              <a:ext uri="{FF2B5EF4-FFF2-40B4-BE49-F238E27FC236}">
-                <a16:creationId xmlns:a16="http://schemas.microsoft.com/office/drawing/2014/main" id="{1C52CC03-3753-4414-89C3-470F85FFC20D}"/>
-              </a:ext>
-            </a:extLst>
-          </p:cNvPr>
+          <p:cNvPr id="11" name="Google Shape;326;p40"/>
           <p:cNvSpPr txBox="1"/>
           <p:nvPr/>
         </p:nvSpPr>
@@ -19986,32 +19725,26 @@
               <a:buNone/>
             </a:pPr>
             <a:r>
-              <a:rPr lang="en" sz="1200">
-                <a:latin typeface="Georgia"/>
-                <a:ea typeface="Georgia"/>
-                <a:cs typeface="Georgia"/>
-                <a:sym typeface="Georgia"/>
+              <a:rPr lang="en-GB" sz="1200">
+                <a:latin typeface="Georgia" panose="02040502050405020303"/>
+                <a:ea typeface="Georgia" panose="02040502050405020303"/>
+                <a:cs typeface="Georgia" panose="02040502050405020303"/>
+                <a:sym typeface="Georgia" panose="02040502050405020303"/>
               </a:rPr>
               <a:t>Sample data</a:t>
             </a:r>
             <a:endParaRPr sz="1200">
-              <a:latin typeface="Georgia"/>
-              <a:ea typeface="Georgia"/>
-              <a:cs typeface="Georgia"/>
-              <a:sym typeface="Georgia"/>
+              <a:latin typeface="Georgia" panose="02040502050405020303"/>
+              <a:ea typeface="Georgia" panose="02040502050405020303"/>
+              <a:cs typeface="Georgia" panose="02040502050405020303"/>
+              <a:sym typeface="Georgia" panose="02040502050405020303"/>
             </a:endParaRPr>
           </a:p>
         </p:txBody>
       </p:sp>
       <p:sp>
         <p:nvSpPr>
-          <p:cNvPr id="12" name="Google Shape;327;p40">
-            <a:extLst>
-              <a:ext uri="{FF2B5EF4-FFF2-40B4-BE49-F238E27FC236}">
-                <a16:creationId xmlns:a16="http://schemas.microsoft.com/office/drawing/2014/main" id="{67ACAE16-5E64-4C1B-844B-B4E13C2A755A}"/>
-              </a:ext>
-            </a:extLst>
-          </p:cNvPr>
+          <p:cNvPr id="12" name="Google Shape;327;p40"/>
           <p:cNvSpPr txBox="1"/>
           <p:nvPr/>
         </p:nvSpPr>
@@ -20047,32 +19780,26 @@
               <a:buNone/>
             </a:pPr>
             <a:r>
-              <a:rPr lang="en" sz="1200">
-                <a:latin typeface="Georgia"/>
-                <a:ea typeface="Georgia"/>
-                <a:cs typeface="Georgia"/>
-                <a:sym typeface="Georgia"/>
+              <a:rPr lang="en-GB" sz="1200">
+                <a:latin typeface="Georgia" panose="02040502050405020303"/>
+                <a:ea typeface="Georgia" panose="02040502050405020303"/>
+                <a:cs typeface="Georgia" panose="02040502050405020303"/>
+                <a:sym typeface="Georgia" panose="02040502050405020303"/>
               </a:rPr>
               <a:t>Query</a:t>
             </a:r>
             <a:endParaRPr sz="1200">
-              <a:latin typeface="Georgia"/>
-              <a:ea typeface="Georgia"/>
-              <a:cs typeface="Georgia"/>
-              <a:sym typeface="Georgia"/>
+              <a:latin typeface="Georgia" panose="02040502050405020303"/>
+              <a:ea typeface="Georgia" panose="02040502050405020303"/>
+              <a:cs typeface="Georgia" panose="02040502050405020303"/>
+              <a:sym typeface="Georgia" panose="02040502050405020303"/>
             </a:endParaRPr>
           </a:p>
         </p:txBody>
       </p:sp>
       <p:sp>
         <p:nvSpPr>
-          <p:cNvPr id="13" name="Google Shape;328;p40">
-            <a:extLst>
-              <a:ext uri="{FF2B5EF4-FFF2-40B4-BE49-F238E27FC236}">
-                <a16:creationId xmlns:a16="http://schemas.microsoft.com/office/drawing/2014/main" id="{C4986007-B20F-4510-8E3C-529D5D62523E}"/>
-              </a:ext>
-            </a:extLst>
-          </p:cNvPr>
+          <p:cNvPr id="13" name="Google Shape;328;p40"/>
           <p:cNvSpPr txBox="1"/>
           <p:nvPr/>
         </p:nvSpPr>
@@ -20108,29 +19835,24 @@
               <a:buNone/>
             </a:pPr>
             <a:r>
-              <a:rPr lang="en" sz="1600">
-                <a:latin typeface="Georgia"/>
-                <a:ea typeface="Georgia"/>
-                <a:cs typeface="Georgia"/>
-                <a:sym typeface="Georgia"/>
+              <a:rPr lang="en-GB" sz="1600">
+                <a:latin typeface="Georgia" panose="02040502050405020303"/>
+                <a:ea typeface="Georgia" panose="02040502050405020303"/>
+                <a:cs typeface="Georgia" panose="02040502050405020303"/>
+                <a:sym typeface="Georgia" panose="02040502050405020303"/>
               </a:rPr>
               <a:t>Result</a:t>
             </a:r>
             <a:endParaRPr sz="1600">
-              <a:latin typeface="Georgia"/>
-              <a:ea typeface="Georgia"/>
-              <a:cs typeface="Georgia"/>
-              <a:sym typeface="Georgia"/>
+              <a:latin typeface="Georgia" panose="02040502050405020303"/>
+              <a:ea typeface="Georgia" panose="02040502050405020303"/>
+              <a:cs typeface="Georgia" panose="02040502050405020303"/>
+              <a:sym typeface="Georgia" panose="02040502050405020303"/>
             </a:endParaRPr>
           </a:p>
         </p:txBody>
       </p:sp>
     </p:spTree>
-    <p:extLst>
-      <p:ext uri="{BB962C8B-B14F-4D97-AF65-F5344CB8AC3E}">
-        <p14:creationId xmlns:p14="http://schemas.microsoft.com/office/powerpoint/2010/main" val="4128747110"/>
-      </p:ext>
-    </p:extLst>
   </p:cSld>
   <p:clrMapOvr>
     <a:masterClrMapping/>
@@ -20167,7 +19889,7 @@
         </p:nvSpPr>
         <p:spPr>
           <a:xfrm>
-            <a:off x="728839" y="227475"/>
+            <a:off x="716774" y="506240"/>
             <a:ext cx="7505700" cy="954600"/>
           </a:xfrm>
           <a:prstGeom prst="rect">
@@ -20198,7 +19920,7 @@
               <a:buNone/>
             </a:pPr>
             <a:r>
-              <a:rPr lang="en" sz="3600" dirty="0"/>
+              <a:rPr lang="en-GB" sz="3600" dirty="0"/>
               <a:t>Our Progress</a:t>
             </a:r>
             <a:endParaRPr sz="3600" dirty="0"/>
@@ -20217,7 +19939,7 @@
         </p:nvSpPr>
         <p:spPr>
           <a:xfrm>
-            <a:off x="819150" y="997303"/>
+            <a:off x="819150" y="1460218"/>
             <a:ext cx="7505700" cy="3506964"/>
           </a:xfrm>
           <a:prstGeom prst="rect">
@@ -20248,22 +19970,42 @@
               <a:buNone/>
             </a:pPr>
             <a:r>
-              <a:rPr lang="en" sz="2000" dirty="0"/>
+              <a:rPr lang="en-GB" sz="2000" dirty="0"/>
               <a:t>We have completed the following:</a:t>
             </a:r>
             <a:br>
-              <a:rPr lang="en" sz="2000" dirty="0"/>
+              <a:rPr lang="en-GB" sz="2000" dirty="0"/>
             </a:br>
             <a:r>
-              <a:rPr lang="en" sz="2000" dirty="0"/>
+              <a:rPr lang="en-GB" sz="2000" dirty="0"/>
               <a:t>a) Text to GDF file conversion</a:t>
             </a:r>
             <a:br>
-              <a:rPr lang="en" sz="2000" dirty="0"/>
+              <a:rPr lang="en-GB" sz="2000" dirty="0"/>
             </a:br>
             <a:r>
-              <a:rPr lang="en" sz="2000" dirty="0"/>
+              <a:rPr lang="en-GB" sz="2000" dirty="0"/>
               <a:t>b) Generation of meta-data.gdf file</a:t>
+            </a:r>
+            <a:endParaRPr lang="en-GB" sz="2000" dirty="0"/>
+          </a:p>
+          <a:p>
+            <a:pPr marL="0" lvl="0" indent="0" algn="l" rtl="0">
+              <a:lnSpc>
+                <a:spcPct val="115000"/>
+              </a:lnSpc>
+              <a:spcBef>
+                <a:spcPts val="0"/>
+              </a:spcBef>
+              <a:spcAft>
+                <a:spcPts val="0"/>
+              </a:spcAft>
+              <a:buSzPts val="1300"/>
+              <a:buNone/>
+            </a:pPr>
+            <a:r>
+              <a:rPr lang="en-IN" altLang="en-GB" sz="2000" dirty="0"/>
+              <a:t>c) Initial steps for a querying engine.</a:t>
             </a:r>
             <a:endParaRPr sz="2000" dirty="0"/>
           </a:p>
@@ -20297,24 +20039,6 @@
               <a:buSzPts val="1300"/>
               <a:buNone/>
             </a:pPr>
-            <a:r>
-              <a:rPr lang="en" sz="2000" dirty="0"/>
-              <a:t>We will do the following in coming days:</a:t>
-            </a:r>
-            <a:br>
-              <a:rPr lang="en" sz="2000" dirty="0"/>
-            </a:br>
-            <a:r>
-              <a:rPr lang="en" sz="2000" dirty="0"/>
-              <a:t>a) Conversion of GDF file into JSON objects</a:t>
-            </a:r>
-            <a:br>
-              <a:rPr lang="en" sz="2000" dirty="0"/>
-            </a:br>
-            <a:r>
-              <a:rPr lang="en" sz="2000" dirty="0"/>
-              <a:t>b) Developing Querying engine</a:t>
-            </a:r>
             <a:endParaRPr sz="2000" dirty="0"/>
           </a:p>
         </p:txBody>
@@ -20387,7 +20111,7 @@
               <a:buNone/>
             </a:pPr>
             <a:r>
-              <a:rPr lang="en" sz="3200" dirty="0"/>
+              <a:rPr lang="en-GB" sz="3200" dirty="0"/>
               <a:t>FUTURE PROSPECTS</a:t>
             </a:r>
             <a:endParaRPr sz="3200" dirty="0"/>
@@ -20438,7 +20162,7 @@
               <a:buChar char="v"/>
             </a:pPr>
             <a:r>
-              <a:rPr lang="en" sz="2400" dirty="0"/>
+              <a:rPr lang="en-GB" sz="2400" dirty="0"/>
               <a:t>Conversion of our GDF file into JSON objects</a:t>
             </a:r>
             <a:endParaRPr sz="2400" dirty="0"/>
@@ -20459,7 +20183,7 @@
               <a:buChar char="v"/>
             </a:pPr>
             <a:r>
-              <a:rPr lang="en" sz="2400" dirty="0"/>
+              <a:rPr lang="en-GB" sz="2400" dirty="0"/>
               <a:t>Understand the working of D3.js renderer and use it to generate graph SVGs from the JSON objects generated from (a)</a:t>
             </a:r>
             <a:endParaRPr sz="2400" dirty="0"/>
@@ -20480,7 +20204,7 @@
               <a:buChar char="v"/>
             </a:pPr>
             <a:r>
-              <a:rPr lang="en" sz="2400" dirty="0"/>
+              <a:rPr lang="en-GB" sz="2400" dirty="0"/>
               <a:t>Complete the building of querying engine (based on SPARQL)</a:t>
             </a:r>
             <a:endParaRPr sz="2400" dirty="0"/>
@@ -20555,7 +20279,7 @@
               <a:buNone/>
             </a:pPr>
             <a:r>
-              <a:rPr lang="en" dirty="0"/>
+              <a:rPr lang="en-GB" dirty="0"/>
               <a:t>APPLICATIONS</a:t>
             </a:r>
             <a:endParaRPr dirty="0"/>
@@ -20606,7 +20330,7 @@
               <a:buChar char="v"/>
             </a:pPr>
             <a:r>
-              <a:rPr lang="en" sz="2000" dirty="0"/>
+              <a:rPr lang="en-GB" sz="2000" dirty="0"/>
               <a:t>Social networks</a:t>
             </a:r>
             <a:endParaRPr sz="2000" dirty="0"/>
@@ -20627,7 +20351,7 @@
               <a:buChar char="v"/>
             </a:pPr>
             <a:r>
-              <a:rPr lang="en" sz="2000" dirty="0"/>
+              <a:rPr lang="en-GB" sz="2000" dirty="0"/>
               <a:t>Network diagrams</a:t>
             </a:r>
             <a:endParaRPr sz="2000" dirty="0"/>
@@ -20648,7 +20372,7 @@
               <a:buChar char="v"/>
             </a:pPr>
             <a:r>
-              <a:rPr lang="en" sz="2000" dirty="0"/>
+              <a:rPr lang="en-GB" sz="2000" dirty="0"/>
               <a:t>Fraud detection</a:t>
             </a:r>
             <a:endParaRPr sz="2000" dirty="0"/>
@@ -20669,7 +20393,7 @@
               <a:buChar char="v"/>
             </a:pPr>
             <a:r>
-              <a:rPr lang="en" sz="2000" dirty="0"/>
+              <a:rPr lang="en-GB" sz="2000" dirty="0"/>
               <a:t>Access management</a:t>
             </a:r>
             <a:endParaRPr sz="2000" dirty="0"/>
@@ -20690,7 +20414,7 @@
               <a:buChar char="v"/>
             </a:pPr>
             <a:r>
-              <a:rPr lang="en" sz="2000" dirty="0"/>
+              <a:rPr lang="en-GB" sz="2000" dirty="0"/>
               <a:t>Graph based search of digital asset etc.</a:t>
             </a:r>
             <a:endParaRPr sz="2000" dirty="0"/>
@@ -20765,7 +20489,7 @@
               <a:buNone/>
             </a:pPr>
             <a:r>
-              <a:rPr lang="en" dirty="0"/>
+              <a:rPr lang="en-GB" dirty="0"/>
               <a:t>REFERENCES</a:t>
             </a:r>
             <a:endParaRPr dirty="0"/>
@@ -20815,16 +20539,16 @@
               <a:buNone/>
             </a:pPr>
             <a:r>
-              <a:rPr lang="en" sz="1600" u="sng" dirty="0">
+              <a:rPr lang="en-GB" sz="1600" u="sng" dirty="0">
                 <a:solidFill>
                   <a:schemeClr val="hlink"/>
                 </a:solidFill>
-                <a:hlinkClick r:id="rId3"/>
+                <a:hlinkClick r:id="rId1"/>
               </a:rPr>
               <a:t>https://github.com/Sreyas-108/GDF</a:t>
             </a:r>
             <a:r>
-              <a:rPr lang="en" sz="1600" u="sng" dirty="0">
+              <a:rPr lang="en-GB" sz="1600" u="sng" dirty="0">
                 <a:solidFill>
                   <a:schemeClr val="hlink"/>
                 </a:solidFill>
@@ -20832,7 +20556,7 @@
               <a:t> </a:t>
             </a:r>
             <a:r>
-              <a:rPr lang="en" sz="1600" dirty="0">
+              <a:rPr lang="en-GB" sz="1600" dirty="0">
                 <a:solidFill>
                   <a:schemeClr val="hlink"/>
                 </a:solidFill>
@@ -20935,10 +20659,10 @@
               <a:buNone/>
             </a:pPr>
             <a:r>
-              <a:rPr lang="en"/>
+              <a:rPr lang="en-GB"/>
               <a:t>CONCLUSION</a:t>
             </a:r>
-            <a:endParaRPr/>
+            <a:endParaRPr lang="en-GB"/>
           </a:p>
         </p:txBody>
       </p:sp>
@@ -20954,8 +20678,8 @@
         </p:nvSpPr>
         <p:spPr>
           <a:xfrm>
-            <a:off x="694973" y="1561747"/>
-            <a:ext cx="7505700" cy="2998964"/>
+            <a:off x="685165" y="1561465"/>
+            <a:ext cx="7515225" cy="2999105"/>
           </a:xfrm>
           <a:prstGeom prst="rect">
             <a:avLst/>
@@ -20986,10 +20710,14 @@
               <a:buChar char="v"/>
             </a:pPr>
             <a:r>
-              <a:rPr lang="en" sz="2000" dirty="0"/>
-              <a:t>To convert any file into GDF format.</a:t>
+              <a:rPr lang="en-GB" sz="1600" dirty="0"/>
+              <a:t>Graph databases show enormous promise in terms of efficiency, by one or more orders of magnitude</a:t>
             </a:r>
-            <a:endParaRPr sz="2000" dirty="0"/>
+            <a:r>
+              <a:rPr lang="en-IN" altLang="en-GB" sz="1600" dirty="0"/>
+              <a:t>.</a:t>
+            </a:r>
+            <a:endParaRPr lang="en-GB" sz="1600" dirty="0"/>
           </a:p>
           <a:p>
             <a:pPr marL="285750" lvl="0" indent="-285750" algn="l" rtl="0">
@@ -21007,10 +20735,14 @@
               <a:buChar char="v"/>
             </a:pPr>
             <a:r>
-              <a:rPr lang="en" sz="2000" dirty="0"/>
-              <a:t>To render the file using D3.js renderer. </a:t>
+              <a:rPr lang="en-IN" altLang="en-GB" sz="1600" dirty="0"/>
+              <a:t>G</a:t>
             </a:r>
-            <a:endParaRPr sz="2000" dirty="0"/>
+            <a:r>
+              <a:rPr lang="en-GB" sz="1600" dirty="0"/>
+              <a:t>raph databases have a very flexible data model and a mode of delivery conforming to modern methods.</a:t>
+            </a:r>
+            <a:endParaRPr lang="en-GB" sz="1600" dirty="0"/>
           </a:p>
           <a:p>
             <a:pPr marL="285750" lvl="0" indent="-285750" algn="l" rtl="0">
@@ -21021,17 +20753,21 @@
                 <a:spcPts val="1600"/>
               </a:spcBef>
               <a:spcAft>
-                <a:spcPts val="0"/>
+                <a:spcPts val="1600"/>
               </a:spcAft>
               <a:buSzPts val="1300"/>
               <a:buFont typeface="Wingdings" panose="05000000000000000000" pitchFamily="2" charset="2"/>
               <a:buChar char="v"/>
             </a:pPr>
             <a:r>
-              <a:rPr lang="en" sz="2000" dirty="0"/>
-              <a:t>We are using 7-column format for making GDF file. The same format is also followed to produce meta-data.gdf file. </a:t>
+              <a:rPr lang="en-IN" altLang="en-GB" sz="1600" dirty="0"/>
+              <a:t>We aim to</a:t>
             </a:r>
-            <a:endParaRPr sz="2000" dirty="0"/>
+            <a:r>
+              <a:rPr lang="en-GB" sz="1600" dirty="0"/>
+              <a:t>build a database engine to Create, Read, Update and Delete(CRUD).</a:t>
+            </a:r>
+            <a:endParaRPr lang="en-GB" sz="1600" dirty="0"/>
           </a:p>
           <a:p>
             <a:pPr marL="285750" lvl="0" indent="-285750" algn="l" rtl="0">
@@ -21049,10 +20785,83 @@
               <a:buChar char="v"/>
             </a:pPr>
             <a:r>
-              <a:rPr lang="en" sz="2000" dirty="0"/>
-              <a:t>We will also write code to get JSON objects corresponding to tuples in the GDF file.</a:t>
+              <a:rPr sz="1600" dirty="0"/>
+              <a:t>The paucity of time may not allow us to finish what we've started but we hope to build a foundation on which further progress can be made</a:t>
             </a:r>
-            <a:endParaRPr sz="2000" dirty="0"/>
+            <a:endParaRPr sz="1600" dirty="0"/>
+          </a:p>
+        </p:txBody>
+      </p:sp>
+    </p:spTree>
+  </p:cSld>
+  <p:clrMapOvr>
+    <a:masterClrMapping/>
+  </p:clrMapOvr>
+</p:sld>
+</file>
+
+<file path=ppt/slides/slide29.xml><?xml version="1.0" encoding="utf-8"?>
+<p:sld xmlns:a="http://schemas.openxmlformats.org/drawingml/2006/main" xmlns:r="http://schemas.openxmlformats.org/officeDocument/2006/relationships" xmlns:p="http://schemas.openxmlformats.org/presentationml/2006/main">
+  <p:cSld>
+    <p:spTree>
+      <p:nvGrpSpPr>
+        <p:cNvPr id="1" name=""/>
+        <p:cNvGrpSpPr/>
+        <p:nvPr/>
+      </p:nvGrpSpPr>
+      <p:grpSpPr/>
+      <p:sp>
+        <p:nvSpPr>
+          <p:cNvPr id="2" name="Title 1"/>
+          <p:cNvSpPr>
+            <a:spLocks noGrp="1"/>
+          </p:cNvSpPr>
+          <p:nvPr>
+            <p:ph type="title"/>
+          </p:nvPr>
+        </p:nvSpPr>
+        <p:spPr>
+          <a:xfrm>
+            <a:off x="3228975" y="2094645"/>
+            <a:ext cx="7505700" cy="954600"/>
+          </a:xfrm>
+        </p:spPr>
+        <p:txBody>
+          <a:bodyPr/>
+          <a:p>
+            <a:r>
+              <a:rPr lang="en-IN" altLang="en-US">
+                <a:ln/>
+                <a:gradFill>
+                  <a:gsLst>
+                    <a:gs pos="21000">
+                      <a:srgbClr val="53575C"/>
+                    </a:gs>
+                    <a:gs pos="88000">
+                      <a:srgbClr val="C5C7CA"/>
+                    </a:gs>
+                  </a:gsLst>
+                  <a:lin ang="5400000"/>
+                </a:gradFill>
+                <a:effectLst/>
+              </a:rPr>
+              <a:t>THANKYOU</a:t>
+            </a:r>
+            <a:endParaRPr lang="en-IN" altLang="en-US">
+              <a:ln/>
+              <a:gradFill>
+                <a:gsLst>
+                  <a:gs pos="21000">
+                    <a:srgbClr val="53575C"/>
+                  </a:gs>
+                  <a:gs pos="88000">
+                    <a:srgbClr val="C5C7CA"/>
+                  </a:gs>
+                </a:gsLst>
+                <a:lin ang="5400000"/>
+              </a:gradFill>
+              <a:effectLst/>
+            </a:endParaRPr>
           </a:p>
         </p:txBody>
       </p:sp>
@@ -21124,10 +20933,10 @@
               <a:buNone/>
             </a:pPr>
             <a:r>
-              <a:rPr lang="en"/>
+              <a:rPr lang="en-GB"/>
               <a:t>What is GRAPH DB</a:t>
             </a:r>
-            <a:endParaRPr/>
+            <a:endParaRPr lang="en-GB"/>
           </a:p>
         </p:txBody>
       </p:sp>
@@ -21174,10 +20983,10 @@
               <a:buNone/>
             </a:pPr>
             <a:r>
-              <a:rPr lang="en"/>
+              <a:rPr lang="en-GB"/>
               <a:t>Uses a graphical model to represent and store the data.</a:t>
             </a:r>
-            <a:endParaRPr/>
+            <a:endParaRPr lang="en-GB"/>
           </a:p>
           <a:p>
             <a:pPr marL="0" lvl="0" indent="0" algn="l" rtl="0">
@@ -21194,10 +21003,10 @@
               <a:buNone/>
             </a:pPr>
             <a:r>
-              <a:rPr lang="en"/>
+              <a:rPr lang="en-GB"/>
               <a:t>Unlike relational database, in which data is stored in tables using a rigid structure with a predefined schema, in graph databases, there is no predefined schema.</a:t>
             </a:r>
-            <a:endParaRPr/>
+            <a:endParaRPr lang="en-GB"/>
           </a:p>
           <a:p>
             <a:pPr marL="0" lvl="0" indent="0" algn="l" rtl="0">
@@ -21214,10 +21023,10 @@
               <a:buNone/>
             </a:pPr>
             <a:r>
-              <a:rPr lang="en"/>
+              <a:rPr lang="en-GB"/>
               <a:t>It is a No-SQL database.</a:t>
             </a:r>
-            <a:endParaRPr/>
+            <a:endParaRPr lang="en-GB"/>
           </a:p>
           <a:p>
             <a:pPr marL="0" lvl="0" indent="0" algn="l" rtl="0">
@@ -21234,10 +21043,10 @@
               <a:buNone/>
             </a:pPr>
             <a:r>
-              <a:rPr lang="en"/>
+              <a:rPr lang="en-GB"/>
               <a:t>Prominent Graph DB : Neo4j, Blazegraph, and OrientDB.</a:t>
             </a:r>
-            <a:endParaRPr/>
+            <a:endParaRPr lang="en-GB"/>
           </a:p>
         </p:txBody>
       </p:sp>
@@ -21308,7 +21117,6 @@
               <a:buSzPts val="3000"/>
               <a:buNone/>
             </a:pPr>
-            <a:endParaRPr/>
           </a:p>
         </p:txBody>
       </p:sp>
@@ -21354,7 +21162,6 @@
               <a:buSzPts val="1300"/>
               <a:buNone/>
             </a:pPr>
-            <a:endParaRPr/>
           </a:p>
         </p:txBody>
       </p:sp>
@@ -21365,11 +21172,11 @@
           <p:nvPr/>
         </p:nvPicPr>
         <p:blipFill rotWithShape="1">
-          <a:blip r:embed="rId3">
-            <a:alphaModFix/>
-          </a:blip>
+          <a:blip r:embed="rId1"/>
           <a:srcRect/>
-          <a:stretch/>
+          <a:stretch>
+            <a:fillRect/>
+          </a:stretch>
         </p:blipFill>
         <p:spPr>
           <a:xfrm>
@@ -21453,10 +21260,10 @@
               <a:buNone/>
             </a:pPr>
             <a:r>
-              <a:rPr lang="en"/>
+              <a:rPr lang="en-GB"/>
               <a:t>Example</a:t>
             </a:r>
-            <a:endParaRPr/>
+            <a:endParaRPr lang="en-GB"/>
           </a:p>
         </p:txBody>
       </p:sp>
@@ -21467,11 +21274,11 @@
           <p:nvPr/>
         </p:nvPicPr>
         <p:blipFill rotWithShape="1">
-          <a:blip r:embed="rId3">
-            <a:alphaModFix/>
-          </a:blip>
+          <a:blip r:embed="rId1"/>
           <a:srcRect/>
-          <a:stretch/>
+          <a:stretch>
+            <a:fillRect/>
+          </a:stretch>
         </p:blipFill>
         <p:spPr>
           <a:xfrm>
@@ -21555,10 +21362,10 @@
               <a:buNone/>
             </a:pPr>
             <a:r>
-              <a:rPr lang="en"/>
+              <a:rPr lang="en-GB"/>
               <a:t>Why GRAPH DB</a:t>
             </a:r>
-            <a:endParaRPr/>
+            <a:endParaRPr lang="en-GB"/>
           </a:p>
         </p:txBody>
       </p:sp>
@@ -21605,10 +21412,10 @@
               <a:buNone/>
             </a:pPr>
             <a:r>
-              <a:rPr lang="en"/>
+              <a:rPr lang="en-GB"/>
               <a:t>Better performance – Since there are no joins, recursive queries are localized to only a part of the graph.</a:t>
             </a:r>
-            <a:endParaRPr/>
+            <a:endParaRPr lang="en-GB"/>
           </a:p>
           <a:p>
             <a:pPr marL="0" lvl="0" indent="0" algn="l" rtl="0">
@@ -21625,10 +21432,10 @@
               <a:buNone/>
             </a:pPr>
             <a:r>
-              <a:rPr lang="en"/>
+              <a:rPr lang="en-GB"/>
               <a:t>Flexibility – New relationships, subgraphs can be added without disturbing existing database structure and queries, since schema is not fixed.</a:t>
             </a:r>
-            <a:endParaRPr/>
+            <a:endParaRPr lang="en-GB"/>
           </a:p>
           <a:p>
             <a:pPr marL="0" lvl="0" indent="0" algn="l" rtl="0">
@@ -21645,10 +21452,10 @@
               <a:buNone/>
             </a:pPr>
             <a:r>
-              <a:rPr lang="en"/>
+              <a:rPr lang="en-GB"/>
               <a:t>Maintenance – Application interface can be modified without any change to data definition schema.</a:t>
             </a:r>
-            <a:endParaRPr/>
+            <a:endParaRPr lang="en-GB"/>
           </a:p>
         </p:txBody>
       </p:sp>
@@ -21720,10 +21527,10 @@
               <a:buNone/>
             </a:pPr>
             <a:r>
-              <a:rPr lang="en"/>
+              <a:rPr lang="en-GB"/>
               <a:t>Our Project..</a:t>
             </a:r>
-            <a:endParaRPr/>
+            <a:endParaRPr lang="en-GB"/>
           </a:p>
         </p:txBody>
       </p:sp>
@@ -21795,10 +21602,10 @@
               <a:buNone/>
             </a:pPr>
             <a:r>
-              <a:rPr lang="en"/>
+              <a:rPr lang="en-GB"/>
               <a:t>Background and Objective</a:t>
             </a:r>
-            <a:endParaRPr/>
+            <a:endParaRPr lang="en-GB"/>
           </a:p>
         </p:txBody>
       </p:sp>
@@ -21845,7 +21652,7 @@
               <a:buNone/>
             </a:pPr>
             <a:r>
-              <a:rPr lang="en" sz="1800"/>
+              <a:rPr lang="en-GB" sz="1800"/>
               <a:t>-Many queries are often cheap and efficient, when done on a graph.</a:t>
             </a:r>
             <a:endParaRPr sz="1800"/>
@@ -21865,7 +21672,7 @@
               <a:buNone/>
             </a:pPr>
             <a:r>
-              <a:rPr lang="en" sz="1800"/>
+              <a:rPr lang="en-GB" sz="1800"/>
               <a:t>-The goal is to represent data of any kind as a graph.</a:t>
             </a:r>
             <a:endParaRPr sz="1800"/>
@@ -21885,7 +21692,7 @@
               <a:buNone/>
             </a:pPr>
             <a:r>
-              <a:rPr lang="en" sz="1800"/>
+              <a:rPr lang="en-GB" sz="1800"/>
               <a:t>-Modelled using Resource Description Framework(RDF).</a:t>
             </a:r>
             <a:endParaRPr sz="1800"/>
@@ -21905,7 +21712,7 @@
               <a:buNone/>
             </a:pPr>
             <a:r>
-              <a:rPr lang="en" sz="1800"/>
+              <a:rPr lang="en-GB" sz="1800"/>
               <a:t>-Stores data in the form of triples(Yashdeep|likes|iceCream)each having a globally unique Resource ID.</a:t>
             </a:r>
             <a:endParaRPr sz="1800"/>
@@ -21925,7 +21732,7 @@
               <a:buNone/>
             </a:pPr>
             <a:r>
-              <a:rPr lang="en" sz="1800"/>
+              <a:rPr lang="en-GB" sz="1800"/>
               <a:t>-Uses platforms like GitHub, Docker ,Bash and Python etc.</a:t>
             </a:r>
             <a:endParaRPr sz="1800"/>
@@ -22000,7 +21807,7 @@
               <a:buNone/>
             </a:pPr>
             <a:r>
-              <a:rPr lang="en" sz="3000"/>
+              <a:rPr lang="en-GB" sz="3000"/>
               <a:t>Various stages of the Project</a:t>
             </a:r>
             <a:endParaRPr sz="3000"/>
@@ -22050,7 +21857,7 @@
               <a:buNone/>
             </a:pPr>
             <a:r>
-              <a:rPr lang="en" sz="1800"/>
+              <a:rPr lang="en-GB" sz="1800"/>
               <a:t>1)Deciding the structure of our GDF files.</a:t>
             </a:r>
             <a:endParaRPr sz="1800"/>
@@ -22070,7 +21877,7 @@
               <a:buNone/>
             </a:pPr>
             <a:r>
-              <a:rPr lang="en" sz="1800"/>
+              <a:rPr lang="en-GB" sz="1800"/>
               <a:t>-Any kind of data is ultimately reduced to this form.</a:t>
             </a:r>
             <a:endParaRPr sz="1800"/>
@@ -22090,7 +21897,7 @@
               <a:buNone/>
             </a:pPr>
             <a:r>
-              <a:rPr lang="en" sz="1800"/>
+              <a:rPr lang="en-GB" sz="1800"/>
               <a:t>-We are using a 7-column format.(1 hash,3 resources,3 qualifiers)</a:t>
             </a:r>
             <a:endParaRPr sz="1800"/>
@@ -22110,7 +21917,7 @@
               <a:buNone/>
             </a:pPr>
             <a:r>
-              <a:rPr lang="en" sz="1800"/>
+              <a:rPr lang="en-GB" sz="1800"/>
               <a:t>	-Hash is a unique ID given to each triple.</a:t>
             </a:r>
             <a:endParaRPr sz="1800"/>
@@ -22130,7 +21937,7 @@
               <a:buNone/>
             </a:pPr>
             <a:r>
-              <a:rPr lang="en" sz="1800"/>
+              <a:rPr lang="en-GB" sz="1800"/>
               <a:t>	-Resources are a reference to any object/entity.</a:t>
             </a:r>
             <a:endParaRPr sz="1800"/>
@@ -22150,7 +21957,7 @@
               <a:buNone/>
             </a:pPr>
             <a:r>
-              <a:rPr lang="en" sz="1800"/>
+              <a:rPr lang="en-GB" sz="1800"/>
               <a:t>	-Qualifiers are like adjectives.(blue sky).</a:t>
             </a:r>
             <a:endParaRPr sz="1800"/>
@@ -22441,8 +22248,11 @@
       </a:bgFillStyleLst>
     </a:fmtScheme>
   </a:themeElements>
-  <a:objectDefaults/>
-  <a:extraClrSchemeLst/>
+  <a:extLst>
+    <a:ext uri="{05A4C25C-085E-4340-85A3-A5531E510DB2}">
+      <thm15:themeFamily xmlns:thm15="http://schemas.microsoft.com/office/thememl/2012/main" name="Office Theme" id="{62F939B6-93AF-4DB8-9C6B-D6C7DFDC589F}" vid="{4A3C46E8-61CC-4603-A589-7422A47A8E4A}"/>
+    </a:ext>
+  </a:extLst>
 </a:theme>
 </file>
 
@@ -22722,7 +22532,10 @@
       </a:bgFillStyleLst>
     </a:fmtScheme>
   </a:themeElements>
-  <a:objectDefaults/>
-  <a:extraClrSchemeLst/>
+  <a:extLst>
+    <a:ext uri="{05A4C25C-085E-4340-85A3-A5531E510DB2}">
+      <thm15:themeFamily xmlns:thm15="http://schemas.microsoft.com/office/thememl/2012/main" name="Office Theme" id="{62F939B6-93AF-4DB8-9C6B-D6C7DFDC589F}" vid="{4A3C46E8-61CC-4603-A589-7422A47A8E4A}"/>
+    </a:ext>
+  </a:extLst>
 </a:theme>
 </file>